--- a/JavaScript.pptx
+++ b/JavaScript.pptx
@@ -5,7 +5,7 @@
     <p:sldMasterId id="2147483659" r:id="rId1"/>
   </p:sldMasterIdLst>
   <p:notesMasterIdLst>
-    <p:notesMasterId r:id="rId23"/>
+    <p:notesMasterId r:id="rId24"/>
   </p:notesMasterIdLst>
   <p:sldIdLst>
     <p:sldId id="256" r:id="rId2"/>
@@ -26,19 +26,20 @@
     <p:sldId id="312" r:id="rId17"/>
     <p:sldId id="313" r:id="rId18"/>
     <p:sldId id="314" r:id="rId19"/>
-    <p:sldId id="261" r:id="rId20"/>
-    <p:sldId id="262" r:id="rId21"/>
-    <p:sldId id="315" r:id="rId22"/>
+    <p:sldId id="318" r:id="rId20"/>
+    <p:sldId id="261" r:id="rId21"/>
+    <p:sldId id="262" r:id="rId22"/>
+    <p:sldId id="315" r:id="rId23"/>
   </p:sldIdLst>
   <p:sldSz cx="9144000" cy="5143500" type="screen16x9"/>
   <p:notesSz cx="6858000" cy="9144000"/>
   <p:embeddedFontLst>
     <p:embeddedFont>
-      <p:font typeface="Roboto" charset="0"/>
-      <p:regular r:id="rId24"/>
-      <p:bold r:id="rId25"/>
-      <p:italic r:id="rId26"/>
-      <p:boldItalic r:id="rId27"/>
+      <p:font typeface="Roboto" panose="020B0604020202020204" charset="0"/>
+      <p:regular r:id="rId25"/>
+      <p:bold r:id="rId26"/>
+      <p:italic r:id="rId27"/>
+      <p:boldItalic r:id="rId28"/>
     </p:embeddedFont>
   </p:embeddedFontLst>
   <p:defaultTextStyle>
@@ -272,7 +273,7 @@
   </p:defaultTextStyle>
   <p:extLst>
     <p:ext uri="{EFAFB233-063F-42B5-8137-9DF3F51BA10A}">
-      <p15:sldGuideLst xmlns="" xmlns:mc="http://schemas.openxmlformats.org/markup-compatibility/2006" xmlns:mv="urn:schemas-microsoft-com:mac:vml" xmlns:c="http://schemas.openxmlformats.org/drawingml/2006/chart" xmlns:dgm="http://schemas.openxmlformats.org/drawingml/2006/diagram" xmlns:o="urn:schemas-microsoft-com:office:office" xmlns:v="urn:schemas-microsoft-com:vml" xmlns:pvml="urn:schemas-microsoft-com:office:powerpoint" xmlns:com="http://schemas.openxmlformats.org/drawingml/2006/compatibility" xmlns:p14="http://schemas.microsoft.com/office/powerpoint/2010/main" xmlns:p15="http://schemas.microsoft.com/office/powerpoint/2012/main" xmlns:ahyp="http://schemas.microsoft.com/office/drawing/2018/hyperlinkcolor">
+      <p15:sldGuideLst xmlns:p15="http://schemas.microsoft.com/office/powerpoint/2012/main">
         <p15:guide id="1" orient="horz" pos="1620">
           <p15:clr>
             <a:srgbClr val="747775"/>
@@ -1780,7 +1781,7 @@
   <p:cSld>
     <p:spTree>
       <p:nvGrpSpPr>
-        <p:cNvPr id="1" name="Shape 111"/>
+        <p:cNvPr id="1" name="Shape 99"/>
         <p:cNvGrpSpPr/>
         <p:nvPr/>
       </p:nvGrpSpPr>
@@ -1794,7 +1795,7 @@
       </p:grpSpPr>
       <p:sp>
         <p:nvSpPr>
-          <p:cNvPr id="112" name="Google Shape;112;g2717456bdea_0_29:notes"/>
+          <p:cNvPr id="100" name="Google Shape;100;g2ddc889944f_0_0:notes"/>
           <p:cNvSpPr>
             <a:spLocks noGrp="1" noRot="1" noChangeAspect="1"/>
           </p:cNvSpPr>
@@ -1804,7 +1805,7 @@
         </p:nvSpPr>
         <p:spPr>
           <a:xfrm>
-            <a:off x="381300" y="685800"/>
+            <a:off x="381000" y="685800"/>
             <a:ext cx="6096000" cy="3429000"/>
           </a:xfrm>
           <a:custGeom>
@@ -1835,7 +1836,7 @@
       </p:sp>
       <p:sp>
         <p:nvSpPr>
-          <p:cNvPr id="113" name="Google Shape;113;g2717456bdea_0_29:notes"/>
+          <p:cNvPr id="101" name="Google Shape;101;g2ddc889944f_0_0:notes"/>
           <p:cNvSpPr txBox="1">
             <a:spLocks noGrp="1"/>
           </p:cNvSpPr>
@@ -1872,6 +1873,11 @@
         </p:txBody>
       </p:sp>
     </p:spTree>
+    <p:extLst>
+      <p:ext uri="{BB962C8B-B14F-4D97-AF65-F5344CB8AC3E}">
+        <p14:creationId xmlns:p14="http://schemas.microsoft.com/office/powerpoint/2010/main" val="998381971"/>
+      </p:ext>
+    </p:extLst>
   </p:cSld>
   <p:clrMapOvr>
     <a:masterClrMapping/>
@@ -1988,6 +1994,110 @@
   <p:cSld>
     <p:spTree>
       <p:nvGrpSpPr>
+        <p:cNvPr id="1" name="Shape 111"/>
+        <p:cNvGrpSpPr/>
+        <p:nvPr/>
+      </p:nvGrpSpPr>
+      <p:grpSpPr>
+        <a:xfrm>
+          <a:off x="0" y="0"/>
+          <a:ext cx="0" cy="0"/>
+          <a:chOff x="0" y="0"/>
+          <a:chExt cx="0" cy="0"/>
+        </a:xfrm>
+      </p:grpSpPr>
+      <p:sp>
+        <p:nvSpPr>
+          <p:cNvPr id="112" name="Google Shape;112;g2717456bdea_0_29:notes"/>
+          <p:cNvSpPr>
+            <a:spLocks noGrp="1" noRot="1" noChangeAspect="1"/>
+          </p:cNvSpPr>
+          <p:nvPr>
+            <p:ph type="sldImg" idx="2"/>
+          </p:nvPr>
+        </p:nvSpPr>
+        <p:spPr>
+          <a:xfrm>
+            <a:off x="381300" y="685800"/>
+            <a:ext cx="6096000" cy="3429000"/>
+          </a:xfrm>
+          <a:custGeom>
+            <a:avLst/>
+            <a:gdLst/>
+            <a:ahLst/>
+            <a:cxnLst/>
+            <a:rect l="l" t="t" r="r" b="b"/>
+            <a:pathLst>
+              <a:path w="120000" h="120000" extrusionOk="0">
+                <a:moveTo>
+                  <a:pt x="0" y="0"/>
+                </a:moveTo>
+                <a:lnTo>
+                  <a:pt x="120000" y="0"/>
+                </a:lnTo>
+                <a:lnTo>
+                  <a:pt x="120000" y="120000"/>
+                </a:lnTo>
+                <a:lnTo>
+                  <a:pt x="0" y="120000"/>
+                </a:lnTo>
+                <a:close/>
+              </a:path>
+            </a:pathLst>
+          </a:custGeom>
+        </p:spPr>
+      </p:sp>
+      <p:sp>
+        <p:nvSpPr>
+          <p:cNvPr id="113" name="Google Shape;113;g2717456bdea_0_29:notes"/>
+          <p:cNvSpPr txBox="1">
+            <a:spLocks noGrp="1"/>
+          </p:cNvSpPr>
+          <p:nvPr>
+            <p:ph type="body" idx="1"/>
+          </p:nvPr>
+        </p:nvSpPr>
+        <p:spPr>
+          <a:xfrm>
+            <a:off x="685800" y="4343400"/>
+            <a:ext cx="5486400" cy="4114800"/>
+          </a:xfrm>
+          <a:prstGeom prst="rect">
+            <a:avLst/>
+          </a:prstGeom>
+        </p:spPr>
+        <p:txBody>
+          <a:bodyPr spcFirstLastPara="1" wrap="square" lIns="91425" tIns="91425" rIns="91425" bIns="91425" anchor="t" anchorCtr="0">
+            <a:noAutofit/>
+          </a:bodyPr>
+          <a:lstStyle/>
+          <a:p>
+            <a:pPr marL="0" lvl="0" indent="0" algn="l" rtl="0">
+              <a:spcBef>
+                <a:spcPts val="0"/>
+              </a:spcBef>
+              <a:spcAft>
+                <a:spcPts val="0"/>
+              </a:spcAft>
+              <a:buNone/>
+            </a:pPr>
+            <a:endParaRPr/>
+          </a:p>
+        </p:txBody>
+      </p:sp>
+    </p:spTree>
+  </p:cSld>
+  <p:clrMapOvr>
+    <a:masterClrMapping/>
+  </p:clrMapOvr>
+</p:notes>
+</file>
+
+<file path=ppt/notesSlides/notesSlide21.xml><?xml version="1.0" encoding="utf-8"?>
+<p:notes xmlns:a="http://schemas.openxmlformats.org/drawingml/2006/main" xmlns:r="http://schemas.openxmlformats.org/officeDocument/2006/relationships" xmlns:p="http://schemas.openxmlformats.org/presentationml/2006/main" showMasterSp="0" showMasterPhAnim="0">
+  <p:cSld>
+    <p:spTree>
+      <p:nvGrpSpPr>
         <p:cNvPr id="1" name="Shape 117"/>
         <p:cNvGrpSpPr/>
         <p:nvPr/>
@@ -2087,7 +2197,7 @@
 </p:notes>
 </file>
 
-<file path=ppt/notesSlides/notesSlide21.xml><?xml version="1.0" encoding="utf-8"?>
+<file path=ppt/notesSlides/notesSlide22.xml><?xml version="1.0" encoding="utf-8"?>
 <p:notes xmlns:a="http://schemas.openxmlformats.org/drawingml/2006/main" xmlns:r="http://schemas.openxmlformats.org/officeDocument/2006/relationships" xmlns:p="http://schemas.openxmlformats.org/presentationml/2006/main" showMasterSp="0" showMasterPhAnim="0">
   <p:cSld>
     <p:spTree>
@@ -9790,8 +9900,20 @@
             <a:tbl>
               <a:tblPr/>
               <a:tblGrid>
-                <a:gridCol w="2953110"/>
-                <a:gridCol w="2953110"/>
+                <a:gridCol w="2953110">
+                  <a:extLst>
+                    <a:ext uri="{9D8B030D-6E8A-4147-A177-3AD203B41FA5}">
+                      <a16:colId xmlns:a16="http://schemas.microsoft.com/office/drawing/2014/main" val="20000"/>
+                    </a:ext>
+                  </a:extLst>
+                </a:gridCol>
+                <a:gridCol w="2953110">
+                  <a:extLst>
+                    <a:ext uri="{9D8B030D-6E8A-4147-A177-3AD203B41FA5}">
+                      <a16:colId xmlns:a16="http://schemas.microsoft.com/office/drawing/2014/main" val="20001"/>
+                    </a:ext>
+                  </a:extLst>
+                </a:gridCol>
               </a:tblGrid>
               <a:tr h="325775">
                 <a:tc>
@@ -9914,6 +10036,11 @@
                     </a:solidFill>
                   </a:tcPr>
                 </a:tc>
+                <a:extLst>
+                  <a:ext uri="{0D108BD9-81ED-4DB2-BD59-A6C34878D82A}">
+                    <a16:rowId xmlns:a16="http://schemas.microsoft.com/office/drawing/2014/main" val="10000"/>
+                  </a:ext>
+                </a:extLst>
               </a:tr>
               <a:tr h="426878">
                 <a:tc>
@@ -10036,6 +10163,11 @@
                     </a:solidFill>
                   </a:tcPr>
                 </a:tc>
+                <a:extLst>
+                  <a:ext uri="{0D108BD9-81ED-4DB2-BD59-A6C34878D82A}">
+                    <a16:rowId xmlns:a16="http://schemas.microsoft.com/office/drawing/2014/main" val="10001"/>
+                  </a:ext>
+                </a:extLst>
               </a:tr>
               <a:tr h="269607">
                 <a:tc>
@@ -10158,6 +10290,11 @@
                     </a:solidFill>
                   </a:tcPr>
                 </a:tc>
+                <a:extLst>
+                  <a:ext uri="{0D108BD9-81ED-4DB2-BD59-A6C34878D82A}">
+                    <a16:rowId xmlns:a16="http://schemas.microsoft.com/office/drawing/2014/main" val="10002"/>
+                  </a:ext>
+                </a:extLst>
               </a:tr>
               <a:tr h="426878">
                 <a:tc>
@@ -10280,6 +10417,11 @@
                     </a:solidFill>
                   </a:tcPr>
                 </a:tc>
+                <a:extLst>
+                  <a:ext uri="{0D108BD9-81ED-4DB2-BD59-A6C34878D82A}">
+                    <a16:rowId xmlns:a16="http://schemas.microsoft.com/office/drawing/2014/main" val="10003"/>
+                  </a:ext>
+                </a:extLst>
               </a:tr>
               <a:tr h="269607">
                 <a:tc>
@@ -10402,6 +10544,11 @@
                     </a:solidFill>
                   </a:tcPr>
                 </a:tc>
+                <a:extLst>
+                  <a:ext uri="{0D108BD9-81ED-4DB2-BD59-A6C34878D82A}">
+                    <a16:rowId xmlns:a16="http://schemas.microsoft.com/office/drawing/2014/main" val="10004"/>
+                  </a:ext>
+                </a:extLst>
               </a:tr>
               <a:tr h="269607">
                 <a:tc>
@@ -10524,6 +10671,11 @@
                     </a:solidFill>
                   </a:tcPr>
                 </a:tc>
+                <a:extLst>
+                  <a:ext uri="{0D108BD9-81ED-4DB2-BD59-A6C34878D82A}">
+                    <a16:rowId xmlns:a16="http://schemas.microsoft.com/office/drawing/2014/main" val="10005"/>
+                  </a:ext>
+                </a:extLst>
               </a:tr>
             </a:tbl>
           </a:graphicData>
@@ -10663,8 +10815,20 @@
             <a:tbl>
               <a:tblPr/>
               <a:tblGrid>
-                <a:gridCol w="3508253"/>
-                <a:gridCol w="3508253"/>
+                <a:gridCol w="3508253">
+                  <a:extLst>
+                    <a:ext uri="{9D8B030D-6E8A-4147-A177-3AD203B41FA5}">
+                      <a16:colId xmlns:a16="http://schemas.microsoft.com/office/drawing/2014/main" val="20000"/>
+                    </a:ext>
+                  </a:extLst>
+                </a:gridCol>
+                <a:gridCol w="3508253">
+                  <a:extLst>
+                    <a:ext uri="{9D8B030D-6E8A-4147-A177-3AD203B41FA5}">
+                      <a16:colId xmlns:a16="http://schemas.microsoft.com/office/drawing/2014/main" val="20001"/>
+                    </a:ext>
+                  </a:extLst>
+                </a:gridCol>
               </a:tblGrid>
               <a:tr h="0">
                 <a:tc>
@@ -10787,6 +10951,11 @@
                     </a:solidFill>
                   </a:tcPr>
                 </a:tc>
+                <a:extLst>
+                  <a:ext uri="{0D108BD9-81ED-4DB2-BD59-A6C34878D82A}">
+                    <a16:rowId xmlns:a16="http://schemas.microsoft.com/office/drawing/2014/main" val="10000"/>
+                  </a:ext>
+                </a:extLst>
               </a:tr>
               <a:tr h="0">
                 <a:tc>
@@ -10909,6 +11078,11 @@
                     </a:solidFill>
                   </a:tcPr>
                 </a:tc>
+                <a:extLst>
+                  <a:ext uri="{0D108BD9-81ED-4DB2-BD59-A6C34878D82A}">
+                    <a16:rowId xmlns:a16="http://schemas.microsoft.com/office/drawing/2014/main" val="10001"/>
+                  </a:ext>
+                </a:extLst>
               </a:tr>
               <a:tr h="0">
                 <a:tc>
@@ -11031,6 +11205,11 @@
                     </a:solidFill>
                   </a:tcPr>
                 </a:tc>
+                <a:extLst>
+                  <a:ext uri="{0D108BD9-81ED-4DB2-BD59-A6C34878D82A}">
+                    <a16:rowId xmlns:a16="http://schemas.microsoft.com/office/drawing/2014/main" val="10002"/>
+                  </a:ext>
+                </a:extLst>
               </a:tr>
               <a:tr h="0">
                 <a:tc>
@@ -11153,6 +11332,11 @@
                     </a:solidFill>
                   </a:tcPr>
                 </a:tc>
+                <a:extLst>
+                  <a:ext uri="{0D108BD9-81ED-4DB2-BD59-A6C34878D82A}">
+                    <a16:rowId xmlns:a16="http://schemas.microsoft.com/office/drawing/2014/main" val="10003"/>
+                  </a:ext>
+                </a:extLst>
               </a:tr>
             </a:tbl>
           </a:graphicData>
@@ -11464,9 +11648,27 @@
             <a:tbl>
               <a:tblPr/>
               <a:tblGrid>
-                <a:gridCol w="2715568"/>
-                <a:gridCol w="2715568"/>
-                <a:gridCol w="2715568"/>
+                <a:gridCol w="2715568">
+                  <a:extLst>
+                    <a:ext uri="{9D8B030D-6E8A-4147-A177-3AD203B41FA5}">
+                      <a16:colId xmlns:a16="http://schemas.microsoft.com/office/drawing/2014/main" val="20000"/>
+                    </a:ext>
+                  </a:extLst>
+                </a:gridCol>
+                <a:gridCol w="2715568">
+                  <a:extLst>
+                    <a:ext uri="{9D8B030D-6E8A-4147-A177-3AD203B41FA5}">
+                      <a16:colId xmlns:a16="http://schemas.microsoft.com/office/drawing/2014/main" val="20001"/>
+                    </a:ext>
+                  </a:extLst>
+                </a:gridCol>
+                <a:gridCol w="2715568">
+                  <a:extLst>
+                    <a:ext uri="{9D8B030D-6E8A-4147-A177-3AD203B41FA5}">
+                      <a16:colId xmlns:a16="http://schemas.microsoft.com/office/drawing/2014/main" val="20002"/>
+                    </a:ext>
+                  </a:extLst>
+                </a:gridCol>
               </a:tblGrid>
               <a:tr h="0">
                 <a:tc>
@@ -11649,6 +11851,11 @@
                     </a:solidFill>
                   </a:tcPr>
                 </a:tc>
+                <a:extLst>
+                  <a:ext uri="{0D108BD9-81ED-4DB2-BD59-A6C34878D82A}">
+                    <a16:rowId xmlns:a16="http://schemas.microsoft.com/office/drawing/2014/main" val="10000"/>
+                  </a:ext>
+                </a:extLst>
               </a:tr>
               <a:tr h="0">
                 <a:tc>
@@ -11831,6 +12038,11 @@
                     </a:solidFill>
                   </a:tcPr>
                 </a:tc>
+                <a:extLst>
+                  <a:ext uri="{0D108BD9-81ED-4DB2-BD59-A6C34878D82A}">
+                    <a16:rowId xmlns:a16="http://schemas.microsoft.com/office/drawing/2014/main" val="10001"/>
+                  </a:ext>
+                </a:extLst>
               </a:tr>
               <a:tr h="0">
                 <a:tc>
@@ -12013,6 +12225,11 @@
                     </a:solidFill>
                   </a:tcPr>
                 </a:tc>
+                <a:extLst>
+                  <a:ext uri="{0D108BD9-81ED-4DB2-BD59-A6C34878D82A}">
+                    <a16:rowId xmlns:a16="http://schemas.microsoft.com/office/drawing/2014/main" val="10002"/>
+                  </a:ext>
+                </a:extLst>
               </a:tr>
               <a:tr h="0">
                 <a:tc>
@@ -12195,6 +12412,11 @@
                     </a:solidFill>
                   </a:tcPr>
                 </a:tc>
+                <a:extLst>
+                  <a:ext uri="{0D108BD9-81ED-4DB2-BD59-A6C34878D82A}">
+                    <a16:rowId xmlns:a16="http://schemas.microsoft.com/office/drawing/2014/main" val="10003"/>
+                  </a:ext>
+                </a:extLst>
               </a:tr>
               <a:tr h="0">
                 <a:tc>
@@ -12377,6 +12599,11 @@
                     </a:solidFill>
                   </a:tcPr>
                 </a:tc>
+                <a:extLst>
+                  <a:ext uri="{0D108BD9-81ED-4DB2-BD59-A6C34878D82A}">
+                    <a16:rowId xmlns:a16="http://schemas.microsoft.com/office/drawing/2014/main" val="10004"/>
+                  </a:ext>
+                </a:extLst>
               </a:tr>
               <a:tr h="0">
                 <a:tc>
@@ -12559,6 +12786,11 @@
                     </a:solidFill>
                   </a:tcPr>
                 </a:tc>
+                <a:extLst>
+                  <a:ext uri="{0D108BD9-81ED-4DB2-BD59-A6C34878D82A}">
+                    <a16:rowId xmlns:a16="http://schemas.microsoft.com/office/drawing/2014/main" val="10005"/>
+                  </a:ext>
+                </a:extLst>
               </a:tr>
               <a:tr h="0">
                 <a:tc>
@@ -12741,6 +12973,11 @@
                     </a:solidFill>
                   </a:tcPr>
                 </a:tc>
+                <a:extLst>
+                  <a:ext uri="{0D108BD9-81ED-4DB2-BD59-A6C34878D82A}">
+                    <a16:rowId xmlns:a16="http://schemas.microsoft.com/office/drawing/2014/main" val="10006"/>
+                  </a:ext>
+                </a:extLst>
               </a:tr>
               <a:tr h="0">
                 <a:tc>
@@ -12933,6 +13170,11 @@
                     </a:solidFill>
                   </a:tcPr>
                 </a:tc>
+                <a:extLst>
+                  <a:ext uri="{0D108BD9-81ED-4DB2-BD59-A6C34878D82A}">
+                    <a16:rowId xmlns:a16="http://schemas.microsoft.com/office/drawing/2014/main" val="10007"/>
+                  </a:ext>
+                </a:extLst>
               </a:tr>
             </a:tbl>
           </a:graphicData>
@@ -13298,9 +13540,27 @@
             <a:tbl>
               <a:tblPr/>
               <a:tblGrid>
-                <a:gridCol w="2586117"/>
-                <a:gridCol w="2586117"/>
-                <a:gridCol w="2586117"/>
+                <a:gridCol w="2586117">
+                  <a:extLst>
+                    <a:ext uri="{9D8B030D-6E8A-4147-A177-3AD203B41FA5}">
+                      <a16:colId xmlns:a16="http://schemas.microsoft.com/office/drawing/2014/main" val="20000"/>
+                    </a:ext>
+                  </a:extLst>
+                </a:gridCol>
+                <a:gridCol w="2586117">
+                  <a:extLst>
+                    <a:ext uri="{9D8B030D-6E8A-4147-A177-3AD203B41FA5}">
+                      <a16:colId xmlns:a16="http://schemas.microsoft.com/office/drawing/2014/main" val="20001"/>
+                    </a:ext>
+                  </a:extLst>
+                </a:gridCol>
+                <a:gridCol w="2586117">
+                  <a:extLst>
+                    <a:ext uri="{9D8B030D-6E8A-4147-A177-3AD203B41FA5}">
+                      <a16:colId xmlns:a16="http://schemas.microsoft.com/office/drawing/2014/main" val="20002"/>
+                    </a:ext>
+                  </a:extLst>
+                </a:gridCol>
               </a:tblGrid>
               <a:tr h="412379">
                 <a:tc>
@@ -13483,6 +13743,11 @@
                     </a:solidFill>
                   </a:tcPr>
                 </a:tc>
+                <a:extLst>
+                  <a:ext uri="{0D108BD9-81ED-4DB2-BD59-A6C34878D82A}">
+                    <a16:rowId xmlns:a16="http://schemas.microsoft.com/office/drawing/2014/main" val="10000"/>
+                  </a:ext>
+                </a:extLst>
               </a:tr>
               <a:tr h="341278">
                 <a:tc>
@@ -13665,6 +13930,11 @@
                     </a:solidFill>
                   </a:tcPr>
                 </a:tc>
+                <a:extLst>
+                  <a:ext uri="{0D108BD9-81ED-4DB2-BD59-A6C34878D82A}">
+                    <a16:rowId xmlns:a16="http://schemas.microsoft.com/office/drawing/2014/main" val="10001"/>
+                  </a:ext>
+                </a:extLst>
               </a:tr>
               <a:tr h="540358">
                 <a:tc>
@@ -13847,6 +14117,11 @@
                     </a:solidFill>
                   </a:tcPr>
                 </a:tc>
+                <a:extLst>
+                  <a:ext uri="{0D108BD9-81ED-4DB2-BD59-A6C34878D82A}">
+                    <a16:rowId xmlns:a16="http://schemas.microsoft.com/office/drawing/2014/main" val="10002"/>
+                  </a:ext>
+                </a:extLst>
               </a:tr>
               <a:tr h="341278">
                 <a:tc>
@@ -14029,6 +14304,11 @@
                     </a:solidFill>
                   </a:tcPr>
                 </a:tc>
+                <a:extLst>
+                  <a:ext uri="{0D108BD9-81ED-4DB2-BD59-A6C34878D82A}">
+                    <a16:rowId xmlns:a16="http://schemas.microsoft.com/office/drawing/2014/main" val="10003"/>
+                  </a:ext>
+                </a:extLst>
               </a:tr>
               <a:tr h="341278">
                 <a:tc>
@@ -14211,6 +14491,11 @@
                     </a:solidFill>
                   </a:tcPr>
                 </a:tc>
+                <a:extLst>
+                  <a:ext uri="{0D108BD9-81ED-4DB2-BD59-A6C34878D82A}">
+                    <a16:rowId xmlns:a16="http://schemas.microsoft.com/office/drawing/2014/main" val="10004"/>
+                  </a:ext>
+                </a:extLst>
               </a:tr>
               <a:tr h="341278">
                 <a:tc>
@@ -14393,6 +14678,11 @@
                     </a:solidFill>
                   </a:tcPr>
                 </a:tc>
+                <a:extLst>
+                  <a:ext uri="{0D108BD9-81ED-4DB2-BD59-A6C34878D82A}">
+                    <a16:rowId xmlns:a16="http://schemas.microsoft.com/office/drawing/2014/main" val="10005"/>
+                  </a:ext>
+                </a:extLst>
               </a:tr>
               <a:tr h="341278">
                 <a:tc>
@@ -14575,6 +14865,11 @@
                     </a:solidFill>
                   </a:tcPr>
                 </a:tc>
+                <a:extLst>
+                  <a:ext uri="{0D108BD9-81ED-4DB2-BD59-A6C34878D82A}">
+                    <a16:rowId xmlns:a16="http://schemas.microsoft.com/office/drawing/2014/main" val="10006"/>
+                  </a:ext>
+                </a:extLst>
               </a:tr>
               <a:tr h="341278">
                 <a:tc>
@@ -14757,6 +15052,11 @@
                     </a:solidFill>
                   </a:tcPr>
                 </a:tc>
+                <a:extLst>
+                  <a:ext uri="{0D108BD9-81ED-4DB2-BD59-A6C34878D82A}">
+                    <a16:rowId xmlns:a16="http://schemas.microsoft.com/office/drawing/2014/main" val="10007"/>
+                  </a:ext>
+                </a:extLst>
               </a:tr>
               <a:tr h="341278">
                 <a:tc>
@@ -14939,6 +15239,11 @@
                     </a:solidFill>
                   </a:tcPr>
                 </a:tc>
+                <a:extLst>
+                  <a:ext uri="{0D108BD9-81ED-4DB2-BD59-A6C34878D82A}">
+                    <a16:rowId xmlns:a16="http://schemas.microsoft.com/office/drawing/2014/main" val="10008"/>
+                  </a:ext>
+                </a:extLst>
               </a:tr>
             </a:tbl>
           </a:graphicData>
@@ -15188,9 +15493,27 @@
             <a:tbl>
               <a:tblPr/>
               <a:tblGrid>
-                <a:gridCol w="2603222"/>
-                <a:gridCol w="2603222"/>
-                <a:gridCol w="2603222"/>
+                <a:gridCol w="2603222">
+                  <a:extLst>
+                    <a:ext uri="{9D8B030D-6E8A-4147-A177-3AD203B41FA5}">
+                      <a16:colId xmlns:a16="http://schemas.microsoft.com/office/drawing/2014/main" val="20000"/>
+                    </a:ext>
+                  </a:extLst>
+                </a:gridCol>
+                <a:gridCol w="2603222">
+                  <a:extLst>
+                    <a:ext uri="{9D8B030D-6E8A-4147-A177-3AD203B41FA5}">
+                      <a16:colId xmlns:a16="http://schemas.microsoft.com/office/drawing/2014/main" val="20001"/>
+                    </a:ext>
+                  </a:extLst>
+                </a:gridCol>
+                <a:gridCol w="2603222">
+                  <a:extLst>
+                    <a:ext uri="{9D8B030D-6E8A-4147-A177-3AD203B41FA5}">
+                      <a16:colId xmlns:a16="http://schemas.microsoft.com/office/drawing/2014/main" val="20002"/>
+                    </a:ext>
+                  </a:extLst>
+                </a:gridCol>
               </a:tblGrid>
               <a:tr h="440581">
                 <a:tc>
@@ -15373,6 +15696,11 @@
                     </a:solidFill>
                   </a:tcPr>
                 </a:tc>
+                <a:extLst>
+                  <a:ext uri="{0D108BD9-81ED-4DB2-BD59-A6C34878D82A}">
+                    <a16:rowId xmlns:a16="http://schemas.microsoft.com/office/drawing/2014/main" val="10000"/>
+                  </a:ext>
+                </a:extLst>
               </a:tr>
               <a:tr h="364619">
                 <a:tc>
@@ -15555,6 +15883,11 @@
                     </a:solidFill>
                   </a:tcPr>
                 </a:tc>
+                <a:extLst>
+                  <a:ext uri="{0D108BD9-81ED-4DB2-BD59-A6C34878D82A}">
+                    <a16:rowId xmlns:a16="http://schemas.microsoft.com/office/drawing/2014/main" val="10001"/>
+                  </a:ext>
+                </a:extLst>
               </a:tr>
               <a:tr h="364619">
                 <a:tc>
@@ -15737,6 +16070,11 @@
                     </a:solidFill>
                   </a:tcPr>
                 </a:tc>
+                <a:extLst>
+                  <a:ext uri="{0D108BD9-81ED-4DB2-BD59-A6C34878D82A}">
+                    <a16:rowId xmlns:a16="http://schemas.microsoft.com/office/drawing/2014/main" val="10002"/>
+                  </a:ext>
+                </a:extLst>
               </a:tr>
               <a:tr h="364619">
                 <a:tc>
@@ -15919,6 +16257,11 @@
                     </a:solidFill>
                   </a:tcPr>
                 </a:tc>
+                <a:extLst>
+                  <a:ext uri="{0D108BD9-81ED-4DB2-BD59-A6C34878D82A}">
+                    <a16:rowId xmlns:a16="http://schemas.microsoft.com/office/drawing/2014/main" val="10003"/>
+                  </a:ext>
+                </a:extLst>
               </a:tr>
               <a:tr h="364619">
                 <a:tc>
@@ -16101,6 +16444,11 @@
                     </a:solidFill>
                   </a:tcPr>
                 </a:tc>
+                <a:extLst>
+                  <a:ext uri="{0D108BD9-81ED-4DB2-BD59-A6C34878D82A}">
+                    <a16:rowId xmlns:a16="http://schemas.microsoft.com/office/drawing/2014/main" val="10004"/>
+                  </a:ext>
+                </a:extLst>
               </a:tr>
               <a:tr h="364619">
                 <a:tc>
@@ -16283,6 +16631,11 @@
                     </a:solidFill>
                   </a:tcPr>
                 </a:tc>
+                <a:extLst>
+                  <a:ext uri="{0D108BD9-81ED-4DB2-BD59-A6C34878D82A}">
+                    <a16:rowId xmlns:a16="http://schemas.microsoft.com/office/drawing/2014/main" val="10005"/>
+                  </a:ext>
+                </a:extLst>
               </a:tr>
               <a:tr h="364619">
                 <a:tc>
@@ -16465,6 +16818,11 @@
                     </a:solidFill>
                   </a:tcPr>
                 </a:tc>
+                <a:extLst>
+                  <a:ext uri="{0D108BD9-81ED-4DB2-BD59-A6C34878D82A}">
+                    <a16:rowId xmlns:a16="http://schemas.microsoft.com/office/drawing/2014/main" val="10006"/>
+                  </a:ext>
+                </a:extLst>
               </a:tr>
               <a:tr h="577313">
                 <a:tc>
@@ -16647,6 +17005,11 @@
                     </a:solidFill>
                   </a:tcPr>
                 </a:tc>
+                <a:extLst>
+                  <a:ext uri="{0D108BD9-81ED-4DB2-BD59-A6C34878D82A}">
+                    <a16:rowId xmlns:a16="http://schemas.microsoft.com/office/drawing/2014/main" val="10007"/>
+                  </a:ext>
+                </a:extLst>
               </a:tr>
             </a:tbl>
           </a:graphicData>
@@ -16896,9 +17259,27 @@
             <a:tbl>
               <a:tblPr/>
               <a:tblGrid>
-                <a:gridCol w="2338835"/>
-                <a:gridCol w="2338835"/>
-                <a:gridCol w="2338835"/>
+                <a:gridCol w="2338835">
+                  <a:extLst>
+                    <a:ext uri="{9D8B030D-6E8A-4147-A177-3AD203B41FA5}">
+                      <a16:colId xmlns:a16="http://schemas.microsoft.com/office/drawing/2014/main" val="20000"/>
+                    </a:ext>
+                  </a:extLst>
+                </a:gridCol>
+                <a:gridCol w="2338835">
+                  <a:extLst>
+                    <a:ext uri="{9D8B030D-6E8A-4147-A177-3AD203B41FA5}">
+                      <a16:colId xmlns:a16="http://schemas.microsoft.com/office/drawing/2014/main" val="20001"/>
+                    </a:ext>
+                  </a:extLst>
+                </a:gridCol>
+                <a:gridCol w="2338835">
+                  <a:extLst>
+                    <a:ext uri="{9D8B030D-6E8A-4147-A177-3AD203B41FA5}">
+                      <a16:colId xmlns:a16="http://schemas.microsoft.com/office/drawing/2014/main" val="20002"/>
+                    </a:ext>
+                  </a:extLst>
+                </a:gridCol>
               </a:tblGrid>
               <a:tr h="0">
                 <a:tc>
@@ -17081,6 +17462,11 @@
                     </a:solidFill>
                   </a:tcPr>
                 </a:tc>
+                <a:extLst>
+                  <a:ext uri="{0D108BD9-81ED-4DB2-BD59-A6C34878D82A}">
+                    <a16:rowId xmlns:a16="http://schemas.microsoft.com/office/drawing/2014/main" val="10000"/>
+                  </a:ext>
+                </a:extLst>
               </a:tr>
               <a:tr h="0">
                 <a:tc>
@@ -17263,6 +17649,11 @@
                     </a:solidFill>
                   </a:tcPr>
                 </a:tc>
+                <a:extLst>
+                  <a:ext uri="{0D108BD9-81ED-4DB2-BD59-A6C34878D82A}">
+                    <a16:rowId xmlns:a16="http://schemas.microsoft.com/office/drawing/2014/main" val="10001"/>
+                  </a:ext>
+                </a:extLst>
               </a:tr>
               <a:tr h="0">
                 <a:tc>
@@ -17445,6 +17836,11 @@
                     </a:solidFill>
                   </a:tcPr>
                 </a:tc>
+                <a:extLst>
+                  <a:ext uri="{0D108BD9-81ED-4DB2-BD59-A6C34878D82A}">
+                    <a16:rowId xmlns:a16="http://schemas.microsoft.com/office/drawing/2014/main" val="10002"/>
+                  </a:ext>
+                </a:extLst>
               </a:tr>
               <a:tr h="0">
                 <a:tc>
@@ -17627,6 +18023,11 @@
                     </a:solidFill>
                   </a:tcPr>
                 </a:tc>
+                <a:extLst>
+                  <a:ext uri="{0D108BD9-81ED-4DB2-BD59-A6C34878D82A}">
+                    <a16:rowId xmlns:a16="http://schemas.microsoft.com/office/drawing/2014/main" val="10003"/>
+                  </a:ext>
+                </a:extLst>
               </a:tr>
             </a:tbl>
           </a:graphicData>
@@ -17876,9 +18277,27 @@
             <a:tbl>
               <a:tblPr/>
               <a:tblGrid>
-                <a:gridCol w="2634324"/>
-                <a:gridCol w="2634324"/>
-                <a:gridCol w="2634324"/>
+                <a:gridCol w="2634324">
+                  <a:extLst>
+                    <a:ext uri="{9D8B030D-6E8A-4147-A177-3AD203B41FA5}">
+                      <a16:colId xmlns:a16="http://schemas.microsoft.com/office/drawing/2014/main" val="20000"/>
+                    </a:ext>
+                  </a:extLst>
+                </a:gridCol>
+                <a:gridCol w="2634324">
+                  <a:extLst>
+                    <a:ext uri="{9D8B030D-6E8A-4147-A177-3AD203B41FA5}">
+                      <a16:colId xmlns:a16="http://schemas.microsoft.com/office/drawing/2014/main" val="20001"/>
+                    </a:ext>
+                  </a:extLst>
+                </a:gridCol>
+                <a:gridCol w="2634324">
+                  <a:extLst>
+                    <a:ext uri="{9D8B030D-6E8A-4147-A177-3AD203B41FA5}">
+                      <a16:colId xmlns:a16="http://schemas.microsoft.com/office/drawing/2014/main" val="20002"/>
+                    </a:ext>
+                  </a:extLst>
+                </a:gridCol>
               </a:tblGrid>
               <a:tr h="441960">
                 <a:tc>
@@ -18061,6 +18480,11 @@
                     </a:solidFill>
                   </a:tcPr>
                 </a:tc>
+                <a:extLst>
+                  <a:ext uri="{0D108BD9-81ED-4DB2-BD59-A6C34878D82A}">
+                    <a16:rowId xmlns:a16="http://schemas.microsoft.com/office/drawing/2014/main" val="10000"/>
+                  </a:ext>
+                </a:extLst>
               </a:tr>
               <a:tr h="365760">
                 <a:tc>
@@ -18243,6 +18667,11 @@
                     </a:solidFill>
                   </a:tcPr>
                 </a:tc>
+                <a:extLst>
+                  <a:ext uri="{0D108BD9-81ED-4DB2-BD59-A6C34878D82A}">
+                    <a16:rowId xmlns:a16="http://schemas.microsoft.com/office/drawing/2014/main" val="10001"/>
+                  </a:ext>
+                </a:extLst>
               </a:tr>
               <a:tr h="574462">
                 <a:tc>
@@ -18425,6 +18854,11 @@
                     </a:solidFill>
                   </a:tcPr>
                 </a:tc>
+                <a:extLst>
+                  <a:ext uri="{0D108BD9-81ED-4DB2-BD59-A6C34878D82A}">
+                    <a16:rowId xmlns:a16="http://schemas.microsoft.com/office/drawing/2014/main" val="10002"/>
+                  </a:ext>
+                </a:extLst>
               </a:tr>
               <a:tr h="574462">
                 <a:tc>
@@ -18607,6 +19041,11 @@
                     </a:solidFill>
                   </a:tcPr>
                 </a:tc>
+                <a:extLst>
+                  <a:ext uri="{0D108BD9-81ED-4DB2-BD59-A6C34878D82A}">
+                    <a16:rowId xmlns:a16="http://schemas.microsoft.com/office/drawing/2014/main" val="10003"/>
+                  </a:ext>
+                </a:extLst>
               </a:tr>
               <a:tr h="579120">
                 <a:tc>
@@ -18789,6 +19228,11 @@
                     </a:solidFill>
                   </a:tcPr>
                 </a:tc>
+                <a:extLst>
+                  <a:ext uri="{0D108BD9-81ED-4DB2-BD59-A6C34878D82A}">
+                    <a16:rowId xmlns:a16="http://schemas.microsoft.com/office/drawing/2014/main" val="10004"/>
+                  </a:ext>
+                </a:extLst>
               </a:tr>
               <a:tr h="365760">
                 <a:tc>
@@ -18971,6 +19415,11 @@
                     </a:solidFill>
                   </a:tcPr>
                 </a:tc>
+                <a:extLst>
+                  <a:ext uri="{0D108BD9-81ED-4DB2-BD59-A6C34878D82A}">
+                    <a16:rowId xmlns:a16="http://schemas.microsoft.com/office/drawing/2014/main" val="10005"/>
+                  </a:ext>
+                </a:extLst>
               </a:tr>
               <a:tr h="365760">
                 <a:tc>
@@ -19163,6 +19612,11 @@
                     </a:solidFill>
                   </a:tcPr>
                 </a:tc>
+                <a:extLst>
+                  <a:ext uri="{0D108BD9-81ED-4DB2-BD59-A6C34878D82A}">
+                    <a16:rowId xmlns:a16="http://schemas.microsoft.com/office/drawing/2014/main" val="10006"/>
+                  </a:ext>
+                </a:extLst>
               </a:tr>
             </a:tbl>
           </a:graphicData>
@@ -19412,8 +19866,20 @@
             <a:tbl>
               <a:tblPr/>
               <a:tblGrid>
-                <a:gridCol w="2666616"/>
-                <a:gridCol w="4341929"/>
+                <a:gridCol w="2666616">
+                  <a:extLst>
+                    <a:ext uri="{9D8B030D-6E8A-4147-A177-3AD203B41FA5}">
+                      <a16:colId xmlns:a16="http://schemas.microsoft.com/office/drawing/2014/main" val="20000"/>
+                    </a:ext>
+                  </a:extLst>
+                </a:gridCol>
+                <a:gridCol w="4341929">
+                  <a:extLst>
+                    <a:ext uri="{9D8B030D-6E8A-4147-A177-3AD203B41FA5}">
+                      <a16:colId xmlns:a16="http://schemas.microsoft.com/office/drawing/2014/main" val="20001"/>
+                    </a:ext>
+                  </a:extLst>
+                </a:gridCol>
               </a:tblGrid>
               <a:tr h="298487">
                 <a:tc>
@@ -19536,6 +20002,11 @@
                     </a:solidFill>
                   </a:tcPr>
                 </a:tc>
+                <a:extLst>
+                  <a:ext uri="{0D108BD9-81ED-4DB2-BD59-A6C34878D82A}">
+                    <a16:rowId xmlns:a16="http://schemas.microsoft.com/office/drawing/2014/main" val="10000"/>
+                  </a:ext>
+                </a:extLst>
               </a:tr>
               <a:tr h="391769">
                 <a:tc>
@@ -19658,6 +20129,11 @@
                     </a:solidFill>
                   </a:tcPr>
                 </a:tc>
+                <a:extLst>
+                  <a:ext uri="{0D108BD9-81ED-4DB2-BD59-A6C34878D82A}">
+                    <a16:rowId xmlns:a16="http://schemas.microsoft.com/office/drawing/2014/main" val="10001"/>
+                  </a:ext>
+                </a:extLst>
               </a:tr>
               <a:tr h="533526">
                 <a:tc>
@@ -19780,6 +20256,11 @@
                     </a:solidFill>
                   </a:tcPr>
                 </a:tc>
+                <a:extLst>
+                  <a:ext uri="{0D108BD9-81ED-4DB2-BD59-A6C34878D82A}">
+                    <a16:rowId xmlns:a16="http://schemas.microsoft.com/office/drawing/2014/main" val="10002"/>
+                  </a:ext>
+                </a:extLst>
               </a:tr>
               <a:tr h="389884">
                 <a:tc>
@@ -19902,6 +20383,11 @@
                     </a:solidFill>
                   </a:tcPr>
                 </a:tc>
+                <a:extLst>
+                  <a:ext uri="{0D108BD9-81ED-4DB2-BD59-A6C34878D82A}">
+                    <a16:rowId xmlns:a16="http://schemas.microsoft.com/office/drawing/2014/main" val="10003"/>
+                  </a:ext>
+                </a:extLst>
               </a:tr>
               <a:tr h="389884">
                 <a:tc>
@@ -20024,6 +20510,11 @@
                     </a:solidFill>
                   </a:tcPr>
                 </a:tc>
+                <a:extLst>
+                  <a:ext uri="{0D108BD9-81ED-4DB2-BD59-A6C34878D82A}">
+                    <a16:rowId xmlns:a16="http://schemas.microsoft.com/office/drawing/2014/main" val="10004"/>
+                  </a:ext>
+                </a:extLst>
               </a:tr>
               <a:tr h="389884">
                 <a:tc>
@@ -20146,6 +20637,11 @@
                     </a:solidFill>
                   </a:tcPr>
                 </a:tc>
+                <a:extLst>
+                  <a:ext uri="{0D108BD9-81ED-4DB2-BD59-A6C34878D82A}">
+                    <a16:rowId xmlns:a16="http://schemas.microsoft.com/office/drawing/2014/main" val="10005"/>
+                  </a:ext>
+                </a:extLst>
               </a:tr>
               <a:tr h="247184">
                 <a:tc>
@@ -20268,6 +20764,11 @@
                     </a:solidFill>
                   </a:tcPr>
                 </a:tc>
+                <a:extLst>
+                  <a:ext uri="{0D108BD9-81ED-4DB2-BD59-A6C34878D82A}">
+                    <a16:rowId xmlns:a16="http://schemas.microsoft.com/office/drawing/2014/main" val="10006"/>
+                  </a:ext>
+                </a:extLst>
               </a:tr>
               <a:tr h="247184">
                 <a:tc>
@@ -20390,6 +20891,11 @@
                     </a:solidFill>
                   </a:tcPr>
                 </a:tc>
+                <a:extLst>
+                  <a:ext uri="{0D108BD9-81ED-4DB2-BD59-A6C34878D82A}">
+                    <a16:rowId xmlns:a16="http://schemas.microsoft.com/office/drawing/2014/main" val="10007"/>
+                  </a:ext>
+                </a:extLst>
               </a:tr>
               <a:tr h="247184">
                 <a:tc>
@@ -20512,6 +21018,11 @@
                     </a:solidFill>
                   </a:tcPr>
                 </a:tc>
+                <a:extLst>
+                  <a:ext uri="{0D108BD9-81ED-4DB2-BD59-A6C34878D82A}">
+                    <a16:rowId xmlns:a16="http://schemas.microsoft.com/office/drawing/2014/main" val="10008"/>
+                  </a:ext>
+                </a:extLst>
               </a:tr>
               <a:tr h="389884">
                 <a:tc>
@@ -20634,6 +21145,11 @@
                     </a:solidFill>
                   </a:tcPr>
                 </a:tc>
+                <a:extLst>
+                  <a:ext uri="{0D108BD9-81ED-4DB2-BD59-A6C34878D82A}">
+                    <a16:rowId xmlns:a16="http://schemas.microsoft.com/office/drawing/2014/main" val="10009"/>
+                  </a:ext>
+                </a:extLst>
               </a:tr>
             </a:tbl>
           </a:graphicData>
@@ -20664,7 +21180,7 @@
   <p:cSld>
     <p:spTree>
       <p:nvGrpSpPr>
-        <p:cNvPr id="1" name="Shape 114"/>
+        <p:cNvPr id="1" name="Shape 102"/>
         <p:cNvGrpSpPr/>
         <p:nvPr/>
       </p:nvGrpSpPr>
@@ -20678,7 +21194,7 @@
       </p:grpSpPr>
       <p:sp>
         <p:nvSpPr>
-          <p:cNvPr id="115" name="Google Shape;115;p18"/>
+          <p:cNvPr id="103" name="Google Shape;103;p16"/>
           <p:cNvSpPr txBox="1">
             <a:spLocks noGrp="1"/>
           </p:cNvSpPr>
@@ -20688,7 +21204,7 @@
         </p:nvSpPr>
         <p:spPr>
           <a:xfrm>
-            <a:off x="0" y="156050"/>
+            <a:off x="0" y="3650"/>
             <a:ext cx="9144000" cy="607800"/>
           </a:xfrm>
           <a:prstGeom prst="rect">
@@ -20701,34 +21217,31 @@
           </a:bodyPr>
           <a:lstStyle/>
           <a:p>
-            <a:pPr marL="0" lvl="0" indent="0" algn="ctr" rtl="0">
-              <a:spcBef>
-                <a:spcPts val="0"/>
-              </a:spcBef>
-              <a:spcAft>
-                <a:spcPts val="0"/>
-              </a:spcAft>
+            <a:pPr lvl="0" algn="ctr">
               <a:buSzPts val="990"/>
-              <a:buNone/>
             </a:pPr>
             <a:r>
-              <a:rPr lang="en" sz="3300" b="1"/>
-              <a:t>HTML [HYPER TEXT MARKUP LANGUAGE]</a:t>
-            </a:r>
-            <a:endParaRPr sz="3300" b="1"/>
+              <a:rPr lang="en" sz="3300" b="1" dirty="0" smtClean="0"/>
+              <a:t>JAVA SCRIPT  </a:t>
+            </a:r>
+            <a:r>
+              <a:rPr lang="en" sz="3300" b="1" dirty="0" smtClean="0"/>
+              <a:t>CONDITIONS</a:t>
+            </a:r>
+            <a:endParaRPr sz="3300" b="1" dirty="0"/>
           </a:p>
         </p:txBody>
       </p:sp>
       <p:sp>
         <p:nvSpPr>
-          <p:cNvPr id="116" name="Google Shape;116;p18"/>
+          <p:cNvPr id="104" name="Google Shape;104;p16"/>
           <p:cNvSpPr txBox="1"/>
           <p:nvPr/>
         </p:nvSpPr>
         <p:spPr>
           <a:xfrm>
-            <a:off x="349425" y="964400"/>
-            <a:ext cx="8623800" cy="3452400"/>
+            <a:off x="321600" y="638854"/>
+            <a:ext cx="8500800" cy="430857"/>
           </a:xfrm>
           <a:prstGeom prst="rect">
             <a:avLst/>
@@ -20740,459 +21253,1447 @@
         </p:spPr>
         <p:txBody>
           <a:bodyPr spcFirstLastPara="1" wrap="square" lIns="91425" tIns="91425" rIns="91425" bIns="91425" anchor="t" anchorCtr="0">
-            <a:noAutofit/>
+            <a:spAutoFit/>
           </a:bodyPr>
           <a:lstStyle/>
           <a:p>
-            <a:pPr marL="457200" lvl="0" indent="-355600" algn="l" rtl="0">
-              <a:spcBef>
-                <a:spcPts val="0"/>
-              </a:spcBef>
-              <a:spcAft>
-                <a:spcPts val="0"/>
-              </a:spcAft>
-              <a:buClr>
-                <a:schemeClr val="dk2"/>
-              </a:buClr>
-              <a:buSzPts val="2000"/>
-              <a:buFont typeface="Roboto"/>
-              <a:buChar char="❖"/>
+            <a:r>
+              <a:rPr lang="en-US" sz="1600" b="1" u="sng" dirty="0"/>
+              <a:t>JavaScript Special Operators</a:t>
+            </a:r>
+          </a:p>
+        </p:txBody>
+      </p:sp>
+      <p:sp>
+        <p:nvSpPr>
+          <p:cNvPr id="3" name="Rectangle 1"/>
+          <p:cNvSpPr>
+            <a:spLocks noChangeArrowheads="1"/>
+          </p:cNvSpPr>
+          <p:nvPr/>
+        </p:nvSpPr>
+        <p:spPr bwMode="auto">
+          <a:xfrm>
+            <a:off x="498475" y="1398588"/>
+            <a:ext cx="9144000" cy="0"/>
+          </a:xfrm>
+          <a:prstGeom prst="rect">
+            <a:avLst/>
+          </a:prstGeom>
+          <a:noFill/>
+          <a:ln>
+            <a:noFill/>
+          </a:ln>
+          <a:effectLst/>
+          <a:extLst>
+            <a:ext uri="{909E8E84-426E-40DD-AFC4-6F175D3DCCD1}">
+              <a14:hiddenFill xmlns:a14="http://schemas.microsoft.com/office/drawing/2010/main">
+                <a:solidFill>
+                  <a:schemeClr val="accent1"/>
+                </a:solidFill>
+              </a14:hiddenFill>
+            </a:ext>
+            <a:ext uri="{91240B29-F687-4F45-9708-019B960494DF}">
+              <a14:hiddenLine xmlns:a14="http://schemas.microsoft.com/office/drawing/2010/main" w="9525">
+                <a:solidFill>
+                  <a:schemeClr val="tx1"/>
+                </a:solidFill>
+                <a:miter lim="800000"/>
+                <a:headEnd/>
+                <a:tailEnd/>
+              </a14:hiddenLine>
+            </a:ext>
+            <a:ext uri="{AF507438-7753-43E0-B8FC-AC1667EBCBE1}">
+              <a14:hiddenEffects xmlns:a14="http://schemas.microsoft.com/office/drawing/2010/main">
+                <a:effectLst>
+                  <a:outerShdw dist="35921" dir="2700000" algn="ctr" rotWithShape="0">
+                    <a:schemeClr val="bg2"/>
+                  </a:outerShdw>
+                </a:effectLst>
+              </a14:hiddenEffects>
+            </a:ext>
+          </a:extLst>
+        </p:spPr>
+        <p:txBody>
+          <a:bodyPr vert="horz" wrap="none" lIns="91440" tIns="45720" rIns="91440" bIns="45720" numCol="1" anchor="ctr" anchorCtr="0" compatLnSpc="1">
+            <a:prstTxWarp prst="textNoShape">
+              <a:avLst/>
+            </a:prstTxWarp>
+            <a:spAutoFit/>
+          </a:bodyPr>
+          <a:lstStyle/>
+          <a:p>
+            <a:pPr marL="0" marR="0" lvl="0" indent="0" algn="l" defTabSz="914400" rtl="0" eaLnBrk="1" fontAlgn="base" latinLnBrk="0" hangingPunct="1">
+              <a:lnSpc>
+                <a:spcPct val="100000"/>
+              </a:lnSpc>
+              <a:spcBef>
+                <a:spcPct val="0"/>
+              </a:spcBef>
+              <a:spcAft>
+                <a:spcPct val="0"/>
+              </a:spcAft>
+              <a:buClrTx/>
+              <a:buSzTx/>
+              <a:buFontTx/>
+              <a:buNone/>
+              <a:tabLst/>
             </a:pPr>
             <a:r>
-              <a:rPr lang="en" sz="2000" b="1">
+              <a:rPr kumimoji="0" lang="en-US" sz="1800" b="0" i="0" u="none" strike="noStrike" cap="none" normalizeH="0" baseline="0" smtClean="0">
+                <a:ln>
+                  <a:noFill/>
+                </a:ln>
                 <a:solidFill>
-                  <a:schemeClr val="dk2"/>
+                  <a:schemeClr val="tx1"/>
                 </a:solidFill>
-                <a:latin typeface="Roboto"/>
-                <a:ea typeface="Roboto"/>
-                <a:cs typeface="Roboto"/>
-                <a:sym typeface="Roboto"/>
+                <a:effectLst/>
+                <a:latin typeface="Arial" pitchFamily="34" charset="0"/>
+                <a:cs typeface="Arial" pitchFamily="34" charset="0"/>
               </a:rPr>
-              <a:t>HTML Introduction</a:t>
-            </a:r>
-            <a:endParaRPr sz="2000" b="1">
+              <a:t/>
+            </a:r>
+            <a:br>
+              <a:rPr kumimoji="0" lang="en-US" sz="1800" b="0" i="0" u="none" strike="noStrike" cap="none" normalizeH="0" baseline="0" smtClean="0">
+                <a:ln>
+                  <a:noFill/>
+                </a:ln>
+                <a:solidFill>
+                  <a:schemeClr val="tx1"/>
+                </a:solidFill>
+                <a:effectLst/>
+                <a:latin typeface="Arial" pitchFamily="34" charset="0"/>
+                <a:cs typeface="Arial" pitchFamily="34" charset="0"/>
+              </a:rPr>
+            </a:br>
+            <a:endParaRPr kumimoji="0" lang="en-US" sz="1800" b="0" i="0" u="none" strike="noStrike" cap="none" normalizeH="0" baseline="0" smtClean="0">
+              <a:ln>
+                <a:noFill/>
+              </a:ln>
               <a:solidFill>
-                <a:schemeClr val="dk2"/>
+                <a:schemeClr val="tx1"/>
               </a:solidFill>
-              <a:latin typeface="Roboto"/>
-              <a:ea typeface="Roboto"/>
-              <a:cs typeface="Roboto"/>
-              <a:sym typeface="Roboto"/>
-            </a:endParaRPr>
-          </a:p>
-          <a:p>
-            <a:pPr marL="457200" lvl="0" indent="-355600" algn="l" rtl="0">
-              <a:spcBef>
-                <a:spcPts val="0"/>
-              </a:spcBef>
-              <a:spcAft>
-                <a:spcPts val="0"/>
-              </a:spcAft>
-              <a:buClr>
-                <a:schemeClr val="dk2"/>
-              </a:buClr>
-              <a:buSzPts val="2000"/>
-              <a:buFont typeface="Roboto"/>
-              <a:buChar char="❖"/>
-            </a:pPr>
-            <a:r>
-              <a:rPr lang="en" sz="2000" b="1">
-                <a:solidFill>
-                  <a:schemeClr val="dk2"/>
-                </a:solidFill>
-                <a:latin typeface="Roboto"/>
-                <a:ea typeface="Roboto"/>
-                <a:cs typeface="Roboto"/>
-                <a:sym typeface="Roboto"/>
-              </a:rPr>
-              <a:t>HTML Basics Tags</a:t>
-            </a:r>
-            <a:endParaRPr sz="2000" b="1">
-              <a:solidFill>
-                <a:schemeClr val="dk2"/>
-              </a:solidFill>
-              <a:latin typeface="Roboto"/>
-              <a:ea typeface="Roboto"/>
-              <a:cs typeface="Roboto"/>
-              <a:sym typeface="Roboto"/>
-            </a:endParaRPr>
-          </a:p>
-          <a:p>
-            <a:pPr marL="457200" lvl="0" indent="-355600" algn="l" rtl="0">
-              <a:spcBef>
-                <a:spcPts val="0"/>
-              </a:spcBef>
-              <a:spcAft>
-                <a:spcPts val="0"/>
-              </a:spcAft>
-              <a:buClr>
-                <a:schemeClr val="dk2"/>
-              </a:buClr>
-              <a:buSzPts val="2000"/>
-              <a:buFont typeface="Roboto"/>
-              <a:buChar char="❖"/>
-            </a:pPr>
-            <a:r>
-              <a:rPr lang="en" sz="2000" b="1">
-                <a:solidFill>
-                  <a:schemeClr val="dk2"/>
-                </a:solidFill>
-                <a:latin typeface="Roboto"/>
-                <a:ea typeface="Roboto"/>
-                <a:cs typeface="Roboto"/>
-                <a:sym typeface="Roboto"/>
-              </a:rPr>
-              <a:t>HTML Environment Setup</a:t>
-            </a:r>
-            <a:endParaRPr sz="2000" b="1">
-              <a:solidFill>
-                <a:schemeClr val="dk2"/>
-              </a:solidFill>
-              <a:latin typeface="Roboto"/>
-              <a:ea typeface="Roboto"/>
-              <a:cs typeface="Roboto"/>
-              <a:sym typeface="Roboto"/>
-            </a:endParaRPr>
-          </a:p>
-          <a:p>
-            <a:pPr marL="457200" lvl="0" indent="-355600" algn="l" rtl="0">
-              <a:spcBef>
-                <a:spcPts val="0"/>
-              </a:spcBef>
-              <a:spcAft>
-                <a:spcPts val="0"/>
-              </a:spcAft>
-              <a:buClr>
-                <a:schemeClr val="dk2"/>
-              </a:buClr>
-              <a:buSzPts val="2000"/>
-              <a:buFont typeface="Roboto"/>
-              <a:buChar char="❖"/>
-            </a:pPr>
-            <a:r>
-              <a:rPr lang="en" sz="2000" b="1">
-                <a:solidFill>
-                  <a:schemeClr val="dk2"/>
-                </a:solidFill>
-                <a:latin typeface="Roboto"/>
-                <a:ea typeface="Roboto"/>
-                <a:cs typeface="Roboto"/>
-                <a:sym typeface="Roboto"/>
-              </a:rPr>
-              <a:t>HTML Paragraph / Headings</a:t>
-            </a:r>
-            <a:endParaRPr sz="2000" b="1">
-              <a:solidFill>
-                <a:schemeClr val="dk2"/>
-              </a:solidFill>
-              <a:latin typeface="Roboto"/>
-              <a:ea typeface="Roboto"/>
-              <a:cs typeface="Roboto"/>
-              <a:sym typeface="Roboto"/>
-            </a:endParaRPr>
-          </a:p>
-          <a:p>
-            <a:pPr marL="457200" lvl="0" indent="-355600" algn="l" rtl="0">
-              <a:spcBef>
-                <a:spcPts val="0"/>
-              </a:spcBef>
-              <a:spcAft>
-                <a:spcPts val="0"/>
-              </a:spcAft>
-              <a:buClr>
-                <a:schemeClr val="dk2"/>
-              </a:buClr>
-              <a:buSzPts val="2000"/>
-              <a:buFont typeface="Roboto"/>
-              <a:buChar char="❖"/>
-            </a:pPr>
-            <a:r>
-              <a:rPr lang="en" sz="2000" b="1">
-                <a:solidFill>
-                  <a:schemeClr val="dk2"/>
-                </a:solidFill>
-                <a:latin typeface="Roboto"/>
-                <a:ea typeface="Roboto"/>
-                <a:cs typeface="Roboto"/>
-                <a:sym typeface="Roboto"/>
-              </a:rPr>
-              <a:t>HTML Images</a:t>
-            </a:r>
-            <a:endParaRPr sz="2000" b="1">
-              <a:solidFill>
-                <a:schemeClr val="dk2"/>
-              </a:solidFill>
-              <a:latin typeface="Roboto"/>
-              <a:ea typeface="Roboto"/>
-              <a:cs typeface="Roboto"/>
-              <a:sym typeface="Roboto"/>
-            </a:endParaRPr>
-          </a:p>
-          <a:p>
-            <a:pPr marL="457200" lvl="0" indent="-355600" algn="l" rtl="0">
-              <a:spcBef>
-                <a:spcPts val="0"/>
-              </a:spcBef>
-              <a:spcAft>
-                <a:spcPts val="0"/>
-              </a:spcAft>
-              <a:buClr>
-                <a:schemeClr val="dk2"/>
-              </a:buClr>
-              <a:buSzPts val="2000"/>
-              <a:buFont typeface="Roboto"/>
-              <a:buChar char="❖"/>
-            </a:pPr>
-            <a:r>
-              <a:rPr lang="en" sz="2000" b="1">
-                <a:solidFill>
-                  <a:schemeClr val="dk2"/>
-                </a:solidFill>
-                <a:latin typeface="Roboto"/>
-                <a:ea typeface="Roboto"/>
-                <a:cs typeface="Roboto"/>
-                <a:sym typeface="Roboto"/>
-              </a:rPr>
-              <a:t>HTML Lists</a:t>
-            </a:r>
-            <a:endParaRPr sz="2000" b="1">
-              <a:solidFill>
-                <a:schemeClr val="dk2"/>
-              </a:solidFill>
-              <a:latin typeface="Roboto"/>
-              <a:ea typeface="Roboto"/>
-              <a:cs typeface="Roboto"/>
-              <a:sym typeface="Roboto"/>
-            </a:endParaRPr>
-          </a:p>
-          <a:p>
-            <a:pPr marL="457200" lvl="0" indent="-355600" algn="l" rtl="0">
-              <a:spcBef>
-                <a:spcPts val="0"/>
-              </a:spcBef>
-              <a:spcAft>
-                <a:spcPts val="0"/>
-              </a:spcAft>
-              <a:buClr>
-                <a:schemeClr val="dk2"/>
-              </a:buClr>
-              <a:buSzPts val="2000"/>
-              <a:buFont typeface="Roboto"/>
-              <a:buChar char="❖"/>
-            </a:pPr>
-            <a:r>
-              <a:rPr lang="en" sz="2000" b="1">
-                <a:solidFill>
-                  <a:schemeClr val="dk2"/>
-                </a:solidFill>
-                <a:latin typeface="Roboto"/>
-                <a:ea typeface="Roboto"/>
-                <a:cs typeface="Roboto"/>
-                <a:sym typeface="Roboto"/>
-              </a:rPr>
-              <a:t>HTML Forms</a:t>
-            </a:r>
-            <a:endParaRPr sz="2000" b="1">
-              <a:solidFill>
-                <a:schemeClr val="dk2"/>
-              </a:solidFill>
-              <a:latin typeface="Roboto"/>
-              <a:ea typeface="Roboto"/>
-              <a:cs typeface="Roboto"/>
-              <a:sym typeface="Roboto"/>
-            </a:endParaRPr>
-          </a:p>
-          <a:p>
-            <a:pPr marL="457200" lvl="0" indent="-355600" algn="l" rtl="0">
-              <a:spcBef>
-                <a:spcPts val="0"/>
-              </a:spcBef>
-              <a:spcAft>
-                <a:spcPts val="0"/>
-              </a:spcAft>
-              <a:buClr>
-                <a:schemeClr val="dk2"/>
-              </a:buClr>
-              <a:buSzPts val="2000"/>
-              <a:buFont typeface="Roboto"/>
-              <a:buChar char="❖"/>
-            </a:pPr>
-            <a:r>
-              <a:rPr lang="en" sz="2000" b="1">
-                <a:solidFill>
-                  <a:schemeClr val="dk2"/>
-                </a:solidFill>
-                <a:latin typeface="Roboto"/>
-                <a:ea typeface="Roboto"/>
-                <a:cs typeface="Roboto"/>
-                <a:sym typeface="Roboto"/>
-              </a:rPr>
-              <a:t>HTML Tables</a:t>
-            </a:r>
-            <a:endParaRPr sz="2000" b="1">
-              <a:solidFill>
-                <a:schemeClr val="dk2"/>
-              </a:solidFill>
-              <a:latin typeface="Roboto"/>
-              <a:ea typeface="Roboto"/>
-              <a:cs typeface="Roboto"/>
-              <a:sym typeface="Roboto"/>
-            </a:endParaRPr>
-          </a:p>
-          <a:p>
-            <a:pPr marL="457200" lvl="0" indent="-355600" algn="l" rtl="0">
-              <a:spcBef>
-                <a:spcPts val="0"/>
-              </a:spcBef>
-              <a:spcAft>
-                <a:spcPts val="0"/>
-              </a:spcAft>
-              <a:buClr>
-                <a:schemeClr val="dk2"/>
-              </a:buClr>
-              <a:buSzPts val="2000"/>
-              <a:buFont typeface="Roboto"/>
-              <a:buChar char="❖"/>
-            </a:pPr>
-            <a:r>
-              <a:rPr lang="en" sz="2000" b="1">
-                <a:solidFill>
-                  <a:schemeClr val="dk2"/>
-                </a:solidFill>
-                <a:latin typeface="Roboto"/>
-                <a:ea typeface="Roboto"/>
-                <a:cs typeface="Roboto"/>
-                <a:sym typeface="Roboto"/>
-              </a:rPr>
-              <a:t>HTML Div Elements</a:t>
-            </a:r>
-            <a:endParaRPr sz="2000" b="1">
-              <a:solidFill>
-                <a:schemeClr val="dk2"/>
-              </a:solidFill>
-              <a:latin typeface="Roboto"/>
-              <a:ea typeface="Roboto"/>
-              <a:cs typeface="Roboto"/>
-              <a:sym typeface="Roboto"/>
-            </a:endParaRPr>
-          </a:p>
-          <a:p>
-            <a:pPr marL="457200" lvl="0" indent="-355600" algn="l" rtl="0">
-              <a:spcBef>
-                <a:spcPts val="0"/>
-              </a:spcBef>
-              <a:spcAft>
-                <a:spcPts val="0"/>
-              </a:spcAft>
-              <a:buClr>
-                <a:schemeClr val="dk2"/>
-              </a:buClr>
-              <a:buSzPts val="2000"/>
-              <a:buFont typeface="Roboto"/>
-              <a:buChar char="❖"/>
-            </a:pPr>
-            <a:r>
-              <a:rPr lang="en" sz="2000" b="1">
-                <a:solidFill>
-                  <a:schemeClr val="dk2"/>
-                </a:solidFill>
-                <a:latin typeface="Roboto"/>
-                <a:ea typeface="Roboto"/>
-                <a:cs typeface="Roboto"/>
-                <a:sym typeface="Roboto"/>
-              </a:rPr>
-              <a:t>HTML Block Elements</a:t>
-            </a:r>
-            <a:endParaRPr sz="2000" b="1">
-              <a:solidFill>
-                <a:schemeClr val="dk2"/>
-              </a:solidFill>
-              <a:latin typeface="Roboto"/>
-              <a:ea typeface="Roboto"/>
-              <a:cs typeface="Roboto"/>
-              <a:sym typeface="Roboto"/>
-            </a:endParaRPr>
-          </a:p>
-          <a:p>
-            <a:pPr marL="457200" lvl="0" indent="-355600" algn="l" rtl="0">
-              <a:spcBef>
-                <a:spcPts val="0"/>
-              </a:spcBef>
-              <a:spcAft>
-                <a:spcPts val="0"/>
-              </a:spcAft>
-              <a:buClr>
-                <a:schemeClr val="dk2"/>
-              </a:buClr>
-              <a:buSzPts val="2000"/>
-              <a:buFont typeface="Roboto"/>
-              <a:buChar char="❖"/>
-            </a:pPr>
-            <a:r>
-              <a:rPr lang="en" sz="2000" b="1">
-                <a:solidFill>
-                  <a:schemeClr val="dk2"/>
-                </a:solidFill>
-                <a:latin typeface="Roboto"/>
-                <a:ea typeface="Roboto"/>
-                <a:cs typeface="Roboto"/>
-                <a:sym typeface="Roboto"/>
-              </a:rPr>
-              <a:t>HTML Inline Elements</a:t>
-            </a:r>
-            <a:endParaRPr sz="2000" b="1">
-              <a:solidFill>
-                <a:schemeClr val="dk2"/>
-              </a:solidFill>
-              <a:latin typeface="Roboto"/>
-              <a:ea typeface="Roboto"/>
-              <a:cs typeface="Roboto"/>
-              <a:sym typeface="Roboto"/>
-            </a:endParaRPr>
-          </a:p>
-          <a:p>
-            <a:pPr marL="457200" lvl="0" indent="0" algn="l" rtl="0">
-              <a:spcBef>
-                <a:spcPts val="0"/>
-              </a:spcBef>
-              <a:spcAft>
-                <a:spcPts val="0"/>
-              </a:spcAft>
-              <a:buNone/>
-            </a:pPr>
-            <a:endParaRPr sz="2000" b="1">
-              <a:solidFill>
-                <a:schemeClr val="dk2"/>
-              </a:solidFill>
-              <a:latin typeface="Roboto"/>
-              <a:ea typeface="Roboto"/>
-              <a:cs typeface="Roboto"/>
-              <a:sym typeface="Roboto"/>
-            </a:endParaRPr>
-          </a:p>
-          <a:p>
-            <a:pPr marL="457200" lvl="0" indent="0" algn="l" rtl="0">
-              <a:spcBef>
-                <a:spcPts val="0"/>
-              </a:spcBef>
-              <a:spcAft>
-                <a:spcPts val="0"/>
-              </a:spcAft>
-              <a:buNone/>
-            </a:pPr>
-            <a:endParaRPr sz="2000" b="1">
-              <a:solidFill>
-                <a:schemeClr val="dk2"/>
-              </a:solidFill>
-              <a:latin typeface="Roboto"/>
-              <a:ea typeface="Roboto"/>
-              <a:cs typeface="Roboto"/>
-              <a:sym typeface="Roboto"/>
+              <a:effectLst/>
+              <a:latin typeface="Arial" pitchFamily="34" charset="0"/>
+              <a:cs typeface="Arial" pitchFamily="34" charset="0"/>
             </a:endParaRPr>
           </a:p>
         </p:txBody>
       </p:sp>
+      <p:graphicFrame>
+        <p:nvGraphicFramePr>
+          <p:cNvPr id="4" name="Table 3"/>
+          <p:cNvGraphicFramePr>
+            <a:graphicFrameLocks noGrp="1"/>
+          </p:cNvGraphicFramePr>
+          <p:nvPr>
+            <p:extLst/>
+          </p:nvPr>
+        </p:nvGraphicFramePr>
+        <p:xfrm>
+          <a:off x="866493" y="1209670"/>
+          <a:ext cx="7008545" cy="3524870"/>
+        </p:xfrm>
+        <a:graphic>
+          <a:graphicData uri="http://schemas.openxmlformats.org/drawingml/2006/table">
+            <a:tbl>
+              <a:tblPr/>
+              <a:tblGrid>
+                <a:gridCol w="2666616">
+                  <a:extLst>
+                    <a:ext uri="{9D8B030D-6E8A-4147-A177-3AD203B41FA5}">
+                      <a16:colId xmlns:a16="http://schemas.microsoft.com/office/drawing/2014/main" val="20000"/>
+                    </a:ext>
+                  </a:extLst>
+                </a:gridCol>
+                <a:gridCol w="4341929">
+                  <a:extLst>
+                    <a:ext uri="{9D8B030D-6E8A-4147-A177-3AD203B41FA5}">
+                      <a16:colId xmlns:a16="http://schemas.microsoft.com/office/drawing/2014/main" val="20001"/>
+                    </a:ext>
+                  </a:extLst>
+                </a:gridCol>
+              </a:tblGrid>
+              <a:tr h="298487">
+                <a:tc>
+                  <a:txBody>
+                    <a:bodyPr/>
+                    <a:lstStyle/>
+                    <a:p>
+                      <a:pPr algn="l" fontAlgn="t"/>
+                      <a:r>
+                        <a:rPr lang="en-US" sz="900" b="1">
+                          <a:solidFill>
+                            <a:srgbClr val="000000"/>
+                          </a:solidFill>
+                          <a:effectLst/>
+                          <a:latin typeface="times new roman"/>
+                        </a:rPr>
+                        <a:t>Operator</a:t>
+                      </a:r>
+                    </a:p>
+                  </a:txBody>
+                  <a:tcPr marL="73000" marR="73000" marT="73000" marB="73000">
+                    <a:lnL w="9525" cap="flat" cmpd="sng" algn="ctr">
+                      <a:solidFill>
+                        <a:srgbClr val="50506A"/>
+                      </a:solidFill>
+                      <a:prstDash val="solid"/>
+                      <a:round/>
+                      <a:headEnd type="none" w="med" len="med"/>
+                      <a:tailEnd type="none" w="med" len="med"/>
+                    </a:lnL>
+                    <a:lnR w="9525" cap="flat" cmpd="sng" algn="ctr">
+                      <a:solidFill>
+                        <a:srgbClr val="50506A"/>
+                      </a:solidFill>
+                      <a:prstDash val="solid"/>
+                      <a:round/>
+                      <a:headEnd type="none" w="med" len="med"/>
+                      <a:tailEnd type="none" w="med" len="med"/>
+                    </a:lnR>
+                    <a:lnT w="9525" cap="flat" cmpd="sng" algn="ctr">
+                      <a:solidFill>
+                        <a:srgbClr val="50506A"/>
+                      </a:solidFill>
+                      <a:prstDash val="solid"/>
+                      <a:round/>
+                      <a:headEnd type="none" w="med" len="med"/>
+                      <a:tailEnd type="none" w="med" len="med"/>
+                    </a:lnT>
+                    <a:lnB w="9525" cap="flat" cmpd="sng" algn="ctr">
+                      <a:solidFill>
+                        <a:srgbClr val="C7CCBE"/>
+                      </a:solidFill>
+                      <a:prstDash val="solid"/>
+                      <a:round/>
+                      <a:headEnd type="none" w="med" len="med"/>
+                      <a:tailEnd type="none" w="med" len="med"/>
+                    </a:lnB>
+                    <a:solidFill>
+                      <a:srgbClr val="C7CCBE"/>
+                    </a:solidFill>
+                  </a:tcPr>
+                </a:tc>
+                <a:tc>
+                  <a:txBody>
+                    <a:bodyPr/>
+                    <a:lstStyle/>
+                    <a:p>
+                      <a:pPr algn="l" fontAlgn="t"/>
+                      <a:r>
+                        <a:rPr lang="en-US" sz="900" b="1" dirty="0">
+                          <a:solidFill>
+                            <a:srgbClr val="000000"/>
+                          </a:solidFill>
+                          <a:effectLst/>
+                          <a:latin typeface="times new roman"/>
+                        </a:rPr>
+                        <a:t>Description</a:t>
+                      </a:r>
+                    </a:p>
+                  </a:txBody>
+                  <a:tcPr marL="73000" marR="73000" marT="73000" marB="73000">
+                    <a:lnL w="9525" cap="flat" cmpd="sng" algn="ctr">
+                      <a:solidFill>
+                        <a:srgbClr val="50506A"/>
+                      </a:solidFill>
+                      <a:prstDash val="solid"/>
+                      <a:round/>
+                      <a:headEnd type="none" w="med" len="med"/>
+                      <a:tailEnd type="none" w="med" len="med"/>
+                    </a:lnL>
+                    <a:lnR w="9525" cap="flat" cmpd="sng" algn="ctr">
+                      <a:solidFill>
+                        <a:srgbClr val="50506A"/>
+                      </a:solidFill>
+                      <a:prstDash val="solid"/>
+                      <a:round/>
+                      <a:headEnd type="none" w="med" len="med"/>
+                      <a:tailEnd type="none" w="med" len="med"/>
+                    </a:lnR>
+                    <a:lnT w="9525" cap="flat" cmpd="sng" algn="ctr">
+                      <a:solidFill>
+                        <a:srgbClr val="50506A"/>
+                      </a:solidFill>
+                      <a:prstDash val="solid"/>
+                      <a:round/>
+                      <a:headEnd type="none" w="med" len="med"/>
+                      <a:tailEnd type="none" w="med" len="med"/>
+                    </a:lnT>
+                    <a:lnB w="9525" cap="flat" cmpd="sng" algn="ctr">
+                      <a:solidFill>
+                        <a:srgbClr val="C7CCBE"/>
+                      </a:solidFill>
+                      <a:prstDash val="solid"/>
+                      <a:round/>
+                      <a:headEnd type="none" w="med" len="med"/>
+                      <a:tailEnd type="none" w="med" len="med"/>
+                    </a:lnB>
+                    <a:solidFill>
+                      <a:srgbClr val="C7CCBE"/>
+                    </a:solidFill>
+                  </a:tcPr>
+                </a:tc>
+                <a:extLst>
+                  <a:ext uri="{0D108BD9-81ED-4DB2-BD59-A6C34878D82A}">
+                    <a16:rowId xmlns:a16="http://schemas.microsoft.com/office/drawing/2014/main" val="10000"/>
+                  </a:ext>
+                </a:extLst>
+              </a:tr>
+              <a:tr h="391769">
+                <a:tc>
+                  <a:txBody>
+                    <a:bodyPr/>
+                    <a:lstStyle/>
+                    <a:p>
+                      <a:pPr algn="just" fontAlgn="t"/>
+                      <a:r>
+                        <a:rPr lang="en-US" sz="900">
+                          <a:solidFill>
+                            <a:srgbClr val="333333"/>
+                          </a:solidFill>
+                          <a:effectLst/>
+                          <a:latin typeface="inter-regular"/>
+                        </a:rPr>
+                        <a:t>(?:)</a:t>
+                      </a:r>
+                    </a:p>
+                  </a:txBody>
+                  <a:tcPr marL="48666" marR="48666" marT="48666" marB="48666">
+                    <a:lnL w="9525" cap="flat" cmpd="sng" algn="ctr">
+                      <a:solidFill>
+                        <a:srgbClr val="C7CCBE"/>
+                      </a:solidFill>
+                      <a:prstDash val="solid"/>
+                      <a:round/>
+                      <a:headEnd type="none" w="med" len="med"/>
+                      <a:tailEnd type="none" w="med" len="med"/>
+                    </a:lnL>
+                    <a:lnR w="9525" cap="flat" cmpd="sng" algn="ctr">
+                      <a:solidFill>
+                        <a:srgbClr val="C7CCBE"/>
+                      </a:solidFill>
+                      <a:prstDash val="solid"/>
+                      <a:round/>
+                      <a:headEnd type="none" w="med" len="med"/>
+                      <a:tailEnd type="none" w="med" len="med"/>
+                    </a:lnR>
+                    <a:lnT w="9525" cap="flat" cmpd="sng" algn="ctr">
+                      <a:solidFill>
+                        <a:srgbClr val="C7CCBE"/>
+                      </a:solidFill>
+                      <a:prstDash val="solid"/>
+                      <a:round/>
+                      <a:headEnd type="none" w="med" len="med"/>
+                      <a:tailEnd type="none" w="med" len="med"/>
+                    </a:lnT>
+                    <a:lnB w="9525" cap="flat" cmpd="sng" algn="ctr">
+                      <a:solidFill>
+                        <a:srgbClr val="C7CCBE"/>
+                      </a:solidFill>
+                      <a:prstDash val="solid"/>
+                      <a:round/>
+                      <a:headEnd type="none" w="med" len="med"/>
+                      <a:tailEnd type="none" w="med" len="med"/>
+                    </a:lnB>
+                    <a:solidFill>
+                      <a:srgbClr val="FFFFFF"/>
+                    </a:solidFill>
+                  </a:tcPr>
+                </a:tc>
+                <a:tc>
+                  <a:txBody>
+                    <a:bodyPr/>
+                    <a:lstStyle/>
+                    <a:p>
+                      <a:pPr algn="just" fontAlgn="t"/>
+                      <a:r>
+                        <a:rPr lang="en-US" sz="900">
+                          <a:solidFill>
+                            <a:srgbClr val="333333"/>
+                          </a:solidFill>
+                          <a:effectLst/>
+                          <a:latin typeface="inter-regular"/>
+                        </a:rPr>
+                        <a:t>Conditional Operator returns value based on the condition. It is like if-else.</a:t>
+                      </a:r>
+                    </a:p>
+                  </a:txBody>
+                  <a:tcPr marL="48666" marR="48666" marT="48666" marB="48666">
+                    <a:lnL w="9525" cap="flat" cmpd="sng" algn="ctr">
+                      <a:solidFill>
+                        <a:srgbClr val="C7CCBE"/>
+                      </a:solidFill>
+                      <a:prstDash val="solid"/>
+                      <a:round/>
+                      <a:headEnd type="none" w="med" len="med"/>
+                      <a:tailEnd type="none" w="med" len="med"/>
+                    </a:lnL>
+                    <a:lnR w="9525" cap="flat" cmpd="sng" algn="ctr">
+                      <a:solidFill>
+                        <a:srgbClr val="C7CCBE"/>
+                      </a:solidFill>
+                      <a:prstDash val="solid"/>
+                      <a:round/>
+                      <a:headEnd type="none" w="med" len="med"/>
+                      <a:tailEnd type="none" w="med" len="med"/>
+                    </a:lnR>
+                    <a:lnT w="9525" cap="flat" cmpd="sng" algn="ctr">
+                      <a:solidFill>
+                        <a:srgbClr val="C7CCBE"/>
+                      </a:solidFill>
+                      <a:prstDash val="solid"/>
+                      <a:round/>
+                      <a:headEnd type="none" w="med" len="med"/>
+                      <a:tailEnd type="none" w="med" len="med"/>
+                    </a:lnT>
+                    <a:lnB w="9525" cap="flat" cmpd="sng" algn="ctr">
+                      <a:solidFill>
+                        <a:srgbClr val="C7CCBE"/>
+                      </a:solidFill>
+                      <a:prstDash val="solid"/>
+                      <a:round/>
+                      <a:headEnd type="none" w="med" len="med"/>
+                      <a:tailEnd type="none" w="med" len="med"/>
+                    </a:lnB>
+                    <a:solidFill>
+                      <a:srgbClr val="FFFFFF"/>
+                    </a:solidFill>
+                  </a:tcPr>
+                </a:tc>
+                <a:extLst>
+                  <a:ext uri="{0D108BD9-81ED-4DB2-BD59-A6C34878D82A}">
+                    <a16:rowId xmlns:a16="http://schemas.microsoft.com/office/drawing/2014/main" val="10001"/>
+                  </a:ext>
+                </a:extLst>
+              </a:tr>
+              <a:tr h="533526">
+                <a:tc>
+                  <a:txBody>
+                    <a:bodyPr/>
+                    <a:lstStyle/>
+                    <a:p>
+                      <a:pPr algn="just" fontAlgn="t"/>
+                      <a:r>
+                        <a:rPr lang="en-US" sz="900">
+                          <a:solidFill>
+                            <a:srgbClr val="333333"/>
+                          </a:solidFill>
+                          <a:effectLst/>
+                          <a:latin typeface="inter-regular"/>
+                        </a:rPr>
+                        <a:t>,</a:t>
+                      </a:r>
+                    </a:p>
+                  </a:txBody>
+                  <a:tcPr marL="48666" marR="48666" marT="48666" marB="48666">
+                    <a:lnL w="9525" cap="flat" cmpd="sng" algn="ctr">
+                      <a:solidFill>
+                        <a:srgbClr val="C7CCBE"/>
+                      </a:solidFill>
+                      <a:prstDash val="solid"/>
+                      <a:round/>
+                      <a:headEnd type="none" w="med" len="med"/>
+                      <a:tailEnd type="none" w="med" len="med"/>
+                    </a:lnL>
+                    <a:lnR w="9525" cap="flat" cmpd="sng" algn="ctr">
+                      <a:solidFill>
+                        <a:srgbClr val="C7CCBE"/>
+                      </a:solidFill>
+                      <a:prstDash val="solid"/>
+                      <a:round/>
+                      <a:headEnd type="none" w="med" len="med"/>
+                      <a:tailEnd type="none" w="med" len="med"/>
+                    </a:lnR>
+                    <a:lnT w="9525" cap="flat" cmpd="sng" algn="ctr">
+                      <a:solidFill>
+                        <a:srgbClr val="C7CCBE"/>
+                      </a:solidFill>
+                      <a:prstDash val="solid"/>
+                      <a:round/>
+                      <a:headEnd type="none" w="med" len="med"/>
+                      <a:tailEnd type="none" w="med" len="med"/>
+                    </a:lnT>
+                    <a:lnB w="9525" cap="flat" cmpd="sng" algn="ctr">
+                      <a:solidFill>
+                        <a:srgbClr val="C7CCBE"/>
+                      </a:solidFill>
+                      <a:prstDash val="solid"/>
+                      <a:round/>
+                      <a:headEnd type="none" w="med" len="med"/>
+                      <a:tailEnd type="none" w="med" len="med"/>
+                    </a:lnB>
+                    <a:solidFill>
+                      <a:srgbClr val="EFF1EB"/>
+                    </a:solidFill>
+                  </a:tcPr>
+                </a:tc>
+                <a:tc>
+                  <a:txBody>
+                    <a:bodyPr/>
+                    <a:lstStyle/>
+                    <a:p>
+                      <a:pPr algn="just" fontAlgn="t"/>
+                      <a:r>
+                        <a:rPr lang="en-US" sz="900">
+                          <a:solidFill>
+                            <a:srgbClr val="333333"/>
+                          </a:solidFill>
+                          <a:effectLst/>
+                          <a:latin typeface="inter-regular"/>
+                        </a:rPr>
+                        <a:t>Comma Operator allows multiple expressions to be evaluated as single statement.</a:t>
+                      </a:r>
+                    </a:p>
+                  </a:txBody>
+                  <a:tcPr marL="48666" marR="48666" marT="48666" marB="48666">
+                    <a:lnL w="9525" cap="flat" cmpd="sng" algn="ctr">
+                      <a:solidFill>
+                        <a:srgbClr val="C7CCBE"/>
+                      </a:solidFill>
+                      <a:prstDash val="solid"/>
+                      <a:round/>
+                      <a:headEnd type="none" w="med" len="med"/>
+                      <a:tailEnd type="none" w="med" len="med"/>
+                    </a:lnL>
+                    <a:lnR w="9525" cap="flat" cmpd="sng" algn="ctr">
+                      <a:solidFill>
+                        <a:srgbClr val="C7CCBE"/>
+                      </a:solidFill>
+                      <a:prstDash val="solid"/>
+                      <a:round/>
+                      <a:headEnd type="none" w="med" len="med"/>
+                      <a:tailEnd type="none" w="med" len="med"/>
+                    </a:lnR>
+                    <a:lnT w="9525" cap="flat" cmpd="sng" algn="ctr">
+                      <a:solidFill>
+                        <a:srgbClr val="C7CCBE"/>
+                      </a:solidFill>
+                      <a:prstDash val="solid"/>
+                      <a:round/>
+                      <a:headEnd type="none" w="med" len="med"/>
+                      <a:tailEnd type="none" w="med" len="med"/>
+                    </a:lnT>
+                    <a:lnB w="9525" cap="flat" cmpd="sng" algn="ctr">
+                      <a:solidFill>
+                        <a:srgbClr val="C7CCBE"/>
+                      </a:solidFill>
+                      <a:prstDash val="solid"/>
+                      <a:round/>
+                      <a:headEnd type="none" w="med" len="med"/>
+                      <a:tailEnd type="none" w="med" len="med"/>
+                    </a:lnB>
+                    <a:solidFill>
+                      <a:srgbClr val="EFF1EB"/>
+                    </a:solidFill>
+                  </a:tcPr>
+                </a:tc>
+                <a:extLst>
+                  <a:ext uri="{0D108BD9-81ED-4DB2-BD59-A6C34878D82A}">
+                    <a16:rowId xmlns:a16="http://schemas.microsoft.com/office/drawing/2014/main" val="10002"/>
+                  </a:ext>
+                </a:extLst>
+              </a:tr>
+              <a:tr h="389884">
+                <a:tc>
+                  <a:txBody>
+                    <a:bodyPr/>
+                    <a:lstStyle/>
+                    <a:p>
+                      <a:pPr algn="just" fontAlgn="t"/>
+                      <a:r>
+                        <a:rPr lang="en-US" sz="900">
+                          <a:solidFill>
+                            <a:srgbClr val="333333"/>
+                          </a:solidFill>
+                          <a:effectLst/>
+                          <a:latin typeface="inter-regular"/>
+                        </a:rPr>
+                        <a:t>delete</a:t>
+                      </a:r>
+                    </a:p>
+                  </a:txBody>
+                  <a:tcPr marL="48666" marR="48666" marT="48666" marB="48666">
+                    <a:lnL w="9525" cap="flat" cmpd="sng" algn="ctr">
+                      <a:solidFill>
+                        <a:srgbClr val="C7CCBE"/>
+                      </a:solidFill>
+                      <a:prstDash val="solid"/>
+                      <a:round/>
+                      <a:headEnd type="none" w="med" len="med"/>
+                      <a:tailEnd type="none" w="med" len="med"/>
+                    </a:lnL>
+                    <a:lnR w="9525" cap="flat" cmpd="sng" algn="ctr">
+                      <a:solidFill>
+                        <a:srgbClr val="C7CCBE"/>
+                      </a:solidFill>
+                      <a:prstDash val="solid"/>
+                      <a:round/>
+                      <a:headEnd type="none" w="med" len="med"/>
+                      <a:tailEnd type="none" w="med" len="med"/>
+                    </a:lnR>
+                    <a:lnT w="9525" cap="flat" cmpd="sng" algn="ctr">
+                      <a:solidFill>
+                        <a:srgbClr val="C7CCBE"/>
+                      </a:solidFill>
+                      <a:prstDash val="solid"/>
+                      <a:round/>
+                      <a:headEnd type="none" w="med" len="med"/>
+                      <a:tailEnd type="none" w="med" len="med"/>
+                    </a:lnT>
+                    <a:lnB w="9525" cap="flat" cmpd="sng" algn="ctr">
+                      <a:solidFill>
+                        <a:srgbClr val="C7CCBE"/>
+                      </a:solidFill>
+                      <a:prstDash val="solid"/>
+                      <a:round/>
+                      <a:headEnd type="none" w="med" len="med"/>
+                      <a:tailEnd type="none" w="med" len="med"/>
+                    </a:lnB>
+                    <a:solidFill>
+                      <a:srgbClr val="FFFFFF"/>
+                    </a:solidFill>
+                  </a:tcPr>
+                </a:tc>
+                <a:tc>
+                  <a:txBody>
+                    <a:bodyPr/>
+                    <a:lstStyle/>
+                    <a:p>
+                      <a:pPr algn="just" fontAlgn="t"/>
+                      <a:r>
+                        <a:rPr lang="en-US" sz="900">
+                          <a:solidFill>
+                            <a:srgbClr val="333333"/>
+                          </a:solidFill>
+                          <a:effectLst/>
+                          <a:latin typeface="inter-regular"/>
+                        </a:rPr>
+                        <a:t>Delete Operator deletes a property from the object.</a:t>
+                      </a:r>
+                    </a:p>
+                  </a:txBody>
+                  <a:tcPr marL="48666" marR="48666" marT="48666" marB="48666">
+                    <a:lnL w="9525" cap="flat" cmpd="sng" algn="ctr">
+                      <a:solidFill>
+                        <a:srgbClr val="C7CCBE"/>
+                      </a:solidFill>
+                      <a:prstDash val="solid"/>
+                      <a:round/>
+                      <a:headEnd type="none" w="med" len="med"/>
+                      <a:tailEnd type="none" w="med" len="med"/>
+                    </a:lnL>
+                    <a:lnR w="9525" cap="flat" cmpd="sng" algn="ctr">
+                      <a:solidFill>
+                        <a:srgbClr val="C7CCBE"/>
+                      </a:solidFill>
+                      <a:prstDash val="solid"/>
+                      <a:round/>
+                      <a:headEnd type="none" w="med" len="med"/>
+                      <a:tailEnd type="none" w="med" len="med"/>
+                    </a:lnR>
+                    <a:lnT w="9525" cap="flat" cmpd="sng" algn="ctr">
+                      <a:solidFill>
+                        <a:srgbClr val="C7CCBE"/>
+                      </a:solidFill>
+                      <a:prstDash val="solid"/>
+                      <a:round/>
+                      <a:headEnd type="none" w="med" len="med"/>
+                      <a:tailEnd type="none" w="med" len="med"/>
+                    </a:lnT>
+                    <a:lnB w="9525" cap="flat" cmpd="sng" algn="ctr">
+                      <a:solidFill>
+                        <a:srgbClr val="C7CCBE"/>
+                      </a:solidFill>
+                      <a:prstDash val="solid"/>
+                      <a:round/>
+                      <a:headEnd type="none" w="med" len="med"/>
+                      <a:tailEnd type="none" w="med" len="med"/>
+                    </a:lnB>
+                    <a:solidFill>
+                      <a:srgbClr val="FFFFFF"/>
+                    </a:solidFill>
+                  </a:tcPr>
+                </a:tc>
+                <a:extLst>
+                  <a:ext uri="{0D108BD9-81ED-4DB2-BD59-A6C34878D82A}">
+                    <a16:rowId xmlns:a16="http://schemas.microsoft.com/office/drawing/2014/main" val="10003"/>
+                  </a:ext>
+                </a:extLst>
+              </a:tr>
+              <a:tr h="389884">
+                <a:tc>
+                  <a:txBody>
+                    <a:bodyPr/>
+                    <a:lstStyle/>
+                    <a:p>
+                      <a:pPr algn="just" fontAlgn="t"/>
+                      <a:r>
+                        <a:rPr lang="en-US" sz="900">
+                          <a:solidFill>
+                            <a:srgbClr val="333333"/>
+                          </a:solidFill>
+                          <a:effectLst/>
+                          <a:latin typeface="inter-regular"/>
+                        </a:rPr>
+                        <a:t>in</a:t>
+                      </a:r>
+                    </a:p>
+                  </a:txBody>
+                  <a:tcPr marL="48666" marR="48666" marT="48666" marB="48666">
+                    <a:lnL w="9525" cap="flat" cmpd="sng" algn="ctr">
+                      <a:solidFill>
+                        <a:srgbClr val="C7CCBE"/>
+                      </a:solidFill>
+                      <a:prstDash val="solid"/>
+                      <a:round/>
+                      <a:headEnd type="none" w="med" len="med"/>
+                      <a:tailEnd type="none" w="med" len="med"/>
+                    </a:lnL>
+                    <a:lnR w="9525" cap="flat" cmpd="sng" algn="ctr">
+                      <a:solidFill>
+                        <a:srgbClr val="C7CCBE"/>
+                      </a:solidFill>
+                      <a:prstDash val="solid"/>
+                      <a:round/>
+                      <a:headEnd type="none" w="med" len="med"/>
+                      <a:tailEnd type="none" w="med" len="med"/>
+                    </a:lnR>
+                    <a:lnT w="9525" cap="flat" cmpd="sng" algn="ctr">
+                      <a:solidFill>
+                        <a:srgbClr val="C7CCBE"/>
+                      </a:solidFill>
+                      <a:prstDash val="solid"/>
+                      <a:round/>
+                      <a:headEnd type="none" w="med" len="med"/>
+                      <a:tailEnd type="none" w="med" len="med"/>
+                    </a:lnT>
+                    <a:lnB w="9525" cap="flat" cmpd="sng" algn="ctr">
+                      <a:solidFill>
+                        <a:srgbClr val="C7CCBE"/>
+                      </a:solidFill>
+                      <a:prstDash val="solid"/>
+                      <a:round/>
+                      <a:headEnd type="none" w="med" len="med"/>
+                      <a:tailEnd type="none" w="med" len="med"/>
+                    </a:lnB>
+                    <a:solidFill>
+                      <a:srgbClr val="EFF1EB"/>
+                    </a:solidFill>
+                  </a:tcPr>
+                </a:tc>
+                <a:tc>
+                  <a:txBody>
+                    <a:bodyPr/>
+                    <a:lstStyle/>
+                    <a:p>
+                      <a:pPr algn="just" fontAlgn="t"/>
+                      <a:r>
+                        <a:rPr lang="en-US" sz="900">
+                          <a:solidFill>
+                            <a:srgbClr val="333333"/>
+                          </a:solidFill>
+                          <a:effectLst/>
+                          <a:latin typeface="inter-regular"/>
+                        </a:rPr>
+                        <a:t>In Operator checks if object has the given property</a:t>
+                      </a:r>
+                    </a:p>
+                  </a:txBody>
+                  <a:tcPr marL="48666" marR="48666" marT="48666" marB="48666">
+                    <a:lnL w="9525" cap="flat" cmpd="sng" algn="ctr">
+                      <a:solidFill>
+                        <a:srgbClr val="C7CCBE"/>
+                      </a:solidFill>
+                      <a:prstDash val="solid"/>
+                      <a:round/>
+                      <a:headEnd type="none" w="med" len="med"/>
+                      <a:tailEnd type="none" w="med" len="med"/>
+                    </a:lnL>
+                    <a:lnR w="9525" cap="flat" cmpd="sng" algn="ctr">
+                      <a:solidFill>
+                        <a:srgbClr val="C7CCBE"/>
+                      </a:solidFill>
+                      <a:prstDash val="solid"/>
+                      <a:round/>
+                      <a:headEnd type="none" w="med" len="med"/>
+                      <a:tailEnd type="none" w="med" len="med"/>
+                    </a:lnR>
+                    <a:lnT w="9525" cap="flat" cmpd="sng" algn="ctr">
+                      <a:solidFill>
+                        <a:srgbClr val="C7CCBE"/>
+                      </a:solidFill>
+                      <a:prstDash val="solid"/>
+                      <a:round/>
+                      <a:headEnd type="none" w="med" len="med"/>
+                      <a:tailEnd type="none" w="med" len="med"/>
+                    </a:lnT>
+                    <a:lnB w="9525" cap="flat" cmpd="sng" algn="ctr">
+                      <a:solidFill>
+                        <a:srgbClr val="C7CCBE"/>
+                      </a:solidFill>
+                      <a:prstDash val="solid"/>
+                      <a:round/>
+                      <a:headEnd type="none" w="med" len="med"/>
+                      <a:tailEnd type="none" w="med" len="med"/>
+                    </a:lnB>
+                    <a:solidFill>
+                      <a:srgbClr val="EFF1EB"/>
+                    </a:solidFill>
+                  </a:tcPr>
+                </a:tc>
+                <a:extLst>
+                  <a:ext uri="{0D108BD9-81ED-4DB2-BD59-A6C34878D82A}">
+                    <a16:rowId xmlns:a16="http://schemas.microsoft.com/office/drawing/2014/main" val="10004"/>
+                  </a:ext>
+                </a:extLst>
+              </a:tr>
+              <a:tr h="389884">
+                <a:tc>
+                  <a:txBody>
+                    <a:bodyPr/>
+                    <a:lstStyle/>
+                    <a:p>
+                      <a:pPr algn="just" fontAlgn="t"/>
+                      <a:r>
+                        <a:rPr lang="en-US" sz="900">
+                          <a:solidFill>
+                            <a:srgbClr val="333333"/>
+                          </a:solidFill>
+                          <a:effectLst/>
+                          <a:latin typeface="inter-regular"/>
+                        </a:rPr>
+                        <a:t>instanceof</a:t>
+                      </a:r>
+                    </a:p>
+                  </a:txBody>
+                  <a:tcPr marL="48666" marR="48666" marT="48666" marB="48666">
+                    <a:lnL w="9525" cap="flat" cmpd="sng" algn="ctr">
+                      <a:solidFill>
+                        <a:srgbClr val="C7CCBE"/>
+                      </a:solidFill>
+                      <a:prstDash val="solid"/>
+                      <a:round/>
+                      <a:headEnd type="none" w="med" len="med"/>
+                      <a:tailEnd type="none" w="med" len="med"/>
+                    </a:lnL>
+                    <a:lnR w="9525" cap="flat" cmpd="sng" algn="ctr">
+                      <a:solidFill>
+                        <a:srgbClr val="C7CCBE"/>
+                      </a:solidFill>
+                      <a:prstDash val="solid"/>
+                      <a:round/>
+                      <a:headEnd type="none" w="med" len="med"/>
+                      <a:tailEnd type="none" w="med" len="med"/>
+                    </a:lnR>
+                    <a:lnT w="9525" cap="flat" cmpd="sng" algn="ctr">
+                      <a:solidFill>
+                        <a:srgbClr val="C7CCBE"/>
+                      </a:solidFill>
+                      <a:prstDash val="solid"/>
+                      <a:round/>
+                      <a:headEnd type="none" w="med" len="med"/>
+                      <a:tailEnd type="none" w="med" len="med"/>
+                    </a:lnT>
+                    <a:lnB w="9525" cap="flat" cmpd="sng" algn="ctr">
+                      <a:solidFill>
+                        <a:srgbClr val="C7CCBE"/>
+                      </a:solidFill>
+                      <a:prstDash val="solid"/>
+                      <a:round/>
+                      <a:headEnd type="none" w="med" len="med"/>
+                      <a:tailEnd type="none" w="med" len="med"/>
+                    </a:lnB>
+                    <a:solidFill>
+                      <a:srgbClr val="FFFFFF"/>
+                    </a:solidFill>
+                  </a:tcPr>
+                </a:tc>
+                <a:tc>
+                  <a:txBody>
+                    <a:bodyPr/>
+                    <a:lstStyle/>
+                    <a:p>
+                      <a:pPr algn="just" fontAlgn="t"/>
+                      <a:r>
+                        <a:rPr lang="en-US" sz="900">
+                          <a:solidFill>
+                            <a:srgbClr val="333333"/>
+                          </a:solidFill>
+                          <a:effectLst/>
+                          <a:latin typeface="inter-regular"/>
+                        </a:rPr>
+                        <a:t>checks if the object is an instance of given type</a:t>
+                      </a:r>
+                    </a:p>
+                  </a:txBody>
+                  <a:tcPr marL="48666" marR="48666" marT="48666" marB="48666">
+                    <a:lnL w="9525" cap="flat" cmpd="sng" algn="ctr">
+                      <a:solidFill>
+                        <a:srgbClr val="C7CCBE"/>
+                      </a:solidFill>
+                      <a:prstDash val="solid"/>
+                      <a:round/>
+                      <a:headEnd type="none" w="med" len="med"/>
+                      <a:tailEnd type="none" w="med" len="med"/>
+                    </a:lnL>
+                    <a:lnR w="9525" cap="flat" cmpd="sng" algn="ctr">
+                      <a:solidFill>
+                        <a:srgbClr val="C7CCBE"/>
+                      </a:solidFill>
+                      <a:prstDash val="solid"/>
+                      <a:round/>
+                      <a:headEnd type="none" w="med" len="med"/>
+                      <a:tailEnd type="none" w="med" len="med"/>
+                    </a:lnR>
+                    <a:lnT w="9525" cap="flat" cmpd="sng" algn="ctr">
+                      <a:solidFill>
+                        <a:srgbClr val="C7CCBE"/>
+                      </a:solidFill>
+                      <a:prstDash val="solid"/>
+                      <a:round/>
+                      <a:headEnd type="none" w="med" len="med"/>
+                      <a:tailEnd type="none" w="med" len="med"/>
+                    </a:lnT>
+                    <a:lnB w="9525" cap="flat" cmpd="sng" algn="ctr">
+                      <a:solidFill>
+                        <a:srgbClr val="C7CCBE"/>
+                      </a:solidFill>
+                      <a:prstDash val="solid"/>
+                      <a:round/>
+                      <a:headEnd type="none" w="med" len="med"/>
+                      <a:tailEnd type="none" w="med" len="med"/>
+                    </a:lnB>
+                    <a:solidFill>
+                      <a:srgbClr val="FFFFFF"/>
+                    </a:solidFill>
+                  </a:tcPr>
+                </a:tc>
+                <a:extLst>
+                  <a:ext uri="{0D108BD9-81ED-4DB2-BD59-A6C34878D82A}">
+                    <a16:rowId xmlns:a16="http://schemas.microsoft.com/office/drawing/2014/main" val="10005"/>
+                  </a:ext>
+                </a:extLst>
+              </a:tr>
+              <a:tr h="247184">
+                <a:tc>
+                  <a:txBody>
+                    <a:bodyPr/>
+                    <a:lstStyle/>
+                    <a:p>
+                      <a:pPr algn="just" fontAlgn="t"/>
+                      <a:r>
+                        <a:rPr lang="en-US" sz="900">
+                          <a:solidFill>
+                            <a:srgbClr val="333333"/>
+                          </a:solidFill>
+                          <a:effectLst/>
+                          <a:latin typeface="inter-regular"/>
+                        </a:rPr>
+                        <a:t>new</a:t>
+                      </a:r>
+                    </a:p>
+                  </a:txBody>
+                  <a:tcPr marL="48666" marR="48666" marT="48666" marB="48666">
+                    <a:lnL w="9525" cap="flat" cmpd="sng" algn="ctr">
+                      <a:solidFill>
+                        <a:srgbClr val="C7CCBE"/>
+                      </a:solidFill>
+                      <a:prstDash val="solid"/>
+                      <a:round/>
+                      <a:headEnd type="none" w="med" len="med"/>
+                      <a:tailEnd type="none" w="med" len="med"/>
+                    </a:lnL>
+                    <a:lnR w="9525" cap="flat" cmpd="sng" algn="ctr">
+                      <a:solidFill>
+                        <a:srgbClr val="C7CCBE"/>
+                      </a:solidFill>
+                      <a:prstDash val="solid"/>
+                      <a:round/>
+                      <a:headEnd type="none" w="med" len="med"/>
+                      <a:tailEnd type="none" w="med" len="med"/>
+                    </a:lnR>
+                    <a:lnT w="9525" cap="flat" cmpd="sng" algn="ctr">
+                      <a:solidFill>
+                        <a:srgbClr val="C7CCBE"/>
+                      </a:solidFill>
+                      <a:prstDash val="solid"/>
+                      <a:round/>
+                      <a:headEnd type="none" w="med" len="med"/>
+                      <a:tailEnd type="none" w="med" len="med"/>
+                    </a:lnT>
+                    <a:lnB w="9525" cap="flat" cmpd="sng" algn="ctr">
+                      <a:solidFill>
+                        <a:srgbClr val="C7CCBE"/>
+                      </a:solidFill>
+                      <a:prstDash val="solid"/>
+                      <a:round/>
+                      <a:headEnd type="none" w="med" len="med"/>
+                      <a:tailEnd type="none" w="med" len="med"/>
+                    </a:lnB>
+                    <a:solidFill>
+                      <a:srgbClr val="EFF1EB"/>
+                    </a:solidFill>
+                  </a:tcPr>
+                </a:tc>
+                <a:tc>
+                  <a:txBody>
+                    <a:bodyPr/>
+                    <a:lstStyle/>
+                    <a:p>
+                      <a:pPr algn="just" fontAlgn="t"/>
+                      <a:r>
+                        <a:rPr lang="en-US" sz="900">
+                          <a:solidFill>
+                            <a:srgbClr val="333333"/>
+                          </a:solidFill>
+                          <a:effectLst/>
+                          <a:latin typeface="inter-regular"/>
+                        </a:rPr>
+                        <a:t>creates an instance (object)</a:t>
+                      </a:r>
+                    </a:p>
+                  </a:txBody>
+                  <a:tcPr marL="48666" marR="48666" marT="48666" marB="48666">
+                    <a:lnL w="9525" cap="flat" cmpd="sng" algn="ctr">
+                      <a:solidFill>
+                        <a:srgbClr val="C7CCBE"/>
+                      </a:solidFill>
+                      <a:prstDash val="solid"/>
+                      <a:round/>
+                      <a:headEnd type="none" w="med" len="med"/>
+                      <a:tailEnd type="none" w="med" len="med"/>
+                    </a:lnL>
+                    <a:lnR w="9525" cap="flat" cmpd="sng" algn="ctr">
+                      <a:solidFill>
+                        <a:srgbClr val="C7CCBE"/>
+                      </a:solidFill>
+                      <a:prstDash val="solid"/>
+                      <a:round/>
+                      <a:headEnd type="none" w="med" len="med"/>
+                      <a:tailEnd type="none" w="med" len="med"/>
+                    </a:lnR>
+                    <a:lnT w="9525" cap="flat" cmpd="sng" algn="ctr">
+                      <a:solidFill>
+                        <a:srgbClr val="C7CCBE"/>
+                      </a:solidFill>
+                      <a:prstDash val="solid"/>
+                      <a:round/>
+                      <a:headEnd type="none" w="med" len="med"/>
+                      <a:tailEnd type="none" w="med" len="med"/>
+                    </a:lnT>
+                    <a:lnB w="9525" cap="flat" cmpd="sng" algn="ctr">
+                      <a:solidFill>
+                        <a:srgbClr val="C7CCBE"/>
+                      </a:solidFill>
+                      <a:prstDash val="solid"/>
+                      <a:round/>
+                      <a:headEnd type="none" w="med" len="med"/>
+                      <a:tailEnd type="none" w="med" len="med"/>
+                    </a:lnB>
+                    <a:solidFill>
+                      <a:srgbClr val="EFF1EB"/>
+                    </a:solidFill>
+                  </a:tcPr>
+                </a:tc>
+                <a:extLst>
+                  <a:ext uri="{0D108BD9-81ED-4DB2-BD59-A6C34878D82A}">
+                    <a16:rowId xmlns:a16="http://schemas.microsoft.com/office/drawing/2014/main" val="10006"/>
+                  </a:ext>
+                </a:extLst>
+              </a:tr>
+              <a:tr h="247184">
+                <a:tc>
+                  <a:txBody>
+                    <a:bodyPr/>
+                    <a:lstStyle/>
+                    <a:p>
+                      <a:pPr algn="just" fontAlgn="t"/>
+                      <a:r>
+                        <a:rPr lang="en-US" sz="900">
+                          <a:solidFill>
+                            <a:srgbClr val="333333"/>
+                          </a:solidFill>
+                          <a:effectLst/>
+                          <a:latin typeface="inter-regular"/>
+                        </a:rPr>
+                        <a:t>typeof</a:t>
+                      </a:r>
+                    </a:p>
+                  </a:txBody>
+                  <a:tcPr marL="48666" marR="48666" marT="48666" marB="48666">
+                    <a:lnL w="9525" cap="flat" cmpd="sng" algn="ctr">
+                      <a:solidFill>
+                        <a:srgbClr val="C7CCBE"/>
+                      </a:solidFill>
+                      <a:prstDash val="solid"/>
+                      <a:round/>
+                      <a:headEnd type="none" w="med" len="med"/>
+                      <a:tailEnd type="none" w="med" len="med"/>
+                    </a:lnL>
+                    <a:lnR w="9525" cap="flat" cmpd="sng" algn="ctr">
+                      <a:solidFill>
+                        <a:srgbClr val="C7CCBE"/>
+                      </a:solidFill>
+                      <a:prstDash val="solid"/>
+                      <a:round/>
+                      <a:headEnd type="none" w="med" len="med"/>
+                      <a:tailEnd type="none" w="med" len="med"/>
+                    </a:lnR>
+                    <a:lnT w="9525" cap="flat" cmpd="sng" algn="ctr">
+                      <a:solidFill>
+                        <a:srgbClr val="C7CCBE"/>
+                      </a:solidFill>
+                      <a:prstDash val="solid"/>
+                      <a:round/>
+                      <a:headEnd type="none" w="med" len="med"/>
+                      <a:tailEnd type="none" w="med" len="med"/>
+                    </a:lnT>
+                    <a:lnB w="9525" cap="flat" cmpd="sng" algn="ctr">
+                      <a:solidFill>
+                        <a:srgbClr val="C7CCBE"/>
+                      </a:solidFill>
+                      <a:prstDash val="solid"/>
+                      <a:round/>
+                      <a:headEnd type="none" w="med" len="med"/>
+                      <a:tailEnd type="none" w="med" len="med"/>
+                    </a:lnB>
+                    <a:solidFill>
+                      <a:srgbClr val="FFFFFF"/>
+                    </a:solidFill>
+                  </a:tcPr>
+                </a:tc>
+                <a:tc>
+                  <a:txBody>
+                    <a:bodyPr/>
+                    <a:lstStyle/>
+                    <a:p>
+                      <a:pPr algn="just" fontAlgn="t"/>
+                      <a:r>
+                        <a:rPr lang="en-US" sz="900">
+                          <a:solidFill>
+                            <a:srgbClr val="333333"/>
+                          </a:solidFill>
+                          <a:effectLst/>
+                          <a:latin typeface="inter-regular"/>
+                        </a:rPr>
+                        <a:t>checks the type of object.</a:t>
+                      </a:r>
+                    </a:p>
+                  </a:txBody>
+                  <a:tcPr marL="48666" marR="48666" marT="48666" marB="48666">
+                    <a:lnL w="9525" cap="flat" cmpd="sng" algn="ctr">
+                      <a:solidFill>
+                        <a:srgbClr val="C7CCBE"/>
+                      </a:solidFill>
+                      <a:prstDash val="solid"/>
+                      <a:round/>
+                      <a:headEnd type="none" w="med" len="med"/>
+                      <a:tailEnd type="none" w="med" len="med"/>
+                    </a:lnL>
+                    <a:lnR w="9525" cap="flat" cmpd="sng" algn="ctr">
+                      <a:solidFill>
+                        <a:srgbClr val="C7CCBE"/>
+                      </a:solidFill>
+                      <a:prstDash val="solid"/>
+                      <a:round/>
+                      <a:headEnd type="none" w="med" len="med"/>
+                      <a:tailEnd type="none" w="med" len="med"/>
+                    </a:lnR>
+                    <a:lnT w="9525" cap="flat" cmpd="sng" algn="ctr">
+                      <a:solidFill>
+                        <a:srgbClr val="C7CCBE"/>
+                      </a:solidFill>
+                      <a:prstDash val="solid"/>
+                      <a:round/>
+                      <a:headEnd type="none" w="med" len="med"/>
+                      <a:tailEnd type="none" w="med" len="med"/>
+                    </a:lnT>
+                    <a:lnB w="9525" cap="flat" cmpd="sng" algn="ctr">
+                      <a:solidFill>
+                        <a:srgbClr val="C7CCBE"/>
+                      </a:solidFill>
+                      <a:prstDash val="solid"/>
+                      <a:round/>
+                      <a:headEnd type="none" w="med" len="med"/>
+                      <a:tailEnd type="none" w="med" len="med"/>
+                    </a:lnB>
+                    <a:solidFill>
+                      <a:srgbClr val="FFFFFF"/>
+                    </a:solidFill>
+                  </a:tcPr>
+                </a:tc>
+                <a:extLst>
+                  <a:ext uri="{0D108BD9-81ED-4DB2-BD59-A6C34878D82A}">
+                    <a16:rowId xmlns:a16="http://schemas.microsoft.com/office/drawing/2014/main" val="10007"/>
+                  </a:ext>
+                </a:extLst>
+              </a:tr>
+              <a:tr h="247184">
+                <a:tc>
+                  <a:txBody>
+                    <a:bodyPr/>
+                    <a:lstStyle/>
+                    <a:p>
+                      <a:pPr algn="just" fontAlgn="t"/>
+                      <a:r>
+                        <a:rPr lang="en-US" sz="900">
+                          <a:solidFill>
+                            <a:srgbClr val="333333"/>
+                          </a:solidFill>
+                          <a:effectLst/>
+                          <a:latin typeface="inter-regular"/>
+                        </a:rPr>
+                        <a:t>void</a:t>
+                      </a:r>
+                    </a:p>
+                  </a:txBody>
+                  <a:tcPr marL="48666" marR="48666" marT="48666" marB="48666">
+                    <a:lnL w="9525" cap="flat" cmpd="sng" algn="ctr">
+                      <a:solidFill>
+                        <a:srgbClr val="C7CCBE"/>
+                      </a:solidFill>
+                      <a:prstDash val="solid"/>
+                      <a:round/>
+                      <a:headEnd type="none" w="med" len="med"/>
+                      <a:tailEnd type="none" w="med" len="med"/>
+                    </a:lnL>
+                    <a:lnR w="9525" cap="flat" cmpd="sng" algn="ctr">
+                      <a:solidFill>
+                        <a:srgbClr val="C7CCBE"/>
+                      </a:solidFill>
+                      <a:prstDash val="solid"/>
+                      <a:round/>
+                      <a:headEnd type="none" w="med" len="med"/>
+                      <a:tailEnd type="none" w="med" len="med"/>
+                    </a:lnR>
+                    <a:lnT w="9525" cap="flat" cmpd="sng" algn="ctr">
+                      <a:solidFill>
+                        <a:srgbClr val="C7CCBE"/>
+                      </a:solidFill>
+                      <a:prstDash val="solid"/>
+                      <a:round/>
+                      <a:headEnd type="none" w="med" len="med"/>
+                      <a:tailEnd type="none" w="med" len="med"/>
+                    </a:lnT>
+                    <a:lnB w="9525" cap="flat" cmpd="sng" algn="ctr">
+                      <a:solidFill>
+                        <a:srgbClr val="C7CCBE"/>
+                      </a:solidFill>
+                      <a:prstDash val="solid"/>
+                      <a:round/>
+                      <a:headEnd type="none" w="med" len="med"/>
+                      <a:tailEnd type="none" w="med" len="med"/>
+                    </a:lnB>
+                    <a:solidFill>
+                      <a:srgbClr val="EFF1EB"/>
+                    </a:solidFill>
+                  </a:tcPr>
+                </a:tc>
+                <a:tc>
+                  <a:txBody>
+                    <a:bodyPr/>
+                    <a:lstStyle/>
+                    <a:p>
+                      <a:pPr algn="just" fontAlgn="t"/>
+                      <a:r>
+                        <a:rPr lang="en-US" sz="900">
+                          <a:solidFill>
+                            <a:srgbClr val="333333"/>
+                          </a:solidFill>
+                          <a:effectLst/>
+                          <a:latin typeface="inter-regular"/>
+                        </a:rPr>
+                        <a:t>it discards the expression's return value.</a:t>
+                      </a:r>
+                    </a:p>
+                  </a:txBody>
+                  <a:tcPr marL="48666" marR="48666" marT="48666" marB="48666">
+                    <a:lnL w="9525" cap="flat" cmpd="sng" algn="ctr">
+                      <a:solidFill>
+                        <a:srgbClr val="C7CCBE"/>
+                      </a:solidFill>
+                      <a:prstDash val="solid"/>
+                      <a:round/>
+                      <a:headEnd type="none" w="med" len="med"/>
+                      <a:tailEnd type="none" w="med" len="med"/>
+                    </a:lnL>
+                    <a:lnR w="9525" cap="flat" cmpd="sng" algn="ctr">
+                      <a:solidFill>
+                        <a:srgbClr val="C7CCBE"/>
+                      </a:solidFill>
+                      <a:prstDash val="solid"/>
+                      <a:round/>
+                      <a:headEnd type="none" w="med" len="med"/>
+                      <a:tailEnd type="none" w="med" len="med"/>
+                    </a:lnR>
+                    <a:lnT w="9525" cap="flat" cmpd="sng" algn="ctr">
+                      <a:solidFill>
+                        <a:srgbClr val="C7CCBE"/>
+                      </a:solidFill>
+                      <a:prstDash val="solid"/>
+                      <a:round/>
+                      <a:headEnd type="none" w="med" len="med"/>
+                      <a:tailEnd type="none" w="med" len="med"/>
+                    </a:lnT>
+                    <a:lnB w="9525" cap="flat" cmpd="sng" algn="ctr">
+                      <a:solidFill>
+                        <a:srgbClr val="C7CCBE"/>
+                      </a:solidFill>
+                      <a:prstDash val="solid"/>
+                      <a:round/>
+                      <a:headEnd type="none" w="med" len="med"/>
+                      <a:tailEnd type="none" w="med" len="med"/>
+                    </a:lnB>
+                    <a:solidFill>
+                      <a:srgbClr val="EFF1EB"/>
+                    </a:solidFill>
+                  </a:tcPr>
+                </a:tc>
+                <a:extLst>
+                  <a:ext uri="{0D108BD9-81ED-4DB2-BD59-A6C34878D82A}">
+                    <a16:rowId xmlns:a16="http://schemas.microsoft.com/office/drawing/2014/main" val="10008"/>
+                  </a:ext>
+                </a:extLst>
+              </a:tr>
+              <a:tr h="389884">
+                <a:tc>
+                  <a:txBody>
+                    <a:bodyPr/>
+                    <a:lstStyle/>
+                    <a:p>
+                      <a:pPr algn="just" fontAlgn="t"/>
+                      <a:r>
+                        <a:rPr lang="en-US" sz="900">
+                          <a:solidFill>
+                            <a:srgbClr val="333333"/>
+                          </a:solidFill>
+                          <a:effectLst/>
+                          <a:latin typeface="inter-regular"/>
+                        </a:rPr>
+                        <a:t>yield</a:t>
+                      </a:r>
+                    </a:p>
+                  </a:txBody>
+                  <a:tcPr marL="48666" marR="48666" marT="48666" marB="48666">
+                    <a:lnL w="9525" cap="flat" cmpd="sng" algn="ctr">
+                      <a:solidFill>
+                        <a:srgbClr val="C7CCBE"/>
+                      </a:solidFill>
+                      <a:prstDash val="solid"/>
+                      <a:round/>
+                      <a:headEnd type="none" w="med" len="med"/>
+                      <a:tailEnd type="none" w="med" len="med"/>
+                    </a:lnL>
+                    <a:lnR w="9525" cap="flat" cmpd="sng" algn="ctr">
+                      <a:solidFill>
+                        <a:srgbClr val="C7CCBE"/>
+                      </a:solidFill>
+                      <a:prstDash val="solid"/>
+                      <a:round/>
+                      <a:headEnd type="none" w="med" len="med"/>
+                      <a:tailEnd type="none" w="med" len="med"/>
+                    </a:lnR>
+                    <a:lnT w="9525" cap="flat" cmpd="sng" algn="ctr">
+                      <a:solidFill>
+                        <a:srgbClr val="C7CCBE"/>
+                      </a:solidFill>
+                      <a:prstDash val="solid"/>
+                      <a:round/>
+                      <a:headEnd type="none" w="med" len="med"/>
+                      <a:tailEnd type="none" w="med" len="med"/>
+                    </a:lnT>
+                    <a:lnB w="9525" cap="flat" cmpd="sng" algn="ctr">
+                      <a:solidFill>
+                        <a:srgbClr val="C7CCBE"/>
+                      </a:solidFill>
+                      <a:prstDash val="solid"/>
+                      <a:round/>
+                      <a:headEnd type="none" w="med" len="med"/>
+                      <a:tailEnd type="none" w="med" len="med"/>
+                    </a:lnB>
+                    <a:solidFill>
+                      <a:srgbClr val="FFFFFF"/>
+                    </a:solidFill>
+                  </a:tcPr>
+                </a:tc>
+                <a:tc>
+                  <a:txBody>
+                    <a:bodyPr/>
+                    <a:lstStyle/>
+                    <a:p>
+                      <a:pPr algn="just" fontAlgn="t"/>
+                      <a:r>
+                        <a:rPr lang="en-US" sz="900" dirty="0">
+                          <a:solidFill>
+                            <a:srgbClr val="333333"/>
+                          </a:solidFill>
+                          <a:effectLst/>
+                          <a:latin typeface="inter-regular"/>
+                        </a:rPr>
+                        <a:t>checks what is returned in a generator by the generator's iterator.</a:t>
+                      </a:r>
+                    </a:p>
+                  </a:txBody>
+                  <a:tcPr marL="48666" marR="48666" marT="48666" marB="48666">
+                    <a:lnL w="9525" cap="flat" cmpd="sng" algn="ctr">
+                      <a:solidFill>
+                        <a:srgbClr val="C7CCBE"/>
+                      </a:solidFill>
+                      <a:prstDash val="solid"/>
+                      <a:round/>
+                      <a:headEnd type="none" w="med" len="med"/>
+                      <a:tailEnd type="none" w="med" len="med"/>
+                    </a:lnL>
+                    <a:lnR w="9525" cap="flat" cmpd="sng" algn="ctr">
+                      <a:solidFill>
+                        <a:srgbClr val="C7CCBE"/>
+                      </a:solidFill>
+                      <a:prstDash val="solid"/>
+                      <a:round/>
+                      <a:headEnd type="none" w="med" len="med"/>
+                      <a:tailEnd type="none" w="med" len="med"/>
+                    </a:lnR>
+                    <a:lnT w="9525" cap="flat" cmpd="sng" algn="ctr">
+                      <a:solidFill>
+                        <a:srgbClr val="C7CCBE"/>
+                      </a:solidFill>
+                      <a:prstDash val="solid"/>
+                      <a:round/>
+                      <a:headEnd type="none" w="med" len="med"/>
+                      <a:tailEnd type="none" w="med" len="med"/>
+                    </a:lnT>
+                    <a:lnB w="9525" cap="flat" cmpd="sng" algn="ctr">
+                      <a:solidFill>
+                        <a:srgbClr val="C7CCBE"/>
+                      </a:solidFill>
+                      <a:prstDash val="solid"/>
+                      <a:round/>
+                      <a:headEnd type="none" w="med" len="med"/>
+                      <a:tailEnd type="none" w="med" len="med"/>
+                    </a:lnB>
+                    <a:solidFill>
+                      <a:srgbClr val="FFFFFF"/>
+                    </a:solidFill>
+                  </a:tcPr>
+                </a:tc>
+                <a:extLst>
+                  <a:ext uri="{0D108BD9-81ED-4DB2-BD59-A6C34878D82A}">
+                    <a16:rowId xmlns:a16="http://schemas.microsoft.com/office/drawing/2014/main" val="10009"/>
+                  </a:ext>
+                </a:extLst>
+              </a:tr>
+            </a:tbl>
+          </a:graphicData>
+        </a:graphic>
+      </p:graphicFrame>
     </p:spTree>
+    <p:extLst>
+      <p:ext uri="{BB962C8B-B14F-4D97-AF65-F5344CB8AC3E}">
+        <p14:creationId xmlns:p14="http://schemas.microsoft.com/office/powerpoint/2010/main" val="1802476791"/>
+      </p:ext>
+    </p:extLst>
   </p:cSld>
   <p:clrMapOvr>
     <a:masterClrMapping/>
@@ -21611,6 +23112,554 @@
   <p:cSld>
     <p:spTree>
       <p:nvGrpSpPr>
+        <p:cNvPr id="1" name="Shape 114"/>
+        <p:cNvGrpSpPr/>
+        <p:nvPr/>
+      </p:nvGrpSpPr>
+      <p:grpSpPr>
+        <a:xfrm>
+          <a:off x="0" y="0"/>
+          <a:ext cx="0" cy="0"/>
+          <a:chOff x="0" y="0"/>
+          <a:chExt cx="0" cy="0"/>
+        </a:xfrm>
+      </p:grpSpPr>
+      <p:sp>
+        <p:nvSpPr>
+          <p:cNvPr id="115" name="Google Shape;115;p18"/>
+          <p:cNvSpPr txBox="1">
+            <a:spLocks noGrp="1"/>
+          </p:cNvSpPr>
+          <p:nvPr>
+            <p:ph type="title"/>
+          </p:nvPr>
+        </p:nvSpPr>
+        <p:spPr>
+          <a:xfrm>
+            <a:off x="0" y="156050"/>
+            <a:ext cx="9144000" cy="607800"/>
+          </a:xfrm>
+          <a:prstGeom prst="rect">
+            <a:avLst/>
+          </a:prstGeom>
+        </p:spPr>
+        <p:txBody>
+          <a:bodyPr spcFirstLastPara="1" wrap="square" lIns="91425" tIns="91425" rIns="91425" bIns="91425" anchor="t" anchorCtr="0">
+            <a:noAutofit/>
+          </a:bodyPr>
+          <a:lstStyle/>
+          <a:p>
+            <a:pPr marL="0" lvl="0" indent="0" algn="ctr" rtl="0">
+              <a:spcBef>
+                <a:spcPts val="0"/>
+              </a:spcBef>
+              <a:spcAft>
+                <a:spcPts val="0"/>
+              </a:spcAft>
+              <a:buSzPts val="990"/>
+              <a:buNone/>
+            </a:pPr>
+            <a:r>
+              <a:rPr lang="en" sz="3300" b="1"/>
+              <a:t>HTML [HYPER TEXT MARKUP LANGUAGE]</a:t>
+            </a:r>
+            <a:endParaRPr sz="3300" b="1"/>
+          </a:p>
+        </p:txBody>
+      </p:sp>
+      <p:sp>
+        <p:nvSpPr>
+          <p:cNvPr id="116" name="Google Shape;116;p18"/>
+          <p:cNvSpPr txBox="1"/>
+          <p:nvPr/>
+        </p:nvSpPr>
+        <p:spPr>
+          <a:xfrm>
+            <a:off x="349425" y="964400"/>
+            <a:ext cx="8623800" cy="3452400"/>
+          </a:xfrm>
+          <a:prstGeom prst="rect">
+            <a:avLst/>
+          </a:prstGeom>
+          <a:noFill/>
+          <a:ln>
+            <a:noFill/>
+          </a:ln>
+        </p:spPr>
+        <p:txBody>
+          <a:bodyPr spcFirstLastPara="1" wrap="square" lIns="91425" tIns="91425" rIns="91425" bIns="91425" anchor="t" anchorCtr="0">
+            <a:noAutofit/>
+          </a:bodyPr>
+          <a:lstStyle/>
+          <a:p>
+            <a:pPr marL="457200" lvl="0" indent="-355600" algn="l" rtl="0">
+              <a:spcBef>
+                <a:spcPts val="0"/>
+              </a:spcBef>
+              <a:spcAft>
+                <a:spcPts val="0"/>
+              </a:spcAft>
+              <a:buClr>
+                <a:schemeClr val="dk2"/>
+              </a:buClr>
+              <a:buSzPts val="2000"/>
+              <a:buFont typeface="Roboto"/>
+              <a:buChar char="❖"/>
+            </a:pPr>
+            <a:r>
+              <a:rPr lang="en" sz="2000" b="1">
+                <a:solidFill>
+                  <a:schemeClr val="dk2"/>
+                </a:solidFill>
+                <a:latin typeface="Roboto"/>
+                <a:ea typeface="Roboto"/>
+                <a:cs typeface="Roboto"/>
+                <a:sym typeface="Roboto"/>
+              </a:rPr>
+              <a:t>HTML Introduction</a:t>
+            </a:r>
+            <a:endParaRPr sz="2000" b="1">
+              <a:solidFill>
+                <a:schemeClr val="dk2"/>
+              </a:solidFill>
+              <a:latin typeface="Roboto"/>
+              <a:ea typeface="Roboto"/>
+              <a:cs typeface="Roboto"/>
+              <a:sym typeface="Roboto"/>
+            </a:endParaRPr>
+          </a:p>
+          <a:p>
+            <a:pPr marL="457200" lvl="0" indent="-355600" algn="l" rtl="0">
+              <a:spcBef>
+                <a:spcPts val="0"/>
+              </a:spcBef>
+              <a:spcAft>
+                <a:spcPts val="0"/>
+              </a:spcAft>
+              <a:buClr>
+                <a:schemeClr val="dk2"/>
+              </a:buClr>
+              <a:buSzPts val="2000"/>
+              <a:buFont typeface="Roboto"/>
+              <a:buChar char="❖"/>
+            </a:pPr>
+            <a:r>
+              <a:rPr lang="en" sz="2000" b="1">
+                <a:solidFill>
+                  <a:schemeClr val="dk2"/>
+                </a:solidFill>
+                <a:latin typeface="Roboto"/>
+                <a:ea typeface="Roboto"/>
+                <a:cs typeface="Roboto"/>
+                <a:sym typeface="Roboto"/>
+              </a:rPr>
+              <a:t>HTML Basics Tags</a:t>
+            </a:r>
+            <a:endParaRPr sz="2000" b="1">
+              <a:solidFill>
+                <a:schemeClr val="dk2"/>
+              </a:solidFill>
+              <a:latin typeface="Roboto"/>
+              <a:ea typeface="Roboto"/>
+              <a:cs typeface="Roboto"/>
+              <a:sym typeface="Roboto"/>
+            </a:endParaRPr>
+          </a:p>
+          <a:p>
+            <a:pPr marL="457200" lvl="0" indent="-355600" algn="l" rtl="0">
+              <a:spcBef>
+                <a:spcPts val="0"/>
+              </a:spcBef>
+              <a:spcAft>
+                <a:spcPts val="0"/>
+              </a:spcAft>
+              <a:buClr>
+                <a:schemeClr val="dk2"/>
+              </a:buClr>
+              <a:buSzPts val="2000"/>
+              <a:buFont typeface="Roboto"/>
+              <a:buChar char="❖"/>
+            </a:pPr>
+            <a:r>
+              <a:rPr lang="en" sz="2000" b="1">
+                <a:solidFill>
+                  <a:schemeClr val="dk2"/>
+                </a:solidFill>
+                <a:latin typeface="Roboto"/>
+                <a:ea typeface="Roboto"/>
+                <a:cs typeface="Roboto"/>
+                <a:sym typeface="Roboto"/>
+              </a:rPr>
+              <a:t>HTML Environment Setup</a:t>
+            </a:r>
+            <a:endParaRPr sz="2000" b="1">
+              <a:solidFill>
+                <a:schemeClr val="dk2"/>
+              </a:solidFill>
+              <a:latin typeface="Roboto"/>
+              <a:ea typeface="Roboto"/>
+              <a:cs typeface="Roboto"/>
+              <a:sym typeface="Roboto"/>
+            </a:endParaRPr>
+          </a:p>
+          <a:p>
+            <a:pPr marL="457200" lvl="0" indent="-355600" algn="l" rtl="0">
+              <a:spcBef>
+                <a:spcPts val="0"/>
+              </a:spcBef>
+              <a:spcAft>
+                <a:spcPts val="0"/>
+              </a:spcAft>
+              <a:buClr>
+                <a:schemeClr val="dk2"/>
+              </a:buClr>
+              <a:buSzPts val="2000"/>
+              <a:buFont typeface="Roboto"/>
+              <a:buChar char="❖"/>
+            </a:pPr>
+            <a:r>
+              <a:rPr lang="en" sz="2000" b="1">
+                <a:solidFill>
+                  <a:schemeClr val="dk2"/>
+                </a:solidFill>
+                <a:latin typeface="Roboto"/>
+                <a:ea typeface="Roboto"/>
+                <a:cs typeface="Roboto"/>
+                <a:sym typeface="Roboto"/>
+              </a:rPr>
+              <a:t>HTML Paragraph / Headings</a:t>
+            </a:r>
+            <a:endParaRPr sz="2000" b="1">
+              <a:solidFill>
+                <a:schemeClr val="dk2"/>
+              </a:solidFill>
+              <a:latin typeface="Roboto"/>
+              <a:ea typeface="Roboto"/>
+              <a:cs typeface="Roboto"/>
+              <a:sym typeface="Roboto"/>
+            </a:endParaRPr>
+          </a:p>
+          <a:p>
+            <a:pPr marL="457200" lvl="0" indent="-355600" algn="l" rtl="0">
+              <a:spcBef>
+                <a:spcPts val="0"/>
+              </a:spcBef>
+              <a:spcAft>
+                <a:spcPts val="0"/>
+              </a:spcAft>
+              <a:buClr>
+                <a:schemeClr val="dk2"/>
+              </a:buClr>
+              <a:buSzPts val="2000"/>
+              <a:buFont typeface="Roboto"/>
+              <a:buChar char="❖"/>
+            </a:pPr>
+            <a:r>
+              <a:rPr lang="en" sz="2000" b="1">
+                <a:solidFill>
+                  <a:schemeClr val="dk2"/>
+                </a:solidFill>
+                <a:latin typeface="Roboto"/>
+                <a:ea typeface="Roboto"/>
+                <a:cs typeface="Roboto"/>
+                <a:sym typeface="Roboto"/>
+              </a:rPr>
+              <a:t>HTML Images</a:t>
+            </a:r>
+            <a:endParaRPr sz="2000" b="1">
+              <a:solidFill>
+                <a:schemeClr val="dk2"/>
+              </a:solidFill>
+              <a:latin typeface="Roboto"/>
+              <a:ea typeface="Roboto"/>
+              <a:cs typeface="Roboto"/>
+              <a:sym typeface="Roboto"/>
+            </a:endParaRPr>
+          </a:p>
+          <a:p>
+            <a:pPr marL="457200" lvl="0" indent="-355600" algn="l" rtl="0">
+              <a:spcBef>
+                <a:spcPts val="0"/>
+              </a:spcBef>
+              <a:spcAft>
+                <a:spcPts val="0"/>
+              </a:spcAft>
+              <a:buClr>
+                <a:schemeClr val="dk2"/>
+              </a:buClr>
+              <a:buSzPts val="2000"/>
+              <a:buFont typeface="Roboto"/>
+              <a:buChar char="❖"/>
+            </a:pPr>
+            <a:r>
+              <a:rPr lang="en" sz="2000" b="1">
+                <a:solidFill>
+                  <a:schemeClr val="dk2"/>
+                </a:solidFill>
+                <a:latin typeface="Roboto"/>
+                <a:ea typeface="Roboto"/>
+                <a:cs typeface="Roboto"/>
+                <a:sym typeface="Roboto"/>
+              </a:rPr>
+              <a:t>HTML Lists</a:t>
+            </a:r>
+            <a:endParaRPr sz="2000" b="1">
+              <a:solidFill>
+                <a:schemeClr val="dk2"/>
+              </a:solidFill>
+              <a:latin typeface="Roboto"/>
+              <a:ea typeface="Roboto"/>
+              <a:cs typeface="Roboto"/>
+              <a:sym typeface="Roboto"/>
+            </a:endParaRPr>
+          </a:p>
+          <a:p>
+            <a:pPr marL="457200" lvl="0" indent="-355600" algn="l" rtl="0">
+              <a:spcBef>
+                <a:spcPts val="0"/>
+              </a:spcBef>
+              <a:spcAft>
+                <a:spcPts val="0"/>
+              </a:spcAft>
+              <a:buClr>
+                <a:schemeClr val="dk2"/>
+              </a:buClr>
+              <a:buSzPts val="2000"/>
+              <a:buFont typeface="Roboto"/>
+              <a:buChar char="❖"/>
+            </a:pPr>
+            <a:r>
+              <a:rPr lang="en" sz="2000" b="1">
+                <a:solidFill>
+                  <a:schemeClr val="dk2"/>
+                </a:solidFill>
+                <a:latin typeface="Roboto"/>
+                <a:ea typeface="Roboto"/>
+                <a:cs typeface="Roboto"/>
+                <a:sym typeface="Roboto"/>
+              </a:rPr>
+              <a:t>HTML Forms</a:t>
+            </a:r>
+            <a:endParaRPr sz="2000" b="1">
+              <a:solidFill>
+                <a:schemeClr val="dk2"/>
+              </a:solidFill>
+              <a:latin typeface="Roboto"/>
+              <a:ea typeface="Roboto"/>
+              <a:cs typeface="Roboto"/>
+              <a:sym typeface="Roboto"/>
+            </a:endParaRPr>
+          </a:p>
+          <a:p>
+            <a:pPr marL="457200" lvl="0" indent="-355600" algn="l" rtl="0">
+              <a:spcBef>
+                <a:spcPts val="0"/>
+              </a:spcBef>
+              <a:spcAft>
+                <a:spcPts val="0"/>
+              </a:spcAft>
+              <a:buClr>
+                <a:schemeClr val="dk2"/>
+              </a:buClr>
+              <a:buSzPts val="2000"/>
+              <a:buFont typeface="Roboto"/>
+              <a:buChar char="❖"/>
+            </a:pPr>
+            <a:r>
+              <a:rPr lang="en" sz="2000" b="1">
+                <a:solidFill>
+                  <a:schemeClr val="dk2"/>
+                </a:solidFill>
+                <a:latin typeface="Roboto"/>
+                <a:ea typeface="Roboto"/>
+                <a:cs typeface="Roboto"/>
+                <a:sym typeface="Roboto"/>
+              </a:rPr>
+              <a:t>HTML Tables</a:t>
+            </a:r>
+            <a:endParaRPr sz="2000" b="1">
+              <a:solidFill>
+                <a:schemeClr val="dk2"/>
+              </a:solidFill>
+              <a:latin typeface="Roboto"/>
+              <a:ea typeface="Roboto"/>
+              <a:cs typeface="Roboto"/>
+              <a:sym typeface="Roboto"/>
+            </a:endParaRPr>
+          </a:p>
+          <a:p>
+            <a:pPr marL="457200" lvl="0" indent="-355600" algn="l" rtl="0">
+              <a:spcBef>
+                <a:spcPts val="0"/>
+              </a:spcBef>
+              <a:spcAft>
+                <a:spcPts val="0"/>
+              </a:spcAft>
+              <a:buClr>
+                <a:schemeClr val="dk2"/>
+              </a:buClr>
+              <a:buSzPts val="2000"/>
+              <a:buFont typeface="Roboto"/>
+              <a:buChar char="❖"/>
+            </a:pPr>
+            <a:r>
+              <a:rPr lang="en" sz="2000" b="1">
+                <a:solidFill>
+                  <a:schemeClr val="dk2"/>
+                </a:solidFill>
+                <a:latin typeface="Roboto"/>
+                <a:ea typeface="Roboto"/>
+                <a:cs typeface="Roboto"/>
+                <a:sym typeface="Roboto"/>
+              </a:rPr>
+              <a:t>HTML Div Elements</a:t>
+            </a:r>
+            <a:endParaRPr sz="2000" b="1">
+              <a:solidFill>
+                <a:schemeClr val="dk2"/>
+              </a:solidFill>
+              <a:latin typeface="Roboto"/>
+              <a:ea typeface="Roboto"/>
+              <a:cs typeface="Roboto"/>
+              <a:sym typeface="Roboto"/>
+            </a:endParaRPr>
+          </a:p>
+          <a:p>
+            <a:pPr marL="457200" lvl="0" indent="-355600" algn="l" rtl="0">
+              <a:spcBef>
+                <a:spcPts val="0"/>
+              </a:spcBef>
+              <a:spcAft>
+                <a:spcPts val="0"/>
+              </a:spcAft>
+              <a:buClr>
+                <a:schemeClr val="dk2"/>
+              </a:buClr>
+              <a:buSzPts val="2000"/>
+              <a:buFont typeface="Roboto"/>
+              <a:buChar char="❖"/>
+            </a:pPr>
+            <a:r>
+              <a:rPr lang="en" sz="2000" b="1">
+                <a:solidFill>
+                  <a:schemeClr val="dk2"/>
+                </a:solidFill>
+                <a:latin typeface="Roboto"/>
+                <a:ea typeface="Roboto"/>
+                <a:cs typeface="Roboto"/>
+                <a:sym typeface="Roboto"/>
+              </a:rPr>
+              <a:t>HTML Block Elements</a:t>
+            </a:r>
+            <a:endParaRPr sz="2000" b="1">
+              <a:solidFill>
+                <a:schemeClr val="dk2"/>
+              </a:solidFill>
+              <a:latin typeface="Roboto"/>
+              <a:ea typeface="Roboto"/>
+              <a:cs typeface="Roboto"/>
+              <a:sym typeface="Roboto"/>
+            </a:endParaRPr>
+          </a:p>
+          <a:p>
+            <a:pPr marL="457200" lvl="0" indent="-355600" algn="l" rtl="0">
+              <a:spcBef>
+                <a:spcPts val="0"/>
+              </a:spcBef>
+              <a:spcAft>
+                <a:spcPts val="0"/>
+              </a:spcAft>
+              <a:buClr>
+                <a:schemeClr val="dk2"/>
+              </a:buClr>
+              <a:buSzPts val="2000"/>
+              <a:buFont typeface="Roboto"/>
+              <a:buChar char="❖"/>
+            </a:pPr>
+            <a:r>
+              <a:rPr lang="en" sz="2000" b="1">
+                <a:solidFill>
+                  <a:schemeClr val="dk2"/>
+                </a:solidFill>
+                <a:latin typeface="Roboto"/>
+                <a:ea typeface="Roboto"/>
+                <a:cs typeface="Roboto"/>
+                <a:sym typeface="Roboto"/>
+              </a:rPr>
+              <a:t>HTML Inline Elements</a:t>
+            </a:r>
+            <a:endParaRPr sz="2000" b="1">
+              <a:solidFill>
+                <a:schemeClr val="dk2"/>
+              </a:solidFill>
+              <a:latin typeface="Roboto"/>
+              <a:ea typeface="Roboto"/>
+              <a:cs typeface="Roboto"/>
+              <a:sym typeface="Roboto"/>
+            </a:endParaRPr>
+          </a:p>
+          <a:p>
+            <a:pPr marL="457200" lvl="0" indent="0" algn="l" rtl="0">
+              <a:spcBef>
+                <a:spcPts val="0"/>
+              </a:spcBef>
+              <a:spcAft>
+                <a:spcPts val="0"/>
+              </a:spcAft>
+              <a:buNone/>
+            </a:pPr>
+            <a:endParaRPr sz="2000" b="1">
+              <a:solidFill>
+                <a:schemeClr val="dk2"/>
+              </a:solidFill>
+              <a:latin typeface="Roboto"/>
+              <a:ea typeface="Roboto"/>
+              <a:cs typeface="Roboto"/>
+              <a:sym typeface="Roboto"/>
+            </a:endParaRPr>
+          </a:p>
+          <a:p>
+            <a:pPr marL="457200" lvl="0" indent="0" algn="l" rtl="0">
+              <a:spcBef>
+                <a:spcPts val="0"/>
+              </a:spcBef>
+              <a:spcAft>
+                <a:spcPts val="0"/>
+              </a:spcAft>
+              <a:buNone/>
+            </a:pPr>
+            <a:endParaRPr sz="2000" b="1">
+              <a:solidFill>
+                <a:schemeClr val="dk2"/>
+              </a:solidFill>
+              <a:latin typeface="Roboto"/>
+              <a:ea typeface="Roboto"/>
+              <a:cs typeface="Roboto"/>
+              <a:sym typeface="Roboto"/>
+            </a:endParaRPr>
+          </a:p>
+        </p:txBody>
+      </p:sp>
+    </p:spTree>
+  </p:cSld>
+  <p:clrMapOvr>
+    <a:masterClrMapping/>
+  </p:clrMapOvr>
+  <p:timing>
+    <p:tnLst>
+      <p:par>
+        <p:cTn id="1" dur="indefinite" restart="never" nodeType="tmRoot"/>
+      </p:par>
+    </p:tnLst>
+  </p:timing>
+</p:sld>
+</file>
+
+<file path=ppt/slides/slide21.xml><?xml version="1.0" encoding="utf-8"?>
+<p:sld xmlns:a="http://schemas.openxmlformats.org/drawingml/2006/main" xmlns:r="http://schemas.openxmlformats.org/officeDocument/2006/relationships" xmlns:p="http://schemas.openxmlformats.org/presentationml/2006/main">
+  <p:cSld>
+    <p:spTree>
+      <p:nvGrpSpPr>
         <p:cNvPr id="1" name="Shape 120"/>
         <p:cNvGrpSpPr/>
         <p:nvPr/>
@@ -22154,7 +24203,7 @@
 </p:sld>
 </file>
 
-<file path=ppt/slides/slide21.xml><?xml version="1.0" encoding="utf-8"?>
+<file path=ppt/slides/slide22.xml><?xml version="1.0" encoding="utf-8"?>
 <p:sld xmlns:a="http://schemas.openxmlformats.org/drawingml/2006/main" xmlns:r="http://schemas.openxmlformats.org/officeDocument/2006/relationships" xmlns:p="http://schemas.openxmlformats.org/presentationml/2006/main">
   <p:cSld>
     <p:spTree>

--- a/JavaScript.pptx
+++ b/JavaScript.pptx
@@ -5,7 +5,7 @@
     <p:sldMasterId id="2147483659" r:id="rId1"/>
   </p:sldMasterIdLst>
   <p:notesMasterIdLst>
-    <p:notesMasterId r:id="rId24"/>
+    <p:notesMasterId r:id="rId29"/>
   </p:notesMasterIdLst>
   <p:sldIdLst>
     <p:sldId id="256" r:id="rId2"/>
@@ -27,19 +27,45 @@
     <p:sldId id="313" r:id="rId18"/>
     <p:sldId id="314" r:id="rId19"/>
     <p:sldId id="318" r:id="rId20"/>
-    <p:sldId id="261" r:id="rId21"/>
-    <p:sldId id="262" r:id="rId22"/>
-    <p:sldId id="315" r:id="rId23"/>
+    <p:sldId id="319" r:id="rId21"/>
+    <p:sldId id="320" r:id="rId22"/>
+    <p:sldId id="321" r:id="rId23"/>
+    <p:sldId id="322" r:id="rId24"/>
+    <p:sldId id="323" r:id="rId25"/>
+    <p:sldId id="261" r:id="rId26"/>
+    <p:sldId id="262" r:id="rId27"/>
+    <p:sldId id="315" r:id="rId28"/>
   </p:sldIdLst>
   <p:sldSz cx="9144000" cy="5143500" type="screen16x9"/>
   <p:notesSz cx="6858000" cy="9144000"/>
   <p:embeddedFontLst>
     <p:embeddedFont>
       <p:font typeface="Roboto" panose="020B0604020202020204" charset="0"/>
-      <p:regular r:id="rId25"/>
-      <p:bold r:id="rId26"/>
-      <p:italic r:id="rId27"/>
-      <p:boldItalic r:id="rId28"/>
+      <p:regular r:id="rId30"/>
+      <p:bold r:id="rId31"/>
+      <p:italic r:id="rId32"/>
+      <p:boldItalic r:id="rId33"/>
+    </p:embeddedFont>
+    <p:embeddedFont>
+      <p:font typeface="Segoe UI" panose="020B0502040204020203" pitchFamily="34" charset="0"/>
+      <p:regular r:id="rId34"/>
+      <p:bold r:id="rId35"/>
+      <p:italic r:id="rId36"/>
+      <p:boldItalic r:id="rId37"/>
+    </p:embeddedFont>
+    <p:embeddedFont>
+      <p:font typeface="Verdana" panose="020B0604030504040204" pitchFamily="34" charset="0"/>
+      <p:regular r:id="rId38"/>
+      <p:bold r:id="rId39"/>
+      <p:italic r:id="rId40"/>
+      <p:boldItalic r:id="rId41"/>
+    </p:embeddedFont>
+    <p:embeddedFont>
+      <p:font typeface="Consolas" panose="020B0609020204030204" pitchFamily="49" charset="0"/>
+      <p:regular r:id="rId42"/>
+      <p:bold r:id="rId43"/>
+      <p:italic r:id="rId44"/>
+      <p:boldItalic r:id="rId45"/>
     </p:embeddedFont>
   </p:embeddedFontLst>
   <p:defaultTextStyle>
@@ -1994,6 +2020,551 @@
   <p:cSld>
     <p:spTree>
       <p:nvGrpSpPr>
+        <p:cNvPr id="1" name="Shape 99"/>
+        <p:cNvGrpSpPr/>
+        <p:nvPr/>
+      </p:nvGrpSpPr>
+      <p:grpSpPr>
+        <a:xfrm>
+          <a:off x="0" y="0"/>
+          <a:ext cx="0" cy="0"/>
+          <a:chOff x="0" y="0"/>
+          <a:chExt cx="0" cy="0"/>
+        </a:xfrm>
+      </p:grpSpPr>
+      <p:sp>
+        <p:nvSpPr>
+          <p:cNvPr id="100" name="Google Shape;100;g2ddc889944f_0_0:notes"/>
+          <p:cNvSpPr>
+            <a:spLocks noGrp="1" noRot="1" noChangeAspect="1"/>
+          </p:cNvSpPr>
+          <p:nvPr>
+            <p:ph type="sldImg" idx="2"/>
+          </p:nvPr>
+        </p:nvSpPr>
+        <p:spPr>
+          <a:xfrm>
+            <a:off x="381000" y="685800"/>
+            <a:ext cx="6096000" cy="3429000"/>
+          </a:xfrm>
+          <a:custGeom>
+            <a:avLst/>
+            <a:gdLst/>
+            <a:ahLst/>
+            <a:cxnLst/>
+            <a:rect l="l" t="t" r="r" b="b"/>
+            <a:pathLst>
+              <a:path w="120000" h="120000" extrusionOk="0">
+                <a:moveTo>
+                  <a:pt x="0" y="0"/>
+                </a:moveTo>
+                <a:lnTo>
+                  <a:pt x="120000" y="0"/>
+                </a:lnTo>
+                <a:lnTo>
+                  <a:pt x="120000" y="120000"/>
+                </a:lnTo>
+                <a:lnTo>
+                  <a:pt x="0" y="120000"/>
+                </a:lnTo>
+                <a:close/>
+              </a:path>
+            </a:pathLst>
+          </a:custGeom>
+        </p:spPr>
+      </p:sp>
+      <p:sp>
+        <p:nvSpPr>
+          <p:cNvPr id="101" name="Google Shape;101;g2ddc889944f_0_0:notes"/>
+          <p:cNvSpPr txBox="1">
+            <a:spLocks noGrp="1"/>
+          </p:cNvSpPr>
+          <p:nvPr>
+            <p:ph type="body" idx="1"/>
+          </p:nvPr>
+        </p:nvSpPr>
+        <p:spPr>
+          <a:xfrm>
+            <a:off x="685800" y="4343400"/>
+            <a:ext cx="5486400" cy="4114800"/>
+          </a:xfrm>
+          <a:prstGeom prst="rect">
+            <a:avLst/>
+          </a:prstGeom>
+        </p:spPr>
+        <p:txBody>
+          <a:bodyPr spcFirstLastPara="1" wrap="square" lIns="91425" tIns="91425" rIns="91425" bIns="91425" anchor="t" anchorCtr="0">
+            <a:noAutofit/>
+          </a:bodyPr>
+          <a:lstStyle/>
+          <a:p>
+            <a:pPr marL="0" lvl="0" indent="0" algn="l" rtl="0">
+              <a:spcBef>
+                <a:spcPts val="0"/>
+              </a:spcBef>
+              <a:spcAft>
+                <a:spcPts val="0"/>
+              </a:spcAft>
+              <a:buNone/>
+            </a:pPr>
+            <a:endParaRPr/>
+          </a:p>
+        </p:txBody>
+      </p:sp>
+    </p:spTree>
+    <p:extLst>
+      <p:ext uri="{BB962C8B-B14F-4D97-AF65-F5344CB8AC3E}">
+        <p14:creationId xmlns:p14="http://schemas.microsoft.com/office/powerpoint/2010/main" val="2491830357"/>
+      </p:ext>
+    </p:extLst>
+  </p:cSld>
+  <p:clrMapOvr>
+    <a:masterClrMapping/>
+  </p:clrMapOvr>
+</p:notes>
+</file>
+
+<file path=ppt/notesSlides/notesSlide21.xml><?xml version="1.0" encoding="utf-8"?>
+<p:notes xmlns:a="http://schemas.openxmlformats.org/drawingml/2006/main" xmlns:r="http://schemas.openxmlformats.org/officeDocument/2006/relationships" xmlns:p="http://schemas.openxmlformats.org/presentationml/2006/main" showMasterSp="0" showMasterPhAnim="0">
+  <p:cSld>
+    <p:spTree>
+      <p:nvGrpSpPr>
+        <p:cNvPr id="1" name="Shape 99"/>
+        <p:cNvGrpSpPr/>
+        <p:nvPr/>
+      </p:nvGrpSpPr>
+      <p:grpSpPr>
+        <a:xfrm>
+          <a:off x="0" y="0"/>
+          <a:ext cx="0" cy="0"/>
+          <a:chOff x="0" y="0"/>
+          <a:chExt cx="0" cy="0"/>
+        </a:xfrm>
+      </p:grpSpPr>
+      <p:sp>
+        <p:nvSpPr>
+          <p:cNvPr id="100" name="Google Shape;100;g2ddc889944f_0_0:notes"/>
+          <p:cNvSpPr>
+            <a:spLocks noGrp="1" noRot="1" noChangeAspect="1"/>
+          </p:cNvSpPr>
+          <p:nvPr>
+            <p:ph type="sldImg" idx="2"/>
+          </p:nvPr>
+        </p:nvSpPr>
+        <p:spPr>
+          <a:xfrm>
+            <a:off x="381000" y="685800"/>
+            <a:ext cx="6096000" cy="3429000"/>
+          </a:xfrm>
+          <a:custGeom>
+            <a:avLst/>
+            <a:gdLst/>
+            <a:ahLst/>
+            <a:cxnLst/>
+            <a:rect l="l" t="t" r="r" b="b"/>
+            <a:pathLst>
+              <a:path w="120000" h="120000" extrusionOk="0">
+                <a:moveTo>
+                  <a:pt x="0" y="0"/>
+                </a:moveTo>
+                <a:lnTo>
+                  <a:pt x="120000" y="0"/>
+                </a:lnTo>
+                <a:lnTo>
+                  <a:pt x="120000" y="120000"/>
+                </a:lnTo>
+                <a:lnTo>
+                  <a:pt x="0" y="120000"/>
+                </a:lnTo>
+                <a:close/>
+              </a:path>
+            </a:pathLst>
+          </a:custGeom>
+        </p:spPr>
+      </p:sp>
+      <p:sp>
+        <p:nvSpPr>
+          <p:cNvPr id="101" name="Google Shape;101;g2ddc889944f_0_0:notes"/>
+          <p:cNvSpPr txBox="1">
+            <a:spLocks noGrp="1"/>
+          </p:cNvSpPr>
+          <p:nvPr>
+            <p:ph type="body" idx="1"/>
+          </p:nvPr>
+        </p:nvSpPr>
+        <p:spPr>
+          <a:xfrm>
+            <a:off x="685800" y="4343400"/>
+            <a:ext cx="5486400" cy="4114800"/>
+          </a:xfrm>
+          <a:prstGeom prst="rect">
+            <a:avLst/>
+          </a:prstGeom>
+        </p:spPr>
+        <p:txBody>
+          <a:bodyPr spcFirstLastPara="1" wrap="square" lIns="91425" tIns="91425" rIns="91425" bIns="91425" anchor="t" anchorCtr="0">
+            <a:noAutofit/>
+          </a:bodyPr>
+          <a:lstStyle/>
+          <a:p>
+            <a:pPr marL="0" lvl="0" indent="0" algn="l" rtl="0">
+              <a:spcBef>
+                <a:spcPts val="0"/>
+              </a:spcBef>
+              <a:spcAft>
+                <a:spcPts val="0"/>
+              </a:spcAft>
+              <a:buNone/>
+            </a:pPr>
+            <a:endParaRPr/>
+          </a:p>
+        </p:txBody>
+      </p:sp>
+    </p:spTree>
+    <p:extLst>
+      <p:ext uri="{BB962C8B-B14F-4D97-AF65-F5344CB8AC3E}">
+        <p14:creationId xmlns:p14="http://schemas.microsoft.com/office/powerpoint/2010/main" val="2020652057"/>
+      </p:ext>
+    </p:extLst>
+  </p:cSld>
+  <p:clrMapOvr>
+    <a:masterClrMapping/>
+  </p:clrMapOvr>
+</p:notes>
+</file>
+
+<file path=ppt/notesSlides/notesSlide22.xml><?xml version="1.0" encoding="utf-8"?>
+<p:notes xmlns:a="http://schemas.openxmlformats.org/drawingml/2006/main" xmlns:r="http://schemas.openxmlformats.org/officeDocument/2006/relationships" xmlns:p="http://schemas.openxmlformats.org/presentationml/2006/main" showMasterSp="0" showMasterPhAnim="0">
+  <p:cSld>
+    <p:spTree>
+      <p:nvGrpSpPr>
+        <p:cNvPr id="1" name="Shape 99"/>
+        <p:cNvGrpSpPr/>
+        <p:nvPr/>
+      </p:nvGrpSpPr>
+      <p:grpSpPr>
+        <a:xfrm>
+          <a:off x="0" y="0"/>
+          <a:ext cx="0" cy="0"/>
+          <a:chOff x="0" y="0"/>
+          <a:chExt cx="0" cy="0"/>
+        </a:xfrm>
+      </p:grpSpPr>
+      <p:sp>
+        <p:nvSpPr>
+          <p:cNvPr id="100" name="Google Shape;100;g2ddc889944f_0_0:notes"/>
+          <p:cNvSpPr>
+            <a:spLocks noGrp="1" noRot="1" noChangeAspect="1"/>
+          </p:cNvSpPr>
+          <p:nvPr>
+            <p:ph type="sldImg" idx="2"/>
+          </p:nvPr>
+        </p:nvSpPr>
+        <p:spPr>
+          <a:xfrm>
+            <a:off x="381000" y="685800"/>
+            <a:ext cx="6096000" cy="3429000"/>
+          </a:xfrm>
+          <a:custGeom>
+            <a:avLst/>
+            <a:gdLst/>
+            <a:ahLst/>
+            <a:cxnLst/>
+            <a:rect l="l" t="t" r="r" b="b"/>
+            <a:pathLst>
+              <a:path w="120000" h="120000" extrusionOk="0">
+                <a:moveTo>
+                  <a:pt x="0" y="0"/>
+                </a:moveTo>
+                <a:lnTo>
+                  <a:pt x="120000" y="0"/>
+                </a:lnTo>
+                <a:lnTo>
+                  <a:pt x="120000" y="120000"/>
+                </a:lnTo>
+                <a:lnTo>
+                  <a:pt x="0" y="120000"/>
+                </a:lnTo>
+                <a:close/>
+              </a:path>
+            </a:pathLst>
+          </a:custGeom>
+        </p:spPr>
+      </p:sp>
+      <p:sp>
+        <p:nvSpPr>
+          <p:cNvPr id="101" name="Google Shape;101;g2ddc889944f_0_0:notes"/>
+          <p:cNvSpPr txBox="1">
+            <a:spLocks noGrp="1"/>
+          </p:cNvSpPr>
+          <p:nvPr>
+            <p:ph type="body" idx="1"/>
+          </p:nvPr>
+        </p:nvSpPr>
+        <p:spPr>
+          <a:xfrm>
+            <a:off x="685800" y="4343400"/>
+            <a:ext cx="5486400" cy="4114800"/>
+          </a:xfrm>
+          <a:prstGeom prst="rect">
+            <a:avLst/>
+          </a:prstGeom>
+        </p:spPr>
+        <p:txBody>
+          <a:bodyPr spcFirstLastPara="1" wrap="square" lIns="91425" tIns="91425" rIns="91425" bIns="91425" anchor="t" anchorCtr="0">
+            <a:noAutofit/>
+          </a:bodyPr>
+          <a:lstStyle/>
+          <a:p>
+            <a:pPr marL="0" lvl="0" indent="0" algn="l" rtl="0">
+              <a:spcBef>
+                <a:spcPts val="0"/>
+              </a:spcBef>
+              <a:spcAft>
+                <a:spcPts val="0"/>
+              </a:spcAft>
+              <a:buNone/>
+            </a:pPr>
+            <a:endParaRPr/>
+          </a:p>
+        </p:txBody>
+      </p:sp>
+    </p:spTree>
+    <p:extLst>
+      <p:ext uri="{BB962C8B-B14F-4D97-AF65-F5344CB8AC3E}">
+        <p14:creationId xmlns:p14="http://schemas.microsoft.com/office/powerpoint/2010/main" val="3622589600"/>
+      </p:ext>
+    </p:extLst>
+  </p:cSld>
+  <p:clrMapOvr>
+    <a:masterClrMapping/>
+  </p:clrMapOvr>
+</p:notes>
+</file>
+
+<file path=ppt/notesSlides/notesSlide23.xml><?xml version="1.0" encoding="utf-8"?>
+<p:notes xmlns:a="http://schemas.openxmlformats.org/drawingml/2006/main" xmlns:r="http://schemas.openxmlformats.org/officeDocument/2006/relationships" xmlns:p="http://schemas.openxmlformats.org/presentationml/2006/main" showMasterSp="0" showMasterPhAnim="0">
+  <p:cSld>
+    <p:spTree>
+      <p:nvGrpSpPr>
+        <p:cNvPr id="1" name="Shape 99"/>
+        <p:cNvGrpSpPr/>
+        <p:nvPr/>
+      </p:nvGrpSpPr>
+      <p:grpSpPr>
+        <a:xfrm>
+          <a:off x="0" y="0"/>
+          <a:ext cx="0" cy="0"/>
+          <a:chOff x="0" y="0"/>
+          <a:chExt cx="0" cy="0"/>
+        </a:xfrm>
+      </p:grpSpPr>
+      <p:sp>
+        <p:nvSpPr>
+          <p:cNvPr id="100" name="Google Shape;100;g2ddc889944f_0_0:notes"/>
+          <p:cNvSpPr>
+            <a:spLocks noGrp="1" noRot="1" noChangeAspect="1"/>
+          </p:cNvSpPr>
+          <p:nvPr>
+            <p:ph type="sldImg" idx="2"/>
+          </p:nvPr>
+        </p:nvSpPr>
+        <p:spPr>
+          <a:xfrm>
+            <a:off x="381000" y="685800"/>
+            <a:ext cx="6096000" cy="3429000"/>
+          </a:xfrm>
+          <a:custGeom>
+            <a:avLst/>
+            <a:gdLst/>
+            <a:ahLst/>
+            <a:cxnLst/>
+            <a:rect l="l" t="t" r="r" b="b"/>
+            <a:pathLst>
+              <a:path w="120000" h="120000" extrusionOk="0">
+                <a:moveTo>
+                  <a:pt x="0" y="0"/>
+                </a:moveTo>
+                <a:lnTo>
+                  <a:pt x="120000" y="0"/>
+                </a:lnTo>
+                <a:lnTo>
+                  <a:pt x="120000" y="120000"/>
+                </a:lnTo>
+                <a:lnTo>
+                  <a:pt x="0" y="120000"/>
+                </a:lnTo>
+                <a:close/>
+              </a:path>
+            </a:pathLst>
+          </a:custGeom>
+        </p:spPr>
+      </p:sp>
+      <p:sp>
+        <p:nvSpPr>
+          <p:cNvPr id="101" name="Google Shape;101;g2ddc889944f_0_0:notes"/>
+          <p:cNvSpPr txBox="1">
+            <a:spLocks noGrp="1"/>
+          </p:cNvSpPr>
+          <p:nvPr>
+            <p:ph type="body" idx="1"/>
+          </p:nvPr>
+        </p:nvSpPr>
+        <p:spPr>
+          <a:xfrm>
+            <a:off x="685800" y="4343400"/>
+            <a:ext cx="5486400" cy="4114800"/>
+          </a:xfrm>
+          <a:prstGeom prst="rect">
+            <a:avLst/>
+          </a:prstGeom>
+        </p:spPr>
+        <p:txBody>
+          <a:bodyPr spcFirstLastPara="1" wrap="square" lIns="91425" tIns="91425" rIns="91425" bIns="91425" anchor="t" anchorCtr="0">
+            <a:noAutofit/>
+          </a:bodyPr>
+          <a:lstStyle/>
+          <a:p>
+            <a:pPr marL="0" lvl="0" indent="0" algn="l" rtl="0">
+              <a:spcBef>
+                <a:spcPts val="0"/>
+              </a:spcBef>
+              <a:spcAft>
+                <a:spcPts val="0"/>
+              </a:spcAft>
+              <a:buNone/>
+            </a:pPr>
+            <a:endParaRPr/>
+          </a:p>
+        </p:txBody>
+      </p:sp>
+    </p:spTree>
+    <p:extLst>
+      <p:ext uri="{BB962C8B-B14F-4D97-AF65-F5344CB8AC3E}">
+        <p14:creationId xmlns:p14="http://schemas.microsoft.com/office/powerpoint/2010/main" val="1593316196"/>
+      </p:ext>
+    </p:extLst>
+  </p:cSld>
+  <p:clrMapOvr>
+    <a:masterClrMapping/>
+  </p:clrMapOvr>
+</p:notes>
+</file>
+
+<file path=ppt/notesSlides/notesSlide24.xml><?xml version="1.0" encoding="utf-8"?>
+<p:notes xmlns:a="http://schemas.openxmlformats.org/drawingml/2006/main" xmlns:r="http://schemas.openxmlformats.org/officeDocument/2006/relationships" xmlns:p="http://schemas.openxmlformats.org/presentationml/2006/main" showMasterSp="0" showMasterPhAnim="0">
+  <p:cSld>
+    <p:spTree>
+      <p:nvGrpSpPr>
+        <p:cNvPr id="1" name="Shape 99"/>
+        <p:cNvGrpSpPr/>
+        <p:nvPr/>
+      </p:nvGrpSpPr>
+      <p:grpSpPr>
+        <a:xfrm>
+          <a:off x="0" y="0"/>
+          <a:ext cx="0" cy="0"/>
+          <a:chOff x="0" y="0"/>
+          <a:chExt cx="0" cy="0"/>
+        </a:xfrm>
+      </p:grpSpPr>
+      <p:sp>
+        <p:nvSpPr>
+          <p:cNvPr id="100" name="Google Shape;100;g2ddc889944f_0_0:notes"/>
+          <p:cNvSpPr>
+            <a:spLocks noGrp="1" noRot="1" noChangeAspect="1"/>
+          </p:cNvSpPr>
+          <p:nvPr>
+            <p:ph type="sldImg" idx="2"/>
+          </p:nvPr>
+        </p:nvSpPr>
+        <p:spPr>
+          <a:xfrm>
+            <a:off x="381000" y="685800"/>
+            <a:ext cx="6096000" cy="3429000"/>
+          </a:xfrm>
+          <a:custGeom>
+            <a:avLst/>
+            <a:gdLst/>
+            <a:ahLst/>
+            <a:cxnLst/>
+            <a:rect l="l" t="t" r="r" b="b"/>
+            <a:pathLst>
+              <a:path w="120000" h="120000" extrusionOk="0">
+                <a:moveTo>
+                  <a:pt x="0" y="0"/>
+                </a:moveTo>
+                <a:lnTo>
+                  <a:pt x="120000" y="0"/>
+                </a:lnTo>
+                <a:lnTo>
+                  <a:pt x="120000" y="120000"/>
+                </a:lnTo>
+                <a:lnTo>
+                  <a:pt x="0" y="120000"/>
+                </a:lnTo>
+                <a:close/>
+              </a:path>
+            </a:pathLst>
+          </a:custGeom>
+        </p:spPr>
+      </p:sp>
+      <p:sp>
+        <p:nvSpPr>
+          <p:cNvPr id="101" name="Google Shape;101;g2ddc889944f_0_0:notes"/>
+          <p:cNvSpPr txBox="1">
+            <a:spLocks noGrp="1"/>
+          </p:cNvSpPr>
+          <p:nvPr>
+            <p:ph type="body" idx="1"/>
+          </p:nvPr>
+        </p:nvSpPr>
+        <p:spPr>
+          <a:xfrm>
+            <a:off x="685800" y="4343400"/>
+            <a:ext cx="5486400" cy="4114800"/>
+          </a:xfrm>
+          <a:prstGeom prst="rect">
+            <a:avLst/>
+          </a:prstGeom>
+        </p:spPr>
+        <p:txBody>
+          <a:bodyPr spcFirstLastPara="1" wrap="square" lIns="91425" tIns="91425" rIns="91425" bIns="91425" anchor="t" anchorCtr="0">
+            <a:noAutofit/>
+          </a:bodyPr>
+          <a:lstStyle/>
+          <a:p>
+            <a:pPr marL="0" lvl="0" indent="0" algn="l" rtl="0">
+              <a:spcBef>
+                <a:spcPts val="0"/>
+              </a:spcBef>
+              <a:spcAft>
+                <a:spcPts val="0"/>
+              </a:spcAft>
+              <a:buNone/>
+            </a:pPr>
+            <a:endParaRPr/>
+          </a:p>
+        </p:txBody>
+      </p:sp>
+    </p:spTree>
+    <p:extLst>
+      <p:ext uri="{BB962C8B-B14F-4D97-AF65-F5344CB8AC3E}">
+        <p14:creationId xmlns:p14="http://schemas.microsoft.com/office/powerpoint/2010/main" val="2874398035"/>
+      </p:ext>
+    </p:extLst>
+  </p:cSld>
+  <p:clrMapOvr>
+    <a:masterClrMapping/>
+  </p:clrMapOvr>
+</p:notes>
+</file>
+
+<file path=ppt/notesSlides/notesSlide25.xml><?xml version="1.0" encoding="utf-8"?>
+<p:notes xmlns:a="http://schemas.openxmlformats.org/drawingml/2006/main" xmlns:r="http://schemas.openxmlformats.org/officeDocument/2006/relationships" xmlns:p="http://schemas.openxmlformats.org/presentationml/2006/main" showMasterSp="0" showMasterPhAnim="0">
+  <p:cSld>
+    <p:spTree>
+      <p:nvGrpSpPr>
         <p:cNvPr id="1" name="Shape 111"/>
         <p:cNvGrpSpPr/>
         <p:nvPr/>
@@ -2093,7 +2664,7 @@
 </p:notes>
 </file>
 
-<file path=ppt/notesSlides/notesSlide21.xml><?xml version="1.0" encoding="utf-8"?>
+<file path=ppt/notesSlides/notesSlide26.xml><?xml version="1.0" encoding="utf-8"?>
 <p:notes xmlns:a="http://schemas.openxmlformats.org/drawingml/2006/main" xmlns:r="http://schemas.openxmlformats.org/officeDocument/2006/relationships" xmlns:p="http://schemas.openxmlformats.org/presentationml/2006/main" showMasterSp="0" showMasterPhAnim="0">
   <p:cSld>
     <p:spTree>
@@ -2197,7 +2768,7 @@
 </p:notes>
 </file>
 
-<file path=ppt/notesSlides/notesSlide22.xml><?xml version="1.0" encoding="utf-8"?>
+<file path=ppt/notesSlides/notesSlide27.xml><?xml version="1.0" encoding="utf-8"?>
 <p:notes xmlns:a="http://schemas.openxmlformats.org/drawingml/2006/main" xmlns:r="http://schemas.openxmlformats.org/officeDocument/2006/relationships" xmlns:p="http://schemas.openxmlformats.org/presentationml/2006/main" showMasterSp="0" showMasterPhAnim="0">
   <p:cSld>
     <p:spTree>
@@ -21226,7 +21797,7 @@
             </a:r>
             <a:r>
               <a:rPr lang="en" sz="3300" b="1" dirty="0" smtClean="0"/>
-              <a:t>CONDITIONS</a:t>
+              <a:t>CONDITIONAL STATEMENTS</a:t>
             </a:r>
             <a:endParaRPr sz="3300" b="1" dirty="0"/>
           </a:p>
@@ -21241,7 +21812,7 @@
         <p:spPr>
           <a:xfrm>
             <a:off x="321600" y="638854"/>
-            <a:ext cx="8500800" cy="430857"/>
+            <a:ext cx="8500800" cy="677078"/>
           </a:xfrm>
           <a:prstGeom prst="rect">
             <a:avLst/>
@@ -21259,8 +21830,15 @@
           <a:p>
             <a:r>
               <a:rPr lang="en-US" sz="1600" b="1" u="sng" dirty="0"/>
-              <a:t>JavaScript Special Operators</a:t>
-            </a:r>
+              <a:t>Conditional </a:t>
+            </a:r>
+            <a:r>
+              <a:rPr lang="en-US" sz="1600" b="1" u="sng" dirty="0" smtClean="0"/>
+              <a:t>Statements</a:t>
+            </a:r>
+          </a:p>
+          <a:p>
+            <a:endParaRPr lang="en-US" sz="1600" b="1" u="sng" dirty="0"/>
           </a:p>
         </p:txBody>
       </p:sp>
@@ -21380,1314 +21958,453 @@
           </a:p>
         </p:txBody>
       </p:sp>
-      <p:graphicFrame>
-        <p:nvGraphicFramePr>
-          <p:cNvPr id="4" name="Table 3"/>
-          <p:cNvGraphicFramePr>
-            <a:graphicFrameLocks noGrp="1"/>
-          </p:cNvGraphicFramePr>
-          <p:nvPr>
-            <p:extLst/>
-          </p:nvPr>
-        </p:nvGraphicFramePr>
-        <p:xfrm>
-          <a:off x="866493" y="1209670"/>
-          <a:ext cx="7008545" cy="3524870"/>
-        </p:xfrm>
-        <a:graphic>
-          <a:graphicData uri="http://schemas.openxmlformats.org/drawingml/2006/table">
-            <a:tbl>
-              <a:tblPr/>
-              <a:tblGrid>
-                <a:gridCol w="2666616">
-                  <a:extLst>
-                    <a:ext uri="{9D8B030D-6E8A-4147-A177-3AD203B41FA5}">
-                      <a16:colId xmlns:a16="http://schemas.microsoft.com/office/drawing/2014/main" val="20000"/>
-                    </a:ext>
-                  </a:extLst>
-                </a:gridCol>
-                <a:gridCol w="4341929">
-                  <a:extLst>
-                    <a:ext uri="{9D8B030D-6E8A-4147-A177-3AD203B41FA5}">
-                      <a16:colId xmlns:a16="http://schemas.microsoft.com/office/drawing/2014/main" val="20001"/>
-                    </a:ext>
-                  </a:extLst>
-                </a:gridCol>
-              </a:tblGrid>
-              <a:tr h="298487">
-                <a:tc>
-                  <a:txBody>
-                    <a:bodyPr/>
-                    <a:lstStyle/>
-                    <a:p>
-                      <a:pPr algn="l" fontAlgn="t"/>
-                      <a:r>
-                        <a:rPr lang="en-US" sz="900" b="1">
-                          <a:solidFill>
-                            <a:srgbClr val="000000"/>
-                          </a:solidFill>
-                          <a:effectLst/>
-                          <a:latin typeface="times new roman"/>
-                        </a:rPr>
-                        <a:t>Operator</a:t>
-                      </a:r>
-                    </a:p>
-                  </a:txBody>
-                  <a:tcPr marL="73000" marR="73000" marT="73000" marB="73000">
-                    <a:lnL w="9525" cap="flat" cmpd="sng" algn="ctr">
-                      <a:solidFill>
-                        <a:srgbClr val="50506A"/>
-                      </a:solidFill>
-                      <a:prstDash val="solid"/>
-                      <a:round/>
-                      <a:headEnd type="none" w="med" len="med"/>
-                      <a:tailEnd type="none" w="med" len="med"/>
-                    </a:lnL>
-                    <a:lnR w="9525" cap="flat" cmpd="sng" algn="ctr">
-                      <a:solidFill>
-                        <a:srgbClr val="50506A"/>
-                      </a:solidFill>
-                      <a:prstDash val="solid"/>
-                      <a:round/>
-                      <a:headEnd type="none" w="med" len="med"/>
-                      <a:tailEnd type="none" w="med" len="med"/>
-                    </a:lnR>
-                    <a:lnT w="9525" cap="flat" cmpd="sng" algn="ctr">
-                      <a:solidFill>
-                        <a:srgbClr val="50506A"/>
-                      </a:solidFill>
-                      <a:prstDash val="solid"/>
-                      <a:round/>
-                      <a:headEnd type="none" w="med" len="med"/>
-                      <a:tailEnd type="none" w="med" len="med"/>
-                    </a:lnT>
-                    <a:lnB w="9525" cap="flat" cmpd="sng" algn="ctr">
-                      <a:solidFill>
-                        <a:srgbClr val="C7CCBE"/>
-                      </a:solidFill>
-                      <a:prstDash val="solid"/>
-                      <a:round/>
-                      <a:headEnd type="none" w="med" len="med"/>
-                      <a:tailEnd type="none" w="med" len="med"/>
-                    </a:lnB>
-                    <a:solidFill>
-                      <a:srgbClr val="C7CCBE"/>
-                    </a:solidFill>
-                  </a:tcPr>
-                </a:tc>
-                <a:tc>
-                  <a:txBody>
-                    <a:bodyPr/>
-                    <a:lstStyle/>
-                    <a:p>
-                      <a:pPr algn="l" fontAlgn="t"/>
-                      <a:r>
-                        <a:rPr lang="en-US" sz="900" b="1" dirty="0">
-                          <a:solidFill>
-                            <a:srgbClr val="000000"/>
-                          </a:solidFill>
-                          <a:effectLst/>
-                          <a:latin typeface="times new roman"/>
-                        </a:rPr>
-                        <a:t>Description</a:t>
-                      </a:r>
-                    </a:p>
-                  </a:txBody>
-                  <a:tcPr marL="73000" marR="73000" marT="73000" marB="73000">
-                    <a:lnL w="9525" cap="flat" cmpd="sng" algn="ctr">
-                      <a:solidFill>
-                        <a:srgbClr val="50506A"/>
-                      </a:solidFill>
-                      <a:prstDash val="solid"/>
-                      <a:round/>
-                      <a:headEnd type="none" w="med" len="med"/>
-                      <a:tailEnd type="none" w="med" len="med"/>
-                    </a:lnL>
-                    <a:lnR w="9525" cap="flat" cmpd="sng" algn="ctr">
-                      <a:solidFill>
-                        <a:srgbClr val="50506A"/>
-                      </a:solidFill>
-                      <a:prstDash val="solid"/>
-                      <a:round/>
-                      <a:headEnd type="none" w="med" len="med"/>
-                      <a:tailEnd type="none" w="med" len="med"/>
-                    </a:lnR>
-                    <a:lnT w="9525" cap="flat" cmpd="sng" algn="ctr">
-                      <a:solidFill>
-                        <a:srgbClr val="50506A"/>
-                      </a:solidFill>
-                      <a:prstDash val="solid"/>
-                      <a:round/>
-                      <a:headEnd type="none" w="med" len="med"/>
-                      <a:tailEnd type="none" w="med" len="med"/>
-                    </a:lnT>
-                    <a:lnB w="9525" cap="flat" cmpd="sng" algn="ctr">
-                      <a:solidFill>
-                        <a:srgbClr val="C7CCBE"/>
-                      </a:solidFill>
-                      <a:prstDash val="solid"/>
-                      <a:round/>
-                      <a:headEnd type="none" w="med" len="med"/>
-                      <a:tailEnd type="none" w="med" len="med"/>
-                    </a:lnB>
-                    <a:solidFill>
-                      <a:srgbClr val="C7CCBE"/>
-                    </a:solidFill>
-                  </a:tcPr>
-                </a:tc>
-                <a:extLst>
-                  <a:ext uri="{0D108BD9-81ED-4DB2-BD59-A6C34878D82A}">
-                    <a16:rowId xmlns:a16="http://schemas.microsoft.com/office/drawing/2014/main" val="10000"/>
-                  </a:ext>
-                </a:extLst>
-              </a:tr>
-              <a:tr h="391769">
-                <a:tc>
-                  <a:txBody>
-                    <a:bodyPr/>
-                    <a:lstStyle/>
-                    <a:p>
-                      <a:pPr algn="just" fontAlgn="t"/>
-                      <a:r>
-                        <a:rPr lang="en-US" sz="900">
-                          <a:solidFill>
-                            <a:srgbClr val="333333"/>
-                          </a:solidFill>
-                          <a:effectLst/>
-                          <a:latin typeface="inter-regular"/>
-                        </a:rPr>
-                        <a:t>(?:)</a:t>
-                      </a:r>
-                    </a:p>
-                  </a:txBody>
-                  <a:tcPr marL="48666" marR="48666" marT="48666" marB="48666">
-                    <a:lnL w="9525" cap="flat" cmpd="sng" algn="ctr">
-                      <a:solidFill>
-                        <a:srgbClr val="C7CCBE"/>
-                      </a:solidFill>
-                      <a:prstDash val="solid"/>
-                      <a:round/>
-                      <a:headEnd type="none" w="med" len="med"/>
-                      <a:tailEnd type="none" w="med" len="med"/>
-                    </a:lnL>
-                    <a:lnR w="9525" cap="flat" cmpd="sng" algn="ctr">
-                      <a:solidFill>
-                        <a:srgbClr val="C7CCBE"/>
-                      </a:solidFill>
-                      <a:prstDash val="solid"/>
-                      <a:round/>
-                      <a:headEnd type="none" w="med" len="med"/>
-                      <a:tailEnd type="none" w="med" len="med"/>
-                    </a:lnR>
-                    <a:lnT w="9525" cap="flat" cmpd="sng" algn="ctr">
-                      <a:solidFill>
-                        <a:srgbClr val="C7CCBE"/>
-                      </a:solidFill>
-                      <a:prstDash val="solid"/>
-                      <a:round/>
-                      <a:headEnd type="none" w="med" len="med"/>
-                      <a:tailEnd type="none" w="med" len="med"/>
-                    </a:lnT>
-                    <a:lnB w="9525" cap="flat" cmpd="sng" algn="ctr">
-                      <a:solidFill>
-                        <a:srgbClr val="C7CCBE"/>
-                      </a:solidFill>
-                      <a:prstDash val="solid"/>
-                      <a:round/>
-                      <a:headEnd type="none" w="med" len="med"/>
-                      <a:tailEnd type="none" w="med" len="med"/>
-                    </a:lnB>
-                    <a:solidFill>
-                      <a:srgbClr val="FFFFFF"/>
-                    </a:solidFill>
-                  </a:tcPr>
-                </a:tc>
-                <a:tc>
-                  <a:txBody>
-                    <a:bodyPr/>
-                    <a:lstStyle/>
-                    <a:p>
-                      <a:pPr algn="just" fontAlgn="t"/>
-                      <a:r>
-                        <a:rPr lang="en-US" sz="900">
-                          <a:solidFill>
-                            <a:srgbClr val="333333"/>
-                          </a:solidFill>
-                          <a:effectLst/>
-                          <a:latin typeface="inter-regular"/>
-                        </a:rPr>
-                        <a:t>Conditional Operator returns value based on the condition. It is like if-else.</a:t>
-                      </a:r>
-                    </a:p>
-                  </a:txBody>
-                  <a:tcPr marL="48666" marR="48666" marT="48666" marB="48666">
-                    <a:lnL w="9525" cap="flat" cmpd="sng" algn="ctr">
-                      <a:solidFill>
-                        <a:srgbClr val="C7CCBE"/>
-                      </a:solidFill>
-                      <a:prstDash val="solid"/>
-                      <a:round/>
-                      <a:headEnd type="none" w="med" len="med"/>
-                      <a:tailEnd type="none" w="med" len="med"/>
-                    </a:lnL>
-                    <a:lnR w="9525" cap="flat" cmpd="sng" algn="ctr">
-                      <a:solidFill>
-                        <a:srgbClr val="C7CCBE"/>
-                      </a:solidFill>
-                      <a:prstDash val="solid"/>
-                      <a:round/>
-                      <a:headEnd type="none" w="med" len="med"/>
-                      <a:tailEnd type="none" w="med" len="med"/>
-                    </a:lnR>
-                    <a:lnT w="9525" cap="flat" cmpd="sng" algn="ctr">
-                      <a:solidFill>
-                        <a:srgbClr val="C7CCBE"/>
-                      </a:solidFill>
-                      <a:prstDash val="solid"/>
-                      <a:round/>
-                      <a:headEnd type="none" w="med" len="med"/>
-                      <a:tailEnd type="none" w="med" len="med"/>
-                    </a:lnT>
-                    <a:lnB w="9525" cap="flat" cmpd="sng" algn="ctr">
-                      <a:solidFill>
-                        <a:srgbClr val="C7CCBE"/>
-                      </a:solidFill>
-                      <a:prstDash val="solid"/>
-                      <a:round/>
-                      <a:headEnd type="none" w="med" len="med"/>
-                      <a:tailEnd type="none" w="med" len="med"/>
-                    </a:lnB>
-                    <a:solidFill>
-                      <a:srgbClr val="FFFFFF"/>
-                    </a:solidFill>
-                  </a:tcPr>
-                </a:tc>
-                <a:extLst>
-                  <a:ext uri="{0D108BD9-81ED-4DB2-BD59-A6C34878D82A}">
-                    <a16:rowId xmlns:a16="http://schemas.microsoft.com/office/drawing/2014/main" val="10001"/>
-                  </a:ext>
-                </a:extLst>
-              </a:tr>
-              <a:tr h="533526">
-                <a:tc>
-                  <a:txBody>
-                    <a:bodyPr/>
-                    <a:lstStyle/>
-                    <a:p>
-                      <a:pPr algn="just" fontAlgn="t"/>
-                      <a:r>
-                        <a:rPr lang="en-US" sz="900">
-                          <a:solidFill>
-                            <a:srgbClr val="333333"/>
-                          </a:solidFill>
-                          <a:effectLst/>
-                          <a:latin typeface="inter-regular"/>
-                        </a:rPr>
-                        <a:t>,</a:t>
-                      </a:r>
-                    </a:p>
-                  </a:txBody>
-                  <a:tcPr marL="48666" marR="48666" marT="48666" marB="48666">
-                    <a:lnL w="9525" cap="flat" cmpd="sng" algn="ctr">
-                      <a:solidFill>
-                        <a:srgbClr val="C7CCBE"/>
-                      </a:solidFill>
-                      <a:prstDash val="solid"/>
-                      <a:round/>
-                      <a:headEnd type="none" w="med" len="med"/>
-                      <a:tailEnd type="none" w="med" len="med"/>
-                    </a:lnL>
-                    <a:lnR w="9525" cap="flat" cmpd="sng" algn="ctr">
-                      <a:solidFill>
-                        <a:srgbClr val="C7CCBE"/>
-                      </a:solidFill>
-                      <a:prstDash val="solid"/>
-                      <a:round/>
-                      <a:headEnd type="none" w="med" len="med"/>
-                      <a:tailEnd type="none" w="med" len="med"/>
-                    </a:lnR>
-                    <a:lnT w="9525" cap="flat" cmpd="sng" algn="ctr">
-                      <a:solidFill>
-                        <a:srgbClr val="C7CCBE"/>
-                      </a:solidFill>
-                      <a:prstDash val="solid"/>
-                      <a:round/>
-                      <a:headEnd type="none" w="med" len="med"/>
-                      <a:tailEnd type="none" w="med" len="med"/>
-                    </a:lnT>
-                    <a:lnB w="9525" cap="flat" cmpd="sng" algn="ctr">
-                      <a:solidFill>
-                        <a:srgbClr val="C7CCBE"/>
-                      </a:solidFill>
-                      <a:prstDash val="solid"/>
-                      <a:round/>
-                      <a:headEnd type="none" w="med" len="med"/>
-                      <a:tailEnd type="none" w="med" len="med"/>
-                    </a:lnB>
-                    <a:solidFill>
-                      <a:srgbClr val="EFF1EB"/>
-                    </a:solidFill>
-                  </a:tcPr>
-                </a:tc>
-                <a:tc>
-                  <a:txBody>
-                    <a:bodyPr/>
-                    <a:lstStyle/>
-                    <a:p>
-                      <a:pPr algn="just" fontAlgn="t"/>
-                      <a:r>
-                        <a:rPr lang="en-US" sz="900">
-                          <a:solidFill>
-                            <a:srgbClr val="333333"/>
-                          </a:solidFill>
-                          <a:effectLst/>
-                          <a:latin typeface="inter-regular"/>
-                        </a:rPr>
-                        <a:t>Comma Operator allows multiple expressions to be evaluated as single statement.</a:t>
-                      </a:r>
-                    </a:p>
-                  </a:txBody>
-                  <a:tcPr marL="48666" marR="48666" marT="48666" marB="48666">
-                    <a:lnL w="9525" cap="flat" cmpd="sng" algn="ctr">
-                      <a:solidFill>
-                        <a:srgbClr val="C7CCBE"/>
-                      </a:solidFill>
-                      <a:prstDash val="solid"/>
-                      <a:round/>
-                      <a:headEnd type="none" w="med" len="med"/>
-                      <a:tailEnd type="none" w="med" len="med"/>
-                    </a:lnL>
-                    <a:lnR w="9525" cap="flat" cmpd="sng" algn="ctr">
-                      <a:solidFill>
-                        <a:srgbClr val="C7CCBE"/>
-                      </a:solidFill>
-                      <a:prstDash val="solid"/>
-                      <a:round/>
-                      <a:headEnd type="none" w="med" len="med"/>
-                      <a:tailEnd type="none" w="med" len="med"/>
-                    </a:lnR>
-                    <a:lnT w="9525" cap="flat" cmpd="sng" algn="ctr">
-                      <a:solidFill>
-                        <a:srgbClr val="C7CCBE"/>
-                      </a:solidFill>
-                      <a:prstDash val="solid"/>
-                      <a:round/>
-                      <a:headEnd type="none" w="med" len="med"/>
-                      <a:tailEnd type="none" w="med" len="med"/>
-                    </a:lnT>
-                    <a:lnB w="9525" cap="flat" cmpd="sng" algn="ctr">
-                      <a:solidFill>
-                        <a:srgbClr val="C7CCBE"/>
-                      </a:solidFill>
-                      <a:prstDash val="solid"/>
-                      <a:round/>
-                      <a:headEnd type="none" w="med" len="med"/>
-                      <a:tailEnd type="none" w="med" len="med"/>
-                    </a:lnB>
-                    <a:solidFill>
-                      <a:srgbClr val="EFF1EB"/>
-                    </a:solidFill>
-                  </a:tcPr>
-                </a:tc>
-                <a:extLst>
-                  <a:ext uri="{0D108BD9-81ED-4DB2-BD59-A6C34878D82A}">
-                    <a16:rowId xmlns:a16="http://schemas.microsoft.com/office/drawing/2014/main" val="10002"/>
-                  </a:ext>
-                </a:extLst>
-              </a:tr>
-              <a:tr h="389884">
-                <a:tc>
-                  <a:txBody>
-                    <a:bodyPr/>
-                    <a:lstStyle/>
-                    <a:p>
-                      <a:pPr algn="just" fontAlgn="t"/>
-                      <a:r>
-                        <a:rPr lang="en-US" sz="900">
-                          <a:solidFill>
-                            <a:srgbClr val="333333"/>
-                          </a:solidFill>
-                          <a:effectLst/>
-                          <a:latin typeface="inter-regular"/>
-                        </a:rPr>
-                        <a:t>delete</a:t>
-                      </a:r>
-                    </a:p>
-                  </a:txBody>
-                  <a:tcPr marL="48666" marR="48666" marT="48666" marB="48666">
-                    <a:lnL w="9525" cap="flat" cmpd="sng" algn="ctr">
-                      <a:solidFill>
-                        <a:srgbClr val="C7CCBE"/>
-                      </a:solidFill>
-                      <a:prstDash val="solid"/>
-                      <a:round/>
-                      <a:headEnd type="none" w="med" len="med"/>
-                      <a:tailEnd type="none" w="med" len="med"/>
-                    </a:lnL>
-                    <a:lnR w="9525" cap="flat" cmpd="sng" algn="ctr">
-                      <a:solidFill>
-                        <a:srgbClr val="C7CCBE"/>
-                      </a:solidFill>
-                      <a:prstDash val="solid"/>
-                      <a:round/>
-                      <a:headEnd type="none" w="med" len="med"/>
-                      <a:tailEnd type="none" w="med" len="med"/>
-                    </a:lnR>
-                    <a:lnT w="9525" cap="flat" cmpd="sng" algn="ctr">
-                      <a:solidFill>
-                        <a:srgbClr val="C7CCBE"/>
-                      </a:solidFill>
-                      <a:prstDash val="solid"/>
-                      <a:round/>
-                      <a:headEnd type="none" w="med" len="med"/>
-                      <a:tailEnd type="none" w="med" len="med"/>
-                    </a:lnT>
-                    <a:lnB w="9525" cap="flat" cmpd="sng" algn="ctr">
-                      <a:solidFill>
-                        <a:srgbClr val="C7CCBE"/>
-                      </a:solidFill>
-                      <a:prstDash val="solid"/>
-                      <a:round/>
-                      <a:headEnd type="none" w="med" len="med"/>
-                      <a:tailEnd type="none" w="med" len="med"/>
-                    </a:lnB>
-                    <a:solidFill>
-                      <a:srgbClr val="FFFFFF"/>
-                    </a:solidFill>
-                  </a:tcPr>
-                </a:tc>
-                <a:tc>
-                  <a:txBody>
-                    <a:bodyPr/>
-                    <a:lstStyle/>
-                    <a:p>
-                      <a:pPr algn="just" fontAlgn="t"/>
-                      <a:r>
-                        <a:rPr lang="en-US" sz="900">
-                          <a:solidFill>
-                            <a:srgbClr val="333333"/>
-                          </a:solidFill>
-                          <a:effectLst/>
-                          <a:latin typeface="inter-regular"/>
-                        </a:rPr>
-                        <a:t>Delete Operator deletes a property from the object.</a:t>
-                      </a:r>
-                    </a:p>
-                  </a:txBody>
-                  <a:tcPr marL="48666" marR="48666" marT="48666" marB="48666">
-                    <a:lnL w="9525" cap="flat" cmpd="sng" algn="ctr">
-                      <a:solidFill>
-                        <a:srgbClr val="C7CCBE"/>
-                      </a:solidFill>
-                      <a:prstDash val="solid"/>
-                      <a:round/>
-                      <a:headEnd type="none" w="med" len="med"/>
-                      <a:tailEnd type="none" w="med" len="med"/>
-                    </a:lnL>
-                    <a:lnR w="9525" cap="flat" cmpd="sng" algn="ctr">
-                      <a:solidFill>
-                        <a:srgbClr val="C7CCBE"/>
-                      </a:solidFill>
-                      <a:prstDash val="solid"/>
-                      <a:round/>
-                      <a:headEnd type="none" w="med" len="med"/>
-                      <a:tailEnd type="none" w="med" len="med"/>
-                    </a:lnR>
-                    <a:lnT w="9525" cap="flat" cmpd="sng" algn="ctr">
-                      <a:solidFill>
-                        <a:srgbClr val="C7CCBE"/>
-                      </a:solidFill>
-                      <a:prstDash val="solid"/>
-                      <a:round/>
-                      <a:headEnd type="none" w="med" len="med"/>
-                      <a:tailEnd type="none" w="med" len="med"/>
-                    </a:lnT>
-                    <a:lnB w="9525" cap="flat" cmpd="sng" algn="ctr">
-                      <a:solidFill>
-                        <a:srgbClr val="C7CCBE"/>
-                      </a:solidFill>
-                      <a:prstDash val="solid"/>
-                      <a:round/>
-                      <a:headEnd type="none" w="med" len="med"/>
-                      <a:tailEnd type="none" w="med" len="med"/>
-                    </a:lnB>
-                    <a:solidFill>
-                      <a:srgbClr val="FFFFFF"/>
-                    </a:solidFill>
-                  </a:tcPr>
-                </a:tc>
-                <a:extLst>
-                  <a:ext uri="{0D108BD9-81ED-4DB2-BD59-A6C34878D82A}">
-                    <a16:rowId xmlns:a16="http://schemas.microsoft.com/office/drawing/2014/main" val="10003"/>
-                  </a:ext>
-                </a:extLst>
-              </a:tr>
-              <a:tr h="389884">
-                <a:tc>
-                  <a:txBody>
-                    <a:bodyPr/>
-                    <a:lstStyle/>
-                    <a:p>
-                      <a:pPr algn="just" fontAlgn="t"/>
-                      <a:r>
-                        <a:rPr lang="en-US" sz="900">
-                          <a:solidFill>
-                            <a:srgbClr val="333333"/>
-                          </a:solidFill>
-                          <a:effectLst/>
-                          <a:latin typeface="inter-regular"/>
-                        </a:rPr>
-                        <a:t>in</a:t>
-                      </a:r>
-                    </a:p>
-                  </a:txBody>
-                  <a:tcPr marL="48666" marR="48666" marT="48666" marB="48666">
-                    <a:lnL w="9525" cap="flat" cmpd="sng" algn="ctr">
-                      <a:solidFill>
-                        <a:srgbClr val="C7CCBE"/>
-                      </a:solidFill>
-                      <a:prstDash val="solid"/>
-                      <a:round/>
-                      <a:headEnd type="none" w="med" len="med"/>
-                      <a:tailEnd type="none" w="med" len="med"/>
-                    </a:lnL>
-                    <a:lnR w="9525" cap="flat" cmpd="sng" algn="ctr">
-                      <a:solidFill>
-                        <a:srgbClr val="C7CCBE"/>
-                      </a:solidFill>
-                      <a:prstDash val="solid"/>
-                      <a:round/>
-                      <a:headEnd type="none" w="med" len="med"/>
-                      <a:tailEnd type="none" w="med" len="med"/>
-                    </a:lnR>
-                    <a:lnT w="9525" cap="flat" cmpd="sng" algn="ctr">
-                      <a:solidFill>
-                        <a:srgbClr val="C7CCBE"/>
-                      </a:solidFill>
-                      <a:prstDash val="solid"/>
-                      <a:round/>
-                      <a:headEnd type="none" w="med" len="med"/>
-                      <a:tailEnd type="none" w="med" len="med"/>
-                    </a:lnT>
-                    <a:lnB w="9525" cap="flat" cmpd="sng" algn="ctr">
-                      <a:solidFill>
-                        <a:srgbClr val="C7CCBE"/>
-                      </a:solidFill>
-                      <a:prstDash val="solid"/>
-                      <a:round/>
-                      <a:headEnd type="none" w="med" len="med"/>
-                      <a:tailEnd type="none" w="med" len="med"/>
-                    </a:lnB>
-                    <a:solidFill>
-                      <a:srgbClr val="EFF1EB"/>
-                    </a:solidFill>
-                  </a:tcPr>
-                </a:tc>
-                <a:tc>
-                  <a:txBody>
-                    <a:bodyPr/>
-                    <a:lstStyle/>
-                    <a:p>
-                      <a:pPr algn="just" fontAlgn="t"/>
-                      <a:r>
-                        <a:rPr lang="en-US" sz="900">
-                          <a:solidFill>
-                            <a:srgbClr val="333333"/>
-                          </a:solidFill>
-                          <a:effectLst/>
-                          <a:latin typeface="inter-regular"/>
-                        </a:rPr>
-                        <a:t>In Operator checks if object has the given property</a:t>
-                      </a:r>
-                    </a:p>
-                  </a:txBody>
-                  <a:tcPr marL="48666" marR="48666" marT="48666" marB="48666">
-                    <a:lnL w="9525" cap="flat" cmpd="sng" algn="ctr">
-                      <a:solidFill>
-                        <a:srgbClr val="C7CCBE"/>
-                      </a:solidFill>
-                      <a:prstDash val="solid"/>
-                      <a:round/>
-                      <a:headEnd type="none" w="med" len="med"/>
-                      <a:tailEnd type="none" w="med" len="med"/>
-                    </a:lnL>
-                    <a:lnR w="9525" cap="flat" cmpd="sng" algn="ctr">
-                      <a:solidFill>
-                        <a:srgbClr val="C7CCBE"/>
-                      </a:solidFill>
-                      <a:prstDash val="solid"/>
-                      <a:round/>
-                      <a:headEnd type="none" w="med" len="med"/>
-                      <a:tailEnd type="none" w="med" len="med"/>
-                    </a:lnR>
-                    <a:lnT w="9525" cap="flat" cmpd="sng" algn="ctr">
-                      <a:solidFill>
-                        <a:srgbClr val="C7CCBE"/>
-                      </a:solidFill>
-                      <a:prstDash val="solid"/>
-                      <a:round/>
-                      <a:headEnd type="none" w="med" len="med"/>
-                      <a:tailEnd type="none" w="med" len="med"/>
-                    </a:lnT>
-                    <a:lnB w="9525" cap="flat" cmpd="sng" algn="ctr">
-                      <a:solidFill>
-                        <a:srgbClr val="C7CCBE"/>
-                      </a:solidFill>
-                      <a:prstDash val="solid"/>
-                      <a:round/>
-                      <a:headEnd type="none" w="med" len="med"/>
-                      <a:tailEnd type="none" w="med" len="med"/>
-                    </a:lnB>
-                    <a:solidFill>
-                      <a:srgbClr val="EFF1EB"/>
-                    </a:solidFill>
-                  </a:tcPr>
-                </a:tc>
-                <a:extLst>
-                  <a:ext uri="{0D108BD9-81ED-4DB2-BD59-A6C34878D82A}">
-                    <a16:rowId xmlns:a16="http://schemas.microsoft.com/office/drawing/2014/main" val="10004"/>
-                  </a:ext>
-                </a:extLst>
-              </a:tr>
-              <a:tr h="389884">
-                <a:tc>
-                  <a:txBody>
-                    <a:bodyPr/>
-                    <a:lstStyle/>
-                    <a:p>
-                      <a:pPr algn="just" fontAlgn="t"/>
-                      <a:r>
-                        <a:rPr lang="en-US" sz="900">
-                          <a:solidFill>
-                            <a:srgbClr val="333333"/>
-                          </a:solidFill>
-                          <a:effectLst/>
-                          <a:latin typeface="inter-regular"/>
-                        </a:rPr>
-                        <a:t>instanceof</a:t>
-                      </a:r>
-                    </a:p>
-                  </a:txBody>
-                  <a:tcPr marL="48666" marR="48666" marT="48666" marB="48666">
-                    <a:lnL w="9525" cap="flat" cmpd="sng" algn="ctr">
-                      <a:solidFill>
-                        <a:srgbClr val="C7CCBE"/>
-                      </a:solidFill>
-                      <a:prstDash val="solid"/>
-                      <a:round/>
-                      <a:headEnd type="none" w="med" len="med"/>
-                      <a:tailEnd type="none" w="med" len="med"/>
-                    </a:lnL>
-                    <a:lnR w="9525" cap="flat" cmpd="sng" algn="ctr">
-                      <a:solidFill>
-                        <a:srgbClr val="C7CCBE"/>
-                      </a:solidFill>
-                      <a:prstDash val="solid"/>
-                      <a:round/>
-                      <a:headEnd type="none" w="med" len="med"/>
-                      <a:tailEnd type="none" w="med" len="med"/>
-                    </a:lnR>
-                    <a:lnT w="9525" cap="flat" cmpd="sng" algn="ctr">
-                      <a:solidFill>
-                        <a:srgbClr val="C7CCBE"/>
-                      </a:solidFill>
-                      <a:prstDash val="solid"/>
-                      <a:round/>
-                      <a:headEnd type="none" w="med" len="med"/>
-                      <a:tailEnd type="none" w="med" len="med"/>
-                    </a:lnT>
-                    <a:lnB w="9525" cap="flat" cmpd="sng" algn="ctr">
-                      <a:solidFill>
-                        <a:srgbClr val="C7CCBE"/>
-                      </a:solidFill>
-                      <a:prstDash val="solid"/>
-                      <a:round/>
-                      <a:headEnd type="none" w="med" len="med"/>
-                      <a:tailEnd type="none" w="med" len="med"/>
-                    </a:lnB>
-                    <a:solidFill>
-                      <a:srgbClr val="FFFFFF"/>
-                    </a:solidFill>
-                  </a:tcPr>
-                </a:tc>
-                <a:tc>
-                  <a:txBody>
-                    <a:bodyPr/>
-                    <a:lstStyle/>
-                    <a:p>
-                      <a:pPr algn="just" fontAlgn="t"/>
-                      <a:r>
-                        <a:rPr lang="en-US" sz="900">
-                          <a:solidFill>
-                            <a:srgbClr val="333333"/>
-                          </a:solidFill>
-                          <a:effectLst/>
-                          <a:latin typeface="inter-regular"/>
-                        </a:rPr>
-                        <a:t>checks if the object is an instance of given type</a:t>
-                      </a:r>
-                    </a:p>
-                  </a:txBody>
-                  <a:tcPr marL="48666" marR="48666" marT="48666" marB="48666">
-                    <a:lnL w="9525" cap="flat" cmpd="sng" algn="ctr">
-                      <a:solidFill>
-                        <a:srgbClr val="C7CCBE"/>
-                      </a:solidFill>
-                      <a:prstDash val="solid"/>
-                      <a:round/>
-                      <a:headEnd type="none" w="med" len="med"/>
-                      <a:tailEnd type="none" w="med" len="med"/>
-                    </a:lnL>
-                    <a:lnR w="9525" cap="flat" cmpd="sng" algn="ctr">
-                      <a:solidFill>
-                        <a:srgbClr val="C7CCBE"/>
-                      </a:solidFill>
-                      <a:prstDash val="solid"/>
-                      <a:round/>
-                      <a:headEnd type="none" w="med" len="med"/>
-                      <a:tailEnd type="none" w="med" len="med"/>
-                    </a:lnR>
-                    <a:lnT w="9525" cap="flat" cmpd="sng" algn="ctr">
-                      <a:solidFill>
-                        <a:srgbClr val="C7CCBE"/>
-                      </a:solidFill>
-                      <a:prstDash val="solid"/>
-                      <a:round/>
-                      <a:headEnd type="none" w="med" len="med"/>
-                      <a:tailEnd type="none" w="med" len="med"/>
-                    </a:lnT>
-                    <a:lnB w="9525" cap="flat" cmpd="sng" algn="ctr">
-                      <a:solidFill>
-                        <a:srgbClr val="C7CCBE"/>
-                      </a:solidFill>
-                      <a:prstDash val="solid"/>
-                      <a:round/>
-                      <a:headEnd type="none" w="med" len="med"/>
-                      <a:tailEnd type="none" w="med" len="med"/>
-                    </a:lnB>
-                    <a:solidFill>
-                      <a:srgbClr val="FFFFFF"/>
-                    </a:solidFill>
-                  </a:tcPr>
-                </a:tc>
-                <a:extLst>
-                  <a:ext uri="{0D108BD9-81ED-4DB2-BD59-A6C34878D82A}">
-                    <a16:rowId xmlns:a16="http://schemas.microsoft.com/office/drawing/2014/main" val="10005"/>
-                  </a:ext>
-                </a:extLst>
-              </a:tr>
-              <a:tr h="247184">
-                <a:tc>
-                  <a:txBody>
-                    <a:bodyPr/>
-                    <a:lstStyle/>
-                    <a:p>
-                      <a:pPr algn="just" fontAlgn="t"/>
-                      <a:r>
-                        <a:rPr lang="en-US" sz="900">
-                          <a:solidFill>
-                            <a:srgbClr val="333333"/>
-                          </a:solidFill>
-                          <a:effectLst/>
-                          <a:latin typeface="inter-regular"/>
-                        </a:rPr>
-                        <a:t>new</a:t>
-                      </a:r>
-                    </a:p>
-                  </a:txBody>
-                  <a:tcPr marL="48666" marR="48666" marT="48666" marB="48666">
-                    <a:lnL w="9525" cap="flat" cmpd="sng" algn="ctr">
-                      <a:solidFill>
-                        <a:srgbClr val="C7CCBE"/>
-                      </a:solidFill>
-                      <a:prstDash val="solid"/>
-                      <a:round/>
-                      <a:headEnd type="none" w="med" len="med"/>
-                      <a:tailEnd type="none" w="med" len="med"/>
-                    </a:lnL>
-                    <a:lnR w="9525" cap="flat" cmpd="sng" algn="ctr">
-                      <a:solidFill>
-                        <a:srgbClr val="C7CCBE"/>
-                      </a:solidFill>
-                      <a:prstDash val="solid"/>
-                      <a:round/>
-                      <a:headEnd type="none" w="med" len="med"/>
-                      <a:tailEnd type="none" w="med" len="med"/>
-                    </a:lnR>
-                    <a:lnT w="9525" cap="flat" cmpd="sng" algn="ctr">
-                      <a:solidFill>
-                        <a:srgbClr val="C7CCBE"/>
-                      </a:solidFill>
-                      <a:prstDash val="solid"/>
-                      <a:round/>
-                      <a:headEnd type="none" w="med" len="med"/>
-                      <a:tailEnd type="none" w="med" len="med"/>
-                    </a:lnT>
-                    <a:lnB w="9525" cap="flat" cmpd="sng" algn="ctr">
-                      <a:solidFill>
-                        <a:srgbClr val="C7CCBE"/>
-                      </a:solidFill>
-                      <a:prstDash val="solid"/>
-                      <a:round/>
-                      <a:headEnd type="none" w="med" len="med"/>
-                      <a:tailEnd type="none" w="med" len="med"/>
-                    </a:lnB>
-                    <a:solidFill>
-                      <a:srgbClr val="EFF1EB"/>
-                    </a:solidFill>
-                  </a:tcPr>
-                </a:tc>
-                <a:tc>
-                  <a:txBody>
-                    <a:bodyPr/>
-                    <a:lstStyle/>
-                    <a:p>
-                      <a:pPr algn="just" fontAlgn="t"/>
-                      <a:r>
-                        <a:rPr lang="en-US" sz="900">
-                          <a:solidFill>
-                            <a:srgbClr val="333333"/>
-                          </a:solidFill>
-                          <a:effectLst/>
-                          <a:latin typeface="inter-regular"/>
-                        </a:rPr>
-                        <a:t>creates an instance (object)</a:t>
-                      </a:r>
-                    </a:p>
-                  </a:txBody>
-                  <a:tcPr marL="48666" marR="48666" marT="48666" marB="48666">
-                    <a:lnL w="9525" cap="flat" cmpd="sng" algn="ctr">
-                      <a:solidFill>
-                        <a:srgbClr val="C7CCBE"/>
-                      </a:solidFill>
-                      <a:prstDash val="solid"/>
-                      <a:round/>
-                      <a:headEnd type="none" w="med" len="med"/>
-                      <a:tailEnd type="none" w="med" len="med"/>
-                    </a:lnL>
-                    <a:lnR w="9525" cap="flat" cmpd="sng" algn="ctr">
-                      <a:solidFill>
-                        <a:srgbClr val="C7CCBE"/>
-                      </a:solidFill>
-                      <a:prstDash val="solid"/>
-                      <a:round/>
-                      <a:headEnd type="none" w="med" len="med"/>
-                      <a:tailEnd type="none" w="med" len="med"/>
-                    </a:lnR>
-                    <a:lnT w="9525" cap="flat" cmpd="sng" algn="ctr">
-                      <a:solidFill>
-                        <a:srgbClr val="C7CCBE"/>
-                      </a:solidFill>
-                      <a:prstDash val="solid"/>
-                      <a:round/>
-                      <a:headEnd type="none" w="med" len="med"/>
-                      <a:tailEnd type="none" w="med" len="med"/>
-                    </a:lnT>
-                    <a:lnB w="9525" cap="flat" cmpd="sng" algn="ctr">
-                      <a:solidFill>
-                        <a:srgbClr val="C7CCBE"/>
-                      </a:solidFill>
-                      <a:prstDash val="solid"/>
-                      <a:round/>
-                      <a:headEnd type="none" w="med" len="med"/>
-                      <a:tailEnd type="none" w="med" len="med"/>
-                    </a:lnB>
-                    <a:solidFill>
-                      <a:srgbClr val="EFF1EB"/>
-                    </a:solidFill>
-                  </a:tcPr>
-                </a:tc>
-                <a:extLst>
-                  <a:ext uri="{0D108BD9-81ED-4DB2-BD59-A6C34878D82A}">
-                    <a16:rowId xmlns:a16="http://schemas.microsoft.com/office/drawing/2014/main" val="10006"/>
-                  </a:ext>
-                </a:extLst>
-              </a:tr>
-              <a:tr h="247184">
-                <a:tc>
-                  <a:txBody>
-                    <a:bodyPr/>
-                    <a:lstStyle/>
-                    <a:p>
-                      <a:pPr algn="just" fontAlgn="t"/>
-                      <a:r>
-                        <a:rPr lang="en-US" sz="900">
-                          <a:solidFill>
-                            <a:srgbClr val="333333"/>
-                          </a:solidFill>
-                          <a:effectLst/>
-                          <a:latin typeface="inter-regular"/>
-                        </a:rPr>
-                        <a:t>typeof</a:t>
-                      </a:r>
-                    </a:p>
-                  </a:txBody>
-                  <a:tcPr marL="48666" marR="48666" marT="48666" marB="48666">
-                    <a:lnL w="9525" cap="flat" cmpd="sng" algn="ctr">
-                      <a:solidFill>
-                        <a:srgbClr val="C7CCBE"/>
-                      </a:solidFill>
-                      <a:prstDash val="solid"/>
-                      <a:round/>
-                      <a:headEnd type="none" w="med" len="med"/>
-                      <a:tailEnd type="none" w="med" len="med"/>
-                    </a:lnL>
-                    <a:lnR w="9525" cap="flat" cmpd="sng" algn="ctr">
-                      <a:solidFill>
-                        <a:srgbClr val="C7CCBE"/>
-                      </a:solidFill>
-                      <a:prstDash val="solid"/>
-                      <a:round/>
-                      <a:headEnd type="none" w="med" len="med"/>
-                      <a:tailEnd type="none" w="med" len="med"/>
-                    </a:lnR>
-                    <a:lnT w="9525" cap="flat" cmpd="sng" algn="ctr">
-                      <a:solidFill>
-                        <a:srgbClr val="C7CCBE"/>
-                      </a:solidFill>
-                      <a:prstDash val="solid"/>
-                      <a:round/>
-                      <a:headEnd type="none" w="med" len="med"/>
-                      <a:tailEnd type="none" w="med" len="med"/>
-                    </a:lnT>
-                    <a:lnB w="9525" cap="flat" cmpd="sng" algn="ctr">
-                      <a:solidFill>
-                        <a:srgbClr val="C7CCBE"/>
-                      </a:solidFill>
-                      <a:prstDash val="solid"/>
-                      <a:round/>
-                      <a:headEnd type="none" w="med" len="med"/>
-                      <a:tailEnd type="none" w="med" len="med"/>
-                    </a:lnB>
-                    <a:solidFill>
-                      <a:srgbClr val="FFFFFF"/>
-                    </a:solidFill>
-                  </a:tcPr>
-                </a:tc>
-                <a:tc>
-                  <a:txBody>
-                    <a:bodyPr/>
-                    <a:lstStyle/>
-                    <a:p>
-                      <a:pPr algn="just" fontAlgn="t"/>
-                      <a:r>
-                        <a:rPr lang="en-US" sz="900">
-                          <a:solidFill>
-                            <a:srgbClr val="333333"/>
-                          </a:solidFill>
-                          <a:effectLst/>
-                          <a:latin typeface="inter-regular"/>
-                        </a:rPr>
-                        <a:t>checks the type of object.</a:t>
-                      </a:r>
-                    </a:p>
-                  </a:txBody>
-                  <a:tcPr marL="48666" marR="48666" marT="48666" marB="48666">
-                    <a:lnL w="9525" cap="flat" cmpd="sng" algn="ctr">
-                      <a:solidFill>
-                        <a:srgbClr val="C7CCBE"/>
-                      </a:solidFill>
-                      <a:prstDash val="solid"/>
-                      <a:round/>
-                      <a:headEnd type="none" w="med" len="med"/>
-                      <a:tailEnd type="none" w="med" len="med"/>
-                    </a:lnL>
-                    <a:lnR w="9525" cap="flat" cmpd="sng" algn="ctr">
-                      <a:solidFill>
-                        <a:srgbClr val="C7CCBE"/>
-                      </a:solidFill>
-                      <a:prstDash val="solid"/>
-                      <a:round/>
-                      <a:headEnd type="none" w="med" len="med"/>
-                      <a:tailEnd type="none" w="med" len="med"/>
-                    </a:lnR>
-                    <a:lnT w="9525" cap="flat" cmpd="sng" algn="ctr">
-                      <a:solidFill>
-                        <a:srgbClr val="C7CCBE"/>
-                      </a:solidFill>
-                      <a:prstDash val="solid"/>
-                      <a:round/>
-                      <a:headEnd type="none" w="med" len="med"/>
-                      <a:tailEnd type="none" w="med" len="med"/>
-                    </a:lnT>
-                    <a:lnB w="9525" cap="flat" cmpd="sng" algn="ctr">
-                      <a:solidFill>
-                        <a:srgbClr val="C7CCBE"/>
-                      </a:solidFill>
-                      <a:prstDash val="solid"/>
-                      <a:round/>
-                      <a:headEnd type="none" w="med" len="med"/>
-                      <a:tailEnd type="none" w="med" len="med"/>
-                    </a:lnB>
-                    <a:solidFill>
-                      <a:srgbClr val="FFFFFF"/>
-                    </a:solidFill>
-                  </a:tcPr>
-                </a:tc>
-                <a:extLst>
-                  <a:ext uri="{0D108BD9-81ED-4DB2-BD59-A6C34878D82A}">
-                    <a16:rowId xmlns:a16="http://schemas.microsoft.com/office/drawing/2014/main" val="10007"/>
-                  </a:ext>
-                </a:extLst>
-              </a:tr>
-              <a:tr h="247184">
-                <a:tc>
-                  <a:txBody>
-                    <a:bodyPr/>
-                    <a:lstStyle/>
-                    <a:p>
-                      <a:pPr algn="just" fontAlgn="t"/>
-                      <a:r>
-                        <a:rPr lang="en-US" sz="900">
-                          <a:solidFill>
-                            <a:srgbClr val="333333"/>
-                          </a:solidFill>
-                          <a:effectLst/>
-                          <a:latin typeface="inter-regular"/>
-                        </a:rPr>
-                        <a:t>void</a:t>
-                      </a:r>
-                    </a:p>
-                  </a:txBody>
-                  <a:tcPr marL="48666" marR="48666" marT="48666" marB="48666">
-                    <a:lnL w="9525" cap="flat" cmpd="sng" algn="ctr">
-                      <a:solidFill>
-                        <a:srgbClr val="C7CCBE"/>
-                      </a:solidFill>
-                      <a:prstDash val="solid"/>
-                      <a:round/>
-                      <a:headEnd type="none" w="med" len="med"/>
-                      <a:tailEnd type="none" w="med" len="med"/>
-                    </a:lnL>
-                    <a:lnR w="9525" cap="flat" cmpd="sng" algn="ctr">
-                      <a:solidFill>
-                        <a:srgbClr val="C7CCBE"/>
-                      </a:solidFill>
-                      <a:prstDash val="solid"/>
-                      <a:round/>
-                      <a:headEnd type="none" w="med" len="med"/>
-                      <a:tailEnd type="none" w="med" len="med"/>
-                    </a:lnR>
-                    <a:lnT w="9525" cap="flat" cmpd="sng" algn="ctr">
-                      <a:solidFill>
-                        <a:srgbClr val="C7CCBE"/>
-                      </a:solidFill>
-                      <a:prstDash val="solid"/>
-                      <a:round/>
-                      <a:headEnd type="none" w="med" len="med"/>
-                      <a:tailEnd type="none" w="med" len="med"/>
-                    </a:lnT>
-                    <a:lnB w="9525" cap="flat" cmpd="sng" algn="ctr">
-                      <a:solidFill>
-                        <a:srgbClr val="C7CCBE"/>
-                      </a:solidFill>
-                      <a:prstDash val="solid"/>
-                      <a:round/>
-                      <a:headEnd type="none" w="med" len="med"/>
-                      <a:tailEnd type="none" w="med" len="med"/>
-                    </a:lnB>
-                    <a:solidFill>
-                      <a:srgbClr val="EFF1EB"/>
-                    </a:solidFill>
-                  </a:tcPr>
-                </a:tc>
-                <a:tc>
-                  <a:txBody>
-                    <a:bodyPr/>
-                    <a:lstStyle/>
-                    <a:p>
-                      <a:pPr algn="just" fontAlgn="t"/>
-                      <a:r>
-                        <a:rPr lang="en-US" sz="900">
-                          <a:solidFill>
-                            <a:srgbClr val="333333"/>
-                          </a:solidFill>
-                          <a:effectLst/>
-                          <a:latin typeface="inter-regular"/>
-                        </a:rPr>
-                        <a:t>it discards the expression's return value.</a:t>
-                      </a:r>
-                    </a:p>
-                  </a:txBody>
-                  <a:tcPr marL="48666" marR="48666" marT="48666" marB="48666">
-                    <a:lnL w="9525" cap="flat" cmpd="sng" algn="ctr">
-                      <a:solidFill>
-                        <a:srgbClr val="C7CCBE"/>
-                      </a:solidFill>
-                      <a:prstDash val="solid"/>
-                      <a:round/>
-                      <a:headEnd type="none" w="med" len="med"/>
-                      <a:tailEnd type="none" w="med" len="med"/>
-                    </a:lnL>
-                    <a:lnR w="9525" cap="flat" cmpd="sng" algn="ctr">
-                      <a:solidFill>
-                        <a:srgbClr val="C7CCBE"/>
-                      </a:solidFill>
-                      <a:prstDash val="solid"/>
-                      <a:round/>
-                      <a:headEnd type="none" w="med" len="med"/>
-                      <a:tailEnd type="none" w="med" len="med"/>
-                    </a:lnR>
-                    <a:lnT w="9525" cap="flat" cmpd="sng" algn="ctr">
-                      <a:solidFill>
-                        <a:srgbClr val="C7CCBE"/>
-                      </a:solidFill>
-                      <a:prstDash val="solid"/>
-                      <a:round/>
-                      <a:headEnd type="none" w="med" len="med"/>
-                      <a:tailEnd type="none" w="med" len="med"/>
-                    </a:lnT>
-                    <a:lnB w="9525" cap="flat" cmpd="sng" algn="ctr">
-                      <a:solidFill>
-                        <a:srgbClr val="C7CCBE"/>
-                      </a:solidFill>
-                      <a:prstDash val="solid"/>
-                      <a:round/>
-                      <a:headEnd type="none" w="med" len="med"/>
-                      <a:tailEnd type="none" w="med" len="med"/>
-                    </a:lnB>
-                    <a:solidFill>
-                      <a:srgbClr val="EFF1EB"/>
-                    </a:solidFill>
-                  </a:tcPr>
-                </a:tc>
-                <a:extLst>
-                  <a:ext uri="{0D108BD9-81ED-4DB2-BD59-A6C34878D82A}">
-                    <a16:rowId xmlns:a16="http://schemas.microsoft.com/office/drawing/2014/main" val="10008"/>
-                  </a:ext>
-                </a:extLst>
-              </a:tr>
-              <a:tr h="389884">
-                <a:tc>
-                  <a:txBody>
-                    <a:bodyPr/>
-                    <a:lstStyle/>
-                    <a:p>
-                      <a:pPr algn="just" fontAlgn="t"/>
-                      <a:r>
-                        <a:rPr lang="en-US" sz="900">
-                          <a:solidFill>
-                            <a:srgbClr val="333333"/>
-                          </a:solidFill>
-                          <a:effectLst/>
-                          <a:latin typeface="inter-regular"/>
-                        </a:rPr>
-                        <a:t>yield</a:t>
-                      </a:r>
-                    </a:p>
-                  </a:txBody>
-                  <a:tcPr marL="48666" marR="48666" marT="48666" marB="48666">
-                    <a:lnL w="9525" cap="flat" cmpd="sng" algn="ctr">
-                      <a:solidFill>
-                        <a:srgbClr val="C7CCBE"/>
-                      </a:solidFill>
-                      <a:prstDash val="solid"/>
-                      <a:round/>
-                      <a:headEnd type="none" w="med" len="med"/>
-                      <a:tailEnd type="none" w="med" len="med"/>
-                    </a:lnL>
-                    <a:lnR w="9525" cap="flat" cmpd="sng" algn="ctr">
-                      <a:solidFill>
-                        <a:srgbClr val="C7CCBE"/>
-                      </a:solidFill>
-                      <a:prstDash val="solid"/>
-                      <a:round/>
-                      <a:headEnd type="none" w="med" len="med"/>
-                      <a:tailEnd type="none" w="med" len="med"/>
-                    </a:lnR>
-                    <a:lnT w="9525" cap="flat" cmpd="sng" algn="ctr">
-                      <a:solidFill>
-                        <a:srgbClr val="C7CCBE"/>
-                      </a:solidFill>
-                      <a:prstDash val="solid"/>
-                      <a:round/>
-                      <a:headEnd type="none" w="med" len="med"/>
-                      <a:tailEnd type="none" w="med" len="med"/>
-                    </a:lnT>
-                    <a:lnB w="9525" cap="flat" cmpd="sng" algn="ctr">
-                      <a:solidFill>
-                        <a:srgbClr val="C7CCBE"/>
-                      </a:solidFill>
-                      <a:prstDash val="solid"/>
-                      <a:round/>
-                      <a:headEnd type="none" w="med" len="med"/>
-                      <a:tailEnd type="none" w="med" len="med"/>
-                    </a:lnB>
-                    <a:solidFill>
-                      <a:srgbClr val="FFFFFF"/>
-                    </a:solidFill>
-                  </a:tcPr>
-                </a:tc>
-                <a:tc>
-                  <a:txBody>
-                    <a:bodyPr/>
-                    <a:lstStyle/>
-                    <a:p>
-                      <a:pPr algn="just" fontAlgn="t"/>
-                      <a:r>
-                        <a:rPr lang="en-US" sz="900" dirty="0">
-                          <a:solidFill>
-                            <a:srgbClr val="333333"/>
-                          </a:solidFill>
-                          <a:effectLst/>
-                          <a:latin typeface="inter-regular"/>
-                        </a:rPr>
-                        <a:t>checks what is returned in a generator by the generator's iterator.</a:t>
-                      </a:r>
-                    </a:p>
-                  </a:txBody>
-                  <a:tcPr marL="48666" marR="48666" marT="48666" marB="48666">
-                    <a:lnL w="9525" cap="flat" cmpd="sng" algn="ctr">
-                      <a:solidFill>
-                        <a:srgbClr val="C7CCBE"/>
-                      </a:solidFill>
-                      <a:prstDash val="solid"/>
-                      <a:round/>
-                      <a:headEnd type="none" w="med" len="med"/>
-                      <a:tailEnd type="none" w="med" len="med"/>
-                    </a:lnL>
-                    <a:lnR w="9525" cap="flat" cmpd="sng" algn="ctr">
-                      <a:solidFill>
-                        <a:srgbClr val="C7CCBE"/>
-                      </a:solidFill>
-                      <a:prstDash val="solid"/>
-                      <a:round/>
-                      <a:headEnd type="none" w="med" len="med"/>
-                      <a:tailEnd type="none" w="med" len="med"/>
-                    </a:lnR>
-                    <a:lnT w="9525" cap="flat" cmpd="sng" algn="ctr">
-                      <a:solidFill>
-                        <a:srgbClr val="C7CCBE"/>
-                      </a:solidFill>
-                      <a:prstDash val="solid"/>
-                      <a:round/>
-                      <a:headEnd type="none" w="med" len="med"/>
-                      <a:tailEnd type="none" w="med" len="med"/>
-                    </a:lnT>
-                    <a:lnB w="9525" cap="flat" cmpd="sng" algn="ctr">
-                      <a:solidFill>
-                        <a:srgbClr val="C7CCBE"/>
-                      </a:solidFill>
-                      <a:prstDash val="solid"/>
-                      <a:round/>
-                      <a:headEnd type="none" w="med" len="med"/>
-                      <a:tailEnd type="none" w="med" len="med"/>
-                    </a:lnB>
-                    <a:solidFill>
-                      <a:srgbClr val="FFFFFF"/>
-                    </a:solidFill>
-                  </a:tcPr>
-                </a:tc>
-                <a:extLst>
-                  <a:ext uri="{0D108BD9-81ED-4DB2-BD59-A6C34878D82A}">
-                    <a16:rowId xmlns:a16="http://schemas.microsoft.com/office/drawing/2014/main" val="10009"/>
-                  </a:ext>
-                </a:extLst>
-              </a:tr>
-            </a:tbl>
-          </a:graphicData>
-        </a:graphic>
-      </p:graphicFrame>
+      <p:sp>
+        <p:nvSpPr>
+          <p:cNvPr id="5" name="Rectangle 2"/>
+          <p:cNvSpPr>
+            <a:spLocks noChangeArrowheads="1"/>
+          </p:cNvSpPr>
+          <p:nvPr/>
+        </p:nvSpPr>
+        <p:spPr bwMode="auto">
+          <a:xfrm>
+            <a:off x="245400" y="1201855"/>
+            <a:ext cx="8476036" cy="2185214"/>
+          </a:xfrm>
+          <a:prstGeom prst="rect">
+            <a:avLst/>
+          </a:prstGeom>
+          <a:solidFill>
+            <a:srgbClr val="FFFFFF"/>
+          </a:solidFill>
+          <a:ln>
+            <a:noFill/>
+          </a:ln>
+          <a:effectLst/>
+          <a:extLst>
+            <a:ext uri="{91240B29-F687-4F45-9708-019B960494DF}">
+              <a14:hiddenLine xmlns:a14="http://schemas.microsoft.com/office/drawing/2010/main" w="9525">
+                <a:solidFill>
+                  <a:schemeClr val="tx1"/>
+                </a:solidFill>
+                <a:miter lim="800000"/>
+                <a:headEnd/>
+                <a:tailEnd/>
+              </a14:hiddenLine>
+            </a:ext>
+            <a:ext uri="{AF507438-7753-43E0-B8FC-AC1667EBCBE1}">
+              <a14:hiddenEffects xmlns:a14="http://schemas.microsoft.com/office/drawing/2010/main">
+                <a:effectLst>
+                  <a:outerShdw dist="35921" dir="2700000" algn="ctr" rotWithShape="0">
+                    <a:schemeClr val="bg2"/>
+                  </a:outerShdw>
+                </a:effectLst>
+              </a14:hiddenEffects>
+            </a:ext>
+          </a:extLst>
+        </p:spPr>
+        <p:txBody>
+          <a:bodyPr vert="horz" wrap="square" lIns="91440" tIns="45720" rIns="91440" bIns="45720" numCol="1" anchor="ctr" anchorCtr="0" compatLnSpc="1">
+            <a:prstTxWarp prst="textNoShape">
+              <a:avLst/>
+            </a:prstTxWarp>
+            <a:spAutoFit/>
+          </a:bodyPr>
+          <a:lstStyle/>
+          <a:p>
+            <a:pPr marL="0" marR="0" lvl="0" indent="0" algn="l" defTabSz="914400" rtl="0" eaLnBrk="0" fontAlgn="base" latinLnBrk="0" hangingPunct="0">
+              <a:lnSpc>
+                <a:spcPct val="100000"/>
+              </a:lnSpc>
+              <a:spcBef>
+                <a:spcPct val="0"/>
+              </a:spcBef>
+              <a:spcAft>
+                <a:spcPct val="0"/>
+              </a:spcAft>
+              <a:buClrTx/>
+              <a:buSzTx/>
+              <a:buFontTx/>
+              <a:buNone/>
+              <a:tabLst/>
+            </a:pPr>
+            <a:r>
+              <a:rPr kumimoji="0" lang="en-US" altLang="en-US" b="0" i="0" u="none" strike="noStrike" cap="none" normalizeH="0" baseline="0" dirty="0" smtClean="0">
+                <a:ln>
+                  <a:noFill/>
+                </a:ln>
+                <a:solidFill>
+                  <a:srgbClr val="000000"/>
+                </a:solidFill>
+                <a:effectLst/>
+                <a:latin typeface="Verdana" panose="020B0604030504040204" pitchFamily="34" charset="0"/>
+              </a:rPr>
+              <a:t>In JavaScript we have the following conditional statements:</a:t>
+            </a:r>
+          </a:p>
+          <a:p>
+            <a:pPr marL="0" marR="0" lvl="0" indent="0" algn="l" defTabSz="914400" rtl="0" eaLnBrk="0" fontAlgn="base" latinLnBrk="0" hangingPunct="0">
+              <a:lnSpc>
+                <a:spcPct val="100000"/>
+              </a:lnSpc>
+              <a:spcBef>
+                <a:spcPct val="0"/>
+              </a:spcBef>
+              <a:spcAft>
+                <a:spcPct val="0"/>
+              </a:spcAft>
+              <a:buClrTx/>
+              <a:buSzTx/>
+              <a:buFontTx/>
+              <a:buNone/>
+              <a:tabLst/>
+            </a:pPr>
+            <a:endParaRPr kumimoji="0" lang="en-US" altLang="en-US" sz="600" b="0" i="0" u="none" strike="noStrike" cap="none" normalizeH="0" baseline="0" dirty="0" smtClean="0">
+              <a:ln>
+                <a:noFill/>
+              </a:ln>
+              <a:solidFill>
+                <a:schemeClr val="tx1"/>
+              </a:solidFill>
+              <a:effectLst/>
+            </a:endParaRPr>
+          </a:p>
+          <a:p>
+            <a:pPr marL="171450" marR="0" lvl="0" indent="-171450" algn="l" defTabSz="914400" rtl="0" eaLnBrk="0" fontAlgn="base" latinLnBrk="0" hangingPunct="0">
+              <a:lnSpc>
+                <a:spcPct val="100000"/>
+              </a:lnSpc>
+              <a:spcBef>
+                <a:spcPct val="0"/>
+              </a:spcBef>
+              <a:spcAft>
+                <a:spcPct val="0"/>
+              </a:spcAft>
+              <a:buClrTx/>
+              <a:buSzTx/>
+              <a:buFont typeface="Wingdings" panose="05000000000000000000" pitchFamily="2" charset="2"/>
+              <a:buChar char="q"/>
+              <a:tabLst/>
+            </a:pPr>
+            <a:r>
+              <a:rPr kumimoji="0" lang="en-US" altLang="en-US" b="0" i="0" u="none" strike="noStrike" cap="none" normalizeH="0" baseline="0" dirty="0" smtClean="0">
+                <a:ln>
+                  <a:noFill/>
+                </a:ln>
+                <a:solidFill>
+                  <a:srgbClr val="000000"/>
+                </a:solidFill>
+                <a:effectLst/>
+                <a:latin typeface="Verdana" panose="020B0604030504040204" pitchFamily="34" charset="0"/>
+              </a:rPr>
+              <a:t>Use </a:t>
+            </a:r>
+            <a:r>
+              <a:rPr kumimoji="0" lang="en-US" altLang="en-US" b="0" i="0" u="none" strike="noStrike" cap="none" normalizeH="0" baseline="0" dirty="0" smtClean="0">
+                <a:ln>
+                  <a:noFill/>
+                </a:ln>
+                <a:solidFill>
+                  <a:srgbClr val="DC143C"/>
+                </a:solidFill>
+                <a:effectLst/>
+                <a:latin typeface="Consolas" panose="020B0609020204030204" pitchFamily="49" charset="0"/>
+              </a:rPr>
+              <a:t>if</a:t>
+            </a:r>
+            <a:r>
+              <a:rPr kumimoji="0" lang="en-US" altLang="en-US" b="0" i="0" u="none" strike="noStrike" cap="none" normalizeH="0" baseline="0" dirty="0" smtClean="0">
+                <a:ln>
+                  <a:noFill/>
+                </a:ln>
+                <a:solidFill>
+                  <a:srgbClr val="000000"/>
+                </a:solidFill>
+                <a:effectLst/>
+                <a:latin typeface="Verdana" panose="020B0604030504040204" pitchFamily="34" charset="0"/>
+              </a:rPr>
+              <a:t> to specify a block of code to be executed, if a specified condition is true</a:t>
+            </a:r>
+          </a:p>
+          <a:p>
+            <a:pPr marR="0" lvl="0" algn="l" defTabSz="914400" rtl="0" eaLnBrk="0" fontAlgn="base" latinLnBrk="0" hangingPunct="0">
+              <a:lnSpc>
+                <a:spcPct val="100000"/>
+              </a:lnSpc>
+              <a:spcBef>
+                <a:spcPct val="0"/>
+              </a:spcBef>
+              <a:spcAft>
+                <a:spcPct val="0"/>
+              </a:spcAft>
+              <a:buClrTx/>
+              <a:buSzTx/>
+              <a:tabLst/>
+            </a:pPr>
+            <a:endParaRPr kumimoji="0" lang="en-US" altLang="en-US" b="0" i="0" u="none" strike="noStrike" cap="none" normalizeH="0" baseline="0" dirty="0" smtClean="0">
+              <a:ln>
+                <a:noFill/>
+              </a:ln>
+              <a:solidFill>
+                <a:srgbClr val="000000"/>
+              </a:solidFill>
+              <a:effectLst/>
+              <a:latin typeface="Verdana" panose="020B0604030504040204" pitchFamily="34" charset="0"/>
+            </a:endParaRPr>
+          </a:p>
+          <a:p>
+            <a:pPr marL="171450" marR="0" lvl="0" indent="-171450" algn="l" defTabSz="914400" rtl="0" eaLnBrk="0" fontAlgn="base" latinLnBrk="0" hangingPunct="0">
+              <a:lnSpc>
+                <a:spcPct val="100000"/>
+              </a:lnSpc>
+              <a:spcBef>
+                <a:spcPct val="0"/>
+              </a:spcBef>
+              <a:spcAft>
+                <a:spcPct val="0"/>
+              </a:spcAft>
+              <a:buClrTx/>
+              <a:buSzTx/>
+              <a:buFont typeface="Wingdings" panose="05000000000000000000" pitchFamily="2" charset="2"/>
+              <a:buChar char="q"/>
+              <a:tabLst/>
+            </a:pPr>
+            <a:r>
+              <a:rPr kumimoji="0" lang="en-US" altLang="en-US" b="0" i="0" u="none" strike="noStrike" cap="none" normalizeH="0" baseline="0" dirty="0" smtClean="0">
+                <a:ln>
+                  <a:noFill/>
+                </a:ln>
+                <a:solidFill>
+                  <a:srgbClr val="000000"/>
+                </a:solidFill>
+                <a:effectLst/>
+                <a:latin typeface="Verdana" panose="020B0604030504040204" pitchFamily="34" charset="0"/>
+              </a:rPr>
+              <a:t>Use </a:t>
+            </a:r>
+            <a:r>
+              <a:rPr kumimoji="0" lang="en-US" altLang="en-US" b="0" i="0" u="none" strike="noStrike" cap="none" normalizeH="0" baseline="0" dirty="0" smtClean="0">
+                <a:ln>
+                  <a:noFill/>
+                </a:ln>
+                <a:solidFill>
+                  <a:srgbClr val="DC143C"/>
+                </a:solidFill>
+                <a:effectLst/>
+                <a:latin typeface="Consolas" panose="020B0609020204030204" pitchFamily="49" charset="0"/>
+              </a:rPr>
+              <a:t>else</a:t>
+            </a:r>
+            <a:r>
+              <a:rPr kumimoji="0" lang="en-US" altLang="en-US" b="0" i="0" u="none" strike="noStrike" cap="none" normalizeH="0" baseline="0" dirty="0" smtClean="0">
+                <a:ln>
+                  <a:noFill/>
+                </a:ln>
+                <a:solidFill>
+                  <a:srgbClr val="000000"/>
+                </a:solidFill>
+                <a:effectLst/>
+                <a:latin typeface="Verdana" panose="020B0604030504040204" pitchFamily="34" charset="0"/>
+              </a:rPr>
+              <a:t> to specify a block of code to be executed, if the same condition is false</a:t>
+            </a:r>
+          </a:p>
+          <a:p>
+            <a:pPr marR="0" lvl="0" algn="l" defTabSz="914400" rtl="0" eaLnBrk="0" fontAlgn="base" latinLnBrk="0" hangingPunct="0">
+              <a:lnSpc>
+                <a:spcPct val="100000"/>
+              </a:lnSpc>
+              <a:spcBef>
+                <a:spcPct val="0"/>
+              </a:spcBef>
+              <a:spcAft>
+                <a:spcPct val="0"/>
+              </a:spcAft>
+              <a:buClrTx/>
+              <a:buSzTx/>
+              <a:tabLst/>
+            </a:pPr>
+            <a:endParaRPr kumimoji="0" lang="en-US" altLang="en-US" b="0" i="0" u="none" strike="noStrike" cap="none" normalizeH="0" baseline="0" dirty="0" smtClean="0">
+              <a:ln>
+                <a:noFill/>
+              </a:ln>
+              <a:solidFill>
+                <a:srgbClr val="000000"/>
+              </a:solidFill>
+              <a:effectLst/>
+              <a:latin typeface="Verdana" panose="020B0604030504040204" pitchFamily="34" charset="0"/>
+            </a:endParaRPr>
+          </a:p>
+          <a:p>
+            <a:pPr marL="171450" marR="0" lvl="0" indent="-171450" algn="l" defTabSz="914400" rtl="0" eaLnBrk="0" fontAlgn="base" latinLnBrk="0" hangingPunct="0">
+              <a:lnSpc>
+                <a:spcPct val="100000"/>
+              </a:lnSpc>
+              <a:spcBef>
+                <a:spcPct val="0"/>
+              </a:spcBef>
+              <a:spcAft>
+                <a:spcPct val="0"/>
+              </a:spcAft>
+              <a:buClrTx/>
+              <a:buSzTx/>
+              <a:buFont typeface="Wingdings" panose="05000000000000000000" pitchFamily="2" charset="2"/>
+              <a:buChar char="q"/>
+              <a:tabLst/>
+            </a:pPr>
+            <a:r>
+              <a:rPr kumimoji="0" lang="en-US" altLang="en-US" b="0" i="0" u="none" strike="noStrike" cap="none" normalizeH="0" baseline="0" dirty="0" smtClean="0">
+                <a:ln>
+                  <a:noFill/>
+                </a:ln>
+                <a:solidFill>
+                  <a:srgbClr val="000000"/>
+                </a:solidFill>
+                <a:effectLst/>
+                <a:latin typeface="Verdana" panose="020B0604030504040204" pitchFamily="34" charset="0"/>
+              </a:rPr>
+              <a:t>Use </a:t>
+            </a:r>
+            <a:r>
+              <a:rPr kumimoji="0" lang="en-US" altLang="en-US" b="0" i="0" u="none" strike="noStrike" cap="none" normalizeH="0" baseline="0" dirty="0" smtClean="0">
+                <a:ln>
+                  <a:noFill/>
+                </a:ln>
+                <a:solidFill>
+                  <a:srgbClr val="DC143C"/>
+                </a:solidFill>
+                <a:effectLst/>
+                <a:latin typeface="Consolas" panose="020B0609020204030204" pitchFamily="49" charset="0"/>
+              </a:rPr>
+              <a:t>else if</a:t>
+            </a:r>
+            <a:r>
+              <a:rPr kumimoji="0" lang="en-US" altLang="en-US" b="0" i="0" u="none" strike="noStrike" cap="none" normalizeH="0" baseline="0" dirty="0" smtClean="0">
+                <a:ln>
+                  <a:noFill/>
+                </a:ln>
+                <a:solidFill>
+                  <a:srgbClr val="000000"/>
+                </a:solidFill>
+                <a:effectLst/>
+                <a:latin typeface="Verdana" panose="020B0604030504040204" pitchFamily="34" charset="0"/>
+              </a:rPr>
+              <a:t> to specify a new condition to test, if the first condition is false</a:t>
+            </a:r>
+          </a:p>
+          <a:p>
+            <a:pPr marR="0" lvl="0" algn="l" defTabSz="914400" rtl="0" eaLnBrk="0" fontAlgn="base" latinLnBrk="0" hangingPunct="0">
+              <a:lnSpc>
+                <a:spcPct val="100000"/>
+              </a:lnSpc>
+              <a:spcBef>
+                <a:spcPct val="0"/>
+              </a:spcBef>
+              <a:spcAft>
+                <a:spcPct val="0"/>
+              </a:spcAft>
+              <a:buClrTx/>
+              <a:buSzTx/>
+              <a:tabLst/>
+            </a:pPr>
+            <a:endParaRPr kumimoji="0" lang="en-US" altLang="en-US" b="0" i="0" u="none" strike="noStrike" cap="none" normalizeH="0" baseline="0" dirty="0" smtClean="0">
+              <a:ln>
+                <a:noFill/>
+              </a:ln>
+              <a:solidFill>
+                <a:srgbClr val="000000"/>
+              </a:solidFill>
+              <a:effectLst/>
+              <a:latin typeface="Verdana" panose="020B0604030504040204" pitchFamily="34" charset="0"/>
+            </a:endParaRPr>
+          </a:p>
+          <a:p>
+            <a:pPr marL="171450" marR="0" lvl="0" indent="-171450" algn="l" defTabSz="914400" rtl="0" eaLnBrk="0" fontAlgn="base" latinLnBrk="0" hangingPunct="0">
+              <a:lnSpc>
+                <a:spcPct val="100000"/>
+              </a:lnSpc>
+              <a:spcBef>
+                <a:spcPct val="0"/>
+              </a:spcBef>
+              <a:spcAft>
+                <a:spcPct val="0"/>
+              </a:spcAft>
+              <a:buClrTx/>
+              <a:buSzTx/>
+              <a:buFont typeface="Wingdings" panose="05000000000000000000" pitchFamily="2" charset="2"/>
+              <a:buChar char="q"/>
+              <a:tabLst/>
+            </a:pPr>
+            <a:r>
+              <a:rPr kumimoji="0" lang="en-US" altLang="en-US" b="0" i="0" u="none" strike="noStrike" cap="none" normalizeH="0" baseline="0" dirty="0" smtClean="0">
+                <a:ln>
+                  <a:noFill/>
+                </a:ln>
+                <a:solidFill>
+                  <a:srgbClr val="000000"/>
+                </a:solidFill>
+                <a:effectLst/>
+                <a:latin typeface="Verdana" panose="020B0604030504040204" pitchFamily="34" charset="0"/>
+              </a:rPr>
+              <a:t>Use </a:t>
+            </a:r>
+            <a:r>
+              <a:rPr kumimoji="0" lang="en-US" altLang="en-US" b="0" i="0" u="none" strike="noStrike" cap="none" normalizeH="0" baseline="0" dirty="0" smtClean="0">
+                <a:ln>
+                  <a:noFill/>
+                </a:ln>
+                <a:solidFill>
+                  <a:srgbClr val="DC143C"/>
+                </a:solidFill>
+                <a:effectLst/>
+                <a:latin typeface="Consolas" panose="020B0609020204030204" pitchFamily="49" charset="0"/>
+              </a:rPr>
+              <a:t>switch</a:t>
+            </a:r>
+            <a:r>
+              <a:rPr kumimoji="0" lang="en-US" altLang="en-US" b="0" i="0" u="none" strike="noStrike" cap="none" normalizeH="0" baseline="0" dirty="0" smtClean="0">
+                <a:ln>
+                  <a:noFill/>
+                </a:ln>
+                <a:solidFill>
+                  <a:srgbClr val="000000"/>
+                </a:solidFill>
+                <a:effectLst/>
+                <a:latin typeface="Verdana" panose="020B0604030504040204" pitchFamily="34" charset="0"/>
+              </a:rPr>
+              <a:t> to specify many alternative blocks of code to be executed</a:t>
+            </a:r>
+          </a:p>
+          <a:p>
+            <a:pPr marL="0" marR="0" lvl="0" indent="0" algn="l" defTabSz="914400" rtl="0" eaLnBrk="0" fontAlgn="base" latinLnBrk="0" hangingPunct="0">
+              <a:lnSpc>
+                <a:spcPct val="100000"/>
+              </a:lnSpc>
+              <a:spcBef>
+                <a:spcPct val="0"/>
+              </a:spcBef>
+              <a:spcAft>
+                <a:spcPct val="0"/>
+              </a:spcAft>
+              <a:buClrTx/>
+              <a:buSzTx/>
+              <a:buFontTx/>
+              <a:buNone/>
+              <a:tabLst/>
+            </a:pPr>
+            <a:endParaRPr kumimoji="0" lang="en-US" altLang="en-US" sz="1800" b="0" i="0" u="none" strike="noStrike" cap="none" normalizeH="0" baseline="0" dirty="0" smtClean="0">
+              <a:ln>
+                <a:noFill/>
+              </a:ln>
+              <a:solidFill>
+                <a:schemeClr val="tx1"/>
+              </a:solidFill>
+              <a:effectLst/>
+              <a:latin typeface="Arial" panose="020B0604020202020204" pitchFamily="34" charset="0"/>
+            </a:endParaRPr>
+          </a:p>
+        </p:txBody>
+      </p:sp>
     </p:spTree>
     <p:extLst>
       <p:ext uri="{BB962C8B-B14F-4D97-AF65-F5344CB8AC3E}">
@@ -23112,6 +22829,3840 @@
   <p:cSld>
     <p:spTree>
       <p:nvGrpSpPr>
+        <p:cNvPr id="1" name="Shape 102"/>
+        <p:cNvGrpSpPr/>
+        <p:nvPr/>
+      </p:nvGrpSpPr>
+      <p:grpSpPr>
+        <a:xfrm>
+          <a:off x="0" y="0"/>
+          <a:ext cx="0" cy="0"/>
+          <a:chOff x="0" y="0"/>
+          <a:chExt cx="0" cy="0"/>
+        </a:xfrm>
+      </p:grpSpPr>
+      <p:sp>
+        <p:nvSpPr>
+          <p:cNvPr id="103" name="Google Shape;103;p16"/>
+          <p:cNvSpPr txBox="1">
+            <a:spLocks noGrp="1"/>
+          </p:cNvSpPr>
+          <p:nvPr>
+            <p:ph type="title"/>
+          </p:nvPr>
+        </p:nvSpPr>
+        <p:spPr>
+          <a:xfrm>
+            <a:off x="0" y="3650"/>
+            <a:ext cx="9144000" cy="607800"/>
+          </a:xfrm>
+          <a:prstGeom prst="rect">
+            <a:avLst/>
+          </a:prstGeom>
+        </p:spPr>
+        <p:txBody>
+          <a:bodyPr spcFirstLastPara="1" wrap="square" lIns="91425" tIns="91425" rIns="91425" bIns="91425" anchor="t" anchorCtr="0">
+            <a:noAutofit/>
+          </a:bodyPr>
+          <a:lstStyle/>
+          <a:p>
+            <a:pPr lvl="0" algn="ctr">
+              <a:buSzPts val="990"/>
+            </a:pPr>
+            <a:r>
+              <a:rPr lang="en" sz="3300" b="1" dirty="0" smtClean="0"/>
+              <a:t>JAVA SCRIPT  </a:t>
+            </a:r>
+            <a:r>
+              <a:rPr lang="en" sz="3300" b="1" dirty="0" smtClean="0"/>
+              <a:t>CONDITIONAL STATEMENTS</a:t>
+            </a:r>
+            <a:endParaRPr sz="3300" b="1" dirty="0"/>
+          </a:p>
+        </p:txBody>
+      </p:sp>
+      <p:sp>
+        <p:nvSpPr>
+          <p:cNvPr id="104" name="Google Shape;104;p16"/>
+          <p:cNvSpPr txBox="1"/>
+          <p:nvPr/>
+        </p:nvSpPr>
+        <p:spPr>
+          <a:xfrm>
+            <a:off x="321600" y="541875"/>
+            <a:ext cx="8500800" cy="400079"/>
+          </a:xfrm>
+          <a:prstGeom prst="rect">
+            <a:avLst/>
+          </a:prstGeom>
+          <a:noFill/>
+          <a:ln>
+            <a:noFill/>
+          </a:ln>
+        </p:spPr>
+        <p:txBody>
+          <a:bodyPr spcFirstLastPara="1" wrap="square" lIns="91425" tIns="91425" rIns="91425" bIns="91425" anchor="t" anchorCtr="0">
+            <a:spAutoFit/>
+          </a:bodyPr>
+          <a:lstStyle/>
+          <a:p>
+            <a:r>
+              <a:rPr lang="en-US" b="1" u="sng" dirty="0"/>
+              <a:t>The if </a:t>
+            </a:r>
+            <a:r>
+              <a:rPr lang="en-US" b="1" u="sng" dirty="0" smtClean="0"/>
+              <a:t>Statement</a:t>
+            </a:r>
+            <a:endParaRPr lang="en-US" sz="1600" b="1" u="sng" dirty="0"/>
+          </a:p>
+        </p:txBody>
+      </p:sp>
+      <p:sp>
+        <p:nvSpPr>
+          <p:cNvPr id="2" name="Rectangle 1"/>
+          <p:cNvSpPr/>
+          <p:nvPr/>
+        </p:nvSpPr>
+        <p:spPr>
+          <a:xfrm>
+            <a:off x="321600" y="899400"/>
+            <a:ext cx="8500800" cy="646331"/>
+          </a:xfrm>
+          <a:prstGeom prst="rect">
+            <a:avLst/>
+          </a:prstGeom>
+        </p:spPr>
+        <p:txBody>
+          <a:bodyPr wrap="square">
+            <a:spAutoFit/>
+          </a:bodyPr>
+          <a:lstStyle/>
+          <a:p>
+            <a:r>
+              <a:rPr lang="en-US" sz="1200" dirty="0" smtClean="0">
+                <a:solidFill>
+                  <a:srgbClr val="0000CD"/>
+                </a:solidFill>
+                <a:latin typeface="Consolas" panose="020B0609020204030204" pitchFamily="49" charset="0"/>
+              </a:rPr>
+              <a:t>if</a:t>
+            </a:r>
+            <a:r>
+              <a:rPr lang="en-US" sz="1200" dirty="0">
+                <a:latin typeface="Consolas" panose="020B0609020204030204" pitchFamily="49" charset="0"/>
+              </a:rPr>
+              <a:t> (</a:t>
+            </a:r>
+            <a:r>
+              <a:rPr lang="en-US" sz="1200" i="1" dirty="0">
+                <a:latin typeface="Consolas" panose="020B0609020204030204" pitchFamily="49" charset="0"/>
+              </a:rPr>
+              <a:t>condition</a:t>
+            </a:r>
+            <a:r>
+              <a:rPr lang="en-US" sz="1200" dirty="0">
+                <a:latin typeface="Consolas" panose="020B0609020204030204" pitchFamily="49" charset="0"/>
+              </a:rPr>
+              <a:t>) {</a:t>
+            </a:r>
+            <a:br>
+              <a:rPr lang="en-US" sz="1200" dirty="0">
+                <a:latin typeface="Consolas" panose="020B0609020204030204" pitchFamily="49" charset="0"/>
+              </a:rPr>
+            </a:br>
+            <a:r>
+              <a:rPr lang="en-US" sz="1200" dirty="0">
+                <a:latin typeface="Consolas" panose="020B0609020204030204" pitchFamily="49" charset="0"/>
+              </a:rPr>
+              <a:t>  </a:t>
+            </a:r>
+            <a:r>
+              <a:rPr lang="en-US" sz="1200" dirty="0">
+                <a:solidFill>
+                  <a:srgbClr val="008000"/>
+                </a:solidFill>
+                <a:latin typeface="Consolas" panose="020B0609020204030204" pitchFamily="49" charset="0"/>
+              </a:rPr>
+              <a:t>//</a:t>
+            </a:r>
+            <a:r>
+              <a:rPr lang="en-US" sz="1200" i="1" dirty="0">
+                <a:solidFill>
+                  <a:srgbClr val="008000"/>
+                </a:solidFill>
+                <a:latin typeface="Consolas" panose="020B0609020204030204" pitchFamily="49" charset="0"/>
+              </a:rPr>
+              <a:t>  block of code to be executed if the condition is true</a:t>
+            </a:r>
+            <a:br>
+              <a:rPr lang="en-US" sz="1200" i="1" dirty="0">
+                <a:solidFill>
+                  <a:srgbClr val="008000"/>
+                </a:solidFill>
+                <a:latin typeface="Consolas" panose="020B0609020204030204" pitchFamily="49" charset="0"/>
+              </a:rPr>
+            </a:br>
+            <a:r>
+              <a:rPr lang="en-US" sz="1200" dirty="0">
+                <a:latin typeface="Consolas" panose="020B0609020204030204" pitchFamily="49" charset="0"/>
+              </a:rPr>
+              <a:t>}</a:t>
+            </a:r>
+          </a:p>
+        </p:txBody>
+      </p:sp>
+      <p:sp>
+        <p:nvSpPr>
+          <p:cNvPr id="4" name="Rectangle 3"/>
+          <p:cNvSpPr/>
+          <p:nvPr/>
+        </p:nvSpPr>
+        <p:spPr>
+          <a:xfrm>
+            <a:off x="321600" y="1558886"/>
+            <a:ext cx="1915909" cy="307777"/>
+          </a:xfrm>
+          <a:prstGeom prst="rect">
+            <a:avLst/>
+          </a:prstGeom>
+        </p:spPr>
+        <p:txBody>
+          <a:bodyPr wrap="square">
+            <a:spAutoFit/>
+          </a:bodyPr>
+          <a:lstStyle/>
+          <a:p>
+            <a:r>
+              <a:rPr lang="en-US" b="1" u="sng" dirty="0">
+                <a:latin typeface="+mj-lt"/>
+              </a:rPr>
+              <a:t>The else Statement</a:t>
+            </a:r>
+          </a:p>
+        </p:txBody>
+      </p:sp>
+      <p:sp>
+        <p:nvSpPr>
+          <p:cNvPr id="6" name="Rectangle 5"/>
+          <p:cNvSpPr/>
+          <p:nvPr/>
+        </p:nvSpPr>
+        <p:spPr>
+          <a:xfrm>
+            <a:off x="321600" y="1889296"/>
+            <a:ext cx="6155400" cy="1015663"/>
+          </a:xfrm>
+          <a:prstGeom prst="rect">
+            <a:avLst/>
+          </a:prstGeom>
+        </p:spPr>
+        <p:txBody>
+          <a:bodyPr wrap="square">
+            <a:spAutoFit/>
+          </a:bodyPr>
+          <a:lstStyle/>
+          <a:p>
+            <a:r>
+              <a:rPr lang="en-US" sz="1200" dirty="0">
+                <a:solidFill>
+                  <a:srgbClr val="0000CD"/>
+                </a:solidFill>
+                <a:latin typeface="Consolas" panose="020B0609020204030204" pitchFamily="49" charset="0"/>
+              </a:rPr>
+              <a:t>if</a:t>
+            </a:r>
+            <a:r>
+              <a:rPr lang="en-US" sz="1200" dirty="0">
+                <a:latin typeface="Consolas" panose="020B0609020204030204" pitchFamily="49" charset="0"/>
+              </a:rPr>
+              <a:t> (</a:t>
+            </a:r>
+            <a:r>
+              <a:rPr lang="en-US" sz="1200" i="1" dirty="0">
+                <a:latin typeface="Consolas" panose="020B0609020204030204" pitchFamily="49" charset="0"/>
+              </a:rPr>
+              <a:t>condition</a:t>
+            </a:r>
+            <a:r>
+              <a:rPr lang="en-US" sz="1200" dirty="0">
+                <a:latin typeface="Consolas" panose="020B0609020204030204" pitchFamily="49" charset="0"/>
+              </a:rPr>
+              <a:t>) {</a:t>
+            </a:r>
+            <a:r>
+              <a:rPr lang="en-US" sz="1200" dirty="0"/>
+              <a:t/>
+            </a:r>
+            <a:br>
+              <a:rPr lang="en-US" sz="1200" dirty="0"/>
+            </a:br>
+            <a:r>
+              <a:rPr lang="en-US" sz="1200" dirty="0">
+                <a:latin typeface="Consolas" panose="020B0609020204030204" pitchFamily="49" charset="0"/>
+              </a:rPr>
+              <a:t>  </a:t>
+            </a:r>
+            <a:r>
+              <a:rPr lang="en-US" sz="1200" dirty="0">
+                <a:solidFill>
+                  <a:srgbClr val="008000"/>
+                </a:solidFill>
+                <a:latin typeface="Consolas" panose="020B0609020204030204" pitchFamily="49" charset="0"/>
+              </a:rPr>
+              <a:t>//</a:t>
+            </a:r>
+            <a:r>
+              <a:rPr lang="en-US" sz="1200" i="1" dirty="0">
+                <a:solidFill>
+                  <a:srgbClr val="008000"/>
+                </a:solidFill>
+                <a:latin typeface="Consolas" panose="020B0609020204030204" pitchFamily="49" charset="0"/>
+              </a:rPr>
+              <a:t>  block of code to be executed if the condition is true</a:t>
+            </a:r>
+            <a:br>
+              <a:rPr lang="en-US" sz="1200" i="1" dirty="0">
+                <a:solidFill>
+                  <a:srgbClr val="008000"/>
+                </a:solidFill>
+                <a:latin typeface="Consolas" panose="020B0609020204030204" pitchFamily="49" charset="0"/>
+              </a:rPr>
+            </a:br>
+            <a:r>
+              <a:rPr lang="en-US" sz="1200" dirty="0">
+                <a:latin typeface="Consolas" panose="020B0609020204030204" pitchFamily="49" charset="0"/>
+              </a:rPr>
+              <a:t>} </a:t>
+            </a:r>
+            <a:r>
+              <a:rPr lang="en-US" sz="1200" dirty="0">
+                <a:solidFill>
+                  <a:srgbClr val="0000CD"/>
+                </a:solidFill>
+                <a:latin typeface="Consolas" panose="020B0609020204030204" pitchFamily="49" charset="0"/>
+              </a:rPr>
+              <a:t>else</a:t>
+            </a:r>
+            <a:r>
+              <a:rPr lang="en-US" sz="1200" dirty="0">
+                <a:latin typeface="Consolas" panose="020B0609020204030204" pitchFamily="49" charset="0"/>
+              </a:rPr>
+              <a:t> {</a:t>
+            </a:r>
+            <a:r>
+              <a:rPr lang="en-US" sz="1200" dirty="0"/>
+              <a:t/>
+            </a:r>
+            <a:br>
+              <a:rPr lang="en-US" sz="1200" dirty="0"/>
+            </a:br>
+            <a:r>
+              <a:rPr lang="en-US" sz="1200" dirty="0">
+                <a:latin typeface="Consolas" panose="020B0609020204030204" pitchFamily="49" charset="0"/>
+              </a:rPr>
+              <a:t>  </a:t>
+            </a:r>
+            <a:r>
+              <a:rPr lang="en-US" sz="1200" dirty="0">
+                <a:solidFill>
+                  <a:srgbClr val="008000"/>
+                </a:solidFill>
+                <a:latin typeface="Consolas" panose="020B0609020204030204" pitchFamily="49" charset="0"/>
+              </a:rPr>
+              <a:t>//</a:t>
+            </a:r>
+            <a:r>
+              <a:rPr lang="en-US" sz="1200" i="1" dirty="0">
+                <a:solidFill>
+                  <a:srgbClr val="008000"/>
+                </a:solidFill>
+                <a:latin typeface="Consolas" panose="020B0609020204030204" pitchFamily="49" charset="0"/>
+              </a:rPr>
+              <a:t>  block of code to be executed if the condition is false</a:t>
+            </a:r>
+            <a:br>
+              <a:rPr lang="en-US" sz="1200" i="1" dirty="0">
+                <a:solidFill>
+                  <a:srgbClr val="008000"/>
+                </a:solidFill>
+                <a:latin typeface="Consolas" panose="020B0609020204030204" pitchFamily="49" charset="0"/>
+              </a:rPr>
+            </a:br>
+            <a:r>
+              <a:rPr lang="en-US" sz="1200" dirty="0">
+                <a:latin typeface="Consolas" panose="020B0609020204030204" pitchFamily="49" charset="0"/>
+              </a:rPr>
+              <a:t>}</a:t>
+            </a:r>
+            <a:endParaRPr lang="en-US" sz="1200" dirty="0"/>
+          </a:p>
+        </p:txBody>
+      </p:sp>
+      <p:sp>
+        <p:nvSpPr>
+          <p:cNvPr id="9" name="Rectangle 8"/>
+          <p:cNvSpPr/>
+          <p:nvPr/>
+        </p:nvSpPr>
+        <p:spPr>
+          <a:xfrm>
+            <a:off x="300825" y="2902778"/>
+            <a:ext cx="2373102" cy="307777"/>
+          </a:xfrm>
+          <a:prstGeom prst="rect">
+            <a:avLst/>
+          </a:prstGeom>
+        </p:spPr>
+        <p:txBody>
+          <a:bodyPr wrap="square">
+            <a:spAutoFit/>
+          </a:bodyPr>
+          <a:lstStyle/>
+          <a:p>
+            <a:r>
+              <a:rPr lang="en-US" b="1" u="sng" dirty="0">
+                <a:latin typeface="+mj-lt"/>
+              </a:rPr>
+              <a:t>The </a:t>
+            </a:r>
+            <a:r>
+              <a:rPr lang="en-US" b="1" u="sng" dirty="0" smtClean="0">
+                <a:latin typeface="+mj-lt"/>
+              </a:rPr>
+              <a:t>else if  </a:t>
+            </a:r>
+            <a:r>
+              <a:rPr lang="en-US" b="1" u="sng" dirty="0">
+                <a:latin typeface="+mj-lt"/>
+              </a:rPr>
+              <a:t>Statement</a:t>
+            </a:r>
+          </a:p>
+        </p:txBody>
+      </p:sp>
+      <p:sp>
+        <p:nvSpPr>
+          <p:cNvPr id="7" name="Rectangle 6"/>
+          <p:cNvSpPr/>
+          <p:nvPr/>
+        </p:nvSpPr>
+        <p:spPr>
+          <a:xfrm>
+            <a:off x="311725" y="3202140"/>
+            <a:ext cx="6733309" cy="1754326"/>
+          </a:xfrm>
+          <a:prstGeom prst="rect">
+            <a:avLst/>
+          </a:prstGeom>
+        </p:spPr>
+        <p:txBody>
+          <a:bodyPr wrap="square">
+            <a:spAutoFit/>
+          </a:bodyPr>
+          <a:lstStyle/>
+          <a:p>
+            <a:r>
+              <a:rPr lang="en-US" sz="1200" dirty="0">
+                <a:solidFill>
+                  <a:srgbClr val="0000CD"/>
+                </a:solidFill>
+                <a:latin typeface="Consolas" panose="020B0609020204030204" pitchFamily="49" charset="0"/>
+              </a:rPr>
+              <a:t>if</a:t>
+            </a:r>
+            <a:r>
+              <a:rPr lang="en-US" sz="1200" dirty="0">
+                <a:latin typeface="Consolas" panose="020B0609020204030204" pitchFamily="49" charset="0"/>
+              </a:rPr>
+              <a:t> (</a:t>
+            </a:r>
+            <a:r>
+              <a:rPr lang="en-US" sz="1200" i="1" dirty="0">
+                <a:latin typeface="Consolas" panose="020B0609020204030204" pitchFamily="49" charset="0"/>
+              </a:rPr>
+              <a:t>condition1</a:t>
+            </a:r>
+            <a:r>
+              <a:rPr lang="en-US" sz="1200" dirty="0">
+                <a:latin typeface="Consolas" panose="020B0609020204030204" pitchFamily="49" charset="0"/>
+              </a:rPr>
+              <a:t>) {</a:t>
+            </a:r>
+            <a:r>
+              <a:rPr lang="en-US" sz="1200" dirty="0"/>
+              <a:t/>
+            </a:r>
+            <a:br>
+              <a:rPr lang="en-US" sz="1200" dirty="0"/>
+            </a:br>
+            <a:r>
+              <a:rPr lang="en-US" sz="1200" dirty="0">
+                <a:latin typeface="Consolas" panose="020B0609020204030204" pitchFamily="49" charset="0"/>
+              </a:rPr>
+              <a:t>  </a:t>
+            </a:r>
+            <a:r>
+              <a:rPr lang="en-US" sz="1200" dirty="0">
+                <a:solidFill>
+                  <a:srgbClr val="008000"/>
+                </a:solidFill>
+                <a:latin typeface="Consolas" panose="020B0609020204030204" pitchFamily="49" charset="0"/>
+              </a:rPr>
+              <a:t>//</a:t>
+            </a:r>
+            <a:r>
+              <a:rPr lang="en-US" sz="1200" i="1" dirty="0">
+                <a:solidFill>
+                  <a:srgbClr val="008000"/>
+                </a:solidFill>
+                <a:latin typeface="Consolas" panose="020B0609020204030204" pitchFamily="49" charset="0"/>
+              </a:rPr>
+              <a:t>  block of code to be executed if condition1 is true</a:t>
+            </a:r>
+            <a:br>
+              <a:rPr lang="en-US" sz="1200" i="1" dirty="0">
+                <a:solidFill>
+                  <a:srgbClr val="008000"/>
+                </a:solidFill>
+                <a:latin typeface="Consolas" panose="020B0609020204030204" pitchFamily="49" charset="0"/>
+              </a:rPr>
+            </a:br>
+            <a:r>
+              <a:rPr lang="en-US" sz="1200" dirty="0">
+                <a:latin typeface="Consolas" panose="020B0609020204030204" pitchFamily="49" charset="0"/>
+              </a:rPr>
+              <a:t>} </a:t>
+            </a:r>
+            <a:r>
+              <a:rPr lang="en-US" sz="1200" dirty="0">
+                <a:solidFill>
+                  <a:srgbClr val="0000CD"/>
+                </a:solidFill>
+                <a:latin typeface="Consolas" panose="020B0609020204030204" pitchFamily="49" charset="0"/>
+              </a:rPr>
+              <a:t>else</a:t>
+            </a:r>
+            <a:r>
+              <a:rPr lang="en-US" sz="1200" dirty="0">
+                <a:latin typeface="Consolas" panose="020B0609020204030204" pitchFamily="49" charset="0"/>
+              </a:rPr>
+              <a:t> </a:t>
+            </a:r>
+            <a:r>
+              <a:rPr lang="en-US" sz="1200" dirty="0">
+                <a:solidFill>
+                  <a:srgbClr val="0000CD"/>
+                </a:solidFill>
+                <a:latin typeface="Consolas" panose="020B0609020204030204" pitchFamily="49" charset="0"/>
+              </a:rPr>
+              <a:t>if</a:t>
+            </a:r>
+            <a:r>
+              <a:rPr lang="en-US" sz="1200" dirty="0">
+                <a:latin typeface="Consolas" panose="020B0609020204030204" pitchFamily="49" charset="0"/>
+              </a:rPr>
+              <a:t> (</a:t>
+            </a:r>
+            <a:r>
+              <a:rPr lang="en-US" sz="1200" i="1" dirty="0">
+                <a:latin typeface="Consolas" panose="020B0609020204030204" pitchFamily="49" charset="0"/>
+              </a:rPr>
+              <a:t>condition2</a:t>
+            </a:r>
+            <a:r>
+              <a:rPr lang="en-US" sz="1200" dirty="0">
+                <a:latin typeface="Consolas" panose="020B0609020204030204" pitchFamily="49" charset="0"/>
+              </a:rPr>
+              <a:t>) {</a:t>
+            </a:r>
+            <a:r>
+              <a:rPr lang="en-US" sz="1200" dirty="0"/>
+              <a:t/>
+            </a:r>
+            <a:br>
+              <a:rPr lang="en-US" sz="1200" dirty="0"/>
+            </a:br>
+            <a:r>
+              <a:rPr lang="en-US" sz="1200" dirty="0">
+                <a:latin typeface="Consolas" panose="020B0609020204030204" pitchFamily="49" charset="0"/>
+              </a:rPr>
+              <a:t>  </a:t>
+            </a:r>
+            <a:r>
+              <a:rPr lang="en-US" sz="1200" dirty="0">
+                <a:solidFill>
+                  <a:srgbClr val="008000"/>
+                </a:solidFill>
+                <a:latin typeface="Consolas" panose="020B0609020204030204" pitchFamily="49" charset="0"/>
+              </a:rPr>
+              <a:t>//</a:t>
+            </a:r>
+            <a:r>
+              <a:rPr lang="en-US" sz="1200" i="1" dirty="0">
+                <a:solidFill>
+                  <a:srgbClr val="008000"/>
+                </a:solidFill>
+                <a:latin typeface="Consolas" panose="020B0609020204030204" pitchFamily="49" charset="0"/>
+              </a:rPr>
+              <a:t>  block of code to be executed if the condition1 is false and condition2 is true</a:t>
+            </a:r>
+            <a:r>
+              <a:rPr lang="en-US" sz="1200" dirty="0">
+                <a:solidFill>
+                  <a:srgbClr val="008000"/>
+                </a:solidFill>
+                <a:latin typeface="Consolas" panose="020B0609020204030204" pitchFamily="49" charset="0"/>
+              </a:rPr>
+              <a:t/>
+            </a:r>
+            <a:br>
+              <a:rPr lang="en-US" sz="1200" dirty="0">
+                <a:solidFill>
+                  <a:srgbClr val="008000"/>
+                </a:solidFill>
+                <a:latin typeface="Consolas" panose="020B0609020204030204" pitchFamily="49" charset="0"/>
+              </a:rPr>
+            </a:br>
+            <a:r>
+              <a:rPr lang="en-US" sz="1200" dirty="0">
+                <a:latin typeface="Consolas" panose="020B0609020204030204" pitchFamily="49" charset="0"/>
+              </a:rPr>
+              <a:t>} </a:t>
+            </a:r>
+            <a:r>
+              <a:rPr lang="en-US" sz="1200" dirty="0">
+                <a:solidFill>
+                  <a:srgbClr val="0000CD"/>
+                </a:solidFill>
+                <a:latin typeface="Consolas" panose="020B0609020204030204" pitchFamily="49" charset="0"/>
+              </a:rPr>
+              <a:t>else</a:t>
+            </a:r>
+            <a:r>
+              <a:rPr lang="en-US" sz="1200" dirty="0">
+                <a:latin typeface="Consolas" panose="020B0609020204030204" pitchFamily="49" charset="0"/>
+              </a:rPr>
+              <a:t> {</a:t>
+            </a:r>
+            <a:r>
+              <a:rPr lang="en-US" sz="1200" dirty="0"/>
+              <a:t/>
+            </a:r>
+            <a:br>
+              <a:rPr lang="en-US" sz="1200" dirty="0"/>
+            </a:br>
+            <a:r>
+              <a:rPr lang="en-US" sz="1200" dirty="0">
+                <a:latin typeface="Consolas" panose="020B0609020204030204" pitchFamily="49" charset="0"/>
+              </a:rPr>
+              <a:t>  </a:t>
+            </a:r>
+            <a:r>
+              <a:rPr lang="en-US" sz="1200" dirty="0">
+                <a:solidFill>
+                  <a:srgbClr val="008000"/>
+                </a:solidFill>
+                <a:latin typeface="Consolas" panose="020B0609020204030204" pitchFamily="49" charset="0"/>
+              </a:rPr>
+              <a:t>//</a:t>
+            </a:r>
+            <a:r>
+              <a:rPr lang="en-US" sz="1200" i="1" dirty="0">
+                <a:solidFill>
+                  <a:srgbClr val="008000"/>
+                </a:solidFill>
+                <a:latin typeface="Consolas" panose="020B0609020204030204" pitchFamily="49" charset="0"/>
+              </a:rPr>
+              <a:t>  block of code to be executed if the condition1 is false and condition2 is false</a:t>
+            </a:r>
+            <a:br>
+              <a:rPr lang="en-US" sz="1200" i="1" dirty="0">
+                <a:solidFill>
+                  <a:srgbClr val="008000"/>
+                </a:solidFill>
+                <a:latin typeface="Consolas" panose="020B0609020204030204" pitchFamily="49" charset="0"/>
+              </a:rPr>
+            </a:br>
+            <a:r>
+              <a:rPr lang="en-US" sz="1200" dirty="0">
+                <a:latin typeface="Consolas" panose="020B0609020204030204" pitchFamily="49" charset="0"/>
+              </a:rPr>
+              <a:t>}</a:t>
+            </a:r>
+            <a:endParaRPr lang="en-US" sz="1200" dirty="0"/>
+          </a:p>
+        </p:txBody>
+      </p:sp>
+    </p:spTree>
+    <p:extLst>
+      <p:ext uri="{BB962C8B-B14F-4D97-AF65-F5344CB8AC3E}">
+        <p14:creationId xmlns:p14="http://schemas.microsoft.com/office/powerpoint/2010/main" val="3523702866"/>
+      </p:ext>
+    </p:extLst>
+  </p:cSld>
+  <p:clrMapOvr>
+    <a:masterClrMapping/>
+  </p:clrMapOvr>
+  <p:timing>
+    <p:tnLst>
+      <p:par>
+        <p:cTn id="1" dur="indefinite" restart="never" nodeType="tmRoot"/>
+      </p:par>
+    </p:tnLst>
+  </p:timing>
+</p:sld>
+</file>
+
+<file path=ppt/slides/slide21.xml><?xml version="1.0" encoding="utf-8"?>
+<p:sld xmlns:a="http://schemas.openxmlformats.org/drawingml/2006/main" xmlns:r="http://schemas.openxmlformats.org/officeDocument/2006/relationships" xmlns:p="http://schemas.openxmlformats.org/presentationml/2006/main">
+  <p:cSld>
+    <p:spTree>
+      <p:nvGrpSpPr>
+        <p:cNvPr id="1" name="Shape 102"/>
+        <p:cNvGrpSpPr/>
+        <p:nvPr/>
+      </p:nvGrpSpPr>
+      <p:grpSpPr>
+        <a:xfrm>
+          <a:off x="0" y="0"/>
+          <a:ext cx="0" cy="0"/>
+          <a:chOff x="0" y="0"/>
+          <a:chExt cx="0" cy="0"/>
+        </a:xfrm>
+      </p:grpSpPr>
+      <p:sp>
+        <p:nvSpPr>
+          <p:cNvPr id="103" name="Google Shape;103;p16"/>
+          <p:cNvSpPr txBox="1">
+            <a:spLocks noGrp="1"/>
+          </p:cNvSpPr>
+          <p:nvPr>
+            <p:ph type="title"/>
+          </p:nvPr>
+        </p:nvSpPr>
+        <p:spPr>
+          <a:xfrm>
+            <a:off x="0" y="3650"/>
+            <a:ext cx="9144000" cy="607800"/>
+          </a:xfrm>
+          <a:prstGeom prst="rect">
+            <a:avLst/>
+          </a:prstGeom>
+        </p:spPr>
+        <p:txBody>
+          <a:bodyPr spcFirstLastPara="1" wrap="square" lIns="91425" tIns="91425" rIns="91425" bIns="91425" anchor="t" anchorCtr="0">
+            <a:noAutofit/>
+          </a:bodyPr>
+          <a:lstStyle/>
+          <a:p>
+            <a:pPr lvl="0" algn="ctr">
+              <a:buSzPts val="990"/>
+            </a:pPr>
+            <a:r>
+              <a:rPr lang="en" sz="3300" b="1" dirty="0" smtClean="0"/>
+              <a:t>JAVA SCRIPT  </a:t>
+            </a:r>
+            <a:r>
+              <a:rPr lang="en" sz="3300" b="1" dirty="0" smtClean="0"/>
+              <a:t>CONDITIONAL STATEMENTS</a:t>
+            </a:r>
+            <a:endParaRPr sz="3300" b="1" dirty="0"/>
+          </a:p>
+        </p:txBody>
+      </p:sp>
+      <p:sp>
+        <p:nvSpPr>
+          <p:cNvPr id="104" name="Google Shape;104;p16"/>
+          <p:cNvSpPr txBox="1"/>
+          <p:nvPr/>
+        </p:nvSpPr>
+        <p:spPr>
+          <a:xfrm>
+            <a:off x="321600" y="770476"/>
+            <a:ext cx="8500800" cy="400079"/>
+          </a:xfrm>
+          <a:prstGeom prst="rect">
+            <a:avLst/>
+          </a:prstGeom>
+          <a:noFill/>
+          <a:ln>
+            <a:noFill/>
+          </a:ln>
+        </p:spPr>
+        <p:txBody>
+          <a:bodyPr spcFirstLastPara="1" wrap="square" lIns="91425" tIns="91425" rIns="91425" bIns="91425" anchor="t" anchorCtr="0">
+            <a:spAutoFit/>
+          </a:bodyPr>
+          <a:lstStyle/>
+          <a:p>
+            <a:r>
+              <a:rPr lang="en-US" b="1" u="sng" dirty="0"/>
+              <a:t>The </a:t>
+            </a:r>
+            <a:r>
+              <a:rPr lang="en-US" b="1" u="sng" dirty="0" smtClean="0"/>
+              <a:t>Switch Statement</a:t>
+            </a:r>
+            <a:endParaRPr lang="en-US" sz="1600" b="1" u="sng" dirty="0"/>
+          </a:p>
+        </p:txBody>
+      </p:sp>
+      <p:sp>
+        <p:nvSpPr>
+          <p:cNvPr id="3" name="Rectangle 2"/>
+          <p:cNvSpPr/>
+          <p:nvPr/>
+        </p:nvSpPr>
+        <p:spPr>
+          <a:xfrm>
+            <a:off x="321599" y="1170555"/>
+            <a:ext cx="7859509" cy="2246769"/>
+          </a:xfrm>
+          <a:prstGeom prst="rect">
+            <a:avLst/>
+          </a:prstGeom>
+        </p:spPr>
+        <p:txBody>
+          <a:bodyPr wrap="square">
+            <a:spAutoFit/>
+          </a:bodyPr>
+          <a:lstStyle/>
+          <a:p>
+            <a:r>
+              <a:rPr lang="en-US" dirty="0">
+                <a:solidFill>
+                  <a:srgbClr val="0000CD"/>
+                </a:solidFill>
+                <a:latin typeface="Consolas" panose="020B0609020204030204" pitchFamily="49" charset="0"/>
+              </a:rPr>
+              <a:t>switch</a:t>
+            </a:r>
+            <a:r>
+              <a:rPr lang="en-US" dirty="0">
+                <a:latin typeface="Consolas" panose="020B0609020204030204" pitchFamily="49" charset="0"/>
+              </a:rPr>
+              <a:t>(</a:t>
+            </a:r>
+            <a:r>
+              <a:rPr lang="en-US" i="1" dirty="0">
+                <a:latin typeface="Consolas" panose="020B0609020204030204" pitchFamily="49" charset="0"/>
+              </a:rPr>
+              <a:t>expression</a:t>
+            </a:r>
+            <a:r>
+              <a:rPr lang="en-US" dirty="0">
+                <a:latin typeface="Consolas" panose="020B0609020204030204" pitchFamily="49" charset="0"/>
+              </a:rPr>
+              <a:t>) {</a:t>
+            </a:r>
+            <a:r>
+              <a:rPr lang="en-US" dirty="0"/>
+              <a:t/>
+            </a:r>
+            <a:br>
+              <a:rPr lang="en-US" dirty="0"/>
+            </a:br>
+            <a:r>
+              <a:rPr lang="en-US" dirty="0">
+                <a:latin typeface="Consolas" panose="020B0609020204030204" pitchFamily="49" charset="0"/>
+              </a:rPr>
+              <a:t>  </a:t>
+            </a:r>
+            <a:r>
+              <a:rPr lang="en-US" dirty="0">
+                <a:solidFill>
+                  <a:srgbClr val="0000CD"/>
+                </a:solidFill>
+                <a:latin typeface="Consolas" panose="020B0609020204030204" pitchFamily="49" charset="0"/>
+              </a:rPr>
+              <a:t>case</a:t>
+            </a:r>
+            <a:r>
+              <a:rPr lang="en-US" dirty="0">
+                <a:latin typeface="Consolas" panose="020B0609020204030204" pitchFamily="49" charset="0"/>
+              </a:rPr>
+              <a:t> </a:t>
+            </a:r>
+            <a:r>
+              <a:rPr lang="en-US" i="1" dirty="0">
+                <a:latin typeface="Consolas" panose="020B0609020204030204" pitchFamily="49" charset="0"/>
+              </a:rPr>
+              <a:t>x</a:t>
+            </a:r>
+            <a:r>
+              <a:rPr lang="en-US" dirty="0">
+                <a:latin typeface="Consolas" panose="020B0609020204030204" pitchFamily="49" charset="0"/>
+              </a:rPr>
+              <a:t>:</a:t>
+            </a:r>
+            <a:r>
+              <a:rPr lang="en-US" dirty="0"/>
+              <a:t/>
+            </a:r>
+            <a:br>
+              <a:rPr lang="en-US" dirty="0"/>
+            </a:br>
+            <a:r>
+              <a:rPr lang="en-US" i="1" dirty="0">
+                <a:latin typeface="Consolas" panose="020B0609020204030204" pitchFamily="49" charset="0"/>
+              </a:rPr>
+              <a:t>    </a:t>
+            </a:r>
+            <a:r>
+              <a:rPr lang="en-US" i="1" dirty="0">
+                <a:solidFill>
+                  <a:srgbClr val="008000"/>
+                </a:solidFill>
+                <a:latin typeface="Consolas" panose="020B0609020204030204" pitchFamily="49" charset="0"/>
+              </a:rPr>
+              <a:t>// code block</a:t>
+            </a:r>
+            <a:br>
+              <a:rPr lang="en-US" i="1" dirty="0">
+                <a:solidFill>
+                  <a:srgbClr val="008000"/>
+                </a:solidFill>
+                <a:latin typeface="Consolas" panose="020B0609020204030204" pitchFamily="49" charset="0"/>
+              </a:rPr>
+            </a:br>
+            <a:r>
+              <a:rPr lang="en-US" dirty="0">
+                <a:latin typeface="Consolas" panose="020B0609020204030204" pitchFamily="49" charset="0"/>
+              </a:rPr>
+              <a:t>    </a:t>
+            </a:r>
+            <a:r>
+              <a:rPr lang="en-US" dirty="0">
+                <a:solidFill>
+                  <a:srgbClr val="0000CD"/>
+                </a:solidFill>
+                <a:latin typeface="Consolas" panose="020B0609020204030204" pitchFamily="49" charset="0"/>
+              </a:rPr>
+              <a:t>break</a:t>
+            </a:r>
+            <a:r>
+              <a:rPr lang="en-US" dirty="0">
+                <a:latin typeface="Consolas" panose="020B0609020204030204" pitchFamily="49" charset="0"/>
+              </a:rPr>
+              <a:t>;</a:t>
+            </a:r>
+            <a:r>
+              <a:rPr lang="en-US" dirty="0"/>
+              <a:t/>
+            </a:r>
+            <a:br>
+              <a:rPr lang="en-US" dirty="0"/>
+            </a:br>
+            <a:r>
+              <a:rPr lang="en-US" dirty="0">
+                <a:latin typeface="Consolas" panose="020B0609020204030204" pitchFamily="49" charset="0"/>
+              </a:rPr>
+              <a:t>  </a:t>
+            </a:r>
+            <a:r>
+              <a:rPr lang="en-US" dirty="0">
+                <a:solidFill>
+                  <a:srgbClr val="0000CD"/>
+                </a:solidFill>
+                <a:latin typeface="Consolas" panose="020B0609020204030204" pitchFamily="49" charset="0"/>
+              </a:rPr>
+              <a:t>case</a:t>
+            </a:r>
+            <a:r>
+              <a:rPr lang="en-US" dirty="0">
+                <a:latin typeface="Consolas" panose="020B0609020204030204" pitchFamily="49" charset="0"/>
+              </a:rPr>
+              <a:t> </a:t>
+            </a:r>
+            <a:r>
+              <a:rPr lang="en-US" i="1" dirty="0">
+                <a:latin typeface="Consolas" panose="020B0609020204030204" pitchFamily="49" charset="0"/>
+              </a:rPr>
+              <a:t>y</a:t>
+            </a:r>
+            <a:r>
+              <a:rPr lang="en-US" dirty="0">
+                <a:latin typeface="Consolas" panose="020B0609020204030204" pitchFamily="49" charset="0"/>
+              </a:rPr>
+              <a:t>:</a:t>
+            </a:r>
+            <a:r>
+              <a:rPr lang="en-US" dirty="0"/>
+              <a:t/>
+            </a:r>
+            <a:br>
+              <a:rPr lang="en-US" dirty="0"/>
+            </a:br>
+            <a:r>
+              <a:rPr lang="en-US" i="1" dirty="0">
+                <a:latin typeface="Consolas" panose="020B0609020204030204" pitchFamily="49" charset="0"/>
+              </a:rPr>
+              <a:t>    </a:t>
+            </a:r>
+            <a:r>
+              <a:rPr lang="en-US" i="1" dirty="0">
+                <a:solidFill>
+                  <a:srgbClr val="008000"/>
+                </a:solidFill>
+                <a:latin typeface="Consolas" panose="020B0609020204030204" pitchFamily="49" charset="0"/>
+              </a:rPr>
+              <a:t>// code block</a:t>
+            </a:r>
+            <a:br>
+              <a:rPr lang="en-US" i="1" dirty="0">
+                <a:solidFill>
+                  <a:srgbClr val="008000"/>
+                </a:solidFill>
+                <a:latin typeface="Consolas" panose="020B0609020204030204" pitchFamily="49" charset="0"/>
+              </a:rPr>
+            </a:br>
+            <a:r>
+              <a:rPr lang="en-US" dirty="0">
+                <a:latin typeface="Consolas" panose="020B0609020204030204" pitchFamily="49" charset="0"/>
+              </a:rPr>
+              <a:t>    </a:t>
+            </a:r>
+            <a:r>
+              <a:rPr lang="en-US" dirty="0">
+                <a:solidFill>
+                  <a:srgbClr val="0000CD"/>
+                </a:solidFill>
+                <a:latin typeface="Consolas" panose="020B0609020204030204" pitchFamily="49" charset="0"/>
+              </a:rPr>
+              <a:t>break</a:t>
+            </a:r>
+            <a:r>
+              <a:rPr lang="en-US" dirty="0">
+                <a:latin typeface="Consolas" panose="020B0609020204030204" pitchFamily="49" charset="0"/>
+              </a:rPr>
+              <a:t>;</a:t>
+            </a:r>
+            <a:r>
+              <a:rPr lang="en-US" dirty="0"/>
+              <a:t/>
+            </a:r>
+            <a:br>
+              <a:rPr lang="en-US" dirty="0"/>
+            </a:br>
+            <a:r>
+              <a:rPr lang="en-US" dirty="0">
+                <a:latin typeface="Consolas" panose="020B0609020204030204" pitchFamily="49" charset="0"/>
+              </a:rPr>
+              <a:t>  </a:t>
+            </a:r>
+            <a:r>
+              <a:rPr lang="en-US" dirty="0">
+                <a:solidFill>
+                  <a:srgbClr val="0000CD"/>
+                </a:solidFill>
+                <a:latin typeface="Consolas" panose="020B0609020204030204" pitchFamily="49" charset="0"/>
+              </a:rPr>
+              <a:t>default</a:t>
+            </a:r>
+            <a:r>
+              <a:rPr lang="en-US" dirty="0">
+                <a:latin typeface="Consolas" panose="020B0609020204030204" pitchFamily="49" charset="0"/>
+              </a:rPr>
+              <a:t>:</a:t>
+            </a:r>
+            <a:r>
+              <a:rPr lang="en-US" dirty="0"/>
+              <a:t/>
+            </a:r>
+            <a:br>
+              <a:rPr lang="en-US" dirty="0"/>
+            </a:br>
+            <a:r>
+              <a:rPr lang="en-US" dirty="0">
+                <a:latin typeface="Consolas" panose="020B0609020204030204" pitchFamily="49" charset="0"/>
+              </a:rPr>
+              <a:t>    </a:t>
+            </a:r>
+            <a:r>
+              <a:rPr lang="en-US" dirty="0">
+                <a:solidFill>
+                  <a:srgbClr val="008000"/>
+                </a:solidFill>
+                <a:latin typeface="Consolas" panose="020B0609020204030204" pitchFamily="49" charset="0"/>
+              </a:rPr>
+              <a:t>// </a:t>
+            </a:r>
+            <a:r>
+              <a:rPr lang="en-US" i="1" dirty="0">
+                <a:solidFill>
+                  <a:srgbClr val="008000"/>
+                </a:solidFill>
+                <a:latin typeface="Consolas" panose="020B0609020204030204" pitchFamily="49" charset="0"/>
+              </a:rPr>
+              <a:t>code block</a:t>
+            </a:r>
+            <a:r>
+              <a:rPr lang="en-US" dirty="0">
+                <a:solidFill>
+                  <a:srgbClr val="008000"/>
+                </a:solidFill>
+                <a:latin typeface="Consolas" panose="020B0609020204030204" pitchFamily="49" charset="0"/>
+              </a:rPr>
+              <a:t/>
+            </a:r>
+            <a:br>
+              <a:rPr lang="en-US" dirty="0">
+                <a:solidFill>
+                  <a:srgbClr val="008000"/>
+                </a:solidFill>
+                <a:latin typeface="Consolas" panose="020B0609020204030204" pitchFamily="49" charset="0"/>
+              </a:rPr>
+            </a:br>
+            <a:r>
+              <a:rPr lang="en-US" dirty="0">
+                <a:latin typeface="Consolas" panose="020B0609020204030204" pitchFamily="49" charset="0"/>
+              </a:rPr>
+              <a:t>}</a:t>
+            </a:r>
+            <a:endParaRPr lang="en-US" dirty="0"/>
+          </a:p>
+        </p:txBody>
+      </p:sp>
+    </p:spTree>
+    <p:extLst>
+      <p:ext uri="{BB962C8B-B14F-4D97-AF65-F5344CB8AC3E}">
+        <p14:creationId xmlns:p14="http://schemas.microsoft.com/office/powerpoint/2010/main" val="297808770"/>
+      </p:ext>
+    </p:extLst>
+  </p:cSld>
+  <p:clrMapOvr>
+    <a:masterClrMapping/>
+  </p:clrMapOvr>
+  <p:timing>
+    <p:tnLst>
+      <p:par>
+        <p:cTn id="1" dur="indefinite" restart="never" nodeType="tmRoot"/>
+      </p:par>
+    </p:tnLst>
+  </p:timing>
+</p:sld>
+</file>
+
+<file path=ppt/slides/slide22.xml><?xml version="1.0" encoding="utf-8"?>
+<p:sld xmlns:a="http://schemas.openxmlformats.org/drawingml/2006/main" xmlns:r="http://schemas.openxmlformats.org/officeDocument/2006/relationships" xmlns:p="http://schemas.openxmlformats.org/presentationml/2006/main">
+  <p:cSld>
+    <p:spTree>
+      <p:nvGrpSpPr>
+        <p:cNvPr id="1" name="Shape 102"/>
+        <p:cNvGrpSpPr/>
+        <p:nvPr/>
+      </p:nvGrpSpPr>
+      <p:grpSpPr>
+        <a:xfrm>
+          <a:off x="0" y="0"/>
+          <a:ext cx="0" cy="0"/>
+          <a:chOff x="0" y="0"/>
+          <a:chExt cx="0" cy="0"/>
+        </a:xfrm>
+      </p:grpSpPr>
+      <p:sp>
+        <p:nvSpPr>
+          <p:cNvPr id="103" name="Google Shape;103;p16"/>
+          <p:cNvSpPr txBox="1">
+            <a:spLocks noGrp="1"/>
+          </p:cNvSpPr>
+          <p:nvPr>
+            <p:ph type="title"/>
+          </p:nvPr>
+        </p:nvSpPr>
+        <p:spPr>
+          <a:xfrm>
+            <a:off x="0" y="3650"/>
+            <a:ext cx="9144000" cy="607800"/>
+          </a:xfrm>
+          <a:prstGeom prst="rect">
+            <a:avLst/>
+          </a:prstGeom>
+        </p:spPr>
+        <p:txBody>
+          <a:bodyPr spcFirstLastPara="1" wrap="square" lIns="91425" tIns="91425" rIns="91425" bIns="91425" anchor="t" anchorCtr="0">
+            <a:noAutofit/>
+          </a:bodyPr>
+          <a:lstStyle/>
+          <a:p>
+            <a:pPr lvl="0" algn="ctr">
+              <a:buSzPts val="990"/>
+            </a:pPr>
+            <a:r>
+              <a:rPr lang="en" sz="3300" b="1" dirty="0" smtClean="0"/>
+              <a:t>JAVA SCRIPT </a:t>
+            </a:r>
+            <a:r>
+              <a:rPr lang="en" sz="3300" b="1" dirty="0" smtClean="0"/>
+              <a:t>LOOPS</a:t>
+            </a:r>
+            <a:endParaRPr sz="3300" b="1" dirty="0"/>
+          </a:p>
+        </p:txBody>
+      </p:sp>
+      <p:sp>
+        <p:nvSpPr>
+          <p:cNvPr id="2" name="Rectangle 1"/>
+          <p:cNvSpPr>
+            <a:spLocks noChangeArrowheads="1"/>
+          </p:cNvSpPr>
+          <p:nvPr/>
+        </p:nvSpPr>
+        <p:spPr bwMode="auto">
+          <a:xfrm>
+            <a:off x="235528" y="611450"/>
+            <a:ext cx="8222672" cy="3327804"/>
+          </a:xfrm>
+          <a:prstGeom prst="rect">
+            <a:avLst/>
+          </a:prstGeom>
+          <a:solidFill>
+            <a:srgbClr val="FFFFFF"/>
+          </a:solidFill>
+          <a:ln>
+            <a:noFill/>
+          </a:ln>
+          <a:effectLst/>
+          <a:extLst>
+            <a:ext uri="{91240B29-F687-4F45-9708-019B960494DF}">
+              <a14:hiddenLine xmlns:a14="http://schemas.microsoft.com/office/drawing/2010/main" w="9525">
+                <a:solidFill>
+                  <a:schemeClr val="tx1"/>
+                </a:solidFill>
+                <a:miter lim="800000"/>
+                <a:headEnd/>
+                <a:tailEnd/>
+              </a14:hiddenLine>
+            </a:ext>
+            <a:ext uri="{AF507438-7753-43E0-B8FC-AC1667EBCBE1}">
+              <a14:hiddenEffects xmlns:a14="http://schemas.microsoft.com/office/drawing/2010/main">
+                <a:effectLst>
+                  <a:outerShdw dist="35921" dir="2700000" algn="ctr" rotWithShape="0">
+                    <a:schemeClr val="bg2"/>
+                  </a:outerShdw>
+                </a:effectLst>
+              </a14:hiddenEffects>
+            </a:ext>
+          </a:extLst>
+        </p:spPr>
+        <p:txBody>
+          <a:bodyPr vert="horz" wrap="square" lIns="0" tIns="47610" rIns="0" bIns="47610" numCol="1" anchor="ctr" anchorCtr="0" compatLnSpc="1">
+            <a:prstTxWarp prst="textNoShape">
+              <a:avLst/>
+            </a:prstTxWarp>
+            <a:spAutoFit/>
+          </a:bodyPr>
+          <a:lstStyle>
+            <a:lvl1pPr eaLnBrk="0" fontAlgn="base" hangingPunct="0">
+              <a:spcBef>
+                <a:spcPct val="0"/>
+              </a:spcBef>
+              <a:spcAft>
+                <a:spcPct val="0"/>
+              </a:spcAft>
+              <a:defRPr>
+                <a:solidFill>
+                  <a:schemeClr val="tx1"/>
+                </a:solidFill>
+                <a:latin typeface="Arial" panose="020B0604020202020204" pitchFamily="34" charset="0"/>
+              </a:defRPr>
+            </a:lvl1pPr>
+            <a:lvl2pPr marL="457200" eaLnBrk="0" fontAlgn="base" hangingPunct="0">
+              <a:spcBef>
+                <a:spcPct val="0"/>
+              </a:spcBef>
+              <a:spcAft>
+                <a:spcPct val="0"/>
+              </a:spcAft>
+              <a:defRPr>
+                <a:solidFill>
+                  <a:schemeClr val="tx1"/>
+                </a:solidFill>
+                <a:latin typeface="Arial" panose="020B0604020202020204" pitchFamily="34" charset="0"/>
+              </a:defRPr>
+            </a:lvl2pPr>
+            <a:lvl3pPr marL="914400" eaLnBrk="0" fontAlgn="base" hangingPunct="0">
+              <a:spcBef>
+                <a:spcPct val="0"/>
+              </a:spcBef>
+              <a:spcAft>
+                <a:spcPct val="0"/>
+              </a:spcAft>
+              <a:defRPr>
+                <a:solidFill>
+                  <a:schemeClr val="tx1"/>
+                </a:solidFill>
+                <a:latin typeface="Arial" panose="020B0604020202020204" pitchFamily="34" charset="0"/>
+              </a:defRPr>
+            </a:lvl3pPr>
+            <a:lvl4pPr marL="1371600" eaLnBrk="0" fontAlgn="base" hangingPunct="0">
+              <a:spcBef>
+                <a:spcPct val="0"/>
+              </a:spcBef>
+              <a:spcAft>
+                <a:spcPct val="0"/>
+              </a:spcAft>
+              <a:defRPr>
+                <a:solidFill>
+                  <a:schemeClr val="tx1"/>
+                </a:solidFill>
+                <a:latin typeface="Arial" panose="020B0604020202020204" pitchFamily="34" charset="0"/>
+              </a:defRPr>
+            </a:lvl4pPr>
+            <a:lvl5pPr marL="1828800" eaLnBrk="0" fontAlgn="base" hangingPunct="0">
+              <a:spcBef>
+                <a:spcPct val="0"/>
+              </a:spcBef>
+              <a:spcAft>
+                <a:spcPct val="0"/>
+              </a:spcAft>
+              <a:defRPr>
+                <a:solidFill>
+                  <a:schemeClr val="tx1"/>
+                </a:solidFill>
+                <a:latin typeface="Arial" panose="020B0604020202020204" pitchFamily="34" charset="0"/>
+              </a:defRPr>
+            </a:lvl5pPr>
+            <a:lvl6pPr marL="2286000" eaLnBrk="0" fontAlgn="base" hangingPunct="0">
+              <a:spcBef>
+                <a:spcPct val="0"/>
+              </a:spcBef>
+              <a:spcAft>
+                <a:spcPct val="0"/>
+              </a:spcAft>
+              <a:defRPr>
+                <a:solidFill>
+                  <a:schemeClr val="tx1"/>
+                </a:solidFill>
+                <a:latin typeface="Arial" panose="020B0604020202020204" pitchFamily="34" charset="0"/>
+              </a:defRPr>
+            </a:lvl6pPr>
+            <a:lvl7pPr marL="2743200" eaLnBrk="0" fontAlgn="base" hangingPunct="0">
+              <a:spcBef>
+                <a:spcPct val="0"/>
+              </a:spcBef>
+              <a:spcAft>
+                <a:spcPct val="0"/>
+              </a:spcAft>
+              <a:defRPr>
+                <a:solidFill>
+                  <a:schemeClr val="tx1"/>
+                </a:solidFill>
+                <a:latin typeface="Arial" panose="020B0604020202020204" pitchFamily="34" charset="0"/>
+              </a:defRPr>
+            </a:lvl7pPr>
+            <a:lvl8pPr marL="3200400" eaLnBrk="0" fontAlgn="base" hangingPunct="0">
+              <a:spcBef>
+                <a:spcPct val="0"/>
+              </a:spcBef>
+              <a:spcAft>
+                <a:spcPct val="0"/>
+              </a:spcAft>
+              <a:defRPr>
+                <a:solidFill>
+                  <a:schemeClr val="tx1"/>
+                </a:solidFill>
+                <a:latin typeface="Arial" panose="020B0604020202020204" pitchFamily="34" charset="0"/>
+              </a:defRPr>
+            </a:lvl8pPr>
+            <a:lvl9pPr marL="3657600" eaLnBrk="0" fontAlgn="base" hangingPunct="0">
+              <a:spcBef>
+                <a:spcPct val="0"/>
+              </a:spcBef>
+              <a:spcAft>
+                <a:spcPct val="0"/>
+              </a:spcAft>
+              <a:defRPr>
+                <a:solidFill>
+                  <a:schemeClr val="tx1"/>
+                </a:solidFill>
+                <a:latin typeface="Arial" panose="020B0604020202020204" pitchFamily="34" charset="0"/>
+              </a:defRPr>
+            </a:lvl9pPr>
+          </a:lstStyle>
+          <a:p>
+            <a:pPr marL="0" marR="0" lvl="0" indent="0" algn="l" defTabSz="914400" rtl="0" eaLnBrk="0" fontAlgn="base" latinLnBrk="0" hangingPunct="0">
+              <a:lnSpc>
+                <a:spcPct val="100000"/>
+              </a:lnSpc>
+              <a:spcBef>
+                <a:spcPct val="0"/>
+              </a:spcBef>
+              <a:spcAft>
+                <a:spcPct val="0"/>
+              </a:spcAft>
+              <a:buClrTx/>
+              <a:buSzTx/>
+              <a:buFontTx/>
+              <a:buNone/>
+              <a:tabLst/>
+            </a:pPr>
+            <a:r>
+              <a:rPr kumimoji="0" lang="en-US" altLang="en-US" sz="2400" b="1" i="0" u="sng" strike="noStrike" cap="none" normalizeH="0" baseline="0" dirty="0" smtClean="0">
+                <a:ln>
+                  <a:noFill/>
+                </a:ln>
+                <a:solidFill>
+                  <a:srgbClr val="000000"/>
+                </a:solidFill>
+                <a:effectLst/>
+                <a:latin typeface="+mj-lt"/>
+                <a:cs typeface="Segoe UI" panose="020B0502040204020203" pitchFamily="34" charset="0"/>
+              </a:rPr>
+              <a:t>Different Kinds of Loops</a:t>
+            </a:r>
+          </a:p>
+          <a:p>
+            <a:pPr marL="0" marR="0" lvl="0" indent="0" algn="l" defTabSz="914400" rtl="0" eaLnBrk="0" fontAlgn="base" latinLnBrk="0" hangingPunct="0">
+              <a:lnSpc>
+                <a:spcPct val="100000"/>
+              </a:lnSpc>
+              <a:spcBef>
+                <a:spcPct val="0"/>
+              </a:spcBef>
+              <a:spcAft>
+                <a:spcPct val="0"/>
+              </a:spcAft>
+              <a:buClrTx/>
+              <a:buSzTx/>
+              <a:buFontTx/>
+              <a:buNone/>
+              <a:tabLst/>
+            </a:pPr>
+            <a:endParaRPr kumimoji="0" lang="en-US" altLang="en-US" b="1" i="0" u="sng" strike="noStrike" cap="none" normalizeH="0" baseline="0" dirty="0" smtClean="0">
+              <a:ln>
+                <a:noFill/>
+              </a:ln>
+              <a:solidFill>
+                <a:srgbClr val="000000"/>
+              </a:solidFill>
+              <a:effectLst/>
+              <a:latin typeface="+mj-lt"/>
+              <a:cs typeface="Segoe UI" panose="020B0502040204020203" pitchFamily="34" charset="0"/>
+            </a:endParaRPr>
+          </a:p>
+          <a:p>
+            <a:pPr marL="0" marR="0" lvl="0" indent="0" algn="l" defTabSz="914400" rtl="0" eaLnBrk="0" fontAlgn="base" latinLnBrk="0" hangingPunct="0">
+              <a:lnSpc>
+                <a:spcPct val="100000"/>
+              </a:lnSpc>
+              <a:spcBef>
+                <a:spcPct val="0"/>
+              </a:spcBef>
+              <a:spcAft>
+                <a:spcPct val="0"/>
+              </a:spcAft>
+              <a:buClrTx/>
+              <a:buSzTx/>
+              <a:buFontTx/>
+              <a:buNone/>
+              <a:tabLst/>
+            </a:pPr>
+            <a:r>
+              <a:rPr kumimoji="0" lang="en-US" altLang="en-US" b="0" i="0" u="none" strike="noStrike" cap="none" normalizeH="0" baseline="0" dirty="0" smtClean="0">
+                <a:ln>
+                  <a:noFill/>
+                </a:ln>
+                <a:solidFill>
+                  <a:srgbClr val="000000"/>
+                </a:solidFill>
+                <a:effectLst/>
+                <a:latin typeface="Verdana" panose="020B0604030504040204" pitchFamily="34" charset="0"/>
+              </a:rPr>
+              <a:t>JavaScript supports different kinds of loops:</a:t>
+            </a:r>
+          </a:p>
+          <a:p>
+            <a:pPr marL="0" marR="0" lvl="0" indent="0" algn="l" defTabSz="914400" rtl="0" eaLnBrk="0" fontAlgn="base" latinLnBrk="0" hangingPunct="0">
+              <a:lnSpc>
+                <a:spcPct val="100000"/>
+              </a:lnSpc>
+              <a:spcBef>
+                <a:spcPct val="0"/>
+              </a:spcBef>
+              <a:spcAft>
+                <a:spcPct val="0"/>
+              </a:spcAft>
+              <a:buClrTx/>
+              <a:buSzTx/>
+              <a:buFontTx/>
+              <a:buNone/>
+              <a:tabLst/>
+            </a:pPr>
+            <a:endParaRPr kumimoji="0" lang="en-US" altLang="en-US" b="0" i="0" u="none" strike="noStrike" cap="none" normalizeH="0" baseline="0" dirty="0" smtClean="0">
+              <a:ln>
+                <a:noFill/>
+              </a:ln>
+              <a:solidFill>
+                <a:schemeClr val="tx1"/>
+              </a:solidFill>
+              <a:effectLst/>
+            </a:endParaRPr>
+          </a:p>
+          <a:p>
+            <a:pPr marL="285750" marR="0" lvl="0" indent="-285750" algn="l" defTabSz="914400" rtl="0" eaLnBrk="0" fontAlgn="base" latinLnBrk="0" hangingPunct="0">
+              <a:lnSpc>
+                <a:spcPct val="100000"/>
+              </a:lnSpc>
+              <a:spcBef>
+                <a:spcPct val="0"/>
+              </a:spcBef>
+              <a:spcAft>
+                <a:spcPct val="0"/>
+              </a:spcAft>
+              <a:buClrTx/>
+              <a:buSzTx/>
+              <a:buFont typeface="Wingdings" panose="05000000000000000000" pitchFamily="2" charset="2"/>
+              <a:buChar char="v"/>
+              <a:tabLst/>
+            </a:pPr>
+            <a:r>
+              <a:rPr kumimoji="0" lang="en-US" altLang="en-US" b="0" i="0" u="none" strike="noStrike" cap="none" normalizeH="0" baseline="0" dirty="0" smtClean="0">
+                <a:ln>
+                  <a:noFill/>
+                </a:ln>
+                <a:solidFill>
+                  <a:srgbClr val="DC143C"/>
+                </a:solidFill>
+                <a:effectLst/>
+                <a:latin typeface="Consolas" panose="020B0609020204030204" pitchFamily="49" charset="0"/>
+              </a:rPr>
+              <a:t>for</a:t>
+            </a:r>
+            <a:r>
+              <a:rPr kumimoji="0" lang="en-US" altLang="en-US" b="0" i="0" u="none" strike="noStrike" cap="none" normalizeH="0" baseline="0" dirty="0" smtClean="0">
+                <a:ln>
+                  <a:noFill/>
+                </a:ln>
+                <a:solidFill>
+                  <a:srgbClr val="000000"/>
+                </a:solidFill>
+                <a:effectLst/>
+                <a:latin typeface="Verdana" panose="020B0604030504040204" pitchFamily="34" charset="0"/>
+              </a:rPr>
+              <a:t> - loops through a block of code a number of times</a:t>
+            </a:r>
+          </a:p>
+          <a:p>
+            <a:pPr marR="0" lvl="0" algn="l" defTabSz="914400" rtl="0" eaLnBrk="0" fontAlgn="base" latinLnBrk="0" hangingPunct="0">
+              <a:lnSpc>
+                <a:spcPct val="100000"/>
+              </a:lnSpc>
+              <a:spcBef>
+                <a:spcPct val="0"/>
+              </a:spcBef>
+              <a:spcAft>
+                <a:spcPct val="0"/>
+              </a:spcAft>
+              <a:buClrTx/>
+              <a:buSzTx/>
+              <a:tabLst/>
+            </a:pPr>
+            <a:endParaRPr kumimoji="0" lang="en-US" altLang="en-US" b="0" i="0" u="none" strike="noStrike" cap="none" normalizeH="0" baseline="0" dirty="0" smtClean="0">
+              <a:ln>
+                <a:noFill/>
+              </a:ln>
+              <a:solidFill>
+                <a:srgbClr val="000000"/>
+              </a:solidFill>
+              <a:effectLst/>
+              <a:latin typeface="Verdana" panose="020B0604030504040204" pitchFamily="34" charset="0"/>
+            </a:endParaRPr>
+          </a:p>
+          <a:p>
+            <a:pPr marL="285750" marR="0" lvl="0" indent="-285750" algn="l" defTabSz="914400" rtl="0" eaLnBrk="0" fontAlgn="base" latinLnBrk="0" hangingPunct="0">
+              <a:lnSpc>
+                <a:spcPct val="100000"/>
+              </a:lnSpc>
+              <a:spcBef>
+                <a:spcPct val="0"/>
+              </a:spcBef>
+              <a:spcAft>
+                <a:spcPct val="0"/>
+              </a:spcAft>
+              <a:buClrTx/>
+              <a:buSzTx/>
+              <a:buFont typeface="Wingdings" panose="05000000000000000000" pitchFamily="2" charset="2"/>
+              <a:buChar char="v"/>
+              <a:tabLst/>
+            </a:pPr>
+            <a:r>
+              <a:rPr kumimoji="0" lang="en-US" altLang="en-US" b="0" i="0" u="none" strike="noStrike" cap="none" normalizeH="0" baseline="0" dirty="0" smtClean="0">
+                <a:ln>
+                  <a:noFill/>
+                </a:ln>
+                <a:solidFill>
+                  <a:srgbClr val="DC143C"/>
+                </a:solidFill>
+                <a:effectLst/>
+                <a:latin typeface="Consolas" panose="020B0609020204030204" pitchFamily="49" charset="0"/>
+              </a:rPr>
+              <a:t>for/in</a:t>
+            </a:r>
+            <a:r>
+              <a:rPr kumimoji="0" lang="en-US" altLang="en-US" b="0" i="0" u="none" strike="noStrike" cap="none" normalizeH="0" baseline="0" dirty="0" smtClean="0">
+                <a:ln>
+                  <a:noFill/>
+                </a:ln>
+                <a:solidFill>
+                  <a:srgbClr val="000000"/>
+                </a:solidFill>
+                <a:effectLst/>
+                <a:latin typeface="Verdana" panose="020B0604030504040204" pitchFamily="34" charset="0"/>
+              </a:rPr>
+              <a:t> - loops through the properties of an object</a:t>
+            </a:r>
+          </a:p>
+          <a:p>
+            <a:pPr marR="0" lvl="0" algn="l" defTabSz="914400" rtl="0" eaLnBrk="0" fontAlgn="base" latinLnBrk="0" hangingPunct="0">
+              <a:lnSpc>
+                <a:spcPct val="100000"/>
+              </a:lnSpc>
+              <a:spcBef>
+                <a:spcPct val="0"/>
+              </a:spcBef>
+              <a:spcAft>
+                <a:spcPct val="0"/>
+              </a:spcAft>
+              <a:buClrTx/>
+              <a:buSzTx/>
+              <a:tabLst/>
+            </a:pPr>
+            <a:endParaRPr kumimoji="0" lang="en-US" altLang="en-US" b="0" i="0" u="none" strike="noStrike" cap="none" normalizeH="0" baseline="0" dirty="0" smtClean="0">
+              <a:ln>
+                <a:noFill/>
+              </a:ln>
+              <a:solidFill>
+                <a:srgbClr val="000000"/>
+              </a:solidFill>
+              <a:effectLst/>
+              <a:latin typeface="Verdana" panose="020B0604030504040204" pitchFamily="34" charset="0"/>
+            </a:endParaRPr>
+          </a:p>
+          <a:p>
+            <a:pPr marL="285750" marR="0" lvl="0" indent="-285750" algn="l" defTabSz="914400" rtl="0" eaLnBrk="0" fontAlgn="base" latinLnBrk="0" hangingPunct="0">
+              <a:lnSpc>
+                <a:spcPct val="100000"/>
+              </a:lnSpc>
+              <a:spcBef>
+                <a:spcPct val="0"/>
+              </a:spcBef>
+              <a:spcAft>
+                <a:spcPct val="0"/>
+              </a:spcAft>
+              <a:buClrTx/>
+              <a:buSzTx/>
+              <a:buFont typeface="Wingdings" panose="05000000000000000000" pitchFamily="2" charset="2"/>
+              <a:buChar char="v"/>
+              <a:tabLst/>
+            </a:pPr>
+            <a:r>
+              <a:rPr kumimoji="0" lang="en-US" altLang="en-US" b="0" i="0" u="none" strike="noStrike" cap="none" normalizeH="0" baseline="0" dirty="0" smtClean="0">
+                <a:ln>
+                  <a:noFill/>
+                </a:ln>
+                <a:solidFill>
+                  <a:srgbClr val="DC143C"/>
+                </a:solidFill>
+                <a:effectLst/>
+                <a:latin typeface="Consolas" panose="020B0609020204030204" pitchFamily="49" charset="0"/>
+              </a:rPr>
+              <a:t>for/of</a:t>
+            </a:r>
+            <a:r>
+              <a:rPr kumimoji="0" lang="en-US" altLang="en-US" b="0" i="0" u="none" strike="noStrike" cap="none" normalizeH="0" baseline="0" dirty="0" smtClean="0">
+                <a:ln>
+                  <a:noFill/>
+                </a:ln>
+                <a:solidFill>
+                  <a:srgbClr val="000000"/>
+                </a:solidFill>
+                <a:effectLst/>
+                <a:latin typeface="Verdana" panose="020B0604030504040204" pitchFamily="34" charset="0"/>
+              </a:rPr>
+              <a:t> - loops through the values of an </a:t>
+            </a:r>
+            <a:r>
+              <a:rPr kumimoji="0" lang="en-US" altLang="en-US" b="0" i="0" u="none" strike="noStrike" cap="none" normalizeH="0" baseline="0" dirty="0" err="1" smtClean="0">
+                <a:ln>
+                  <a:noFill/>
+                </a:ln>
+                <a:solidFill>
+                  <a:srgbClr val="000000"/>
+                </a:solidFill>
+                <a:effectLst/>
+                <a:latin typeface="Verdana" panose="020B0604030504040204" pitchFamily="34" charset="0"/>
+              </a:rPr>
+              <a:t>iterable</a:t>
+            </a:r>
+            <a:r>
+              <a:rPr kumimoji="0" lang="en-US" altLang="en-US" b="0" i="0" u="none" strike="noStrike" cap="none" normalizeH="0" baseline="0" dirty="0" smtClean="0">
+                <a:ln>
+                  <a:noFill/>
+                </a:ln>
+                <a:solidFill>
+                  <a:srgbClr val="000000"/>
+                </a:solidFill>
+                <a:effectLst/>
+                <a:latin typeface="Verdana" panose="020B0604030504040204" pitchFamily="34" charset="0"/>
+              </a:rPr>
+              <a:t> object</a:t>
+            </a:r>
+          </a:p>
+          <a:p>
+            <a:pPr marR="0" lvl="0" algn="l" defTabSz="914400" rtl="0" eaLnBrk="0" fontAlgn="base" latinLnBrk="0" hangingPunct="0">
+              <a:lnSpc>
+                <a:spcPct val="100000"/>
+              </a:lnSpc>
+              <a:spcBef>
+                <a:spcPct val="0"/>
+              </a:spcBef>
+              <a:spcAft>
+                <a:spcPct val="0"/>
+              </a:spcAft>
+              <a:buClrTx/>
+              <a:buSzTx/>
+              <a:tabLst/>
+            </a:pPr>
+            <a:endParaRPr kumimoji="0" lang="en-US" altLang="en-US" b="0" i="0" u="none" strike="noStrike" cap="none" normalizeH="0" baseline="0" dirty="0" smtClean="0">
+              <a:ln>
+                <a:noFill/>
+              </a:ln>
+              <a:solidFill>
+                <a:srgbClr val="000000"/>
+              </a:solidFill>
+              <a:effectLst/>
+              <a:latin typeface="Verdana" panose="020B0604030504040204" pitchFamily="34" charset="0"/>
+            </a:endParaRPr>
+          </a:p>
+          <a:p>
+            <a:pPr marL="285750" marR="0" lvl="0" indent="-285750" algn="l" defTabSz="914400" rtl="0" eaLnBrk="0" fontAlgn="base" latinLnBrk="0" hangingPunct="0">
+              <a:lnSpc>
+                <a:spcPct val="100000"/>
+              </a:lnSpc>
+              <a:spcBef>
+                <a:spcPct val="0"/>
+              </a:spcBef>
+              <a:spcAft>
+                <a:spcPct val="0"/>
+              </a:spcAft>
+              <a:buClrTx/>
+              <a:buSzTx/>
+              <a:buFont typeface="Wingdings" panose="05000000000000000000" pitchFamily="2" charset="2"/>
+              <a:buChar char="v"/>
+              <a:tabLst/>
+            </a:pPr>
+            <a:r>
+              <a:rPr kumimoji="0" lang="en-US" altLang="en-US" b="0" i="0" u="none" strike="noStrike" cap="none" normalizeH="0" baseline="0" dirty="0" smtClean="0">
+                <a:ln>
+                  <a:noFill/>
+                </a:ln>
+                <a:solidFill>
+                  <a:srgbClr val="DC143C"/>
+                </a:solidFill>
+                <a:effectLst/>
+                <a:latin typeface="Consolas" panose="020B0609020204030204" pitchFamily="49" charset="0"/>
+              </a:rPr>
+              <a:t>while</a:t>
+            </a:r>
+            <a:r>
+              <a:rPr kumimoji="0" lang="en-US" altLang="en-US" b="0" i="0" u="none" strike="noStrike" cap="none" normalizeH="0" baseline="0" dirty="0" smtClean="0">
+                <a:ln>
+                  <a:noFill/>
+                </a:ln>
+                <a:solidFill>
+                  <a:srgbClr val="000000"/>
+                </a:solidFill>
+                <a:effectLst/>
+                <a:latin typeface="Verdana" panose="020B0604030504040204" pitchFamily="34" charset="0"/>
+              </a:rPr>
+              <a:t> - loops through a block of code while a specified condition is true</a:t>
+            </a:r>
+          </a:p>
+          <a:p>
+            <a:pPr marR="0" lvl="0" algn="l" defTabSz="914400" rtl="0" eaLnBrk="0" fontAlgn="base" latinLnBrk="0" hangingPunct="0">
+              <a:lnSpc>
+                <a:spcPct val="100000"/>
+              </a:lnSpc>
+              <a:spcBef>
+                <a:spcPct val="0"/>
+              </a:spcBef>
+              <a:spcAft>
+                <a:spcPct val="0"/>
+              </a:spcAft>
+              <a:buClrTx/>
+              <a:buSzTx/>
+              <a:tabLst/>
+            </a:pPr>
+            <a:endParaRPr kumimoji="0" lang="en-US" altLang="en-US" b="0" i="0" u="none" strike="noStrike" cap="none" normalizeH="0" baseline="0" dirty="0" smtClean="0">
+              <a:ln>
+                <a:noFill/>
+              </a:ln>
+              <a:solidFill>
+                <a:srgbClr val="000000"/>
+              </a:solidFill>
+              <a:effectLst/>
+              <a:latin typeface="Verdana" panose="020B0604030504040204" pitchFamily="34" charset="0"/>
+            </a:endParaRPr>
+          </a:p>
+          <a:p>
+            <a:pPr marL="285750" marR="0" lvl="0" indent="-285750" algn="l" defTabSz="914400" rtl="0" eaLnBrk="0" fontAlgn="base" latinLnBrk="0" hangingPunct="0">
+              <a:lnSpc>
+                <a:spcPct val="100000"/>
+              </a:lnSpc>
+              <a:spcBef>
+                <a:spcPct val="0"/>
+              </a:spcBef>
+              <a:spcAft>
+                <a:spcPct val="0"/>
+              </a:spcAft>
+              <a:buClrTx/>
+              <a:buSzTx/>
+              <a:buFont typeface="Wingdings" panose="05000000000000000000" pitchFamily="2" charset="2"/>
+              <a:buChar char="v"/>
+              <a:tabLst/>
+            </a:pPr>
+            <a:r>
+              <a:rPr kumimoji="0" lang="en-US" altLang="en-US" b="0" i="0" u="none" strike="noStrike" cap="none" normalizeH="0" baseline="0" dirty="0" smtClean="0">
+                <a:ln>
+                  <a:noFill/>
+                </a:ln>
+                <a:solidFill>
+                  <a:srgbClr val="DC143C"/>
+                </a:solidFill>
+                <a:effectLst/>
+                <a:latin typeface="Consolas" panose="020B0609020204030204" pitchFamily="49" charset="0"/>
+              </a:rPr>
+              <a:t>do/while</a:t>
+            </a:r>
+            <a:r>
+              <a:rPr kumimoji="0" lang="en-US" altLang="en-US" b="0" i="0" u="none" strike="noStrike" cap="none" normalizeH="0" baseline="0" dirty="0" smtClean="0">
+                <a:ln>
+                  <a:noFill/>
+                </a:ln>
+                <a:solidFill>
+                  <a:srgbClr val="000000"/>
+                </a:solidFill>
+                <a:effectLst/>
+                <a:latin typeface="Verdana" panose="020B0604030504040204" pitchFamily="34" charset="0"/>
+              </a:rPr>
+              <a:t> - also loops through a block of code while a specified condition is true</a:t>
+            </a:r>
+          </a:p>
+          <a:p>
+            <a:pPr marL="0" marR="0" lvl="0" indent="0" algn="l" defTabSz="914400" rtl="0" eaLnBrk="0" fontAlgn="base" latinLnBrk="0" hangingPunct="0">
+              <a:lnSpc>
+                <a:spcPct val="100000"/>
+              </a:lnSpc>
+              <a:spcBef>
+                <a:spcPct val="0"/>
+              </a:spcBef>
+              <a:spcAft>
+                <a:spcPct val="0"/>
+              </a:spcAft>
+              <a:buClrTx/>
+              <a:buSzTx/>
+              <a:buFontTx/>
+              <a:buNone/>
+              <a:tabLst/>
+            </a:pPr>
+            <a:endParaRPr kumimoji="0" lang="en-US" altLang="en-US" sz="1800" b="0" i="0" u="none" strike="noStrike" cap="none" normalizeH="0" baseline="0" dirty="0" smtClean="0">
+              <a:ln>
+                <a:noFill/>
+              </a:ln>
+              <a:solidFill>
+                <a:schemeClr val="tx1"/>
+              </a:solidFill>
+              <a:effectLst/>
+              <a:latin typeface="Arial" panose="020B0604020202020204" pitchFamily="34" charset="0"/>
+            </a:endParaRPr>
+          </a:p>
+        </p:txBody>
+      </p:sp>
+    </p:spTree>
+    <p:extLst>
+      <p:ext uri="{BB962C8B-B14F-4D97-AF65-F5344CB8AC3E}">
+        <p14:creationId xmlns:p14="http://schemas.microsoft.com/office/powerpoint/2010/main" val="2302871420"/>
+      </p:ext>
+    </p:extLst>
+  </p:cSld>
+  <p:clrMapOvr>
+    <a:masterClrMapping/>
+  </p:clrMapOvr>
+  <p:timing>
+    <p:tnLst>
+      <p:par>
+        <p:cTn id="1" dur="indefinite" restart="never" nodeType="tmRoot"/>
+      </p:par>
+    </p:tnLst>
+  </p:timing>
+</p:sld>
+</file>
+
+<file path=ppt/slides/slide23.xml><?xml version="1.0" encoding="utf-8"?>
+<p:sld xmlns:a="http://schemas.openxmlformats.org/drawingml/2006/main" xmlns:r="http://schemas.openxmlformats.org/officeDocument/2006/relationships" xmlns:p="http://schemas.openxmlformats.org/presentationml/2006/main">
+  <p:cSld>
+    <p:spTree>
+      <p:nvGrpSpPr>
+        <p:cNvPr id="1" name="Shape 102"/>
+        <p:cNvGrpSpPr/>
+        <p:nvPr/>
+      </p:nvGrpSpPr>
+      <p:grpSpPr>
+        <a:xfrm>
+          <a:off x="0" y="0"/>
+          <a:ext cx="0" cy="0"/>
+          <a:chOff x="0" y="0"/>
+          <a:chExt cx="0" cy="0"/>
+        </a:xfrm>
+      </p:grpSpPr>
+      <p:sp>
+        <p:nvSpPr>
+          <p:cNvPr id="103" name="Google Shape;103;p16"/>
+          <p:cNvSpPr txBox="1">
+            <a:spLocks noGrp="1"/>
+          </p:cNvSpPr>
+          <p:nvPr>
+            <p:ph type="title"/>
+          </p:nvPr>
+        </p:nvSpPr>
+        <p:spPr>
+          <a:xfrm>
+            <a:off x="0" y="3650"/>
+            <a:ext cx="9144000" cy="607800"/>
+          </a:xfrm>
+          <a:prstGeom prst="rect">
+            <a:avLst/>
+          </a:prstGeom>
+        </p:spPr>
+        <p:txBody>
+          <a:bodyPr spcFirstLastPara="1" wrap="square" lIns="91425" tIns="91425" rIns="91425" bIns="91425" anchor="t" anchorCtr="0">
+            <a:noAutofit/>
+          </a:bodyPr>
+          <a:lstStyle/>
+          <a:p>
+            <a:pPr lvl="0" algn="ctr">
+              <a:buSzPts val="990"/>
+            </a:pPr>
+            <a:r>
+              <a:rPr lang="en" sz="3300" b="1" dirty="0" smtClean="0"/>
+              <a:t>JAVA SCRIPT </a:t>
+            </a:r>
+            <a:r>
+              <a:rPr lang="en" sz="3300" b="1" dirty="0" smtClean="0"/>
+              <a:t>LOOPS</a:t>
+            </a:r>
+            <a:endParaRPr sz="3300" b="1" dirty="0"/>
+          </a:p>
+        </p:txBody>
+      </p:sp>
+      <p:sp>
+        <p:nvSpPr>
+          <p:cNvPr id="2" name="Rectangle 1"/>
+          <p:cNvSpPr>
+            <a:spLocks noChangeArrowheads="1"/>
+          </p:cNvSpPr>
+          <p:nvPr/>
+        </p:nvSpPr>
+        <p:spPr bwMode="auto">
+          <a:xfrm>
+            <a:off x="214746" y="705646"/>
+            <a:ext cx="8222672" cy="465482"/>
+          </a:xfrm>
+          <a:prstGeom prst="rect">
+            <a:avLst/>
+          </a:prstGeom>
+          <a:solidFill>
+            <a:srgbClr val="FFFFFF"/>
+          </a:solidFill>
+          <a:ln>
+            <a:noFill/>
+          </a:ln>
+          <a:effectLst/>
+          <a:extLst>
+            <a:ext uri="{91240B29-F687-4F45-9708-019B960494DF}">
+              <a14:hiddenLine xmlns:a14="http://schemas.microsoft.com/office/drawing/2010/main" w="9525">
+                <a:solidFill>
+                  <a:schemeClr val="tx1"/>
+                </a:solidFill>
+                <a:miter lim="800000"/>
+                <a:headEnd/>
+                <a:tailEnd/>
+              </a14:hiddenLine>
+            </a:ext>
+            <a:ext uri="{AF507438-7753-43E0-B8FC-AC1667EBCBE1}">
+              <a14:hiddenEffects xmlns:a14="http://schemas.microsoft.com/office/drawing/2010/main">
+                <a:effectLst>
+                  <a:outerShdw dist="35921" dir="2700000" algn="ctr" rotWithShape="0">
+                    <a:schemeClr val="bg2"/>
+                  </a:outerShdw>
+                </a:effectLst>
+              </a14:hiddenEffects>
+            </a:ext>
+          </a:extLst>
+        </p:spPr>
+        <p:txBody>
+          <a:bodyPr vert="horz" wrap="square" lIns="0" tIns="47610" rIns="0" bIns="47610" numCol="1" anchor="ctr" anchorCtr="0" compatLnSpc="1">
+            <a:prstTxWarp prst="textNoShape">
+              <a:avLst/>
+            </a:prstTxWarp>
+            <a:spAutoFit/>
+          </a:bodyPr>
+          <a:lstStyle>
+            <a:lvl1pPr eaLnBrk="0" fontAlgn="base" hangingPunct="0">
+              <a:spcBef>
+                <a:spcPct val="0"/>
+              </a:spcBef>
+              <a:spcAft>
+                <a:spcPct val="0"/>
+              </a:spcAft>
+              <a:defRPr>
+                <a:solidFill>
+                  <a:schemeClr val="tx1"/>
+                </a:solidFill>
+                <a:latin typeface="Arial" panose="020B0604020202020204" pitchFamily="34" charset="0"/>
+              </a:defRPr>
+            </a:lvl1pPr>
+            <a:lvl2pPr marL="457200" eaLnBrk="0" fontAlgn="base" hangingPunct="0">
+              <a:spcBef>
+                <a:spcPct val="0"/>
+              </a:spcBef>
+              <a:spcAft>
+                <a:spcPct val="0"/>
+              </a:spcAft>
+              <a:defRPr>
+                <a:solidFill>
+                  <a:schemeClr val="tx1"/>
+                </a:solidFill>
+                <a:latin typeface="Arial" panose="020B0604020202020204" pitchFamily="34" charset="0"/>
+              </a:defRPr>
+            </a:lvl2pPr>
+            <a:lvl3pPr marL="914400" eaLnBrk="0" fontAlgn="base" hangingPunct="0">
+              <a:spcBef>
+                <a:spcPct val="0"/>
+              </a:spcBef>
+              <a:spcAft>
+                <a:spcPct val="0"/>
+              </a:spcAft>
+              <a:defRPr>
+                <a:solidFill>
+                  <a:schemeClr val="tx1"/>
+                </a:solidFill>
+                <a:latin typeface="Arial" panose="020B0604020202020204" pitchFamily="34" charset="0"/>
+              </a:defRPr>
+            </a:lvl3pPr>
+            <a:lvl4pPr marL="1371600" eaLnBrk="0" fontAlgn="base" hangingPunct="0">
+              <a:spcBef>
+                <a:spcPct val="0"/>
+              </a:spcBef>
+              <a:spcAft>
+                <a:spcPct val="0"/>
+              </a:spcAft>
+              <a:defRPr>
+                <a:solidFill>
+                  <a:schemeClr val="tx1"/>
+                </a:solidFill>
+                <a:latin typeface="Arial" panose="020B0604020202020204" pitchFamily="34" charset="0"/>
+              </a:defRPr>
+            </a:lvl4pPr>
+            <a:lvl5pPr marL="1828800" eaLnBrk="0" fontAlgn="base" hangingPunct="0">
+              <a:spcBef>
+                <a:spcPct val="0"/>
+              </a:spcBef>
+              <a:spcAft>
+                <a:spcPct val="0"/>
+              </a:spcAft>
+              <a:defRPr>
+                <a:solidFill>
+                  <a:schemeClr val="tx1"/>
+                </a:solidFill>
+                <a:latin typeface="Arial" panose="020B0604020202020204" pitchFamily="34" charset="0"/>
+              </a:defRPr>
+            </a:lvl5pPr>
+            <a:lvl6pPr marL="2286000" eaLnBrk="0" fontAlgn="base" hangingPunct="0">
+              <a:spcBef>
+                <a:spcPct val="0"/>
+              </a:spcBef>
+              <a:spcAft>
+                <a:spcPct val="0"/>
+              </a:spcAft>
+              <a:defRPr>
+                <a:solidFill>
+                  <a:schemeClr val="tx1"/>
+                </a:solidFill>
+                <a:latin typeface="Arial" panose="020B0604020202020204" pitchFamily="34" charset="0"/>
+              </a:defRPr>
+            </a:lvl6pPr>
+            <a:lvl7pPr marL="2743200" eaLnBrk="0" fontAlgn="base" hangingPunct="0">
+              <a:spcBef>
+                <a:spcPct val="0"/>
+              </a:spcBef>
+              <a:spcAft>
+                <a:spcPct val="0"/>
+              </a:spcAft>
+              <a:defRPr>
+                <a:solidFill>
+                  <a:schemeClr val="tx1"/>
+                </a:solidFill>
+                <a:latin typeface="Arial" panose="020B0604020202020204" pitchFamily="34" charset="0"/>
+              </a:defRPr>
+            </a:lvl7pPr>
+            <a:lvl8pPr marL="3200400" eaLnBrk="0" fontAlgn="base" hangingPunct="0">
+              <a:spcBef>
+                <a:spcPct val="0"/>
+              </a:spcBef>
+              <a:spcAft>
+                <a:spcPct val="0"/>
+              </a:spcAft>
+              <a:defRPr>
+                <a:solidFill>
+                  <a:schemeClr val="tx1"/>
+                </a:solidFill>
+                <a:latin typeface="Arial" panose="020B0604020202020204" pitchFamily="34" charset="0"/>
+              </a:defRPr>
+            </a:lvl8pPr>
+            <a:lvl9pPr marL="3657600" eaLnBrk="0" fontAlgn="base" hangingPunct="0">
+              <a:spcBef>
+                <a:spcPct val="0"/>
+              </a:spcBef>
+              <a:spcAft>
+                <a:spcPct val="0"/>
+              </a:spcAft>
+              <a:defRPr>
+                <a:solidFill>
+                  <a:schemeClr val="tx1"/>
+                </a:solidFill>
+                <a:latin typeface="Arial" panose="020B0604020202020204" pitchFamily="34" charset="0"/>
+              </a:defRPr>
+            </a:lvl9pPr>
+          </a:lstStyle>
+          <a:p>
+            <a:pPr marL="0" marR="0" lvl="0" indent="0" algn="l" defTabSz="914400" rtl="0" eaLnBrk="0" fontAlgn="base" latinLnBrk="0" hangingPunct="0">
+              <a:lnSpc>
+                <a:spcPct val="100000"/>
+              </a:lnSpc>
+              <a:spcBef>
+                <a:spcPct val="0"/>
+              </a:spcBef>
+              <a:spcAft>
+                <a:spcPct val="0"/>
+              </a:spcAft>
+              <a:buClrTx/>
+              <a:buSzTx/>
+              <a:buFontTx/>
+              <a:buNone/>
+              <a:tabLst/>
+            </a:pPr>
+            <a:r>
+              <a:rPr kumimoji="0" lang="en-US" altLang="en-US" sz="2400" b="1" i="0" u="sng" strike="noStrike" cap="none" normalizeH="0" baseline="0" dirty="0" smtClean="0">
+                <a:ln>
+                  <a:noFill/>
+                </a:ln>
+                <a:solidFill>
+                  <a:srgbClr val="000000"/>
+                </a:solidFill>
+                <a:effectLst/>
+                <a:latin typeface="+mj-lt"/>
+                <a:cs typeface="Segoe UI" panose="020B0502040204020203" pitchFamily="34" charset="0"/>
+              </a:rPr>
+              <a:t>The</a:t>
+            </a:r>
+            <a:r>
+              <a:rPr kumimoji="0" lang="en-US" altLang="en-US" sz="2400" b="1" i="0" u="sng" strike="noStrike" cap="none" normalizeH="0" dirty="0" smtClean="0">
+                <a:ln>
+                  <a:noFill/>
+                </a:ln>
+                <a:solidFill>
+                  <a:srgbClr val="000000"/>
+                </a:solidFill>
+                <a:effectLst/>
+                <a:latin typeface="+mj-lt"/>
+                <a:cs typeface="Segoe UI" panose="020B0502040204020203" pitchFamily="34" charset="0"/>
+              </a:rPr>
+              <a:t> For Loop</a:t>
+            </a:r>
+            <a:endParaRPr kumimoji="0" lang="en-US" altLang="en-US" sz="1800" b="0" i="0" u="none" strike="noStrike" cap="none" normalizeH="0" baseline="0" dirty="0" smtClean="0">
+              <a:ln>
+                <a:noFill/>
+              </a:ln>
+              <a:solidFill>
+                <a:schemeClr val="tx1"/>
+              </a:solidFill>
+              <a:effectLst/>
+              <a:latin typeface="Arial" panose="020B0604020202020204" pitchFamily="34" charset="0"/>
+            </a:endParaRPr>
+          </a:p>
+        </p:txBody>
+      </p:sp>
+      <p:sp>
+        <p:nvSpPr>
+          <p:cNvPr id="3" name="Rectangle 1"/>
+          <p:cNvSpPr>
+            <a:spLocks noChangeArrowheads="1"/>
+          </p:cNvSpPr>
+          <p:nvPr/>
+        </p:nvSpPr>
+        <p:spPr bwMode="auto">
+          <a:xfrm>
+            <a:off x="110836" y="1141638"/>
+            <a:ext cx="8278091" cy="1754326"/>
+          </a:xfrm>
+          <a:prstGeom prst="rect">
+            <a:avLst/>
+          </a:prstGeom>
+          <a:solidFill>
+            <a:srgbClr val="FFFFFF"/>
+          </a:solidFill>
+          <a:ln>
+            <a:noFill/>
+          </a:ln>
+          <a:effectLst/>
+          <a:extLst>
+            <a:ext uri="{91240B29-F687-4F45-9708-019B960494DF}">
+              <a14:hiddenLine xmlns:a14="http://schemas.microsoft.com/office/drawing/2010/main" w="9525">
+                <a:solidFill>
+                  <a:schemeClr val="tx1"/>
+                </a:solidFill>
+                <a:miter lim="800000"/>
+                <a:headEnd/>
+                <a:tailEnd/>
+              </a14:hiddenLine>
+            </a:ext>
+            <a:ext uri="{AF507438-7753-43E0-B8FC-AC1667EBCBE1}">
+              <a14:hiddenEffects xmlns:a14="http://schemas.microsoft.com/office/drawing/2010/main">
+                <a:effectLst>
+                  <a:outerShdw dist="35921" dir="2700000" algn="ctr" rotWithShape="0">
+                    <a:schemeClr val="bg2"/>
+                  </a:outerShdw>
+                </a:effectLst>
+              </a14:hiddenEffects>
+            </a:ext>
+          </a:extLst>
+        </p:spPr>
+        <p:txBody>
+          <a:bodyPr vert="horz" wrap="square" lIns="91440" tIns="45720" rIns="91440" bIns="45720" numCol="1" anchor="ctr" anchorCtr="0" compatLnSpc="1">
+            <a:prstTxWarp prst="textNoShape">
+              <a:avLst/>
+            </a:prstTxWarp>
+            <a:spAutoFit/>
+          </a:bodyPr>
+          <a:lstStyle>
+            <a:lvl1pPr eaLnBrk="0" fontAlgn="base" hangingPunct="0">
+              <a:spcBef>
+                <a:spcPct val="0"/>
+              </a:spcBef>
+              <a:spcAft>
+                <a:spcPct val="0"/>
+              </a:spcAft>
+              <a:defRPr>
+                <a:solidFill>
+                  <a:schemeClr val="tx1"/>
+                </a:solidFill>
+                <a:latin typeface="Arial" panose="020B0604020202020204" pitchFamily="34" charset="0"/>
+              </a:defRPr>
+            </a:lvl1pPr>
+            <a:lvl2pPr marL="457200" eaLnBrk="0" fontAlgn="base" hangingPunct="0">
+              <a:spcBef>
+                <a:spcPct val="0"/>
+              </a:spcBef>
+              <a:spcAft>
+                <a:spcPct val="0"/>
+              </a:spcAft>
+              <a:defRPr>
+                <a:solidFill>
+                  <a:schemeClr val="tx1"/>
+                </a:solidFill>
+                <a:latin typeface="Arial" panose="020B0604020202020204" pitchFamily="34" charset="0"/>
+              </a:defRPr>
+            </a:lvl2pPr>
+            <a:lvl3pPr marL="914400" eaLnBrk="0" fontAlgn="base" hangingPunct="0">
+              <a:spcBef>
+                <a:spcPct val="0"/>
+              </a:spcBef>
+              <a:spcAft>
+                <a:spcPct val="0"/>
+              </a:spcAft>
+              <a:defRPr>
+                <a:solidFill>
+                  <a:schemeClr val="tx1"/>
+                </a:solidFill>
+                <a:latin typeface="Arial" panose="020B0604020202020204" pitchFamily="34" charset="0"/>
+              </a:defRPr>
+            </a:lvl3pPr>
+            <a:lvl4pPr marL="1371600" eaLnBrk="0" fontAlgn="base" hangingPunct="0">
+              <a:spcBef>
+                <a:spcPct val="0"/>
+              </a:spcBef>
+              <a:spcAft>
+                <a:spcPct val="0"/>
+              </a:spcAft>
+              <a:defRPr>
+                <a:solidFill>
+                  <a:schemeClr val="tx1"/>
+                </a:solidFill>
+                <a:latin typeface="Arial" panose="020B0604020202020204" pitchFamily="34" charset="0"/>
+              </a:defRPr>
+            </a:lvl4pPr>
+            <a:lvl5pPr marL="1828800" eaLnBrk="0" fontAlgn="base" hangingPunct="0">
+              <a:spcBef>
+                <a:spcPct val="0"/>
+              </a:spcBef>
+              <a:spcAft>
+                <a:spcPct val="0"/>
+              </a:spcAft>
+              <a:defRPr>
+                <a:solidFill>
+                  <a:schemeClr val="tx1"/>
+                </a:solidFill>
+                <a:latin typeface="Arial" panose="020B0604020202020204" pitchFamily="34" charset="0"/>
+              </a:defRPr>
+            </a:lvl5pPr>
+            <a:lvl6pPr marL="2286000" eaLnBrk="0" fontAlgn="base" hangingPunct="0">
+              <a:spcBef>
+                <a:spcPct val="0"/>
+              </a:spcBef>
+              <a:spcAft>
+                <a:spcPct val="0"/>
+              </a:spcAft>
+              <a:defRPr>
+                <a:solidFill>
+                  <a:schemeClr val="tx1"/>
+                </a:solidFill>
+                <a:latin typeface="Arial" panose="020B0604020202020204" pitchFamily="34" charset="0"/>
+              </a:defRPr>
+            </a:lvl6pPr>
+            <a:lvl7pPr marL="2743200" eaLnBrk="0" fontAlgn="base" hangingPunct="0">
+              <a:spcBef>
+                <a:spcPct val="0"/>
+              </a:spcBef>
+              <a:spcAft>
+                <a:spcPct val="0"/>
+              </a:spcAft>
+              <a:defRPr>
+                <a:solidFill>
+                  <a:schemeClr val="tx1"/>
+                </a:solidFill>
+                <a:latin typeface="Arial" panose="020B0604020202020204" pitchFamily="34" charset="0"/>
+              </a:defRPr>
+            </a:lvl7pPr>
+            <a:lvl8pPr marL="3200400" eaLnBrk="0" fontAlgn="base" hangingPunct="0">
+              <a:spcBef>
+                <a:spcPct val="0"/>
+              </a:spcBef>
+              <a:spcAft>
+                <a:spcPct val="0"/>
+              </a:spcAft>
+              <a:defRPr>
+                <a:solidFill>
+                  <a:schemeClr val="tx1"/>
+                </a:solidFill>
+                <a:latin typeface="Arial" panose="020B0604020202020204" pitchFamily="34" charset="0"/>
+              </a:defRPr>
+            </a:lvl8pPr>
+            <a:lvl9pPr marL="3657600" eaLnBrk="0" fontAlgn="base" hangingPunct="0">
+              <a:spcBef>
+                <a:spcPct val="0"/>
+              </a:spcBef>
+              <a:spcAft>
+                <a:spcPct val="0"/>
+              </a:spcAft>
+              <a:defRPr>
+                <a:solidFill>
+                  <a:schemeClr val="tx1"/>
+                </a:solidFill>
+                <a:latin typeface="Arial" panose="020B0604020202020204" pitchFamily="34" charset="0"/>
+              </a:defRPr>
+            </a:lvl9pPr>
+          </a:lstStyle>
+          <a:p>
+            <a:pPr marL="0" marR="0" lvl="0" indent="0" algn="l" defTabSz="914400" rtl="0" eaLnBrk="0" fontAlgn="base" latinLnBrk="0" hangingPunct="0">
+              <a:lnSpc>
+                <a:spcPct val="100000"/>
+              </a:lnSpc>
+              <a:spcBef>
+                <a:spcPct val="0"/>
+              </a:spcBef>
+              <a:spcAft>
+                <a:spcPct val="0"/>
+              </a:spcAft>
+              <a:buClrTx/>
+              <a:buSzTx/>
+              <a:buFontTx/>
+              <a:buNone/>
+              <a:tabLst/>
+            </a:pPr>
+            <a:r>
+              <a:rPr kumimoji="0" lang="en-US" altLang="en-US" sz="1200" b="0" i="0" u="none" strike="noStrike" cap="none" normalizeH="0" baseline="0" dirty="0" smtClean="0">
+                <a:ln>
+                  <a:noFill/>
+                </a:ln>
+                <a:solidFill>
+                  <a:srgbClr val="000000"/>
+                </a:solidFill>
+                <a:effectLst/>
+                <a:latin typeface="Verdana" panose="020B0604030504040204" pitchFamily="34" charset="0"/>
+              </a:rPr>
+              <a:t>The </a:t>
+            </a:r>
+            <a:r>
+              <a:rPr kumimoji="0" lang="en-US" altLang="en-US" sz="1200" b="0" i="0" u="none" strike="noStrike" cap="none" normalizeH="0" baseline="0" dirty="0" smtClean="0">
+                <a:ln>
+                  <a:noFill/>
+                </a:ln>
+                <a:solidFill>
+                  <a:srgbClr val="DC143C"/>
+                </a:solidFill>
+                <a:effectLst/>
+                <a:latin typeface="Consolas" panose="020B0609020204030204" pitchFamily="49" charset="0"/>
+              </a:rPr>
+              <a:t>for</a:t>
+            </a:r>
+            <a:r>
+              <a:rPr kumimoji="0" lang="en-US" altLang="en-US" sz="1200" b="0" i="0" u="none" strike="noStrike" cap="none" normalizeH="0" baseline="0" dirty="0" smtClean="0">
+                <a:ln>
+                  <a:noFill/>
+                </a:ln>
+                <a:solidFill>
+                  <a:srgbClr val="000000"/>
+                </a:solidFill>
+                <a:effectLst/>
+                <a:latin typeface="Verdana" panose="020B0604030504040204" pitchFamily="34" charset="0"/>
+              </a:rPr>
+              <a:t> statement creates a loop with 3 optional expressions:</a:t>
+            </a:r>
+          </a:p>
+          <a:p>
+            <a:pPr marL="0" marR="0" lvl="0" indent="0" algn="l" defTabSz="914400" rtl="0" eaLnBrk="0" fontAlgn="base" latinLnBrk="0" hangingPunct="0">
+              <a:lnSpc>
+                <a:spcPct val="100000"/>
+              </a:lnSpc>
+              <a:spcBef>
+                <a:spcPct val="0"/>
+              </a:spcBef>
+              <a:spcAft>
+                <a:spcPct val="0"/>
+              </a:spcAft>
+              <a:buClrTx/>
+              <a:buSzTx/>
+              <a:buFontTx/>
+              <a:buNone/>
+              <a:tabLst/>
+            </a:pPr>
+            <a:endParaRPr kumimoji="0" lang="en-US" altLang="en-US" sz="1200" b="0" i="0" u="none" strike="noStrike" cap="none" normalizeH="0" baseline="0" dirty="0" smtClean="0">
+              <a:ln>
+                <a:noFill/>
+              </a:ln>
+              <a:solidFill>
+                <a:schemeClr val="tx1"/>
+              </a:solidFill>
+              <a:effectLst/>
+            </a:endParaRPr>
+          </a:p>
+          <a:p>
+            <a:pPr marL="0" marR="0" lvl="0" indent="0" algn="l" defTabSz="914400" rtl="0" eaLnBrk="0" fontAlgn="base" latinLnBrk="0" hangingPunct="0">
+              <a:lnSpc>
+                <a:spcPct val="100000"/>
+              </a:lnSpc>
+              <a:spcBef>
+                <a:spcPct val="0"/>
+              </a:spcBef>
+              <a:spcAft>
+                <a:spcPct val="0"/>
+              </a:spcAft>
+              <a:buClrTx/>
+              <a:buSzTx/>
+              <a:buFontTx/>
+              <a:buNone/>
+              <a:tabLst/>
+            </a:pPr>
+            <a:r>
+              <a:rPr kumimoji="0" lang="en-US" altLang="en-US" sz="1200" b="0" i="0" u="none" strike="noStrike" cap="none" normalizeH="0" baseline="0" dirty="0" smtClean="0">
+                <a:ln>
+                  <a:noFill/>
+                </a:ln>
+                <a:solidFill>
+                  <a:srgbClr val="0000CD"/>
+                </a:solidFill>
+                <a:effectLst/>
+                <a:latin typeface="Consolas" panose="020B0609020204030204" pitchFamily="49" charset="0"/>
+              </a:rPr>
+              <a:t>for</a:t>
+            </a:r>
+            <a:r>
+              <a:rPr kumimoji="0" lang="en-US" altLang="en-US" sz="1200" b="0" i="0" u="none" strike="noStrike" cap="none" normalizeH="0" baseline="0" dirty="0" smtClean="0">
+                <a:ln>
+                  <a:noFill/>
+                </a:ln>
+                <a:solidFill>
+                  <a:srgbClr val="000000"/>
+                </a:solidFill>
+                <a:effectLst/>
+                <a:latin typeface="Consolas" panose="020B0609020204030204" pitchFamily="49" charset="0"/>
+              </a:rPr>
+              <a:t> (</a:t>
+            </a:r>
+            <a:r>
+              <a:rPr kumimoji="0" lang="en-US" altLang="en-US" sz="1200" b="0" i="1" u="none" strike="noStrike" cap="none" normalizeH="0" baseline="0" dirty="0" smtClean="0">
+                <a:ln>
+                  <a:noFill/>
+                </a:ln>
+                <a:solidFill>
+                  <a:srgbClr val="000000"/>
+                </a:solidFill>
+                <a:effectLst/>
+                <a:latin typeface="Consolas" panose="020B0609020204030204" pitchFamily="49" charset="0"/>
+              </a:rPr>
+              <a:t>expression 1</a:t>
+            </a:r>
+            <a:r>
+              <a:rPr kumimoji="0" lang="en-US" altLang="en-US" sz="1200" b="0" i="0" u="none" strike="noStrike" cap="none" normalizeH="0" baseline="0" dirty="0" smtClean="0">
+                <a:ln>
+                  <a:noFill/>
+                </a:ln>
+                <a:solidFill>
+                  <a:srgbClr val="000000"/>
+                </a:solidFill>
+                <a:effectLst/>
+                <a:latin typeface="Consolas" panose="020B0609020204030204" pitchFamily="49" charset="0"/>
+              </a:rPr>
+              <a:t>;</a:t>
+            </a:r>
+            <a:r>
+              <a:rPr kumimoji="0" lang="en-US" altLang="en-US" sz="1200" b="0" i="1" u="none" strike="noStrike" cap="none" normalizeH="0" baseline="0" dirty="0" smtClean="0">
+                <a:ln>
+                  <a:noFill/>
+                </a:ln>
+                <a:solidFill>
+                  <a:srgbClr val="000000"/>
+                </a:solidFill>
+                <a:effectLst/>
+                <a:latin typeface="Consolas" panose="020B0609020204030204" pitchFamily="49" charset="0"/>
+              </a:rPr>
+              <a:t> expression 2</a:t>
+            </a:r>
+            <a:r>
+              <a:rPr kumimoji="0" lang="en-US" altLang="en-US" sz="1200" b="0" i="0" u="none" strike="noStrike" cap="none" normalizeH="0" baseline="0" dirty="0" smtClean="0">
+                <a:ln>
+                  <a:noFill/>
+                </a:ln>
+                <a:solidFill>
+                  <a:srgbClr val="000000"/>
+                </a:solidFill>
+                <a:effectLst/>
+                <a:latin typeface="Consolas" panose="020B0609020204030204" pitchFamily="49" charset="0"/>
+              </a:rPr>
+              <a:t>;</a:t>
+            </a:r>
+            <a:r>
+              <a:rPr kumimoji="0" lang="en-US" altLang="en-US" sz="1200" b="0" i="1" u="none" strike="noStrike" cap="none" normalizeH="0" baseline="0" dirty="0" smtClean="0">
+                <a:ln>
+                  <a:noFill/>
+                </a:ln>
+                <a:solidFill>
+                  <a:srgbClr val="000000"/>
+                </a:solidFill>
+                <a:effectLst/>
+                <a:latin typeface="Consolas" panose="020B0609020204030204" pitchFamily="49" charset="0"/>
+              </a:rPr>
+              <a:t> expression 3</a:t>
+            </a:r>
+            <a:r>
+              <a:rPr kumimoji="0" lang="en-US" altLang="en-US" sz="1200" b="0" i="0" u="none" strike="noStrike" cap="none" normalizeH="0" baseline="0" dirty="0" smtClean="0">
+                <a:ln>
+                  <a:noFill/>
+                </a:ln>
+                <a:solidFill>
+                  <a:srgbClr val="000000"/>
+                </a:solidFill>
+                <a:effectLst/>
+                <a:latin typeface="Consolas" panose="020B0609020204030204" pitchFamily="49" charset="0"/>
+              </a:rPr>
+              <a:t>) {</a:t>
+            </a:r>
+            <a:br>
+              <a:rPr kumimoji="0" lang="en-US" altLang="en-US" sz="1200" b="0" i="0" u="none" strike="noStrike" cap="none" normalizeH="0" baseline="0" dirty="0" smtClean="0">
+                <a:ln>
+                  <a:noFill/>
+                </a:ln>
+                <a:solidFill>
+                  <a:srgbClr val="000000"/>
+                </a:solidFill>
+                <a:effectLst/>
+                <a:latin typeface="Consolas" panose="020B0609020204030204" pitchFamily="49" charset="0"/>
+              </a:rPr>
+            </a:br>
+            <a:r>
+              <a:rPr kumimoji="0" lang="en-US" altLang="en-US" sz="1200" b="0" i="0" u="none" strike="noStrike" cap="none" normalizeH="0" baseline="0" dirty="0" smtClean="0">
+                <a:ln>
+                  <a:noFill/>
+                </a:ln>
+                <a:solidFill>
+                  <a:srgbClr val="000000"/>
+                </a:solidFill>
+                <a:effectLst/>
+                <a:latin typeface="Consolas" panose="020B0609020204030204" pitchFamily="49" charset="0"/>
+              </a:rPr>
+              <a:t>  </a:t>
+            </a:r>
+            <a:r>
+              <a:rPr kumimoji="0" lang="en-US" altLang="en-US" sz="1200" b="0" i="0" u="none" strike="noStrike" cap="none" normalizeH="0" baseline="0" dirty="0" smtClean="0">
+                <a:ln>
+                  <a:noFill/>
+                </a:ln>
+                <a:solidFill>
+                  <a:srgbClr val="008000"/>
+                </a:solidFill>
+                <a:effectLst/>
+                <a:latin typeface="Consolas" panose="020B0609020204030204" pitchFamily="49" charset="0"/>
+              </a:rPr>
+              <a:t>// </a:t>
+            </a:r>
+            <a:r>
+              <a:rPr kumimoji="0" lang="en-US" altLang="en-US" sz="1200" b="0" i="1" u="none" strike="noStrike" cap="none" normalizeH="0" baseline="0" dirty="0" smtClean="0">
+                <a:ln>
+                  <a:noFill/>
+                </a:ln>
+                <a:solidFill>
+                  <a:srgbClr val="008000"/>
+                </a:solidFill>
+                <a:effectLst/>
+                <a:latin typeface="Consolas" panose="020B0609020204030204" pitchFamily="49" charset="0"/>
+              </a:rPr>
+              <a:t>code block to be executed</a:t>
+            </a:r>
+            <a:r>
+              <a:rPr kumimoji="0" lang="en-US" altLang="en-US" sz="1200" b="0" i="0" u="none" strike="noStrike" cap="none" normalizeH="0" baseline="0" dirty="0" smtClean="0">
+                <a:ln>
+                  <a:noFill/>
+                </a:ln>
+                <a:solidFill>
+                  <a:srgbClr val="008000"/>
+                </a:solidFill>
+                <a:effectLst/>
+                <a:latin typeface="Consolas" panose="020B0609020204030204" pitchFamily="49" charset="0"/>
+              </a:rPr>
+              <a:t/>
+            </a:r>
+            <a:br>
+              <a:rPr kumimoji="0" lang="en-US" altLang="en-US" sz="1200" b="0" i="0" u="none" strike="noStrike" cap="none" normalizeH="0" baseline="0" dirty="0" smtClean="0">
+                <a:ln>
+                  <a:noFill/>
+                </a:ln>
+                <a:solidFill>
+                  <a:srgbClr val="008000"/>
+                </a:solidFill>
+                <a:effectLst/>
+                <a:latin typeface="Consolas" panose="020B0609020204030204" pitchFamily="49" charset="0"/>
+              </a:rPr>
+            </a:br>
+            <a:r>
+              <a:rPr kumimoji="0" lang="en-US" altLang="en-US" sz="1200" b="0" i="0" u="none" strike="noStrike" cap="none" normalizeH="0" baseline="0" dirty="0" smtClean="0">
+                <a:ln>
+                  <a:noFill/>
+                </a:ln>
+                <a:solidFill>
+                  <a:srgbClr val="000000"/>
+                </a:solidFill>
+                <a:effectLst/>
+                <a:latin typeface="Consolas" panose="020B0609020204030204" pitchFamily="49" charset="0"/>
+              </a:rPr>
+              <a:t>}</a:t>
+            </a:r>
+            <a:br>
+              <a:rPr kumimoji="0" lang="en-US" altLang="en-US" sz="1200" b="0" i="0" u="none" strike="noStrike" cap="none" normalizeH="0" baseline="0" dirty="0" smtClean="0">
+                <a:ln>
+                  <a:noFill/>
+                </a:ln>
+                <a:solidFill>
+                  <a:srgbClr val="000000"/>
+                </a:solidFill>
+                <a:effectLst/>
+                <a:latin typeface="Consolas" panose="020B0609020204030204" pitchFamily="49" charset="0"/>
+              </a:rPr>
+            </a:br>
+            <a:endParaRPr kumimoji="0" lang="en-US" altLang="en-US" sz="1200" b="0" i="0" u="none" strike="noStrike" cap="none" normalizeH="0" baseline="0" dirty="0" smtClean="0">
+              <a:ln>
+                <a:noFill/>
+              </a:ln>
+              <a:solidFill>
+                <a:schemeClr val="tx1"/>
+              </a:solidFill>
+              <a:effectLst/>
+            </a:endParaRPr>
+          </a:p>
+          <a:p>
+            <a:pPr marL="0" marR="0" lvl="0" indent="0" algn="l" defTabSz="914400" rtl="0" eaLnBrk="0" fontAlgn="base" latinLnBrk="0" hangingPunct="0">
+              <a:lnSpc>
+                <a:spcPct val="100000"/>
+              </a:lnSpc>
+              <a:spcBef>
+                <a:spcPct val="0"/>
+              </a:spcBef>
+              <a:spcAft>
+                <a:spcPct val="0"/>
+              </a:spcAft>
+              <a:buClrTx/>
+              <a:buSzTx/>
+              <a:buFontTx/>
+              <a:buNone/>
+              <a:tabLst/>
+            </a:pPr>
+            <a:r>
+              <a:rPr kumimoji="0" lang="en-US" altLang="en-US" sz="1200" b="1" i="0" u="none" strike="noStrike" cap="none" normalizeH="0" baseline="0" dirty="0" smtClean="0">
+                <a:ln>
+                  <a:noFill/>
+                </a:ln>
+                <a:solidFill>
+                  <a:srgbClr val="000000"/>
+                </a:solidFill>
+                <a:effectLst/>
+                <a:latin typeface="Verdana" panose="020B0604030504040204" pitchFamily="34" charset="0"/>
+              </a:rPr>
+              <a:t>Expression 1</a:t>
+            </a:r>
+            <a:r>
+              <a:rPr kumimoji="0" lang="en-US" altLang="en-US" sz="1200" b="0" i="0" u="none" strike="noStrike" cap="none" normalizeH="0" baseline="0" dirty="0" smtClean="0">
+                <a:ln>
+                  <a:noFill/>
+                </a:ln>
+                <a:solidFill>
+                  <a:srgbClr val="000000"/>
+                </a:solidFill>
+                <a:effectLst/>
+                <a:latin typeface="Verdana" panose="020B0604030504040204" pitchFamily="34" charset="0"/>
+              </a:rPr>
+              <a:t> is executed (one time) before the execution of the code block.</a:t>
+            </a:r>
+            <a:endParaRPr kumimoji="0" lang="en-US" altLang="en-US" sz="1200" b="0" i="0" u="none" strike="noStrike" cap="none" normalizeH="0" baseline="0" dirty="0" smtClean="0">
+              <a:ln>
+                <a:noFill/>
+              </a:ln>
+              <a:solidFill>
+                <a:schemeClr val="tx1"/>
+              </a:solidFill>
+              <a:effectLst/>
+            </a:endParaRPr>
+          </a:p>
+          <a:p>
+            <a:pPr marL="0" marR="0" lvl="0" indent="0" algn="l" defTabSz="914400" rtl="0" eaLnBrk="0" fontAlgn="base" latinLnBrk="0" hangingPunct="0">
+              <a:lnSpc>
+                <a:spcPct val="100000"/>
+              </a:lnSpc>
+              <a:spcBef>
+                <a:spcPct val="0"/>
+              </a:spcBef>
+              <a:spcAft>
+                <a:spcPct val="0"/>
+              </a:spcAft>
+              <a:buClrTx/>
+              <a:buSzTx/>
+              <a:buFontTx/>
+              <a:buNone/>
+              <a:tabLst/>
+            </a:pPr>
+            <a:r>
+              <a:rPr kumimoji="0" lang="en-US" altLang="en-US" sz="1200" b="1" i="0" u="none" strike="noStrike" cap="none" normalizeH="0" baseline="0" dirty="0" smtClean="0">
+                <a:ln>
+                  <a:noFill/>
+                </a:ln>
+                <a:solidFill>
+                  <a:srgbClr val="000000"/>
+                </a:solidFill>
+                <a:effectLst/>
+                <a:latin typeface="Verdana" panose="020B0604030504040204" pitchFamily="34" charset="0"/>
+              </a:rPr>
+              <a:t>Expression 2</a:t>
+            </a:r>
+            <a:r>
+              <a:rPr kumimoji="0" lang="en-US" altLang="en-US" sz="1200" b="0" i="0" u="none" strike="noStrike" cap="none" normalizeH="0" baseline="0" dirty="0" smtClean="0">
+                <a:ln>
+                  <a:noFill/>
+                </a:ln>
+                <a:solidFill>
+                  <a:srgbClr val="000000"/>
+                </a:solidFill>
+                <a:effectLst/>
+                <a:latin typeface="Verdana" panose="020B0604030504040204" pitchFamily="34" charset="0"/>
+              </a:rPr>
+              <a:t> defines the condition for executing the code block.</a:t>
+            </a:r>
+            <a:endParaRPr kumimoji="0" lang="en-US" altLang="en-US" sz="1200" b="0" i="0" u="none" strike="noStrike" cap="none" normalizeH="0" baseline="0" dirty="0" smtClean="0">
+              <a:ln>
+                <a:noFill/>
+              </a:ln>
+              <a:solidFill>
+                <a:schemeClr val="tx1"/>
+              </a:solidFill>
+              <a:effectLst/>
+            </a:endParaRPr>
+          </a:p>
+          <a:p>
+            <a:pPr marL="0" marR="0" lvl="0" indent="0" algn="l" defTabSz="914400" rtl="0" eaLnBrk="0" fontAlgn="base" latinLnBrk="0" hangingPunct="0">
+              <a:lnSpc>
+                <a:spcPct val="100000"/>
+              </a:lnSpc>
+              <a:spcBef>
+                <a:spcPct val="0"/>
+              </a:spcBef>
+              <a:spcAft>
+                <a:spcPct val="0"/>
+              </a:spcAft>
+              <a:buClrTx/>
+              <a:buSzTx/>
+              <a:buFontTx/>
+              <a:buNone/>
+              <a:tabLst/>
+            </a:pPr>
+            <a:r>
+              <a:rPr kumimoji="0" lang="en-US" altLang="en-US" sz="1200" b="1" i="0" u="none" strike="noStrike" cap="none" normalizeH="0" baseline="0" dirty="0" smtClean="0">
+                <a:ln>
+                  <a:noFill/>
+                </a:ln>
+                <a:solidFill>
+                  <a:srgbClr val="000000"/>
+                </a:solidFill>
+                <a:effectLst/>
+                <a:latin typeface="Verdana" panose="020B0604030504040204" pitchFamily="34" charset="0"/>
+              </a:rPr>
+              <a:t>Expression 3</a:t>
+            </a:r>
+            <a:r>
+              <a:rPr kumimoji="0" lang="en-US" altLang="en-US" sz="1200" b="0" i="0" u="none" strike="noStrike" cap="none" normalizeH="0" baseline="0" dirty="0" smtClean="0">
+                <a:ln>
+                  <a:noFill/>
+                </a:ln>
+                <a:solidFill>
+                  <a:srgbClr val="000000"/>
+                </a:solidFill>
+                <a:effectLst/>
+                <a:latin typeface="Verdana" panose="020B0604030504040204" pitchFamily="34" charset="0"/>
+              </a:rPr>
+              <a:t> is executed (every time) after the code block has been executed.</a:t>
+            </a:r>
+            <a:endParaRPr kumimoji="0" lang="en-US" altLang="en-US" sz="1200" b="0" i="0" u="none" strike="noStrike" cap="none" normalizeH="0" baseline="0" dirty="0" smtClean="0">
+              <a:ln>
+                <a:noFill/>
+              </a:ln>
+              <a:solidFill>
+                <a:schemeClr val="tx1"/>
+              </a:solidFill>
+              <a:effectLst/>
+            </a:endParaRPr>
+          </a:p>
+        </p:txBody>
+      </p:sp>
+    </p:spTree>
+    <p:extLst>
+      <p:ext uri="{BB962C8B-B14F-4D97-AF65-F5344CB8AC3E}">
+        <p14:creationId xmlns:p14="http://schemas.microsoft.com/office/powerpoint/2010/main" val="798102319"/>
+      </p:ext>
+    </p:extLst>
+  </p:cSld>
+  <p:clrMapOvr>
+    <a:masterClrMapping/>
+  </p:clrMapOvr>
+  <p:timing>
+    <p:tnLst>
+      <p:par>
+        <p:cTn id="1" dur="indefinite" restart="never" nodeType="tmRoot"/>
+      </p:par>
+    </p:tnLst>
+  </p:timing>
+</p:sld>
+</file>
+
+<file path=ppt/slides/slide24.xml><?xml version="1.0" encoding="utf-8"?>
+<p:sld xmlns:a="http://schemas.openxmlformats.org/drawingml/2006/main" xmlns:r="http://schemas.openxmlformats.org/officeDocument/2006/relationships" xmlns:p="http://schemas.openxmlformats.org/presentationml/2006/main">
+  <p:cSld>
+    <p:spTree>
+      <p:nvGrpSpPr>
+        <p:cNvPr id="1" name="Shape 102"/>
+        <p:cNvGrpSpPr/>
+        <p:nvPr/>
+      </p:nvGrpSpPr>
+      <p:grpSpPr>
+        <a:xfrm>
+          <a:off x="0" y="0"/>
+          <a:ext cx="0" cy="0"/>
+          <a:chOff x="0" y="0"/>
+          <a:chExt cx="0" cy="0"/>
+        </a:xfrm>
+      </p:grpSpPr>
+      <p:sp>
+        <p:nvSpPr>
+          <p:cNvPr id="103" name="Google Shape;103;p16"/>
+          <p:cNvSpPr txBox="1">
+            <a:spLocks noGrp="1"/>
+          </p:cNvSpPr>
+          <p:nvPr>
+            <p:ph type="title"/>
+          </p:nvPr>
+        </p:nvSpPr>
+        <p:spPr>
+          <a:xfrm>
+            <a:off x="0" y="3650"/>
+            <a:ext cx="9144000" cy="607800"/>
+          </a:xfrm>
+          <a:prstGeom prst="rect">
+            <a:avLst/>
+          </a:prstGeom>
+        </p:spPr>
+        <p:txBody>
+          <a:bodyPr spcFirstLastPara="1" wrap="square" lIns="91425" tIns="91425" rIns="91425" bIns="91425" anchor="t" anchorCtr="0">
+            <a:noAutofit/>
+          </a:bodyPr>
+          <a:lstStyle/>
+          <a:p>
+            <a:pPr lvl="0" algn="ctr">
+              <a:buSzPts val="990"/>
+            </a:pPr>
+            <a:r>
+              <a:rPr lang="en" sz="3300" b="1" dirty="0" smtClean="0"/>
+              <a:t>JAVA SCRIPT </a:t>
+            </a:r>
+            <a:r>
+              <a:rPr lang="en" sz="3300" b="1" dirty="0" smtClean="0"/>
+              <a:t>LOOPS</a:t>
+            </a:r>
+            <a:endParaRPr sz="3300" b="1" dirty="0"/>
+          </a:p>
+        </p:txBody>
+      </p:sp>
+      <p:sp>
+        <p:nvSpPr>
+          <p:cNvPr id="2" name="Rectangle 1"/>
+          <p:cNvSpPr>
+            <a:spLocks noChangeArrowheads="1"/>
+          </p:cNvSpPr>
+          <p:nvPr/>
+        </p:nvSpPr>
+        <p:spPr bwMode="auto">
+          <a:xfrm>
+            <a:off x="214746" y="705646"/>
+            <a:ext cx="8222672" cy="465482"/>
+          </a:xfrm>
+          <a:prstGeom prst="rect">
+            <a:avLst/>
+          </a:prstGeom>
+          <a:solidFill>
+            <a:srgbClr val="FFFFFF"/>
+          </a:solidFill>
+          <a:ln>
+            <a:noFill/>
+          </a:ln>
+          <a:effectLst/>
+          <a:extLst>
+            <a:ext uri="{91240B29-F687-4F45-9708-019B960494DF}">
+              <a14:hiddenLine xmlns:a14="http://schemas.microsoft.com/office/drawing/2010/main" w="9525">
+                <a:solidFill>
+                  <a:schemeClr val="tx1"/>
+                </a:solidFill>
+                <a:miter lim="800000"/>
+                <a:headEnd/>
+                <a:tailEnd/>
+              </a14:hiddenLine>
+            </a:ext>
+            <a:ext uri="{AF507438-7753-43E0-B8FC-AC1667EBCBE1}">
+              <a14:hiddenEffects xmlns:a14="http://schemas.microsoft.com/office/drawing/2010/main">
+                <a:effectLst>
+                  <a:outerShdw dist="35921" dir="2700000" algn="ctr" rotWithShape="0">
+                    <a:schemeClr val="bg2"/>
+                  </a:outerShdw>
+                </a:effectLst>
+              </a14:hiddenEffects>
+            </a:ext>
+          </a:extLst>
+        </p:spPr>
+        <p:txBody>
+          <a:bodyPr vert="horz" wrap="square" lIns="0" tIns="47610" rIns="0" bIns="47610" numCol="1" anchor="ctr" anchorCtr="0" compatLnSpc="1">
+            <a:prstTxWarp prst="textNoShape">
+              <a:avLst/>
+            </a:prstTxWarp>
+            <a:spAutoFit/>
+          </a:bodyPr>
+          <a:lstStyle>
+            <a:lvl1pPr eaLnBrk="0" fontAlgn="base" hangingPunct="0">
+              <a:spcBef>
+                <a:spcPct val="0"/>
+              </a:spcBef>
+              <a:spcAft>
+                <a:spcPct val="0"/>
+              </a:spcAft>
+              <a:defRPr>
+                <a:solidFill>
+                  <a:schemeClr val="tx1"/>
+                </a:solidFill>
+                <a:latin typeface="Arial" panose="020B0604020202020204" pitchFamily="34" charset="0"/>
+              </a:defRPr>
+            </a:lvl1pPr>
+            <a:lvl2pPr marL="457200" eaLnBrk="0" fontAlgn="base" hangingPunct="0">
+              <a:spcBef>
+                <a:spcPct val="0"/>
+              </a:spcBef>
+              <a:spcAft>
+                <a:spcPct val="0"/>
+              </a:spcAft>
+              <a:defRPr>
+                <a:solidFill>
+                  <a:schemeClr val="tx1"/>
+                </a:solidFill>
+                <a:latin typeface="Arial" panose="020B0604020202020204" pitchFamily="34" charset="0"/>
+              </a:defRPr>
+            </a:lvl2pPr>
+            <a:lvl3pPr marL="914400" eaLnBrk="0" fontAlgn="base" hangingPunct="0">
+              <a:spcBef>
+                <a:spcPct val="0"/>
+              </a:spcBef>
+              <a:spcAft>
+                <a:spcPct val="0"/>
+              </a:spcAft>
+              <a:defRPr>
+                <a:solidFill>
+                  <a:schemeClr val="tx1"/>
+                </a:solidFill>
+                <a:latin typeface="Arial" panose="020B0604020202020204" pitchFamily="34" charset="0"/>
+              </a:defRPr>
+            </a:lvl3pPr>
+            <a:lvl4pPr marL="1371600" eaLnBrk="0" fontAlgn="base" hangingPunct="0">
+              <a:spcBef>
+                <a:spcPct val="0"/>
+              </a:spcBef>
+              <a:spcAft>
+                <a:spcPct val="0"/>
+              </a:spcAft>
+              <a:defRPr>
+                <a:solidFill>
+                  <a:schemeClr val="tx1"/>
+                </a:solidFill>
+                <a:latin typeface="Arial" panose="020B0604020202020204" pitchFamily="34" charset="0"/>
+              </a:defRPr>
+            </a:lvl4pPr>
+            <a:lvl5pPr marL="1828800" eaLnBrk="0" fontAlgn="base" hangingPunct="0">
+              <a:spcBef>
+                <a:spcPct val="0"/>
+              </a:spcBef>
+              <a:spcAft>
+                <a:spcPct val="0"/>
+              </a:spcAft>
+              <a:defRPr>
+                <a:solidFill>
+                  <a:schemeClr val="tx1"/>
+                </a:solidFill>
+                <a:latin typeface="Arial" panose="020B0604020202020204" pitchFamily="34" charset="0"/>
+              </a:defRPr>
+            </a:lvl5pPr>
+            <a:lvl6pPr marL="2286000" eaLnBrk="0" fontAlgn="base" hangingPunct="0">
+              <a:spcBef>
+                <a:spcPct val="0"/>
+              </a:spcBef>
+              <a:spcAft>
+                <a:spcPct val="0"/>
+              </a:spcAft>
+              <a:defRPr>
+                <a:solidFill>
+                  <a:schemeClr val="tx1"/>
+                </a:solidFill>
+                <a:latin typeface="Arial" panose="020B0604020202020204" pitchFamily="34" charset="0"/>
+              </a:defRPr>
+            </a:lvl6pPr>
+            <a:lvl7pPr marL="2743200" eaLnBrk="0" fontAlgn="base" hangingPunct="0">
+              <a:spcBef>
+                <a:spcPct val="0"/>
+              </a:spcBef>
+              <a:spcAft>
+                <a:spcPct val="0"/>
+              </a:spcAft>
+              <a:defRPr>
+                <a:solidFill>
+                  <a:schemeClr val="tx1"/>
+                </a:solidFill>
+                <a:latin typeface="Arial" panose="020B0604020202020204" pitchFamily="34" charset="0"/>
+              </a:defRPr>
+            </a:lvl7pPr>
+            <a:lvl8pPr marL="3200400" eaLnBrk="0" fontAlgn="base" hangingPunct="0">
+              <a:spcBef>
+                <a:spcPct val="0"/>
+              </a:spcBef>
+              <a:spcAft>
+                <a:spcPct val="0"/>
+              </a:spcAft>
+              <a:defRPr>
+                <a:solidFill>
+                  <a:schemeClr val="tx1"/>
+                </a:solidFill>
+                <a:latin typeface="Arial" panose="020B0604020202020204" pitchFamily="34" charset="0"/>
+              </a:defRPr>
+            </a:lvl8pPr>
+            <a:lvl9pPr marL="3657600" eaLnBrk="0" fontAlgn="base" hangingPunct="0">
+              <a:spcBef>
+                <a:spcPct val="0"/>
+              </a:spcBef>
+              <a:spcAft>
+                <a:spcPct val="0"/>
+              </a:spcAft>
+              <a:defRPr>
+                <a:solidFill>
+                  <a:schemeClr val="tx1"/>
+                </a:solidFill>
+                <a:latin typeface="Arial" panose="020B0604020202020204" pitchFamily="34" charset="0"/>
+              </a:defRPr>
+            </a:lvl9pPr>
+          </a:lstStyle>
+          <a:p>
+            <a:pPr marL="0" marR="0" lvl="0" indent="0" algn="l" defTabSz="914400" rtl="0" eaLnBrk="0" fontAlgn="base" latinLnBrk="0" hangingPunct="0">
+              <a:lnSpc>
+                <a:spcPct val="100000"/>
+              </a:lnSpc>
+              <a:spcBef>
+                <a:spcPct val="0"/>
+              </a:spcBef>
+              <a:spcAft>
+                <a:spcPct val="0"/>
+              </a:spcAft>
+              <a:buClrTx/>
+              <a:buSzTx/>
+              <a:buFontTx/>
+              <a:buNone/>
+              <a:tabLst/>
+            </a:pPr>
+            <a:r>
+              <a:rPr kumimoji="0" lang="en-US" altLang="en-US" sz="2400" b="1" i="0" u="sng" strike="noStrike" cap="none" normalizeH="0" baseline="0" smtClean="0">
+                <a:ln>
+                  <a:noFill/>
+                </a:ln>
+                <a:solidFill>
+                  <a:srgbClr val="000000"/>
+                </a:solidFill>
+                <a:effectLst/>
+                <a:latin typeface="+mj-lt"/>
+                <a:cs typeface="Segoe UI" panose="020B0502040204020203" pitchFamily="34" charset="0"/>
+              </a:rPr>
+              <a:t>The</a:t>
+            </a:r>
+            <a:r>
+              <a:rPr kumimoji="0" lang="en-US" altLang="en-US" sz="2400" b="1" i="0" u="sng" strike="noStrike" cap="none" normalizeH="0" smtClean="0">
+                <a:ln>
+                  <a:noFill/>
+                </a:ln>
+                <a:solidFill>
+                  <a:srgbClr val="000000"/>
+                </a:solidFill>
+                <a:effectLst/>
+                <a:latin typeface="+mj-lt"/>
+                <a:cs typeface="Segoe UI" panose="020B0502040204020203" pitchFamily="34" charset="0"/>
+              </a:rPr>
+              <a:t> While </a:t>
+            </a:r>
+            <a:r>
+              <a:rPr kumimoji="0" lang="en-US" altLang="en-US" sz="2400" b="1" i="0" u="sng" strike="noStrike" cap="none" normalizeH="0" dirty="0" smtClean="0">
+                <a:ln>
+                  <a:noFill/>
+                </a:ln>
+                <a:solidFill>
+                  <a:srgbClr val="000000"/>
+                </a:solidFill>
+                <a:effectLst/>
+                <a:latin typeface="+mj-lt"/>
+                <a:cs typeface="Segoe UI" panose="020B0502040204020203" pitchFamily="34" charset="0"/>
+              </a:rPr>
+              <a:t>Loop</a:t>
+            </a:r>
+            <a:endParaRPr kumimoji="0" lang="en-US" altLang="en-US" sz="1800" b="0" i="0" u="none" strike="noStrike" cap="none" normalizeH="0" baseline="0" dirty="0" smtClean="0">
+              <a:ln>
+                <a:noFill/>
+              </a:ln>
+              <a:solidFill>
+                <a:schemeClr val="tx1"/>
+              </a:solidFill>
+              <a:effectLst/>
+              <a:latin typeface="Arial" panose="020B0604020202020204" pitchFamily="34" charset="0"/>
+            </a:endParaRPr>
+          </a:p>
+        </p:txBody>
+      </p:sp>
+      <p:sp>
+        <p:nvSpPr>
+          <p:cNvPr id="3" name="Rectangle 1"/>
+          <p:cNvSpPr>
+            <a:spLocks noChangeArrowheads="1"/>
+          </p:cNvSpPr>
+          <p:nvPr/>
+        </p:nvSpPr>
+        <p:spPr bwMode="auto">
+          <a:xfrm>
+            <a:off x="110836" y="1141638"/>
+            <a:ext cx="8278091" cy="1754326"/>
+          </a:xfrm>
+          <a:prstGeom prst="rect">
+            <a:avLst/>
+          </a:prstGeom>
+          <a:solidFill>
+            <a:srgbClr val="FFFFFF"/>
+          </a:solidFill>
+          <a:ln>
+            <a:noFill/>
+          </a:ln>
+          <a:effectLst/>
+          <a:extLst>
+            <a:ext uri="{91240B29-F687-4F45-9708-019B960494DF}">
+              <a14:hiddenLine xmlns:a14="http://schemas.microsoft.com/office/drawing/2010/main" w="9525">
+                <a:solidFill>
+                  <a:schemeClr val="tx1"/>
+                </a:solidFill>
+                <a:miter lim="800000"/>
+                <a:headEnd/>
+                <a:tailEnd/>
+              </a14:hiddenLine>
+            </a:ext>
+            <a:ext uri="{AF507438-7753-43E0-B8FC-AC1667EBCBE1}">
+              <a14:hiddenEffects xmlns:a14="http://schemas.microsoft.com/office/drawing/2010/main">
+                <a:effectLst>
+                  <a:outerShdw dist="35921" dir="2700000" algn="ctr" rotWithShape="0">
+                    <a:schemeClr val="bg2"/>
+                  </a:outerShdw>
+                </a:effectLst>
+              </a14:hiddenEffects>
+            </a:ext>
+          </a:extLst>
+        </p:spPr>
+        <p:txBody>
+          <a:bodyPr vert="horz" wrap="square" lIns="91440" tIns="45720" rIns="91440" bIns="45720" numCol="1" anchor="ctr" anchorCtr="0" compatLnSpc="1">
+            <a:prstTxWarp prst="textNoShape">
+              <a:avLst/>
+            </a:prstTxWarp>
+            <a:spAutoFit/>
+          </a:bodyPr>
+          <a:lstStyle>
+            <a:lvl1pPr eaLnBrk="0" fontAlgn="base" hangingPunct="0">
+              <a:spcBef>
+                <a:spcPct val="0"/>
+              </a:spcBef>
+              <a:spcAft>
+                <a:spcPct val="0"/>
+              </a:spcAft>
+              <a:defRPr>
+                <a:solidFill>
+                  <a:schemeClr val="tx1"/>
+                </a:solidFill>
+                <a:latin typeface="Arial" panose="020B0604020202020204" pitchFamily="34" charset="0"/>
+              </a:defRPr>
+            </a:lvl1pPr>
+            <a:lvl2pPr marL="457200" eaLnBrk="0" fontAlgn="base" hangingPunct="0">
+              <a:spcBef>
+                <a:spcPct val="0"/>
+              </a:spcBef>
+              <a:spcAft>
+                <a:spcPct val="0"/>
+              </a:spcAft>
+              <a:defRPr>
+                <a:solidFill>
+                  <a:schemeClr val="tx1"/>
+                </a:solidFill>
+                <a:latin typeface="Arial" panose="020B0604020202020204" pitchFamily="34" charset="0"/>
+              </a:defRPr>
+            </a:lvl2pPr>
+            <a:lvl3pPr marL="914400" eaLnBrk="0" fontAlgn="base" hangingPunct="0">
+              <a:spcBef>
+                <a:spcPct val="0"/>
+              </a:spcBef>
+              <a:spcAft>
+                <a:spcPct val="0"/>
+              </a:spcAft>
+              <a:defRPr>
+                <a:solidFill>
+                  <a:schemeClr val="tx1"/>
+                </a:solidFill>
+                <a:latin typeface="Arial" panose="020B0604020202020204" pitchFamily="34" charset="0"/>
+              </a:defRPr>
+            </a:lvl3pPr>
+            <a:lvl4pPr marL="1371600" eaLnBrk="0" fontAlgn="base" hangingPunct="0">
+              <a:spcBef>
+                <a:spcPct val="0"/>
+              </a:spcBef>
+              <a:spcAft>
+                <a:spcPct val="0"/>
+              </a:spcAft>
+              <a:defRPr>
+                <a:solidFill>
+                  <a:schemeClr val="tx1"/>
+                </a:solidFill>
+                <a:latin typeface="Arial" panose="020B0604020202020204" pitchFamily="34" charset="0"/>
+              </a:defRPr>
+            </a:lvl4pPr>
+            <a:lvl5pPr marL="1828800" eaLnBrk="0" fontAlgn="base" hangingPunct="0">
+              <a:spcBef>
+                <a:spcPct val="0"/>
+              </a:spcBef>
+              <a:spcAft>
+                <a:spcPct val="0"/>
+              </a:spcAft>
+              <a:defRPr>
+                <a:solidFill>
+                  <a:schemeClr val="tx1"/>
+                </a:solidFill>
+                <a:latin typeface="Arial" panose="020B0604020202020204" pitchFamily="34" charset="0"/>
+              </a:defRPr>
+            </a:lvl5pPr>
+            <a:lvl6pPr marL="2286000" eaLnBrk="0" fontAlgn="base" hangingPunct="0">
+              <a:spcBef>
+                <a:spcPct val="0"/>
+              </a:spcBef>
+              <a:spcAft>
+                <a:spcPct val="0"/>
+              </a:spcAft>
+              <a:defRPr>
+                <a:solidFill>
+                  <a:schemeClr val="tx1"/>
+                </a:solidFill>
+                <a:latin typeface="Arial" panose="020B0604020202020204" pitchFamily="34" charset="0"/>
+              </a:defRPr>
+            </a:lvl6pPr>
+            <a:lvl7pPr marL="2743200" eaLnBrk="0" fontAlgn="base" hangingPunct="0">
+              <a:spcBef>
+                <a:spcPct val="0"/>
+              </a:spcBef>
+              <a:spcAft>
+                <a:spcPct val="0"/>
+              </a:spcAft>
+              <a:defRPr>
+                <a:solidFill>
+                  <a:schemeClr val="tx1"/>
+                </a:solidFill>
+                <a:latin typeface="Arial" panose="020B0604020202020204" pitchFamily="34" charset="0"/>
+              </a:defRPr>
+            </a:lvl7pPr>
+            <a:lvl8pPr marL="3200400" eaLnBrk="0" fontAlgn="base" hangingPunct="0">
+              <a:spcBef>
+                <a:spcPct val="0"/>
+              </a:spcBef>
+              <a:spcAft>
+                <a:spcPct val="0"/>
+              </a:spcAft>
+              <a:defRPr>
+                <a:solidFill>
+                  <a:schemeClr val="tx1"/>
+                </a:solidFill>
+                <a:latin typeface="Arial" panose="020B0604020202020204" pitchFamily="34" charset="0"/>
+              </a:defRPr>
+            </a:lvl8pPr>
+            <a:lvl9pPr marL="3657600" eaLnBrk="0" fontAlgn="base" hangingPunct="0">
+              <a:spcBef>
+                <a:spcPct val="0"/>
+              </a:spcBef>
+              <a:spcAft>
+                <a:spcPct val="0"/>
+              </a:spcAft>
+              <a:defRPr>
+                <a:solidFill>
+                  <a:schemeClr val="tx1"/>
+                </a:solidFill>
+                <a:latin typeface="Arial" panose="020B0604020202020204" pitchFamily="34" charset="0"/>
+              </a:defRPr>
+            </a:lvl9pPr>
+          </a:lstStyle>
+          <a:p>
+            <a:pPr marL="0" marR="0" lvl="0" indent="0" algn="l" defTabSz="914400" rtl="0" eaLnBrk="0" fontAlgn="base" latinLnBrk="0" hangingPunct="0">
+              <a:lnSpc>
+                <a:spcPct val="100000"/>
+              </a:lnSpc>
+              <a:spcBef>
+                <a:spcPct val="0"/>
+              </a:spcBef>
+              <a:spcAft>
+                <a:spcPct val="0"/>
+              </a:spcAft>
+              <a:buClrTx/>
+              <a:buSzTx/>
+              <a:buFontTx/>
+              <a:buNone/>
+              <a:tabLst/>
+            </a:pPr>
+            <a:r>
+              <a:rPr kumimoji="0" lang="en-US" altLang="en-US" sz="1200" b="0" i="0" u="none" strike="noStrike" cap="none" normalizeH="0" baseline="0" dirty="0" smtClean="0">
+                <a:ln>
+                  <a:noFill/>
+                </a:ln>
+                <a:solidFill>
+                  <a:srgbClr val="000000"/>
+                </a:solidFill>
+                <a:effectLst/>
+                <a:latin typeface="Verdana" panose="020B0604030504040204" pitchFamily="34" charset="0"/>
+              </a:rPr>
+              <a:t>The </a:t>
+            </a:r>
+            <a:r>
+              <a:rPr kumimoji="0" lang="en-US" altLang="en-US" sz="1200" b="0" i="0" u="none" strike="noStrike" cap="none" normalizeH="0" baseline="0" dirty="0" smtClean="0">
+                <a:ln>
+                  <a:noFill/>
+                </a:ln>
+                <a:solidFill>
+                  <a:srgbClr val="DC143C"/>
+                </a:solidFill>
+                <a:effectLst/>
+                <a:latin typeface="Consolas" panose="020B0609020204030204" pitchFamily="49" charset="0"/>
+              </a:rPr>
+              <a:t>for</a:t>
+            </a:r>
+            <a:r>
+              <a:rPr kumimoji="0" lang="en-US" altLang="en-US" sz="1200" b="0" i="0" u="none" strike="noStrike" cap="none" normalizeH="0" baseline="0" dirty="0" smtClean="0">
+                <a:ln>
+                  <a:noFill/>
+                </a:ln>
+                <a:solidFill>
+                  <a:srgbClr val="000000"/>
+                </a:solidFill>
+                <a:effectLst/>
+                <a:latin typeface="Verdana" panose="020B0604030504040204" pitchFamily="34" charset="0"/>
+              </a:rPr>
+              <a:t> statement creates a loop with 3 optional expressions:</a:t>
+            </a:r>
+          </a:p>
+          <a:p>
+            <a:pPr marL="0" marR="0" lvl="0" indent="0" algn="l" defTabSz="914400" rtl="0" eaLnBrk="0" fontAlgn="base" latinLnBrk="0" hangingPunct="0">
+              <a:lnSpc>
+                <a:spcPct val="100000"/>
+              </a:lnSpc>
+              <a:spcBef>
+                <a:spcPct val="0"/>
+              </a:spcBef>
+              <a:spcAft>
+                <a:spcPct val="0"/>
+              </a:spcAft>
+              <a:buClrTx/>
+              <a:buSzTx/>
+              <a:buFontTx/>
+              <a:buNone/>
+              <a:tabLst/>
+            </a:pPr>
+            <a:endParaRPr kumimoji="0" lang="en-US" altLang="en-US" sz="1200" b="0" i="0" u="none" strike="noStrike" cap="none" normalizeH="0" baseline="0" dirty="0" smtClean="0">
+              <a:ln>
+                <a:noFill/>
+              </a:ln>
+              <a:solidFill>
+                <a:schemeClr val="tx1"/>
+              </a:solidFill>
+              <a:effectLst/>
+            </a:endParaRPr>
+          </a:p>
+          <a:p>
+            <a:pPr marL="0" marR="0" lvl="0" indent="0" algn="l" defTabSz="914400" rtl="0" eaLnBrk="0" fontAlgn="base" latinLnBrk="0" hangingPunct="0">
+              <a:lnSpc>
+                <a:spcPct val="100000"/>
+              </a:lnSpc>
+              <a:spcBef>
+                <a:spcPct val="0"/>
+              </a:spcBef>
+              <a:spcAft>
+                <a:spcPct val="0"/>
+              </a:spcAft>
+              <a:buClrTx/>
+              <a:buSzTx/>
+              <a:buFontTx/>
+              <a:buNone/>
+              <a:tabLst/>
+            </a:pPr>
+            <a:r>
+              <a:rPr kumimoji="0" lang="en-US" altLang="en-US" sz="1200" b="0" i="0" u="none" strike="noStrike" cap="none" normalizeH="0" baseline="0" dirty="0" smtClean="0">
+                <a:ln>
+                  <a:noFill/>
+                </a:ln>
+                <a:solidFill>
+                  <a:srgbClr val="0000CD"/>
+                </a:solidFill>
+                <a:effectLst/>
+                <a:latin typeface="Consolas" panose="020B0609020204030204" pitchFamily="49" charset="0"/>
+              </a:rPr>
+              <a:t>for</a:t>
+            </a:r>
+            <a:r>
+              <a:rPr kumimoji="0" lang="en-US" altLang="en-US" sz="1200" b="0" i="0" u="none" strike="noStrike" cap="none" normalizeH="0" baseline="0" dirty="0" smtClean="0">
+                <a:ln>
+                  <a:noFill/>
+                </a:ln>
+                <a:solidFill>
+                  <a:srgbClr val="000000"/>
+                </a:solidFill>
+                <a:effectLst/>
+                <a:latin typeface="Consolas" panose="020B0609020204030204" pitchFamily="49" charset="0"/>
+              </a:rPr>
+              <a:t> (</a:t>
+            </a:r>
+            <a:r>
+              <a:rPr kumimoji="0" lang="en-US" altLang="en-US" sz="1200" b="0" i="1" u="none" strike="noStrike" cap="none" normalizeH="0" baseline="0" dirty="0" smtClean="0">
+                <a:ln>
+                  <a:noFill/>
+                </a:ln>
+                <a:solidFill>
+                  <a:srgbClr val="000000"/>
+                </a:solidFill>
+                <a:effectLst/>
+                <a:latin typeface="Consolas" panose="020B0609020204030204" pitchFamily="49" charset="0"/>
+              </a:rPr>
+              <a:t>expression 1</a:t>
+            </a:r>
+            <a:r>
+              <a:rPr kumimoji="0" lang="en-US" altLang="en-US" sz="1200" b="0" i="0" u="none" strike="noStrike" cap="none" normalizeH="0" baseline="0" dirty="0" smtClean="0">
+                <a:ln>
+                  <a:noFill/>
+                </a:ln>
+                <a:solidFill>
+                  <a:srgbClr val="000000"/>
+                </a:solidFill>
+                <a:effectLst/>
+                <a:latin typeface="Consolas" panose="020B0609020204030204" pitchFamily="49" charset="0"/>
+              </a:rPr>
+              <a:t>;</a:t>
+            </a:r>
+            <a:r>
+              <a:rPr kumimoji="0" lang="en-US" altLang="en-US" sz="1200" b="0" i="1" u="none" strike="noStrike" cap="none" normalizeH="0" baseline="0" dirty="0" smtClean="0">
+                <a:ln>
+                  <a:noFill/>
+                </a:ln>
+                <a:solidFill>
+                  <a:srgbClr val="000000"/>
+                </a:solidFill>
+                <a:effectLst/>
+                <a:latin typeface="Consolas" panose="020B0609020204030204" pitchFamily="49" charset="0"/>
+              </a:rPr>
+              <a:t> expression 2</a:t>
+            </a:r>
+            <a:r>
+              <a:rPr kumimoji="0" lang="en-US" altLang="en-US" sz="1200" b="0" i="0" u="none" strike="noStrike" cap="none" normalizeH="0" baseline="0" dirty="0" smtClean="0">
+                <a:ln>
+                  <a:noFill/>
+                </a:ln>
+                <a:solidFill>
+                  <a:srgbClr val="000000"/>
+                </a:solidFill>
+                <a:effectLst/>
+                <a:latin typeface="Consolas" panose="020B0609020204030204" pitchFamily="49" charset="0"/>
+              </a:rPr>
+              <a:t>;</a:t>
+            </a:r>
+            <a:r>
+              <a:rPr kumimoji="0" lang="en-US" altLang="en-US" sz="1200" b="0" i="1" u="none" strike="noStrike" cap="none" normalizeH="0" baseline="0" dirty="0" smtClean="0">
+                <a:ln>
+                  <a:noFill/>
+                </a:ln>
+                <a:solidFill>
+                  <a:srgbClr val="000000"/>
+                </a:solidFill>
+                <a:effectLst/>
+                <a:latin typeface="Consolas" panose="020B0609020204030204" pitchFamily="49" charset="0"/>
+              </a:rPr>
+              <a:t> expression 3</a:t>
+            </a:r>
+            <a:r>
+              <a:rPr kumimoji="0" lang="en-US" altLang="en-US" sz="1200" b="0" i="0" u="none" strike="noStrike" cap="none" normalizeH="0" baseline="0" dirty="0" smtClean="0">
+                <a:ln>
+                  <a:noFill/>
+                </a:ln>
+                <a:solidFill>
+                  <a:srgbClr val="000000"/>
+                </a:solidFill>
+                <a:effectLst/>
+                <a:latin typeface="Consolas" panose="020B0609020204030204" pitchFamily="49" charset="0"/>
+              </a:rPr>
+              <a:t>) {</a:t>
+            </a:r>
+            <a:br>
+              <a:rPr kumimoji="0" lang="en-US" altLang="en-US" sz="1200" b="0" i="0" u="none" strike="noStrike" cap="none" normalizeH="0" baseline="0" dirty="0" smtClean="0">
+                <a:ln>
+                  <a:noFill/>
+                </a:ln>
+                <a:solidFill>
+                  <a:srgbClr val="000000"/>
+                </a:solidFill>
+                <a:effectLst/>
+                <a:latin typeface="Consolas" panose="020B0609020204030204" pitchFamily="49" charset="0"/>
+              </a:rPr>
+            </a:br>
+            <a:r>
+              <a:rPr kumimoji="0" lang="en-US" altLang="en-US" sz="1200" b="0" i="0" u="none" strike="noStrike" cap="none" normalizeH="0" baseline="0" dirty="0" smtClean="0">
+                <a:ln>
+                  <a:noFill/>
+                </a:ln>
+                <a:solidFill>
+                  <a:srgbClr val="000000"/>
+                </a:solidFill>
+                <a:effectLst/>
+                <a:latin typeface="Consolas" panose="020B0609020204030204" pitchFamily="49" charset="0"/>
+              </a:rPr>
+              <a:t>  </a:t>
+            </a:r>
+            <a:r>
+              <a:rPr kumimoji="0" lang="en-US" altLang="en-US" sz="1200" b="0" i="0" u="none" strike="noStrike" cap="none" normalizeH="0" baseline="0" dirty="0" smtClean="0">
+                <a:ln>
+                  <a:noFill/>
+                </a:ln>
+                <a:solidFill>
+                  <a:srgbClr val="008000"/>
+                </a:solidFill>
+                <a:effectLst/>
+                <a:latin typeface="Consolas" panose="020B0609020204030204" pitchFamily="49" charset="0"/>
+              </a:rPr>
+              <a:t>// </a:t>
+            </a:r>
+            <a:r>
+              <a:rPr kumimoji="0" lang="en-US" altLang="en-US" sz="1200" b="0" i="1" u="none" strike="noStrike" cap="none" normalizeH="0" baseline="0" dirty="0" smtClean="0">
+                <a:ln>
+                  <a:noFill/>
+                </a:ln>
+                <a:solidFill>
+                  <a:srgbClr val="008000"/>
+                </a:solidFill>
+                <a:effectLst/>
+                <a:latin typeface="Consolas" panose="020B0609020204030204" pitchFamily="49" charset="0"/>
+              </a:rPr>
+              <a:t>code block to be executed</a:t>
+            </a:r>
+            <a:r>
+              <a:rPr kumimoji="0" lang="en-US" altLang="en-US" sz="1200" b="0" i="0" u="none" strike="noStrike" cap="none" normalizeH="0" baseline="0" dirty="0" smtClean="0">
+                <a:ln>
+                  <a:noFill/>
+                </a:ln>
+                <a:solidFill>
+                  <a:srgbClr val="008000"/>
+                </a:solidFill>
+                <a:effectLst/>
+                <a:latin typeface="Consolas" panose="020B0609020204030204" pitchFamily="49" charset="0"/>
+              </a:rPr>
+              <a:t/>
+            </a:r>
+            <a:br>
+              <a:rPr kumimoji="0" lang="en-US" altLang="en-US" sz="1200" b="0" i="0" u="none" strike="noStrike" cap="none" normalizeH="0" baseline="0" dirty="0" smtClean="0">
+                <a:ln>
+                  <a:noFill/>
+                </a:ln>
+                <a:solidFill>
+                  <a:srgbClr val="008000"/>
+                </a:solidFill>
+                <a:effectLst/>
+                <a:latin typeface="Consolas" panose="020B0609020204030204" pitchFamily="49" charset="0"/>
+              </a:rPr>
+            </a:br>
+            <a:r>
+              <a:rPr kumimoji="0" lang="en-US" altLang="en-US" sz="1200" b="0" i="0" u="none" strike="noStrike" cap="none" normalizeH="0" baseline="0" dirty="0" smtClean="0">
+                <a:ln>
+                  <a:noFill/>
+                </a:ln>
+                <a:solidFill>
+                  <a:srgbClr val="000000"/>
+                </a:solidFill>
+                <a:effectLst/>
+                <a:latin typeface="Consolas" panose="020B0609020204030204" pitchFamily="49" charset="0"/>
+              </a:rPr>
+              <a:t>}</a:t>
+            </a:r>
+            <a:br>
+              <a:rPr kumimoji="0" lang="en-US" altLang="en-US" sz="1200" b="0" i="0" u="none" strike="noStrike" cap="none" normalizeH="0" baseline="0" dirty="0" smtClean="0">
+                <a:ln>
+                  <a:noFill/>
+                </a:ln>
+                <a:solidFill>
+                  <a:srgbClr val="000000"/>
+                </a:solidFill>
+                <a:effectLst/>
+                <a:latin typeface="Consolas" panose="020B0609020204030204" pitchFamily="49" charset="0"/>
+              </a:rPr>
+            </a:br>
+            <a:endParaRPr kumimoji="0" lang="en-US" altLang="en-US" sz="1200" b="0" i="0" u="none" strike="noStrike" cap="none" normalizeH="0" baseline="0" dirty="0" smtClean="0">
+              <a:ln>
+                <a:noFill/>
+              </a:ln>
+              <a:solidFill>
+                <a:schemeClr val="tx1"/>
+              </a:solidFill>
+              <a:effectLst/>
+            </a:endParaRPr>
+          </a:p>
+          <a:p>
+            <a:pPr marL="0" marR="0" lvl="0" indent="0" algn="l" defTabSz="914400" rtl="0" eaLnBrk="0" fontAlgn="base" latinLnBrk="0" hangingPunct="0">
+              <a:lnSpc>
+                <a:spcPct val="100000"/>
+              </a:lnSpc>
+              <a:spcBef>
+                <a:spcPct val="0"/>
+              </a:spcBef>
+              <a:spcAft>
+                <a:spcPct val="0"/>
+              </a:spcAft>
+              <a:buClrTx/>
+              <a:buSzTx/>
+              <a:buFontTx/>
+              <a:buNone/>
+              <a:tabLst/>
+            </a:pPr>
+            <a:r>
+              <a:rPr kumimoji="0" lang="en-US" altLang="en-US" sz="1200" b="1" i="0" u="none" strike="noStrike" cap="none" normalizeH="0" baseline="0" dirty="0" smtClean="0">
+                <a:ln>
+                  <a:noFill/>
+                </a:ln>
+                <a:solidFill>
+                  <a:srgbClr val="000000"/>
+                </a:solidFill>
+                <a:effectLst/>
+                <a:latin typeface="Verdana" panose="020B0604030504040204" pitchFamily="34" charset="0"/>
+              </a:rPr>
+              <a:t>Expression 1</a:t>
+            </a:r>
+            <a:r>
+              <a:rPr kumimoji="0" lang="en-US" altLang="en-US" sz="1200" b="0" i="0" u="none" strike="noStrike" cap="none" normalizeH="0" baseline="0" dirty="0" smtClean="0">
+                <a:ln>
+                  <a:noFill/>
+                </a:ln>
+                <a:solidFill>
+                  <a:srgbClr val="000000"/>
+                </a:solidFill>
+                <a:effectLst/>
+                <a:latin typeface="Verdana" panose="020B0604030504040204" pitchFamily="34" charset="0"/>
+              </a:rPr>
+              <a:t> is executed (one time) before the execution of the code block.</a:t>
+            </a:r>
+            <a:endParaRPr kumimoji="0" lang="en-US" altLang="en-US" sz="1200" b="0" i="0" u="none" strike="noStrike" cap="none" normalizeH="0" baseline="0" dirty="0" smtClean="0">
+              <a:ln>
+                <a:noFill/>
+              </a:ln>
+              <a:solidFill>
+                <a:schemeClr val="tx1"/>
+              </a:solidFill>
+              <a:effectLst/>
+            </a:endParaRPr>
+          </a:p>
+          <a:p>
+            <a:pPr marL="0" marR="0" lvl="0" indent="0" algn="l" defTabSz="914400" rtl="0" eaLnBrk="0" fontAlgn="base" latinLnBrk="0" hangingPunct="0">
+              <a:lnSpc>
+                <a:spcPct val="100000"/>
+              </a:lnSpc>
+              <a:spcBef>
+                <a:spcPct val="0"/>
+              </a:spcBef>
+              <a:spcAft>
+                <a:spcPct val="0"/>
+              </a:spcAft>
+              <a:buClrTx/>
+              <a:buSzTx/>
+              <a:buFontTx/>
+              <a:buNone/>
+              <a:tabLst/>
+            </a:pPr>
+            <a:r>
+              <a:rPr kumimoji="0" lang="en-US" altLang="en-US" sz="1200" b="1" i="0" u="none" strike="noStrike" cap="none" normalizeH="0" baseline="0" dirty="0" smtClean="0">
+                <a:ln>
+                  <a:noFill/>
+                </a:ln>
+                <a:solidFill>
+                  <a:srgbClr val="000000"/>
+                </a:solidFill>
+                <a:effectLst/>
+                <a:latin typeface="Verdana" panose="020B0604030504040204" pitchFamily="34" charset="0"/>
+              </a:rPr>
+              <a:t>Expression 2</a:t>
+            </a:r>
+            <a:r>
+              <a:rPr kumimoji="0" lang="en-US" altLang="en-US" sz="1200" b="0" i="0" u="none" strike="noStrike" cap="none" normalizeH="0" baseline="0" dirty="0" smtClean="0">
+                <a:ln>
+                  <a:noFill/>
+                </a:ln>
+                <a:solidFill>
+                  <a:srgbClr val="000000"/>
+                </a:solidFill>
+                <a:effectLst/>
+                <a:latin typeface="Verdana" panose="020B0604030504040204" pitchFamily="34" charset="0"/>
+              </a:rPr>
+              <a:t> defines the condition for executing the code block.</a:t>
+            </a:r>
+            <a:endParaRPr kumimoji="0" lang="en-US" altLang="en-US" sz="1200" b="0" i="0" u="none" strike="noStrike" cap="none" normalizeH="0" baseline="0" dirty="0" smtClean="0">
+              <a:ln>
+                <a:noFill/>
+              </a:ln>
+              <a:solidFill>
+                <a:schemeClr val="tx1"/>
+              </a:solidFill>
+              <a:effectLst/>
+            </a:endParaRPr>
+          </a:p>
+          <a:p>
+            <a:pPr marL="0" marR="0" lvl="0" indent="0" algn="l" defTabSz="914400" rtl="0" eaLnBrk="0" fontAlgn="base" latinLnBrk="0" hangingPunct="0">
+              <a:lnSpc>
+                <a:spcPct val="100000"/>
+              </a:lnSpc>
+              <a:spcBef>
+                <a:spcPct val="0"/>
+              </a:spcBef>
+              <a:spcAft>
+                <a:spcPct val="0"/>
+              </a:spcAft>
+              <a:buClrTx/>
+              <a:buSzTx/>
+              <a:buFontTx/>
+              <a:buNone/>
+              <a:tabLst/>
+            </a:pPr>
+            <a:r>
+              <a:rPr kumimoji="0" lang="en-US" altLang="en-US" sz="1200" b="1" i="0" u="none" strike="noStrike" cap="none" normalizeH="0" baseline="0" dirty="0" smtClean="0">
+                <a:ln>
+                  <a:noFill/>
+                </a:ln>
+                <a:solidFill>
+                  <a:srgbClr val="000000"/>
+                </a:solidFill>
+                <a:effectLst/>
+                <a:latin typeface="Verdana" panose="020B0604030504040204" pitchFamily="34" charset="0"/>
+              </a:rPr>
+              <a:t>Expression 3</a:t>
+            </a:r>
+            <a:r>
+              <a:rPr kumimoji="0" lang="en-US" altLang="en-US" sz="1200" b="0" i="0" u="none" strike="noStrike" cap="none" normalizeH="0" baseline="0" dirty="0" smtClean="0">
+                <a:ln>
+                  <a:noFill/>
+                </a:ln>
+                <a:solidFill>
+                  <a:srgbClr val="000000"/>
+                </a:solidFill>
+                <a:effectLst/>
+                <a:latin typeface="Verdana" panose="020B0604030504040204" pitchFamily="34" charset="0"/>
+              </a:rPr>
+              <a:t> is executed (every time) after the code block has been executed.</a:t>
+            </a:r>
+            <a:endParaRPr kumimoji="0" lang="en-US" altLang="en-US" sz="1200" b="0" i="0" u="none" strike="noStrike" cap="none" normalizeH="0" baseline="0" dirty="0" smtClean="0">
+              <a:ln>
+                <a:noFill/>
+              </a:ln>
+              <a:solidFill>
+                <a:schemeClr val="tx1"/>
+              </a:solidFill>
+              <a:effectLst/>
+            </a:endParaRPr>
+          </a:p>
+        </p:txBody>
+      </p:sp>
+    </p:spTree>
+    <p:extLst>
+      <p:ext uri="{BB962C8B-B14F-4D97-AF65-F5344CB8AC3E}">
+        <p14:creationId xmlns:p14="http://schemas.microsoft.com/office/powerpoint/2010/main" val="2357850298"/>
+      </p:ext>
+    </p:extLst>
+  </p:cSld>
+  <p:clrMapOvr>
+    <a:masterClrMapping/>
+  </p:clrMapOvr>
+  <p:timing>
+    <p:tnLst>
+      <p:par>
+        <p:cTn id="1" dur="indefinite" restart="never" nodeType="tmRoot"/>
+      </p:par>
+    </p:tnLst>
+  </p:timing>
+</p:sld>
+</file>
+
+<file path=ppt/slides/slide25.xml><?xml version="1.0" encoding="utf-8"?>
+<p:sld xmlns:a="http://schemas.openxmlformats.org/drawingml/2006/main" xmlns:r="http://schemas.openxmlformats.org/officeDocument/2006/relationships" xmlns:p="http://schemas.openxmlformats.org/presentationml/2006/main">
+  <p:cSld>
+    <p:spTree>
+      <p:nvGrpSpPr>
         <p:cNvPr id="1" name="Shape 114"/>
         <p:cNvGrpSpPr/>
         <p:nvPr/>
@@ -23655,7 +27206,7 @@
 </p:sld>
 </file>
 
-<file path=ppt/slides/slide21.xml><?xml version="1.0" encoding="utf-8"?>
+<file path=ppt/slides/slide26.xml><?xml version="1.0" encoding="utf-8"?>
 <p:sld xmlns:a="http://schemas.openxmlformats.org/drawingml/2006/main" xmlns:r="http://schemas.openxmlformats.org/officeDocument/2006/relationships" xmlns:p="http://schemas.openxmlformats.org/presentationml/2006/main">
   <p:cSld>
     <p:spTree>
@@ -24203,7 +27754,7 @@
 </p:sld>
 </file>
 
-<file path=ppt/slides/slide22.xml><?xml version="1.0" encoding="utf-8"?>
+<file path=ppt/slides/slide27.xml><?xml version="1.0" encoding="utf-8"?>
 <p:sld xmlns:a="http://schemas.openxmlformats.org/drawingml/2006/main" xmlns:r="http://schemas.openxmlformats.org/officeDocument/2006/relationships" xmlns:p="http://schemas.openxmlformats.org/presentationml/2006/main">
   <p:cSld>
     <p:spTree>

--- a/JavaScript.pptx
+++ b/JavaScript.pptx
@@ -30130,11 +30130,7 @@
             </a:pPr>
             <a:r>
               <a:rPr lang="en" sz="3300" b="1" dirty="0" smtClean="0"/>
-              <a:t>JAVA SCRIPT </a:t>
-            </a:r>
-            <a:r>
-              <a:rPr lang="en" sz="3300" b="1" dirty="0" smtClean="0"/>
-              <a:t>OBJECTS</a:t>
+              <a:t>JAVA SCRIPT OBJECTS</a:t>
             </a:r>
             <a:endParaRPr sz="3300" b="1" dirty="0"/>
           </a:p>
@@ -30685,10 +30681,6 @@
               <a:rPr lang="en-US" sz="1200" dirty="0"/>
               <a:t> person = {</a:t>
             </a:r>
-            <a:r>
-              <a:rPr lang="en-US" sz="1200" dirty="0"/>
-              <a:t/>
-            </a:r>
             <a:br>
               <a:rPr lang="en-US" sz="1200" dirty="0"/>
             </a:br>
@@ -30704,10 +30696,6 @@
               <a:rPr lang="en-US" sz="1200" dirty="0"/>
               <a:t>: "John",</a:t>
             </a:r>
-            <a:r>
-              <a:rPr lang="en-US" sz="1200" dirty="0"/>
-              <a:t/>
-            </a:r>
             <a:br>
               <a:rPr lang="en-US" sz="1200" dirty="0"/>
             </a:br>
@@ -30723,10 +30711,6 @@
               <a:rPr lang="en-US" sz="1200" dirty="0"/>
               <a:t>: "Doe",</a:t>
             </a:r>
-            <a:r>
-              <a:rPr lang="en-US" sz="1200" dirty="0"/>
-              <a:t/>
-            </a:r>
             <a:br>
               <a:rPr lang="en-US" sz="1200" dirty="0"/>
             </a:br>
@@ -30734,10 +30718,6 @@
               <a:rPr lang="en-US" sz="1200" dirty="0"/>
               <a:t>  age: 50,</a:t>
             </a:r>
-            <a:r>
-              <a:rPr lang="en-US" sz="1200" dirty="0"/>
-              <a:t/>
-            </a:r>
             <a:br>
               <a:rPr lang="en-US" sz="1200" dirty="0"/>
             </a:br>
@@ -30752,10 +30732,6 @@
             <a:r>
               <a:rPr lang="en-US" sz="1200" dirty="0"/>
               <a:t>: "blue"</a:t>
-            </a:r>
-            <a:r>
-              <a:rPr lang="en-US" sz="1200" dirty="0"/>
-              <a:t/>
             </a:r>
             <a:br>
               <a:rPr lang="en-US" sz="1200" dirty="0"/>
@@ -30798,10 +30774,6 @@
               <a:rPr lang="en-US" sz="1200" dirty="0"/>
               <a:t> person = {};</a:t>
             </a:r>
-            <a:r>
-              <a:rPr lang="en-US" sz="1200" dirty="0"/>
-              <a:t/>
-            </a:r>
             <a:br>
               <a:rPr lang="en-US" sz="1200" dirty="0"/>
             </a:br>
@@ -30827,10 +30799,6 @@
               <a:rPr lang="en-US" sz="1200" dirty="0"/>
               <a:t> = "John";</a:t>
             </a:r>
-            <a:r>
-              <a:rPr lang="en-US" sz="1200" dirty="0"/>
-              <a:t/>
-            </a:r>
             <a:br>
               <a:rPr lang="en-US" sz="1200" dirty="0"/>
             </a:br>
@@ -30842,10 +30810,6 @@
               <a:rPr lang="en-US" sz="1200" dirty="0"/>
               <a:t> = "Doe";</a:t>
             </a:r>
-            <a:r>
-              <a:rPr lang="en-US" sz="1200" dirty="0"/>
-              <a:t/>
-            </a:r>
             <a:br>
               <a:rPr lang="en-US" sz="1200" dirty="0"/>
             </a:br>
@@ -30856,10 +30820,6 @@
             <a:r>
               <a:rPr lang="en-US" sz="1200" dirty="0"/>
               <a:t> = 50;</a:t>
-            </a:r>
-            <a:r>
-              <a:rPr lang="en-US" sz="1200" dirty="0"/>
-              <a:t/>
             </a:r>
             <a:br>
               <a:rPr lang="en-US" sz="1200" dirty="0"/>
@@ -30951,11 +30911,7 @@
             </a:pPr>
             <a:r>
               <a:rPr lang="en" sz="3300" b="1" dirty="0" smtClean="0"/>
-              <a:t>JAVA SCRIPT </a:t>
-            </a:r>
-            <a:r>
-              <a:rPr lang="en" sz="3300" b="1" dirty="0" smtClean="0"/>
-              <a:t>OBJECTS</a:t>
+              <a:t>JAVA SCRIPT OBJECTS</a:t>
             </a:r>
             <a:endParaRPr sz="3300" b="1" dirty="0"/>
           </a:p>
@@ -31449,10 +31405,6 @@
               <a:rPr lang="en-US" sz="1200" dirty="0"/>
               <a:t> person = new Object();</a:t>
             </a:r>
-            <a:r>
-              <a:rPr lang="en-US" sz="1200" dirty="0"/>
-              <a:t/>
-            </a:r>
             <a:br>
               <a:rPr lang="en-US" sz="1200" dirty="0"/>
             </a:br>
@@ -31478,10 +31430,6 @@
               <a:rPr lang="en-US" sz="1200" dirty="0"/>
               <a:t> = "John";</a:t>
             </a:r>
-            <a:r>
-              <a:rPr lang="en-US" sz="1200" dirty="0"/>
-              <a:t/>
-            </a:r>
             <a:br>
               <a:rPr lang="en-US" sz="1200" dirty="0"/>
             </a:br>
@@ -31493,10 +31441,6 @@
               <a:rPr lang="en-US" sz="1200" dirty="0"/>
               <a:t> = "Doe";</a:t>
             </a:r>
-            <a:r>
-              <a:rPr lang="en-US" sz="1200" dirty="0"/>
-              <a:t/>
-            </a:r>
             <a:br>
               <a:rPr lang="en-US" sz="1200" dirty="0"/>
             </a:br>
@@ -31507,10 +31451,6 @@
             <a:r>
               <a:rPr lang="en-US" sz="1200" dirty="0"/>
               <a:t> = 50;</a:t>
-            </a:r>
-            <a:r>
-              <a:rPr lang="en-US" sz="1200" dirty="0"/>
-              <a:t/>
             </a:r>
             <a:br>
               <a:rPr lang="en-US" sz="1200" dirty="0"/>
@@ -31825,11 +31765,7 @@
             </a:pPr>
             <a:r>
               <a:rPr lang="en" sz="3300" b="1" dirty="0" smtClean="0"/>
-              <a:t>JAVA SCRIPT </a:t>
-            </a:r>
-            <a:r>
-              <a:rPr lang="en" sz="3300" b="1" dirty="0" smtClean="0"/>
-              <a:t>OBJECTS</a:t>
+              <a:t>JAVA SCRIPT OBJECTS</a:t>
             </a:r>
             <a:endParaRPr sz="3300" b="1" dirty="0"/>
           </a:p>
@@ -32099,10 +32035,6 @@
               <a:rPr lang="en-US" dirty="0"/>
               <a:t> = {</a:t>
             </a:r>
-            <a:r>
-              <a:rPr lang="en-US" dirty="0"/>
-              <a:t/>
-            </a:r>
             <a:br>
               <a:rPr lang="en-US" dirty="0"/>
             </a:br>
@@ -32118,10 +32050,6 @@
               <a:rPr lang="en-US" dirty="0"/>
               <a:t>: "John",</a:t>
             </a:r>
-            <a:r>
-              <a:rPr lang="en-US" dirty="0"/>
-              <a:t/>
-            </a:r>
             <a:br>
               <a:rPr lang="en-US" dirty="0"/>
             </a:br>
@@ -32137,10 +32065,6 @@
               <a:rPr lang="en-US" dirty="0"/>
               <a:t>: "Doe",</a:t>
             </a:r>
-            <a:r>
-              <a:rPr lang="en-US" dirty="0"/>
-              <a:t/>
-            </a:r>
             <a:br>
               <a:rPr lang="en-US" dirty="0"/>
             </a:br>
@@ -32148,10 +32072,6 @@
               <a:rPr lang="en-US" dirty="0"/>
               <a:t>  id: 5566,</a:t>
             </a:r>
-            <a:r>
-              <a:rPr lang="en-US" dirty="0"/>
-              <a:t/>
-            </a:r>
             <a:br>
               <a:rPr lang="en-US" dirty="0"/>
             </a:br>
@@ -32167,10 +32087,6 @@
               <a:rPr lang="en-US" dirty="0"/>
               <a:t>: function() {</a:t>
             </a:r>
-            <a:r>
-              <a:rPr lang="en-US" dirty="0"/>
-              <a:t/>
-            </a:r>
             <a:br>
               <a:rPr lang="en-US" dirty="0"/>
             </a:br>
@@ -32202,10 +32118,6 @@
               <a:rPr lang="en-US" dirty="0"/>
               <a:t>;</a:t>
             </a:r>
-            <a:r>
-              <a:rPr lang="en-US" dirty="0"/>
-              <a:t/>
-            </a:r>
             <a:br>
               <a:rPr lang="en-US" dirty="0"/>
             </a:br>
@@ -32213,10 +32125,6 @@
               <a:rPr lang="en-US" dirty="0"/>
               <a:t>  }</a:t>
             </a:r>
-            <a:r>
-              <a:rPr lang="en-US" dirty="0"/>
-              <a:t/>
-            </a:r>
             <a:br>
               <a:rPr lang="en-US" dirty="0"/>
             </a:br>
@@ -32242,10 +32150,6 @@
               <a:rPr lang="en-US" dirty="0"/>
               <a:t>person.name = function () {</a:t>
             </a:r>
-            <a:r>
-              <a:rPr lang="en-US" dirty="0"/>
-              <a:t/>
-            </a:r>
             <a:br>
               <a:rPr lang="en-US" dirty="0"/>
             </a:br>
@@ -32268,10 +32172,6 @@
             <a:r>
               <a:rPr lang="en-US" dirty="0"/>
               <a:t>;</a:t>
-            </a:r>
-            <a:r>
-              <a:rPr lang="en-US" dirty="0"/>
-              <a:t/>
             </a:r>
             <a:br>
               <a:rPr lang="en-US" dirty="0"/>
@@ -32359,11 +32259,7 @@
             </a:pPr>
             <a:r>
               <a:rPr lang="en" sz="2600" b="1" dirty="0" smtClean="0"/>
-              <a:t>JAVA SCRIPT </a:t>
-            </a:r>
-            <a:r>
-              <a:rPr lang="en" sz="2600" b="1" dirty="0" smtClean="0"/>
-              <a:t>ARRAY</a:t>
+              <a:t>JAVA SCRIPT ARRAY</a:t>
             </a:r>
             <a:endParaRPr sz="2600" b="1" dirty="0"/>
           </a:p>
@@ -32673,10 +32569,6 @@
               <a:rPr lang="en-US" sz="1200" dirty="0"/>
               <a:t> cars = [];</a:t>
             </a:r>
-            <a:r>
-              <a:rPr lang="en-US" sz="1200" dirty="0"/>
-              <a:t/>
-            </a:r>
             <a:br>
               <a:rPr lang="en-US" sz="1200" dirty="0"/>
             </a:br>
@@ -32684,10 +32576,6 @@
               <a:rPr lang="en-US" sz="1200" dirty="0"/>
               <a:t>cars[0]= "Saab";</a:t>
             </a:r>
-            <a:r>
-              <a:rPr lang="en-US" sz="1200" dirty="0"/>
-              <a:t/>
-            </a:r>
             <a:br>
               <a:rPr lang="en-US" sz="1200" dirty="0"/>
             </a:br>
@@ -32695,10 +32583,6 @@
               <a:rPr lang="en-US" sz="1200" dirty="0"/>
               <a:t>cars[1]= "Volvo";</a:t>
             </a:r>
-            <a:r>
-              <a:rPr lang="en-US" sz="1200" dirty="0"/>
-              <a:t/>
-            </a:r>
             <a:br>
               <a:rPr lang="en-US" sz="1200" dirty="0"/>
             </a:br>
@@ -32736,10 +32620,6 @@
               <a:rPr lang="fr-FR" sz="1200" dirty="0"/>
               <a:t> fruits = ["Banana", "Orange", "Apple", "Mango"];</a:t>
             </a:r>
-            <a:r>
-              <a:rPr lang="fr-FR" sz="1200" dirty="0"/>
-              <a:t/>
-            </a:r>
             <a:br>
               <a:rPr lang="fr-FR" sz="1200" dirty="0"/>
             </a:br>
@@ -32776,10 +32656,6 @@
             <a:r>
               <a:rPr lang="en-US" sz="1200" dirty="0"/>
               <a:t> fruits = ["Banana", "Orange", "Apple", "Mango"];</a:t>
-            </a:r>
-            <a:r>
-              <a:rPr lang="en-US" sz="1200" dirty="0"/>
-              <a:t/>
             </a:r>
             <a:br>
               <a:rPr lang="en-US" sz="1200" dirty="0"/>
@@ -32878,11 +32754,7 @@
             </a:pPr>
             <a:r>
               <a:rPr lang="en" sz="2600" b="1" dirty="0" smtClean="0"/>
-              <a:t>JAVA SCRIPT </a:t>
-            </a:r>
-            <a:r>
-              <a:rPr lang="en" sz="2600" b="1" dirty="0" smtClean="0"/>
-              <a:t>ARRAY METHODS</a:t>
+              <a:t>JAVA SCRIPT ARRAY METHODS</a:t>
             </a:r>
             <a:endParaRPr sz="2600" b="1" dirty="0"/>
           </a:p>
@@ -33779,10 +33651,6 @@
               <a:rPr lang="en-US" sz="1200" dirty="0"/>
               <a:t> fruits = ["Banana", "Orange", "Apple", "Mango"];</a:t>
             </a:r>
-            <a:r>
-              <a:rPr lang="en-US" sz="1200" dirty="0"/>
-              <a:t/>
-            </a:r>
             <a:br>
               <a:rPr lang="en-US" sz="1200" dirty="0"/>
             </a:br>
@@ -33904,10 +33772,6 @@
             <a:r>
               <a:rPr lang="en-US" sz="1200" dirty="0"/>
               <a:t> fruits = ["Banana", "Orange", "Apple", "Mango"];</a:t>
-            </a:r>
-            <a:r>
-              <a:rPr lang="en-US" sz="1200" dirty="0"/>
-              <a:t/>
             </a:r>
             <a:br>
               <a:rPr lang="en-US" sz="1200" dirty="0"/>
@@ -34012,11 +33876,7 @@
             </a:pPr>
             <a:r>
               <a:rPr lang="en" sz="2600" b="1" dirty="0" smtClean="0"/>
-              <a:t>JAVA SCRIPT </a:t>
-            </a:r>
-            <a:r>
-              <a:rPr lang="en" sz="2600" b="1" dirty="0" smtClean="0"/>
-              <a:t>ARRAYS</a:t>
+              <a:t>JAVA SCRIPT ARRAYS</a:t>
             </a:r>
             <a:endParaRPr sz="2600" b="1" dirty="0"/>
           </a:p>
@@ -34520,10 +34380,6 @@
               <a:rPr lang="en-US" sz="1300" dirty="0"/>
               <a:t> fruits = ["Banana", "Orange", "Apple", "Mango"];</a:t>
             </a:r>
-            <a:r>
-              <a:rPr lang="en-US" sz="1300" dirty="0"/>
-              <a:t/>
-            </a:r>
             <a:br>
               <a:rPr lang="en-US" sz="1300" dirty="0"/>
             </a:br>
@@ -34629,10 +34485,6 @@
               <a:rPr lang="en-US" sz="1300" dirty="0"/>
               <a:t> fruits = ["Banana", "Orange", "Apple", "Mango"];</a:t>
             </a:r>
-            <a:r>
-              <a:rPr lang="en-US" sz="1300" dirty="0"/>
-              <a:t/>
-            </a:r>
             <a:br>
               <a:rPr lang="en-US" sz="1300" dirty="0"/>
             </a:br>
@@ -34771,10 +34623,6 @@
               <a:rPr lang="en-US" sz="1300" dirty="0"/>
               <a:t>", "Lone"];</a:t>
             </a:r>
-            <a:r>
-              <a:rPr lang="en-US" sz="1300" dirty="0"/>
-              <a:t/>
-            </a:r>
             <a:br>
               <a:rPr lang="en-US" sz="1300" dirty="0"/>
             </a:br>
@@ -34793,10 +34641,6 @@
             <a:r>
               <a:rPr lang="en-US" sz="1300" dirty="0"/>
               <a:t> = ["Emil", "Tobias", "Linus"];</a:t>
-            </a:r>
-            <a:r>
-              <a:rPr lang="en-US" sz="1300" dirty="0"/>
-              <a:t/>
             </a:r>
             <a:br>
               <a:rPr lang="en-US" sz="1300" dirty="0"/>
@@ -34916,11 +34760,7 @@
             </a:pPr>
             <a:r>
               <a:rPr lang="en" sz="3300" b="1" dirty="0" smtClean="0"/>
-              <a:t>JAVA SCRIPT </a:t>
-            </a:r>
-            <a:r>
-              <a:rPr lang="en" sz="3300" b="1" dirty="0" smtClean="0"/>
-              <a:t>STRING METHODS</a:t>
+              <a:t>JAVA SCRIPT STRING METHODS</a:t>
             </a:r>
             <a:endParaRPr sz="3300" b="1" dirty="0"/>
           </a:p>
@@ -35180,17 +35020,6 @@
               </a:rPr>
               <a:t>STRING MEHTODS</a:t>
             </a:r>
-            <a:endParaRPr kumimoji="0" lang="en-US" altLang="en-US" sz="1600" b="1" i="0" u="none" strike="noStrike" cap="none" normalizeH="0" baseline="0" dirty="0" smtClean="0">
-              <a:ln>
-                <a:noFill/>
-              </a:ln>
-              <a:solidFill>
-                <a:srgbClr val="002060"/>
-              </a:solidFill>
-              <a:effectLst/>
-              <a:latin typeface="Segoe UI" panose="020B0502040204020203" pitchFamily="34" charset="0"/>
-              <a:cs typeface="Segoe UI" panose="020B0502040204020203" pitchFamily="34" charset="0"/>
-            </a:endParaRPr>
           </a:p>
         </p:txBody>
       </p:sp>
@@ -35871,11 +35700,7 @@
             </a:pPr>
             <a:r>
               <a:rPr lang="en" sz="3300" b="1" dirty="0" smtClean="0"/>
-              <a:t>JAVA SCRIPT </a:t>
-            </a:r>
-            <a:r>
-              <a:rPr lang="en" sz="3300" b="1" dirty="0" smtClean="0"/>
-              <a:t>STRING METHODS</a:t>
+              <a:t>JAVA SCRIPT STRING METHODS</a:t>
             </a:r>
             <a:endParaRPr sz="3300" b="1" dirty="0"/>
           </a:p>
@@ -36149,10 +35974,6 @@
               <a:rPr lang="en-US" dirty="0"/>
               <a:t>let text = "ABCDEFGHIJKLMNOPQRSTUVWXYZ";</a:t>
             </a:r>
-            <a:r>
-              <a:rPr lang="en-US" dirty="0"/>
-              <a:t/>
-            </a:r>
             <a:br>
               <a:rPr lang="en-US" dirty="0"/>
             </a:br>
@@ -36270,10 +36091,6 @@
               <a:rPr lang="en-US" dirty="0"/>
               <a:t>let text = "HELLO WORLD";</a:t>
             </a:r>
-            <a:r>
-              <a:rPr lang="en-US" dirty="0"/>
-              <a:t/>
-            </a:r>
             <a:br>
               <a:rPr lang="en-US" dirty="0"/>
             </a:br>
@@ -36389,10 +36206,6 @@
             <a:r>
               <a:rPr lang="en-US" dirty="0"/>
               <a:t>let text = "HELLO WORLD";</a:t>
-            </a:r>
-            <a:r>
-              <a:rPr lang="en-US" dirty="0"/>
-              <a:t/>
             </a:r>
             <a:br>
               <a:rPr lang="en-US" dirty="0"/>
@@ -36494,11 +36307,7 @@
             </a:pPr>
             <a:r>
               <a:rPr lang="en" sz="2400" b="1" dirty="0" smtClean="0"/>
-              <a:t>JAVA SCRIPT </a:t>
-            </a:r>
-            <a:r>
-              <a:rPr lang="en" sz="2400" b="1" dirty="0" smtClean="0"/>
-              <a:t>STRING METHODS</a:t>
+              <a:t>JAVA SCRIPT STRING METHODS</a:t>
             </a:r>
             <a:endParaRPr sz="2400" b="1" dirty="0"/>
           </a:p>
@@ -36958,10 +36767,6 @@
               <a:rPr lang="en-US" sz="1200" dirty="0"/>
               <a:t> text = "Apple, Banana, Kiwi";</a:t>
             </a:r>
-            <a:r>
-              <a:rPr lang="en-US" sz="1200" dirty="0"/>
-              <a:t/>
-            </a:r>
             <a:br>
               <a:rPr lang="en-US" sz="1200" dirty="0"/>
             </a:br>
@@ -37001,10 +36806,6 @@
               <a:rPr lang="en-US" sz="1200" dirty="0"/>
               <a:t>let text = "Apple, Banana, Kiwi";</a:t>
             </a:r>
-            <a:r>
-              <a:rPr lang="en-US" sz="1200" dirty="0"/>
-              <a:t/>
-            </a:r>
             <a:br>
               <a:rPr lang="en-US" sz="1200" dirty="0"/>
             </a:br>
@@ -37158,10 +36959,6 @@
             <a:r>
               <a:rPr lang="en-US" sz="1200" dirty="0"/>
               <a:t> = "Apple, Banana, Kiwi";</a:t>
-            </a:r>
-            <a:r>
-              <a:rPr lang="en-US" sz="1200" dirty="0"/>
-              <a:t/>
             </a:r>
             <a:br>
               <a:rPr lang="en-US" sz="1200" dirty="0"/>
@@ -37254,11 +37051,7 @@
             </a:pPr>
             <a:r>
               <a:rPr lang="en" sz="2400" b="1" dirty="0" smtClean="0"/>
-              <a:t>JAVA SCRIPT </a:t>
-            </a:r>
-            <a:r>
-              <a:rPr lang="en" sz="2400" b="1" dirty="0" smtClean="0"/>
-              <a:t>STRING METHODS</a:t>
+              <a:t>JAVA SCRIPT STRING METHODS</a:t>
             </a:r>
             <a:endParaRPr sz="2400" b="1" dirty="0"/>
           </a:p>
@@ -37567,10 +37360,6 @@
               <a:rPr lang="en-US" sz="1200" dirty="0"/>
               <a:t> = "Apple, Banana, Kiwi";</a:t>
             </a:r>
-            <a:r>
-              <a:rPr lang="en-US" sz="1200" dirty="0"/>
-              <a:t/>
-            </a:r>
             <a:br>
               <a:rPr lang="en-US" sz="1200" dirty="0"/>
             </a:br>
@@ -37631,10 +37420,6 @@
               <a:rPr lang="en-US" sz="1200" dirty="0"/>
               <a:t>let text1 = "Hello World!";</a:t>
             </a:r>
-            <a:r>
-              <a:rPr lang="en-US" sz="1200" dirty="0"/>
-              <a:t/>
-            </a:r>
             <a:br>
               <a:rPr lang="en-US" sz="1200" dirty="0"/>
             </a:br>
@@ -37736,20 +37521,12 @@
               <a:rPr lang="en-US" sz="1200" dirty="0"/>
               <a:t>let text1 = "Hello";</a:t>
             </a:r>
-            <a:r>
-              <a:rPr lang="en-US" sz="1200" dirty="0"/>
-              <a:t/>
-            </a:r>
             <a:br>
               <a:rPr lang="en-US" sz="1200" dirty="0"/>
             </a:br>
             <a:r>
               <a:rPr lang="en-US" sz="1200" dirty="0"/>
               <a:t>let text2 = "World";</a:t>
-            </a:r>
-            <a:r>
-              <a:rPr lang="en-US" sz="1200" dirty="0"/>
-              <a:t/>
             </a:r>
             <a:br>
               <a:rPr lang="en-US" sz="1200" dirty="0"/>
@@ -37776,10 +37553,6 @@
             <a:r>
               <a:rPr lang="en-US" sz="1200" dirty="0"/>
               <a:t>text = "Hello" + " " + "World!";</a:t>
-            </a:r>
-            <a:r>
-              <a:rPr lang="en-US" sz="1200" dirty="0"/>
-              <a:t/>
             </a:r>
             <a:br>
               <a:rPr lang="en-US" sz="1200" dirty="0"/>
@@ -37876,11 +37649,7 @@
             </a:pPr>
             <a:r>
               <a:rPr lang="en" sz="2400" b="1" dirty="0" smtClean="0"/>
-              <a:t>JAVA SCRIPT </a:t>
-            </a:r>
-            <a:r>
-              <a:rPr lang="en" sz="2400" b="1" dirty="0" smtClean="0"/>
-              <a:t>STRING METHODS</a:t>
+              <a:t>JAVA SCRIPT STRING METHODS</a:t>
             </a:r>
             <a:endParaRPr sz="2400" b="1" dirty="0"/>
           </a:p>
@@ -38125,10 +37894,6 @@
               <a:rPr lang="en-US" sz="1200" dirty="0"/>
               <a:t>let text1 = "      Hello World!      ";</a:t>
             </a:r>
-            <a:r>
-              <a:rPr lang="en-US" sz="1200" dirty="0"/>
-              <a:t/>
-            </a:r>
             <a:br>
               <a:rPr lang="en-US" sz="1200" dirty="0"/>
             </a:br>
@@ -38192,10 +37957,6 @@
               <a:rPr lang="en-US" sz="1200" dirty="0"/>
               <a:t>let text1 = "     Hello World!     ";</a:t>
             </a:r>
-            <a:r>
-              <a:rPr lang="en-US" sz="1200" dirty="0"/>
-              <a:t/>
-            </a:r>
             <a:br>
               <a:rPr lang="en-US" sz="1200" dirty="0"/>
             </a:br>
@@ -38259,10 +38020,6 @@
               <a:rPr lang="en-US" sz="1200" dirty="0"/>
               <a:t>let text1 = "     Hello World!     ";</a:t>
             </a:r>
-            <a:r>
-              <a:rPr lang="en-US" sz="1200" dirty="0"/>
-              <a:t/>
-            </a:r>
             <a:br>
               <a:rPr lang="en-US" sz="1200" dirty="0"/>
             </a:br>
@@ -38356,10 +38113,6 @@
               <a:rPr lang="en-US" sz="1200" dirty="0"/>
               <a:t> text = "Please visit Microsoft!";</a:t>
             </a:r>
-            <a:r>
-              <a:rPr lang="en-US" sz="1200" dirty="0"/>
-              <a:t/>
-            </a:r>
             <a:br>
               <a:rPr lang="en-US" sz="1200" dirty="0"/>
             </a:br>
@@ -38383,7 +38136,6 @@
               <a:rPr lang="en-US" sz="1200" dirty="0"/>
               <a:t>("Microsoft", "W3Schools");</a:t>
             </a:r>
-            <a:endParaRPr lang="en-US" sz="1200" dirty="0"/>
           </a:p>
         </p:txBody>
       </p:sp>
@@ -38454,11 +38206,7 @@
             </a:pPr>
             <a:r>
               <a:rPr lang="en" sz="2400" b="1" dirty="0" smtClean="0"/>
-              <a:t>JAVA SCRIPT </a:t>
-            </a:r>
-            <a:r>
-              <a:rPr lang="en" sz="2400" b="1" dirty="0" smtClean="0"/>
-              <a:t>STRING SEARCH METHODS</a:t>
+              <a:t>JAVA SCRIPT STRING SEARCH METHODS</a:t>
             </a:r>
             <a:endParaRPr sz="2400" b="1" dirty="0"/>
           </a:p>
@@ -39161,10 +38909,6 @@
               <a:rPr lang="en-US" sz="1100" dirty="0"/>
               <a:t>let text = "Please locate where 'locate' occurs!";</a:t>
             </a:r>
-            <a:r>
-              <a:rPr lang="en-US" sz="1100" dirty="0"/>
-              <a:t/>
-            </a:r>
             <a:br>
               <a:rPr lang="en-US" sz="1100" dirty="0"/>
             </a:br>
@@ -39316,10 +39060,6 @@
               <a:rPr lang="en-US" sz="1100" dirty="0"/>
               <a:t>let text = "Please locate where 'locate' occurs!";</a:t>
             </a:r>
-            <a:r>
-              <a:rPr lang="en-US" sz="1100" dirty="0"/>
-              <a:t/>
-            </a:r>
             <a:br>
               <a:rPr lang="en-US" sz="1100" dirty="0"/>
             </a:br>
@@ -39421,10 +39161,6 @@
             <a:r>
               <a:rPr lang="en-US" sz="1100" dirty="0"/>
               <a:t>let text = "Please locate where 'locate' occurs!";</a:t>
-            </a:r>
-            <a:r>
-              <a:rPr lang="en-US" sz="1100" dirty="0"/>
-              <a:t/>
             </a:r>
             <a:br>
               <a:rPr lang="en-US" sz="1100" dirty="0"/>
@@ -39723,7 +39459,7 @@
               <a:buChar char="❖"/>
             </a:pPr>
             <a:r>
-              <a:rPr lang="en" sz="2000" b="1">
+              <a:rPr lang="en" sz="2000" b="1" dirty="0">
                 <a:solidFill>
                   <a:schemeClr val="dk2"/>
                 </a:solidFill>
@@ -39734,7 +39470,7 @@
               </a:rPr>
               <a:t>JavaScript Introduction &amp; Basics</a:t>
             </a:r>
-            <a:endParaRPr sz="2000" b="1">
+            <a:endParaRPr sz="2000" b="1" dirty="0">
               <a:solidFill>
                 <a:schemeClr val="dk2"/>
               </a:solidFill>
@@ -39760,7 +39496,7 @@
               <a:buChar char="❖"/>
             </a:pPr>
             <a:r>
-              <a:rPr lang="en" sz="2000" b="1">
+              <a:rPr lang="en" sz="2000" b="1" dirty="0">
                 <a:solidFill>
                   <a:schemeClr val="dk2"/>
                 </a:solidFill>
@@ -39771,7 +39507,7 @@
               </a:rPr>
               <a:t>JavaScript Environment Setup</a:t>
             </a:r>
-            <a:endParaRPr sz="2000" b="1">
+            <a:endParaRPr sz="2000" b="1" dirty="0">
               <a:solidFill>
                 <a:schemeClr val="dk2"/>
               </a:solidFill>
@@ -39797,7 +39533,7 @@
               <a:buChar char="❖"/>
             </a:pPr>
             <a:r>
-              <a:rPr lang="en" sz="2000" b="1">
+              <a:rPr lang="en" sz="2000" b="1" dirty="0">
                 <a:solidFill>
                   <a:schemeClr val="dk2"/>
                 </a:solidFill>
@@ -39808,7 +39544,7 @@
               </a:rPr>
               <a:t>JS Variables and Data Types</a:t>
             </a:r>
-            <a:endParaRPr sz="2000" b="1">
+            <a:endParaRPr sz="2000" b="1" dirty="0">
               <a:solidFill>
                 <a:schemeClr val="dk2"/>
               </a:solidFill>
@@ -39834,7 +39570,7 @@
               <a:buChar char="❖"/>
             </a:pPr>
             <a:r>
-              <a:rPr lang="en" sz="2000" b="1">
+              <a:rPr lang="en" sz="2000" b="1" dirty="0">
                 <a:solidFill>
                   <a:schemeClr val="dk2"/>
                 </a:solidFill>
@@ -39845,7 +39581,7 @@
               </a:rPr>
               <a:t>JS Operators / Conditional Logics</a:t>
             </a:r>
-            <a:endParaRPr sz="2000" b="1">
+            <a:endParaRPr sz="2000" b="1" dirty="0">
               <a:solidFill>
                 <a:schemeClr val="dk2"/>
               </a:solidFill>
@@ -39871,7 +39607,7 @@
               <a:buChar char="❖"/>
             </a:pPr>
             <a:r>
-              <a:rPr lang="en" sz="2000" b="1">
+              <a:rPr lang="en" sz="2000" b="1" dirty="0">
                 <a:solidFill>
                   <a:schemeClr val="dk2"/>
                 </a:solidFill>
@@ -39882,7 +39618,7 @@
               </a:rPr>
               <a:t>JS Arrays, Objects &amp; Loops</a:t>
             </a:r>
-            <a:endParaRPr sz="2000" b="1">
+            <a:endParaRPr sz="2000" b="1" dirty="0">
               <a:solidFill>
                 <a:schemeClr val="dk2"/>
               </a:solidFill>
@@ -39919,7 +39655,7 @@
               </a:rPr>
               <a:t>JS Arrow Functions, LET &amp; CONST</a:t>
             </a:r>
-            <a:endParaRPr sz="2000" b="1">
+            <a:endParaRPr sz="2000" b="1" dirty="0">
               <a:solidFill>
                 <a:schemeClr val="dk2"/>
               </a:solidFill>
@@ -39945,7 +39681,7 @@
               <a:buChar char="❖"/>
             </a:pPr>
             <a:r>
-              <a:rPr lang="en" sz="2000" b="1">
+              <a:rPr lang="en" sz="2000" b="1" dirty="0">
                 <a:solidFill>
                   <a:schemeClr val="dk2"/>
                 </a:solidFill>
@@ -39956,7 +39692,7 @@
               </a:rPr>
               <a:t>JS Strings and Array Methods</a:t>
             </a:r>
-            <a:endParaRPr sz="2000" b="1">
+            <a:endParaRPr sz="2000" b="1" dirty="0">
               <a:solidFill>
                 <a:schemeClr val="dk2"/>
               </a:solidFill>
@@ -39982,7 +39718,7 @@
               <a:buChar char="❖"/>
             </a:pPr>
             <a:r>
-              <a:rPr lang="en" sz="2000" b="1">
+              <a:rPr lang="en" sz="2000" b="1" dirty="0">
                 <a:solidFill>
                   <a:schemeClr val="dk2"/>
                 </a:solidFill>
@@ -39993,7 +39729,7 @@
               </a:rPr>
               <a:t>Asynchronous JavaScript with Promises and Async Wait</a:t>
             </a:r>
-            <a:endParaRPr sz="2000" b="1">
+            <a:endParaRPr sz="2000" b="1" dirty="0">
               <a:solidFill>
                 <a:schemeClr val="dk2"/>
               </a:solidFill>
@@ -40019,7 +39755,7 @@
               <a:buChar char="❖"/>
             </a:pPr>
             <a:r>
-              <a:rPr lang="en" sz="2000" b="1">
+              <a:rPr lang="en" sz="2000" b="1" dirty="0">
                 <a:solidFill>
                   <a:schemeClr val="dk2"/>
                 </a:solidFill>
@@ -40030,7 +39766,7 @@
               </a:rPr>
               <a:t>JS Calling API</a:t>
             </a:r>
-            <a:endParaRPr sz="2000" b="1">
+            <a:endParaRPr sz="2000" b="1" dirty="0">
               <a:solidFill>
                 <a:schemeClr val="dk2"/>
               </a:solidFill>
@@ -40056,7 +39792,7 @@
               <a:buChar char="❖"/>
             </a:pPr>
             <a:r>
-              <a:rPr lang="en" sz="2000" b="1">
+              <a:rPr lang="en" sz="2000" b="1" dirty="0">
                 <a:solidFill>
                   <a:schemeClr val="dk2"/>
                 </a:solidFill>
@@ -40067,7 +39803,7 @@
               </a:rPr>
               <a:t>JS Parsing and Working with JSON</a:t>
             </a:r>
-            <a:endParaRPr sz="2000" b="1">
+            <a:endParaRPr sz="2000" b="1" dirty="0">
               <a:solidFill>
                 <a:schemeClr val="dk2"/>
               </a:solidFill>
@@ -40093,7 +39829,7 @@
               <a:buChar char="❖"/>
             </a:pPr>
             <a:r>
-              <a:rPr lang="en" sz="2000" b="1">
+              <a:rPr lang="en" sz="2000" b="1" dirty="0">
                 <a:solidFill>
                   <a:schemeClr val="dk2"/>
                 </a:solidFill>
@@ -40104,7 +39840,7 @@
               </a:rPr>
               <a:t>JS Portfolio Development Libraries</a:t>
             </a:r>
-            <a:endParaRPr sz="2000" b="1">
+            <a:endParaRPr sz="2000" b="1" dirty="0">
               <a:solidFill>
                 <a:schemeClr val="dk2"/>
               </a:solidFill>
@@ -40124,7 +39860,7 @@
               </a:spcAft>
               <a:buNone/>
             </a:pPr>
-            <a:endParaRPr sz="2000" b="1">
+            <a:endParaRPr sz="2000" b="1" dirty="0">
               <a:solidFill>
                 <a:schemeClr val="dk2"/>
               </a:solidFill>
@@ -40144,7 +39880,7 @@
               </a:spcAft>
               <a:buNone/>
             </a:pPr>
-            <a:endParaRPr sz="2000" b="1">
+            <a:endParaRPr sz="2000" b="1" dirty="0">
               <a:solidFill>
                 <a:schemeClr val="dk2"/>
               </a:solidFill>
